--- a/rc_new_user_seminar_2017.pptx
+++ b/rc_new_user_seminar_2017.pptx
@@ -255,7 +255,7 @@
           <a:p>
             <a:fld id="{C649942D-A542-EE42-A1CF-1E4FFF53ED67}" type="datetimeFigureOut">
               <a:rPr lang="en-US" smtClean="0"/>
-              <a:t>5/1/17</a:t>
+              <a:t>5/3/17</a:t>
             </a:fld>
             <a:endParaRPr lang="en-US"/>
           </a:p>
@@ -1496,14 +1496,14 @@
               <ma14:placeholderFlag xmlns:ma14="http://schemas.microsoft.com/office/mac/drawingml/2011/main" val="1"/>
             </a:ext>
             <a:ext uri="{909E8E84-426E-40dd-AFC4-6F175D3DCCD1}">
-              <a14:hiddenFill xmlns="" xmlns:a14="http://schemas.microsoft.com/office/drawing/2010/main">
+              <a14:hiddenFill xmlns:a14="http://schemas.microsoft.com/office/drawing/2010/main" xmlns="">
                 <a:solidFill>
                   <a:srgbClr val="FFFFFF"/>
                 </a:solidFill>
               </a14:hiddenFill>
             </a:ext>
             <a:ext uri="{91240B29-F687-4f45-9708-019B960494DF}">
-              <a14:hiddenLine xmlns="" xmlns:a14="http://schemas.microsoft.com/office/drawing/2010/main" w="9525">
+              <a14:hiddenLine xmlns:a14="http://schemas.microsoft.com/office/drawing/2010/main" xmlns="" w="9525">
                 <a:solidFill>
                   <a:srgbClr val="000000"/>
                 </a:solidFill>
@@ -1541,14 +1541,14 @@
           <a:ln/>
           <a:extLst>
             <a:ext uri="{909E8E84-426E-40dd-AFC4-6F175D3DCCD1}">
-              <a14:hiddenFill xmlns="" xmlns:a14="http://schemas.microsoft.com/office/drawing/2010/main">
+              <a14:hiddenFill xmlns:a14="http://schemas.microsoft.com/office/drawing/2010/main" xmlns="">
                 <a:solidFill>
                   <a:srgbClr val="FFFFFF"/>
                 </a:solidFill>
               </a14:hiddenFill>
             </a:ext>
             <a:ext uri="{91240B29-F687-4f45-9708-019B960494DF}">
-              <a14:hiddenLine xmlns="" xmlns:a14="http://schemas.microsoft.com/office/drawing/2010/main" w="9525">
+              <a14:hiddenLine xmlns:a14="http://schemas.microsoft.com/office/drawing/2010/main" xmlns="" w="9525">
                 <a:solidFill>
                   <a:srgbClr val="000000"/>
                 </a:solidFill>
@@ -2669,7 +2669,7 @@
           <a:p>
             <a:fld id="{ECD68DE7-8E14-F140-9BF8-7DF505A7EC71}" type="datetime1">
               <a:rPr lang="en-US" smtClean="0"/>
-              <a:t>5/1/17</a:t>
+              <a:t>5/3/17</a:t>
             </a:fld>
             <a:endParaRPr lang="en-US"/>
           </a:p>
@@ -2859,7 +2859,7 @@
           <a:p>
             <a:fld id="{1D9E6949-9996-6743-8CFF-FA3A56E13506}" type="datetime1">
               <a:rPr lang="en-US" smtClean="0"/>
-              <a:t>5/1/17</a:t>
+              <a:t>5/3/17</a:t>
             </a:fld>
             <a:endParaRPr lang="en-US"/>
           </a:p>
@@ -3059,7 +3059,7 @@
           <a:p>
             <a:fld id="{B889D5DF-D410-3845-BB2F-EEB43AAD8F50}" type="datetime1">
               <a:rPr lang="en-US" smtClean="0"/>
-              <a:t>5/1/17</a:t>
+              <a:t>5/3/17</a:t>
             </a:fld>
             <a:endParaRPr lang="en-US"/>
           </a:p>
@@ -3346,7 +3346,7 @@
           <a:p>
             <a:fld id="{150E7F26-8C30-8C48-992C-4605BCF373C1}" type="datetime1">
               <a:rPr lang="en-US" smtClean="0"/>
-              <a:t>5/1/17</a:t>
+              <a:t>5/3/17</a:t>
             </a:fld>
             <a:endParaRPr lang="en-US"/>
           </a:p>
@@ -3601,7 +3601,7 @@
           <a:p>
             <a:fld id="{5989D8A3-9E0D-F746-B178-BE7AAD7E1D08}" type="datetime1">
               <a:rPr lang="en-US" smtClean="0"/>
-              <a:t>5/1/17</a:t>
+              <a:t>5/3/17</a:t>
             </a:fld>
             <a:endParaRPr lang="en-US"/>
           </a:p>
@@ -3791,7 +3791,7 @@
           <a:p>
             <a:fld id="{FBFD08B6-FF5B-084B-9D71-755657184AD2}" type="datetime1">
               <a:rPr lang="en-US" smtClean="0"/>
-              <a:t>5/1/17</a:t>
+              <a:t>5/3/17</a:t>
             </a:fld>
             <a:endParaRPr lang="en-US"/>
           </a:p>
@@ -4057,7 +4057,7 @@
           <a:p>
             <a:fld id="{22D37D1D-20E9-C347-9D59-D2454D21F9A1}" type="datetime1">
               <a:rPr lang="en-US" smtClean="0"/>
-              <a:t>5/1/17</a:t>
+              <a:t>5/3/17</a:t>
             </a:fld>
             <a:endParaRPr lang="en-US"/>
           </a:p>
@@ -4365,7 +4365,7 @@
           <a:p>
             <a:fld id="{2BE6509E-27A0-AE45-874D-A23ED8FF69C7}" type="datetime1">
               <a:rPr lang="en-US" smtClean="0"/>
-              <a:t>5/1/17</a:t>
+              <a:t>5/3/17</a:t>
             </a:fld>
             <a:endParaRPr lang="en-US"/>
           </a:p>
@@ -4819,7 +4819,7 @@
           <a:p>
             <a:fld id="{18E1633D-FD18-3048-98AE-ADC6C06803FD}" type="datetime1">
               <a:rPr lang="en-US" smtClean="0"/>
-              <a:t>5/1/17</a:t>
+              <a:t>5/3/17</a:t>
             </a:fld>
             <a:endParaRPr lang="en-US"/>
           </a:p>
@@ -4957,7 +4957,7 @@
           <a:p>
             <a:fld id="{0EABE0D9-D7EF-244F-A413-7BCAE9FD1206}" type="datetime1">
               <a:rPr lang="en-US" smtClean="0"/>
-              <a:t>5/1/17</a:t>
+              <a:t>5/3/17</a:t>
             </a:fld>
             <a:endParaRPr lang="en-US"/>
           </a:p>
@@ -5072,7 +5072,7 @@
           <a:p>
             <a:fld id="{12CB383F-6B5B-B842-A0F8-40DE7F828464}" type="datetime1">
               <a:rPr lang="en-US" smtClean="0"/>
-              <a:t>5/1/17</a:t>
+              <a:t>5/3/17</a:t>
             </a:fld>
             <a:endParaRPr lang="en-US"/>
           </a:p>
@@ -5262,7 +5262,7 @@
           <a:p>
             <a:fld id="{043D7B85-D040-214F-9303-7FDDADF77F95}" type="datetime1">
               <a:rPr lang="en-US" smtClean="0"/>
-              <a:t>5/1/17</a:t>
+              <a:t>5/3/17</a:t>
             </a:fld>
             <a:endParaRPr lang="en-US"/>
           </a:p>
@@ -5476,7 +5476,7 @@
           <a:p>
             <a:fld id="{CF06330F-2863-B244-A889-A6416C2F2863}" type="datetime1">
               <a:rPr lang="en-US" smtClean="0"/>
-              <a:t>5/1/17</a:t>
+              <a:t>5/3/17</a:t>
             </a:fld>
             <a:endParaRPr lang="en-US"/>
           </a:p>
@@ -5819,7 +5819,7 @@
           <a:p>
             <a:fld id="{C888A1B5-C673-8A47-9843-5DDFB797488F}" type="datetime1">
               <a:rPr lang="en-US" smtClean="0"/>
-              <a:t>5/1/17</a:t>
+              <a:t>5/3/17</a:t>
             </a:fld>
             <a:endParaRPr lang="en-US"/>
           </a:p>
@@ -6009,7 +6009,7 @@
           <a:p>
             <a:fld id="{44904425-5295-D94B-8D1F-FB45FDBC9752}" type="datetime1">
               <a:rPr lang="en-US" smtClean="0"/>
-              <a:t>5/1/17</a:t>
+              <a:t>5/3/17</a:t>
             </a:fld>
             <a:endParaRPr lang="en-US"/>
           </a:p>
@@ -6209,7 +6209,7 @@
           <a:p>
             <a:fld id="{58F37EF9-201A-B744-A0C8-0105F4C9414D}" type="datetime1">
               <a:rPr lang="en-US" smtClean="0"/>
-              <a:t>5/1/17</a:t>
+              <a:t>5/3/17</a:t>
             </a:fld>
             <a:endParaRPr lang="en-US"/>
           </a:p>
@@ -6496,7 +6496,7 @@
           <a:p>
             <a:fld id="{91FD8EB4-D581-F048-88ED-A64D6EB3CFAB}" type="datetime1">
               <a:rPr lang="en-US" smtClean="0"/>
-              <a:t>5/1/17</a:t>
+              <a:t>5/3/17</a:t>
             </a:fld>
             <a:endParaRPr lang="en-US"/>
           </a:p>
@@ -6742,7 +6742,7 @@
           <a:p>
             <a:fld id="{77B1075F-B81A-5940-A68D-45596C356335}" type="datetime1">
               <a:rPr lang="en-US" smtClean="0"/>
-              <a:t>5/1/17</a:t>
+              <a:t>5/3/17</a:t>
             </a:fld>
             <a:endParaRPr lang="en-US"/>
           </a:p>
@@ -7050,7 +7050,7 @@
           <a:p>
             <a:fld id="{39113FC0-C6F8-6E40-8D7A-F2A1A22961FE}" type="datetime1">
               <a:rPr lang="en-US" smtClean="0"/>
-              <a:t>5/1/17</a:t>
+              <a:t>5/3/17</a:t>
             </a:fld>
             <a:endParaRPr lang="en-US"/>
           </a:p>
@@ -7504,7 +7504,7 @@
           <a:p>
             <a:fld id="{37F32D73-5A99-464A-8594-B551FF72C9D9}" type="datetime1">
               <a:rPr lang="en-US" smtClean="0"/>
-              <a:t>5/1/17</a:t>
+              <a:t>5/3/17</a:t>
             </a:fld>
             <a:endParaRPr lang="en-US"/>
           </a:p>
@@ -7642,7 +7642,7 @@
           <a:p>
             <a:fld id="{E82BF7D7-27C3-CF45-B820-FC005A5F8688}" type="datetime1">
               <a:rPr lang="en-US" smtClean="0"/>
-              <a:t>5/1/17</a:t>
+              <a:t>5/3/17</a:t>
             </a:fld>
             <a:endParaRPr lang="en-US"/>
           </a:p>
@@ -7757,7 +7757,7 @@
           <a:p>
             <a:fld id="{9555053E-C274-C74C-A284-88F22C581203}" type="datetime1">
               <a:rPr lang="en-US" smtClean="0"/>
-              <a:t>5/1/17</a:t>
+              <a:t>5/3/17</a:t>
             </a:fld>
             <a:endParaRPr lang="en-US"/>
           </a:p>
@@ -7971,7 +7971,7 @@
           <a:p>
             <a:fld id="{7A689FF8-7D69-1D41-AF80-D980840BCB23}" type="datetime1">
               <a:rPr lang="en-US" smtClean="0"/>
-              <a:t>5/1/17</a:t>
+              <a:t>5/3/17</a:t>
             </a:fld>
             <a:endParaRPr lang="en-US"/>
           </a:p>
@@ -8314,7 +8314,7 @@
           <a:p>
             <a:fld id="{B2055EBF-49EC-E44B-96CA-4F8E3FBF2465}" type="datetime1">
               <a:rPr lang="en-US" smtClean="0"/>
-              <a:t>5/1/17</a:t>
+              <a:t>5/3/17</a:t>
             </a:fld>
             <a:endParaRPr lang="en-US"/>
           </a:p>
@@ -8677,7 +8677,7 @@
           <a:p>
             <a:fld id="{96D7D345-C39C-A44C-AF4E-9524445B1337}" type="datetime1">
               <a:rPr lang="en-US" smtClean="0"/>
-              <a:t>5/1/17</a:t>
+              <a:t>5/3/17</a:t>
             </a:fld>
             <a:endParaRPr lang="en-US"/>
           </a:p>
@@ -9380,7 +9380,7 @@
           <a:p>
             <a:fld id="{8C5F0DC5-6EC3-034C-8486-0300E89E16FC}" type="datetime1">
               <a:rPr lang="en-US" smtClean="0"/>
-              <a:t>5/1/17</a:t>
+              <a:t>5/3/17</a:t>
             </a:fld>
             <a:endParaRPr lang="en-US"/>
           </a:p>
@@ -9865,7 +9865,7 @@
         </p:spPr>
         <p:txBody>
           <a:bodyPr>
-            <a:normAutofit fontScale="92500" lnSpcReduction="20000"/>
+            <a:normAutofit/>
           </a:bodyPr>
           <a:lstStyle/>
           <a:p>
@@ -9920,24 +9920,35 @@
                   <a:schemeClr val="tx1"/>
                 </a:solidFill>
               </a:rPr>
-              <a:t>Slides:  </a:t>
+              <a:t>Slides: </a:t>
+            </a:r>
+            <a:r>
+              <a:rPr lang="en-US" dirty="0">
+                <a:solidFill>
+                  <a:schemeClr val="tx1"/>
+                </a:solidFill>
+                <a:hlinkClick r:id="rId5"/>
+              </a:rPr>
+              <a:t>https://</a:t>
             </a:r>
             <a:r>
               <a:rPr lang="en-US" dirty="0" smtClean="0">
+                <a:solidFill>
+                  <a:schemeClr val="tx1"/>
+                </a:solidFill>
                 <a:hlinkClick r:id="rId5"/>
               </a:rPr>
-              <a:t>https</a:t>
-            </a:r>
-            <a:r>
-              <a:rPr lang="en-US" dirty="0">
-                <a:hlinkClick r:id="rId5"/>
-              </a:rPr>
-              <a:t>://github.com/ResearchComputing/Final_Tutorials/tree/master/RC_Access_Specific_Topics/New_User_Seminar</a:t>
-            </a:r>
-            <a:r>
-              <a:rPr lang="en-US" dirty="0"/>
+              <a:t>github.com/ResearchComputing/New_User_Seminar</a:t>
+            </a:r>
+            <a:r>
+              <a:rPr lang="en-US" dirty="0" smtClean="0">
+                <a:solidFill>
+                  <a:schemeClr val="tx1"/>
+                </a:solidFill>
+              </a:rPr>
               <a:t> </a:t>
             </a:r>
+            <a:endParaRPr lang="en-US" dirty="0"/>
           </a:p>
           <a:p>
             <a:pPr algn="ctr"/>
@@ -9962,7 +9973,7 @@
           <a:p>
             <a:fld id="{BD3E17D7-4415-0A45-8086-1E9B50478751}" type="datetime1">
               <a:rPr lang="en-US" smtClean="0"/>
-              <a:t>5/1/17</a:t>
+              <a:t>5/3/17</a:t>
             </a:fld>
             <a:endParaRPr lang="en-US" dirty="0"/>
           </a:p>
@@ -10144,7 +10155,7 @@
           <a:p>
             <a:fld id="{4676C52D-A00D-2248-AAC1-94BD55906AAC}" type="datetime1">
               <a:rPr lang="en-US" smtClean="0"/>
-              <a:t>5/1/17</a:t>
+              <a:t>5/3/17</a:t>
             </a:fld>
             <a:endParaRPr lang="en-US"/>
           </a:p>
@@ -10327,7 +10338,7 @@
           <a:p>
             <a:fld id="{446EC888-7CFD-C641-9F44-9678633359F5}" type="datetime1">
               <a:rPr lang="en-US" smtClean="0"/>
-              <a:t>5/1/17</a:t>
+              <a:t>5/3/17</a:t>
             </a:fld>
             <a:endParaRPr lang="en-US"/>
           </a:p>
@@ -10526,7 +10537,7 @@
           <a:p>
             <a:fld id="{9DCF056C-E28A-E84B-82B5-F09CA8CCF7AA}" type="datetime1">
               <a:rPr lang="en-US" smtClean="0"/>
-              <a:t>5/1/17</a:t>
+              <a:t>5/3/17</a:t>
             </a:fld>
             <a:endParaRPr lang="en-US" dirty="0"/>
           </a:p>
@@ -10720,7 +10731,7 @@
           <a:p>
             <a:fld id="{F20BFDB3-A603-BF47-BB0C-9DB4A86B14A1}" type="datetime1">
               <a:rPr lang="en-US" smtClean="0"/>
-              <a:t>5/1/17</a:t>
+              <a:t>5/3/17</a:t>
             </a:fld>
             <a:endParaRPr lang="en-US" dirty="0"/>
           </a:p>
@@ -10896,7 +10907,7 @@
           <a:p>
             <a:fld id="{C74A8494-43BC-5246-A5F8-7C026E3A2506}" type="datetime1">
               <a:rPr lang="en-US" smtClean="0"/>
-              <a:t>5/1/17</a:t>
+              <a:t>5/3/17</a:t>
             </a:fld>
             <a:endParaRPr lang="en-US" dirty="0"/>
           </a:p>
@@ -11080,7 +11091,7 @@
           <a:p>
             <a:fld id="{565D631E-63D9-2946-A4FB-64ADF73B9F46}" type="datetime1">
               <a:rPr lang="en-US" smtClean="0"/>
-              <a:t>5/1/17</a:t>
+              <a:t>5/3/17</a:t>
             </a:fld>
             <a:endParaRPr lang="en-US" dirty="0"/>
           </a:p>
@@ -11262,7 +11273,7 @@
           <a:p>
             <a:fld id="{D6A24DE9-2A38-9F4F-9441-F5E45DF3B582}" type="datetime1">
               <a:rPr lang="en-US" smtClean="0"/>
-              <a:t>5/1/17</a:t>
+              <a:t>5/3/17</a:t>
             </a:fld>
             <a:endParaRPr lang="en-US" dirty="0"/>
           </a:p>
@@ -11437,7 +11448,7 @@
           <a:p>
             <a:fld id="{14C7FEA5-DE78-1148-84A0-7BFCB44B4D67}" type="datetime1">
               <a:rPr lang="en-US" smtClean="0"/>
-              <a:t>5/1/17</a:t>
+              <a:t>5/3/17</a:t>
             </a:fld>
             <a:endParaRPr lang="en-US"/>
           </a:p>
@@ -11764,7 +11775,7 @@
           <a:p>
             <a:fld id="{8885B798-E31F-EF48-B899-212976AF87DE}" type="datetime1">
               <a:rPr lang="en-US" smtClean="0"/>
-              <a:t>5/1/17</a:t>
+              <a:t>5/3/17</a:t>
             </a:fld>
             <a:endParaRPr lang="en-US" dirty="0"/>
           </a:p>
@@ -11951,7 +11962,7 @@
           <a:p>
             <a:fld id="{BFB05F3F-E948-DD41-9031-1B2AF49AD76C}" type="datetime1">
               <a:rPr lang="en-US" smtClean="0"/>
-              <a:t>5/1/17</a:t>
+              <a:t>5/3/17</a:t>
             </a:fld>
             <a:endParaRPr lang="en-US"/>
           </a:p>
@@ -12164,7 +12175,7 @@
           <a:p>
             <a:fld id="{771A8861-859A-A949-A7D3-0A76732EE9EB}" type="datetime1">
               <a:rPr lang="en-US" smtClean="0"/>
-              <a:t>5/1/17</a:t>
+              <a:t>5/3/17</a:t>
             </a:fld>
             <a:endParaRPr lang="en-US" dirty="0"/>
           </a:p>
@@ -12383,7 +12394,7 @@
           <a:p>
             <a:fld id="{D5EAB504-1A42-5949-AE07-2AC2FB9C6C54}" type="datetime1">
               <a:rPr lang="en-US" smtClean="0"/>
-              <a:t>5/1/17</a:t>
+              <a:t>5/3/17</a:t>
             </a:fld>
             <a:endParaRPr lang="en-US" dirty="0"/>
           </a:p>
@@ -12620,7 +12631,7 @@
           <a:p>
             <a:fld id="{79168923-96D4-8249-9655-376DD4AC8146}" type="datetime1">
               <a:rPr lang="en-US" smtClean="0"/>
-              <a:t>5/1/17</a:t>
+              <a:t>5/3/17</a:t>
             </a:fld>
             <a:endParaRPr lang="en-US"/>
           </a:p>
@@ -13119,7 +13130,7 @@
           <a:p>
             <a:fld id="{F92F4056-9118-9A49-8EA1-59B389654B04}" type="datetime1">
               <a:rPr lang="en-US" smtClean="0"/>
-              <a:t>5/1/17</a:t>
+              <a:t>5/3/17</a:t>
             </a:fld>
             <a:endParaRPr lang="en-US"/>
           </a:p>
@@ -13340,7 +13351,7 @@
           <a:p>
             <a:fld id="{6A2AF87B-5DE4-7242-B926-81C627D286DE}" type="datetime1">
               <a:rPr lang="en-US" smtClean="0"/>
-              <a:t>5/1/17</a:t>
+              <a:t>5/3/17</a:t>
             </a:fld>
             <a:endParaRPr lang="en-US"/>
           </a:p>
@@ -13564,7 +13575,7 @@
           <a:p>
             <a:fld id="{C409689E-59C4-3149-BC30-04475534628F}" type="datetime1">
               <a:rPr lang="en-US" smtClean="0"/>
-              <a:t>5/1/17</a:t>
+              <a:t>5/3/17</a:t>
             </a:fld>
             <a:endParaRPr lang="en-US"/>
           </a:p>
@@ -13767,7 +13778,7 @@
           <a:p>
             <a:fld id="{A4F0CB77-59E8-AA4B-8AF0-F960A2371B83}" type="datetime1">
               <a:rPr lang="en-US" smtClean="0"/>
-              <a:t>5/1/17</a:t>
+              <a:t>5/3/17</a:t>
             </a:fld>
             <a:endParaRPr lang="en-US"/>
           </a:p>
@@ -14040,7 +14051,7 @@
           <a:p>
             <a:fld id="{2CB1BB01-A22C-0E44-AE14-9BA42F328388}" type="datetime1">
               <a:rPr lang="en-US" smtClean="0"/>
-              <a:t>5/1/17</a:t>
+              <a:t>5/3/17</a:t>
             </a:fld>
             <a:endParaRPr lang="en-US" dirty="0"/>
           </a:p>
@@ -14168,7 +14179,7 @@
           <a:p>
             <a:fld id="{EF2E92D6-81C2-2349-8DFB-1F1A7DD82F92}" type="datetime1">
               <a:rPr lang="en-US" smtClean="0"/>
-              <a:t>5/1/17</a:t>
+              <a:t>5/3/17</a:t>
             </a:fld>
             <a:endParaRPr lang="en-US"/>
           </a:p>
@@ -14364,7 +14375,7 @@
           <a:p>
             <a:fld id="{8C1A9D32-265E-194F-AF93-71B2043231E0}" type="datetime1">
               <a:rPr lang="en-US" smtClean="0"/>
-              <a:t>5/1/17</a:t>
+              <a:t>5/3/17</a:t>
             </a:fld>
             <a:endParaRPr lang="en-US"/>
           </a:p>
@@ -14590,7 +14601,7 @@
           <a:p>
             <a:fld id="{4ACF55D2-6E15-324D-A853-3288224DF348}" type="datetime1">
               <a:rPr lang="en-US" smtClean="0"/>
-              <a:t>5/1/17</a:t>
+              <a:t>5/3/17</a:t>
             </a:fld>
             <a:endParaRPr lang="en-US" dirty="0"/>
           </a:p>
@@ -14807,7 +14818,7 @@
           <a:p>
             <a:fld id="{2BF9B4AA-B499-8C4E-9B8E-811BDC42AB72}" type="datetime1">
               <a:rPr lang="en-US" smtClean="0"/>
-              <a:t>5/1/17</a:t>
+              <a:t>5/3/17</a:t>
             </a:fld>
             <a:endParaRPr lang="en-US"/>
           </a:p>
@@ -15025,7 +15036,7 @@
           <a:p>
             <a:fld id="{09667844-52C5-454C-91DA-DA641038CED4}" type="datetime1">
               <a:rPr lang="en-US" smtClean="0"/>
-              <a:t>5/1/17</a:t>
+              <a:t>5/3/17</a:t>
             </a:fld>
             <a:endParaRPr lang="en-US"/>
           </a:p>
@@ -15197,7 +15208,7 @@
           <a:p>
             <a:fld id="{D07D67D9-0F25-3A44-BD87-1123755F3EE6}" type="datetime1">
               <a:rPr lang="en-US" smtClean="0"/>
-              <a:t>5/1/17</a:t>
+              <a:t>5/3/17</a:t>
             </a:fld>
             <a:endParaRPr lang="en-US"/>
           </a:p>
@@ -15414,7 +15425,7 @@
           <a:p>
             <a:fld id="{D20DA3BF-08CB-8A4B-9523-EAB60681977A}" type="datetime1">
               <a:rPr lang="en-US" smtClean="0"/>
-              <a:t>5/1/17</a:t>
+              <a:t>5/3/17</a:t>
             </a:fld>
             <a:endParaRPr lang="en-US"/>
           </a:p>
@@ -17349,7 +17360,7 @@
           <a:p>
             <a:fld id="{A3C9C1BB-C1E4-004E-B76B-8C60A87CB160}" type="datetime1">
               <a:rPr lang="en-US" smtClean="0"/>
-              <a:t>5/1/17</a:t>
+              <a:t>5/3/17</a:t>
             </a:fld>
             <a:endParaRPr lang="en-US"/>
           </a:p>
@@ -19478,15 +19489,7 @@
                 <a:ea typeface="Courier New" charset="0"/>
                 <a:cs typeface="Courier New" charset="0"/>
               </a:rPr>
-              <a:t> </a:t>
-            </a:r>
-            <a:r>
-              <a:rPr lang="en-US" dirty="0" smtClean="0">
-                <a:latin typeface="Courier New" charset="0"/>
-                <a:ea typeface="Courier New" charset="0"/>
-                <a:cs typeface="Courier New" charset="0"/>
-              </a:rPr>
-              <a:t>--partition=</a:t>
+              <a:t> --partition=</a:t>
             </a:r>
             <a:r>
               <a:rPr lang="en-US" dirty="0" err="1" smtClean="0">
@@ -19537,7 +19540,7 @@
           <a:p>
             <a:fld id="{D7C17083-DB9E-DF40-9FF1-3C3BBD3126F3}" type="datetime1">
               <a:rPr lang="en-US" smtClean="0"/>
-              <a:t>5/1/17</a:t>
+              <a:t>5/3/17</a:t>
             </a:fld>
             <a:endParaRPr lang="en-US" dirty="0"/>
           </a:p>
@@ -19770,11 +19773,7 @@
           <a:p>
             <a:r>
               <a:rPr lang="en-US" dirty="0" smtClean="0"/>
-              <a:t>Allocation</a:t>
-            </a:r>
-            <a:r>
-              <a:rPr lang="en-US" dirty="0" smtClean="0"/>
-              <a:t>:		</a:t>
+              <a:t>Allocation:		</a:t>
             </a:r>
             <a:r>
               <a:rPr lang="en-US" sz="2200" dirty="0" smtClean="0">
@@ -19812,11 +19811,7 @@
           <a:p>
             <a:r>
               <a:rPr lang="en-US" dirty="0" smtClean="0"/>
-              <a:t>Partition</a:t>
-            </a:r>
-            <a:r>
-              <a:rPr lang="en-US" dirty="0" smtClean="0"/>
-              <a:t>:		</a:t>
+              <a:t>Partition:		</a:t>
             </a:r>
             <a:r>
               <a:rPr lang="en-US" dirty="0" smtClean="0">
@@ -19847,11 +19842,7 @@
           <a:p>
             <a:r>
               <a:rPr lang="en-US" dirty="0" smtClean="0"/>
-              <a:t>Sending emails</a:t>
-            </a:r>
-            <a:r>
-              <a:rPr lang="en-US" dirty="0" smtClean="0"/>
-              <a:t>:	</a:t>
+              <a:t>Sending emails:	</a:t>
             </a:r>
             <a:r>
               <a:rPr lang="en-US" sz="2200" dirty="0" smtClean="0">
@@ -19873,11 +19864,7 @@
           <a:p>
             <a:r>
               <a:rPr lang="en-US" dirty="0" smtClean="0"/>
-              <a:t>Email address</a:t>
-            </a:r>
-            <a:r>
-              <a:rPr lang="en-US" dirty="0" smtClean="0"/>
-              <a:t>:	</a:t>
+              <a:t>Email address:	</a:t>
             </a:r>
             <a:r>
               <a:rPr lang="en-US" sz="2200" dirty="0" smtClean="0">
@@ -19899,11 +19886,7 @@
           <a:p>
             <a:r>
               <a:rPr lang="en-US" dirty="0" smtClean="0"/>
-              <a:t>Number of nodes</a:t>
-            </a:r>
-            <a:r>
-              <a:rPr lang="en-US" dirty="0" smtClean="0"/>
-              <a:t>:	</a:t>
+              <a:t>Number of nodes:	</a:t>
             </a:r>
             <a:r>
               <a:rPr lang="en-US" sz="2200" dirty="0" smtClean="0">
@@ -19925,11 +19908,7 @@
           <a:p>
             <a:r>
               <a:rPr lang="en-US" dirty="0" smtClean="0"/>
-              <a:t>Quality of service</a:t>
-            </a:r>
-            <a:r>
-              <a:rPr lang="en-US" dirty="0" smtClean="0"/>
-              <a:t>:	</a:t>
+              <a:t>Quality of service:	</a:t>
             </a:r>
             <a:r>
               <a:rPr lang="en-US" sz="2200" dirty="0" smtClean="0">
@@ -19975,11 +19954,7 @@
           <a:p>
             <a:r>
               <a:rPr lang="en-US" dirty="0" smtClean="0"/>
-              <a:t>Reservation</a:t>
-            </a:r>
-            <a:r>
-              <a:rPr lang="en-US" dirty="0" smtClean="0"/>
-              <a:t>:	</a:t>
+              <a:t>Reservation:	</a:t>
             </a:r>
             <a:r>
               <a:rPr lang="en-US" sz="2200" dirty="0" smtClean="0">
@@ -20001,11 +19976,7 @@
           <a:p>
             <a:r>
               <a:rPr lang="en-US" dirty="0" smtClean="0"/>
-              <a:t>Wall time</a:t>
-            </a:r>
-            <a:r>
-              <a:rPr lang="en-US" dirty="0" smtClean="0"/>
-              <a:t>:		</a:t>
+              <a:t>Wall time:		</a:t>
             </a:r>
             <a:r>
               <a:rPr lang="en-US" sz="2200" dirty="0" smtClean="0">
@@ -20027,11 +19998,7 @@
           <a:p>
             <a:r>
               <a:rPr lang="en-US" dirty="0" smtClean="0"/>
-              <a:t>Job Name</a:t>
-            </a:r>
-            <a:r>
-              <a:rPr lang="en-US" dirty="0" smtClean="0"/>
-              <a:t>:		</a:t>
+              <a:t>Job Name:		</a:t>
             </a:r>
             <a:r>
               <a:rPr lang="en-US" sz="2200" dirty="0" smtClean="0">
@@ -20102,7 +20069,7 @@
           <a:p>
             <a:fld id="{F1062F58-FDE1-BA4D-BB8C-2264A72B5428}" type="datetime1">
               <a:rPr lang="en-US" smtClean="0"/>
-              <a:t>5/1/17</a:t>
+              <a:t>5/3/17</a:t>
             </a:fld>
             <a:endParaRPr lang="en-US" dirty="0"/>
           </a:p>
@@ -20286,15 +20253,7 @@
           <a:p>
             <a:r>
               <a:rPr lang="en-US" dirty="0" smtClean="0"/>
-              <a:t>To ensure </a:t>
-            </a:r>
-            <a:r>
-              <a:rPr lang="en-US" dirty="0" smtClean="0"/>
-              <a:t>this, </a:t>
-            </a:r>
-            <a:r>
-              <a:rPr lang="en-US" dirty="0" smtClean="0"/>
-              <a:t>make sure you load the </a:t>
+              <a:t>To ensure this, make sure you load the </a:t>
             </a:r>
             <a:r>
               <a:rPr lang="en-US" dirty="0" err="1" smtClean="0"/>
@@ -20408,7 +20367,7 @@
           <a:p>
             <a:fld id="{57D010C4-F61A-344B-ACB4-6FFCD098ACFF}" type="datetime1">
               <a:rPr lang="en-US" smtClean="0"/>
-              <a:t>5/1/17</a:t>
+              <a:t>5/3/17</a:t>
             </a:fld>
             <a:endParaRPr lang="en-US"/>
           </a:p>
@@ -20629,7 +20588,7 @@
           <a:p>
             <a:fld id="{36D94695-4FE4-B74D-9FEF-603C469ABA33}" type="datetime1">
               <a:rPr lang="en-US" smtClean="0"/>
-              <a:t>5/1/17</a:t>
+              <a:t>5/3/17</a:t>
             </a:fld>
             <a:endParaRPr lang="en-US"/>
           </a:p>
@@ -20875,7 +20834,7 @@
           <a:p>
             <a:fld id="{A2DD7857-83C0-944C-808D-7EBD666BA1C5}" type="datetime1">
               <a:rPr lang="en-US" smtClean="0"/>
-              <a:t>5/1/17</a:t>
+              <a:t>5/3/17</a:t>
             </a:fld>
             <a:endParaRPr lang="en-US"/>
           </a:p>
@@ -21003,7 +20962,7 @@
           <a:p>
             <a:fld id="{D0F1EC55-3BF6-B94A-A8A8-ECF9B2E6E6A5}" type="datetime1">
               <a:rPr lang="en-US" smtClean="0"/>
-              <a:t>5/1/17</a:t>
+              <a:t>5/3/17</a:t>
             </a:fld>
             <a:endParaRPr lang="en-US" dirty="0"/>
           </a:p>
@@ -21219,7 +21178,7 @@
           <a:p>
             <a:fld id="{157FD4B1-436B-5B42-B797-4F45D1B6B6A9}" type="datetime1">
               <a:rPr lang="en-US" smtClean="0"/>
-              <a:t>5/1/17</a:t>
+              <a:t>5/3/17</a:t>
             </a:fld>
             <a:endParaRPr lang="en-US" dirty="0"/>
           </a:p>
@@ -21441,11 +21400,7 @@
             </a:pPr>
             <a:r>
               <a:rPr lang="en-US" dirty="0" smtClean="0"/>
-              <a:t>User </a:t>
-            </a:r>
-            <a:r>
-              <a:rPr lang="en-US" dirty="0" smtClean="0"/>
-              <a:t>the </a:t>
+              <a:t>User the </a:t>
             </a:r>
             <a:r>
               <a:rPr lang="en-US" dirty="0" err="1" smtClean="0"/>
@@ -21496,7 +21451,7 @@
           <a:p>
             <a:fld id="{50F15D87-D865-834D-8095-85B47E5D857D}" type="datetime1">
               <a:rPr lang="en-US" smtClean="0"/>
-              <a:t>5/1/17</a:t>
+              <a:t>5/3/17</a:t>
             </a:fld>
             <a:endParaRPr lang="en-US"/>
           </a:p>
@@ -21906,15 +21861,7 @@
                 <a:ea typeface="Courier" charset="0"/>
                 <a:cs typeface="Courier" charset="0"/>
               </a:rPr>
-              <a:t>           </a:t>
-            </a:r>
-            <a:r>
-              <a:rPr lang="en-US" sz="2000" dirty="0">
-                <a:latin typeface="Courier" charset="0"/>
-                <a:ea typeface="Courier" charset="0"/>
-                <a:cs typeface="Courier" charset="0"/>
-              </a:rPr>
-              <a:t> </a:t>
+              <a:t>            </a:t>
             </a:r>
             <a:r>
               <a:rPr lang="en-US" sz="2000" dirty="0" smtClean="0">
@@ -22431,7 +22378,7 @@
           <a:p>
             <a:fld id="{F595C32F-4FDD-1845-9DAD-BF783B30F4EA}" type="datetime1">
               <a:rPr lang="en-US" smtClean="0"/>
-              <a:t>5/1/17</a:t>
+              <a:t>5/3/17</a:t>
             </a:fld>
             <a:endParaRPr lang="en-US"/>
           </a:p>
@@ -22630,11 +22577,7 @@
             <a:pPr lvl="1"/>
             <a:r>
               <a:rPr lang="en-US" dirty="0" smtClean="0"/>
-              <a:t>Queues: </a:t>
-            </a:r>
-            <a:r>
-              <a:rPr lang="en-US" dirty="0" smtClean="0"/>
-              <a:t> </a:t>
+              <a:t>Queues:  </a:t>
             </a:r>
             <a:r>
               <a:rPr lang="en-US" dirty="0" smtClean="0">
@@ -22771,7 +22714,7 @@
           <a:p>
             <a:fld id="{7A593D67-D80B-D341-95C2-D8FD019BB686}" type="datetime1">
               <a:rPr lang="en-US" smtClean="0"/>
-              <a:t>5/1/17</a:t>
+              <a:t>5/3/17</a:t>
             </a:fld>
             <a:endParaRPr lang="en-US" dirty="0"/>
           </a:p>
@@ -23097,7 +23040,7 @@
           <a:p>
             <a:fld id="{26A447B6-DA76-2941-9271-7615FCF773C3}" type="datetime1">
               <a:rPr lang="en-US" smtClean="0"/>
-              <a:t>5/1/17</a:t>
+              <a:t>5/3/17</a:t>
             </a:fld>
             <a:endParaRPr lang="en-US"/>
           </a:p>
@@ -23334,11 +23277,7 @@
             </a:pPr>
             <a:r>
               <a:rPr lang="en-US" dirty="0" smtClean="0"/>
-              <a:t>Request </a:t>
-            </a:r>
-            <a:r>
-              <a:rPr lang="en-US" dirty="0" smtClean="0"/>
-              <a:t>a 1 minute wall time</a:t>
+              <a:t>Request a 1 minute wall time</a:t>
             </a:r>
           </a:p>
           <a:p>
@@ -23386,24 +23325,15 @@
             </a:pPr>
             <a:r>
               <a:rPr lang="en-US" dirty="0" smtClean="0"/>
-              <a:t>Email </a:t>
-            </a:r>
-            <a:r>
-              <a:rPr lang="en-US" dirty="0" smtClean="0"/>
-              <a:t>yourself the results at the end of the job run</a:t>
+              <a:t>Email yourself the results at the end of the job run</a:t>
             </a:r>
           </a:p>
           <a:p>
             <a:pPr lvl="1"/>
             <a:r>
               <a:rPr lang="en-US" dirty="0" smtClean="0"/>
-              <a:t>Hint:  Requires two SBATCH options to do </a:t>
-            </a:r>
-            <a:r>
-              <a:rPr lang="en-US" dirty="0" smtClean="0"/>
-              <a:t>this – see link at top of this slide</a:t>
-            </a:r>
-            <a:endParaRPr lang="en-US" dirty="0" smtClean="0"/>
+              <a:t>Hint:  Requires two SBATCH options to do this – see link at top of this slide</a:t>
+            </a:r>
           </a:p>
           <a:p>
             <a:pPr marL="571500" indent="-457200">
@@ -23462,7 +23392,7 @@
           <a:p>
             <a:fld id="{38B2C89D-A2C7-BC4F-80C2-CF46C745D9C4}" type="datetime1">
               <a:rPr lang="en-US" smtClean="0"/>
-              <a:t>5/1/17</a:t>
+              <a:t>5/3/17</a:t>
             </a:fld>
             <a:endParaRPr lang="en-US"/>
           </a:p>
@@ -24342,7 +24272,7 @@
           <a:p>
             <a:fld id="{58476822-42A8-164F-A773-7C6D2A6A81DB}" type="datetime1">
               <a:rPr lang="en-US" smtClean="0"/>
-              <a:t>5/1/17</a:t>
+              <a:t>5/3/17</a:t>
             </a:fld>
             <a:endParaRPr lang="en-US" dirty="0"/>
           </a:p>
@@ -24556,11 +24486,7 @@
           <a:p>
             <a:r>
               <a:rPr lang="en-US" dirty="0" smtClean="0"/>
-              <a:t>Check </a:t>
-            </a:r>
-            <a:r>
-              <a:rPr lang="en-US" dirty="0" smtClean="0"/>
-              <a:t>output</a:t>
+              <a:t>Check output</a:t>
             </a:r>
             <a:endParaRPr lang="en-US" sz="1900" dirty="0">
               <a:latin typeface="Courier New" charset="0"/>
@@ -24599,7 +24525,7 @@
           <a:p>
             <a:fld id="{743333A5-8F5B-BA46-B1A8-D091CAAF002B}" type="datetime1">
               <a:rPr lang="en-US" smtClean="0"/>
-              <a:t>5/1/17</a:t>
+              <a:t>5/3/17</a:t>
             </a:fld>
             <a:endParaRPr lang="en-US"/>
           </a:p>
@@ -25486,7 +25412,7 @@
           <a:p>
             <a:fld id="{406683BE-7CE6-C246-A895-91EACBC36081}" type="datetime1">
               <a:rPr lang="en-US" smtClean="0"/>
-              <a:t>5/1/17</a:t>
+              <a:t>5/3/17</a:t>
             </a:fld>
             <a:endParaRPr lang="en-US" dirty="0"/>
           </a:p>
@@ -25828,11 +25754,7 @@
             </a:pPr>
             <a:r>
               <a:rPr lang="en-US" dirty="0" smtClean="0"/>
-              <a:t>We will request a 1 minute wall </a:t>
-            </a:r>
-            <a:r>
-              <a:rPr lang="en-US" dirty="0" smtClean="0"/>
-              <a:t>time</a:t>
+              <a:t>We will request a 1 minute wall time</a:t>
             </a:r>
           </a:p>
           <a:p>
@@ -25871,11 +25793,7 @@
             </a:pPr>
             <a:r>
               <a:rPr lang="en-US" dirty="0" smtClean="0"/>
-              <a:t>The output will be put in a file called </a:t>
-            </a:r>
-            <a:r>
-              <a:rPr lang="en-US" dirty="0" smtClean="0"/>
-              <a:t>R_code_%</a:t>
+              <a:t>The output will be put in a file called R_code_%</a:t>
             </a:r>
             <a:r>
               <a:rPr lang="en-US" dirty="0" err="1" smtClean="0"/>
@@ -26715,7 +26633,7 @@
           <a:p>
             <a:fld id="{9890B64F-BD66-014F-8385-76577B03EE8A}" type="datetime1">
               <a:rPr lang="en-US" smtClean="0"/>
-              <a:t>5/1/17</a:t>
+              <a:t>5/3/17</a:t>
             </a:fld>
             <a:endParaRPr lang="en-US"/>
           </a:p>
@@ -26898,7 +26816,7 @@
           <a:p>
             <a:fld id="{24EAC218-805B-5942-9D1C-1CAF707EFBDF}" type="datetime1">
               <a:rPr lang="en-US" smtClean="0"/>
-              <a:t>5/1/17</a:t>
+              <a:t>5/3/17</a:t>
             </a:fld>
             <a:endParaRPr lang="en-US" dirty="0"/>
           </a:p>
@@ -27080,7 +26998,7 @@
           <a:p>
             <a:fld id="{AB9B9C8A-8339-1843-AA8F-761CADDDACEE}" type="datetime1">
               <a:rPr lang="en-US" smtClean="0"/>
-              <a:t>5/1/17</a:t>
+              <a:t>5/3/17</a:t>
             </a:fld>
             <a:endParaRPr lang="en-US" dirty="0"/>
           </a:p>
@@ -27396,7 +27314,7 @@
           <a:p>
             <a:fld id="{E12727D1-4C82-404C-B300-E3C9ED3E7415}" type="datetime1">
               <a:rPr lang="en-US" smtClean="0"/>
-              <a:t>5/1/17</a:t>
+              <a:t>5/3/17</a:t>
             </a:fld>
             <a:endParaRPr lang="en-US" dirty="0"/>
           </a:p>
@@ -27565,15 +27483,7 @@
                 <a:ea typeface="Courier" charset="0"/>
                 <a:cs typeface="Courier" charset="0"/>
               </a:rPr>
-              <a:t>	</a:t>
-            </a:r>
-            <a:r>
-              <a:rPr lang="en-US" dirty="0" smtClean="0">
-                <a:latin typeface="Courier" charset="0"/>
-                <a:ea typeface="Courier" charset="0"/>
-                <a:cs typeface="Courier" charset="0"/>
-              </a:rPr>
-              <a:t>module load </a:t>
+              <a:t>	module load </a:t>
             </a:r>
             <a:r>
               <a:rPr lang="en-US" dirty="0" err="1" smtClean="0">
@@ -27748,7 +27658,7 @@
           <a:p>
             <a:fld id="{F21DF42F-4BC7-1E4D-B4C7-33A7E30F56D4}" type="datetime1">
               <a:rPr lang="en-US" smtClean="0"/>
-              <a:t>5/1/17</a:t>
+              <a:t>5/3/17</a:t>
             </a:fld>
             <a:endParaRPr lang="en-US" dirty="0"/>
           </a:p>
@@ -27963,7 +27873,7 @@
           <a:p>
             <a:fld id="{1638A253-D0BE-0C4F-8900-127DDEBDCF84}" type="datetime1">
               <a:rPr lang="en-US" smtClean="0"/>
-              <a:t>5/1/17</a:t>
+              <a:t>5/3/17</a:t>
             </a:fld>
             <a:endParaRPr lang="en-US"/>
           </a:p>
@@ -28147,7 +28057,11 @@
           <a:p>
             <a:r>
               <a:rPr lang="en-US" dirty="0"/>
-              <a:t>Slides: </a:t>
+              <a:t>Slides</a:t>
+            </a:r>
+            <a:r>
+              <a:rPr lang="en-US" dirty="0"/>
+              <a:t>: </a:t>
             </a:r>
             <a:r>
               <a:rPr lang="en-US" dirty="0">
@@ -28159,10 +28073,10 @@
               <a:rPr lang="en-US" dirty="0" smtClean="0">
                 <a:hlinkClick r:id="rId4"/>
               </a:rPr>
-              <a:t>github.com/ResearchComputing/Final_Tutorials/tree/master/RC_Access_Specific_Topics/New_User_Seminar</a:t>
-            </a:r>
-            <a:r>
-              <a:rPr lang="en-US" dirty="0" smtClean="0"/>
+              <a:t>github.com/ResearchComputing/New_User_Seminar</a:t>
+            </a:r>
+            <a:r>
+              <a:rPr lang="en-US" smtClean="0"/>
               <a:t> </a:t>
             </a:r>
             <a:endParaRPr lang="en-US" dirty="0"/>
@@ -28186,7 +28100,7 @@
           <a:p>
             <a:fld id="{F176B5BB-6C1E-4446-A4B5-BF7D661481E8}" type="datetime1">
               <a:rPr lang="en-US" smtClean="0"/>
-              <a:t>5/1/17</a:t>
+              <a:t>5/3/17</a:t>
             </a:fld>
             <a:endParaRPr lang="en-US" dirty="0"/>
           </a:p>
@@ -28383,7 +28297,7 @@
           <a:p>
             <a:fld id="{2C3A7136-6CD9-1F44-BF87-1F02B022DD38}" type="datetime1">
               <a:rPr lang="en-US" smtClean="0"/>
-              <a:t>5/1/17</a:t>
+              <a:t>5/3/17</a:t>
             </a:fld>
             <a:endParaRPr lang="en-US"/>
           </a:p>
@@ -28611,7 +28525,7 @@
           <a:p>
             <a:fld id="{DD60739B-9381-D348-A54C-084428A1CE83}" type="datetime1">
               <a:rPr lang="en-US" smtClean="0"/>
-              <a:t>5/1/17</a:t>
+              <a:t>5/3/17</a:t>
             </a:fld>
             <a:endParaRPr lang="en-US"/>
           </a:p>
@@ -28838,7 +28752,7 @@
           <a:p>
             <a:fld id="{E4C2F9E9-0335-9F43-85CD-6D5AFF0B589E}" type="datetime1">
               <a:rPr lang="en-US" smtClean="0"/>
-              <a:t>5/1/17</a:t>
+              <a:t>5/3/17</a:t>
             </a:fld>
             <a:endParaRPr lang="en-US"/>
           </a:p>
@@ -29023,7 +28937,7 @@
           <a:p>
             <a:fld id="{CE5BD4CA-09B4-E54C-901B-62D7687F59E7}" type="datetime1">
               <a:rPr lang="en-US" smtClean="0"/>
-              <a:t>5/1/17</a:t>
+              <a:t>5/3/17</a:t>
             </a:fld>
             <a:endParaRPr lang="en-US"/>
           </a:p>

--- a/rc_new_user_seminar_2017.pptx
+++ b/rc_new_user_seminar_2017.pptx
@@ -6,7 +6,7 @@
     <p:sldMasterId id="2147483673" r:id="rId2"/>
   </p:sldMasterIdLst>
   <p:notesMasterIdLst>
-    <p:notesMasterId r:id="rId61"/>
+    <p:notesMasterId r:id="rId59"/>
   </p:notesMasterIdLst>
   <p:sldIdLst>
     <p:sldId id="257" r:id="rId3"/>
@@ -62,11 +62,9 @@
     <p:sldId id="283" r:id="rId53"/>
     <p:sldId id="284" r:id="rId54"/>
     <p:sldId id="321" r:id="rId55"/>
-    <p:sldId id="322" r:id="rId56"/>
-    <p:sldId id="323" r:id="rId57"/>
-    <p:sldId id="324" r:id="rId58"/>
-    <p:sldId id="307" r:id="rId59"/>
-    <p:sldId id="285" r:id="rId60"/>
+    <p:sldId id="323" r:id="rId56"/>
+    <p:sldId id="324" r:id="rId57"/>
+    <p:sldId id="285" r:id="rId58"/>
   </p:sldIdLst>
   <p:sldSz cx="12192000" cy="6858000"/>
   <p:notesSz cx="6858000" cy="9144000"/>
@@ -255,7 +253,7 @@
           <a:p>
             <a:fld id="{C649942D-A542-EE42-A1CF-1E4FFF53ED67}" type="datetimeFigureOut">
               <a:rPr lang="en-US" smtClean="0"/>
-              <a:t>5/3/17</a:t>
+              <a:t>5/4/17</a:t>
             </a:fld>
             <a:endParaRPr lang="en-US"/>
           </a:p>
@@ -1496,14 +1494,14 @@
               <ma14:placeholderFlag xmlns:ma14="http://schemas.microsoft.com/office/mac/drawingml/2011/main" val="1"/>
             </a:ext>
             <a:ext uri="{909E8E84-426E-40dd-AFC4-6F175D3DCCD1}">
-              <a14:hiddenFill xmlns:a14="http://schemas.microsoft.com/office/drawing/2010/main" xmlns="">
+              <a14:hiddenFill xmlns="" xmlns:a14="http://schemas.microsoft.com/office/drawing/2010/main">
                 <a:solidFill>
                   <a:srgbClr val="FFFFFF"/>
                 </a:solidFill>
               </a14:hiddenFill>
             </a:ext>
             <a:ext uri="{91240B29-F687-4f45-9708-019B960494DF}">
-              <a14:hiddenLine xmlns:a14="http://schemas.microsoft.com/office/drawing/2010/main" xmlns="" w="9525">
+              <a14:hiddenLine xmlns="" xmlns:a14="http://schemas.microsoft.com/office/drawing/2010/main" w="9525">
                 <a:solidFill>
                   <a:srgbClr val="000000"/>
                 </a:solidFill>
@@ -1541,14 +1539,14 @@
           <a:ln/>
           <a:extLst>
             <a:ext uri="{909E8E84-426E-40dd-AFC4-6F175D3DCCD1}">
-              <a14:hiddenFill xmlns:a14="http://schemas.microsoft.com/office/drawing/2010/main" xmlns="">
+              <a14:hiddenFill xmlns="" xmlns:a14="http://schemas.microsoft.com/office/drawing/2010/main">
                 <a:solidFill>
                   <a:srgbClr val="FFFFFF"/>
                 </a:solidFill>
               </a14:hiddenFill>
             </a:ext>
             <a:ext uri="{91240B29-F687-4f45-9708-019B960494DF}">
-              <a14:hiddenLine xmlns:a14="http://schemas.microsoft.com/office/drawing/2010/main" xmlns="" w="9525">
+              <a14:hiddenLine xmlns="" xmlns:a14="http://schemas.microsoft.com/office/drawing/2010/main" w="9525">
                 <a:solidFill>
                   <a:srgbClr val="000000"/>
                 </a:solidFill>
@@ -2669,7 +2667,7 @@
           <a:p>
             <a:fld id="{ECD68DE7-8E14-F140-9BF8-7DF505A7EC71}" type="datetime1">
               <a:rPr lang="en-US" smtClean="0"/>
-              <a:t>5/3/17</a:t>
+              <a:t>5/4/17</a:t>
             </a:fld>
             <a:endParaRPr lang="en-US"/>
           </a:p>
@@ -2859,7 +2857,7 @@
           <a:p>
             <a:fld id="{1D9E6949-9996-6743-8CFF-FA3A56E13506}" type="datetime1">
               <a:rPr lang="en-US" smtClean="0"/>
-              <a:t>5/3/17</a:t>
+              <a:t>5/4/17</a:t>
             </a:fld>
             <a:endParaRPr lang="en-US"/>
           </a:p>
@@ -3059,7 +3057,7 @@
           <a:p>
             <a:fld id="{B889D5DF-D410-3845-BB2F-EEB43AAD8F50}" type="datetime1">
               <a:rPr lang="en-US" smtClean="0"/>
-              <a:t>5/3/17</a:t>
+              <a:t>5/4/17</a:t>
             </a:fld>
             <a:endParaRPr lang="en-US"/>
           </a:p>
@@ -3346,7 +3344,7 @@
           <a:p>
             <a:fld id="{150E7F26-8C30-8C48-992C-4605BCF373C1}" type="datetime1">
               <a:rPr lang="en-US" smtClean="0"/>
-              <a:t>5/3/17</a:t>
+              <a:t>5/4/17</a:t>
             </a:fld>
             <a:endParaRPr lang="en-US"/>
           </a:p>
@@ -3601,7 +3599,7 @@
           <a:p>
             <a:fld id="{5989D8A3-9E0D-F746-B178-BE7AAD7E1D08}" type="datetime1">
               <a:rPr lang="en-US" smtClean="0"/>
-              <a:t>5/3/17</a:t>
+              <a:t>5/4/17</a:t>
             </a:fld>
             <a:endParaRPr lang="en-US"/>
           </a:p>
@@ -3791,7 +3789,7 @@
           <a:p>
             <a:fld id="{FBFD08B6-FF5B-084B-9D71-755657184AD2}" type="datetime1">
               <a:rPr lang="en-US" smtClean="0"/>
-              <a:t>5/3/17</a:t>
+              <a:t>5/4/17</a:t>
             </a:fld>
             <a:endParaRPr lang="en-US"/>
           </a:p>
@@ -4057,7 +4055,7 @@
           <a:p>
             <a:fld id="{22D37D1D-20E9-C347-9D59-D2454D21F9A1}" type="datetime1">
               <a:rPr lang="en-US" smtClean="0"/>
-              <a:t>5/3/17</a:t>
+              <a:t>5/4/17</a:t>
             </a:fld>
             <a:endParaRPr lang="en-US"/>
           </a:p>
@@ -4365,7 +4363,7 @@
           <a:p>
             <a:fld id="{2BE6509E-27A0-AE45-874D-A23ED8FF69C7}" type="datetime1">
               <a:rPr lang="en-US" smtClean="0"/>
-              <a:t>5/3/17</a:t>
+              <a:t>5/4/17</a:t>
             </a:fld>
             <a:endParaRPr lang="en-US"/>
           </a:p>
@@ -4819,7 +4817,7 @@
           <a:p>
             <a:fld id="{18E1633D-FD18-3048-98AE-ADC6C06803FD}" type="datetime1">
               <a:rPr lang="en-US" smtClean="0"/>
-              <a:t>5/3/17</a:t>
+              <a:t>5/4/17</a:t>
             </a:fld>
             <a:endParaRPr lang="en-US"/>
           </a:p>
@@ -4957,7 +4955,7 @@
           <a:p>
             <a:fld id="{0EABE0D9-D7EF-244F-A413-7BCAE9FD1206}" type="datetime1">
               <a:rPr lang="en-US" smtClean="0"/>
-              <a:t>5/3/17</a:t>
+              <a:t>5/4/17</a:t>
             </a:fld>
             <a:endParaRPr lang="en-US"/>
           </a:p>
@@ -5072,7 +5070,7 @@
           <a:p>
             <a:fld id="{12CB383F-6B5B-B842-A0F8-40DE7F828464}" type="datetime1">
               <a:rPr lang="en-US" smtClean="0"/>
-              <a:t>5/3/17</a:t>
+              <a:t>5/4/17</a:t>
             </a:fld>
             <a:endParaRPr lang="en-US"/>
           </a:p>
@@ -5262,7 +5260,7 @@
           <a:p>
             <a:fld id="{043D7B85-D040-214F-9303-7FDDADF77F95}" type="datetime1">
               <a:rPr lang="en-US" smtClean="0"/>
-              <a:t>5/3/17</a:t>
+              <a:t>5/4/17</a:t>
             </a:fld>
             <a:endParaRPr lang="en-US"/>
           </a:p>
@@ -5476,7 +5474,7 @@
           <a:p>
             <a:fld id="{CF06330F-2863-B244-A889-A6416C2F2863}" type="datetime1">
               <a:rPr lang="en-US" smtClean="0"/>
-              <a:t>5/3/17</a:t>
+              <a:t>5/4/17</a:t>
             </a:fld>
             <a:endParaRPr lang="en-US"/>
           </a:p>
@@ -5819,7 +5817,7 @@
           <a:p>
             <a:fld id="{C888A1B5-C673-8A47-9843-5DDFB797488F}" type="datetime1">
               <a:rPr lang="en-US" smtClean="0"/>
-              <a:t>5/3/17</a:t>
+              <a:t>5/4/17</a:t>
             </a:fld>
             <a:endParaRPr lang="en-US"/>
           </a:p>
@@ -6009,7 +6007,7 @@
           <a:p>
             <a:fld id="{44904425-5295-D94B-8D1F-FB45FDBC9752}" type="datetime1">
               <a:rPr lang="en-US" smtClean="0"/>
-              <a:t>5/3/17</a:t>
+              <a:t>5/4/17</a:t>
             </a:fld>
             <a:endParaRPr lang="en-US"/>
           </a:p>
@@ -6209,7 +6207,7 @@
           <a:p>
             <a:fld id="{58F37EF9-201A-B744-A0C8-0105F4C9414D}" type="datetime1">
               <a:rPr lang="en-US" smtClean="0"/>
-              <a:t>5/3/17</a:t>
+              <a:t>5/4/17</a:t>
             </a:fld>
             <a:endParaRPr lang="en-US"/>
           </a:p>
@@ -6496,7 +6494,7 @@
           <a:p>
             <a:fld id="{91FD8EB4-D581-F048-88ED-A64D6EB3CFAB}" type="datetime1">
               <a:rPr lang="en-US" smtClean="0"/>
-              <a:t>5/3/17</a:t>
+              <a:t>5/4/17</a:t>
             </a:fld>
             <a:endParaRPr lang="en-US"/>
           </a:p>
@@ -6742,7 +6740,7 @@
           <a:p>
             <a:fld id="{77B1075F-B81A-5940-A68D-45596C356335}" type="datetime1">
               <a:rPr lang="en-US" smtClean="0"/>
-              <a:t>5/3/17</a:t>
+              <a:t>5/4/17</a:t>
             </a:fld>
             <a:endParaRPr lang="en-US"/>
           </a:p>
@@ -7050,7 +7048,7 @@
           <a:p>
             <a:fld id="{39113FC0-C6F8-6E40-8D7A-F2A1A22961FE}" type="datetime1">
               <a:rPr lang="en-US" smtClean="0"/>
-              <a:t>5/3/17</a:t>
+              <a:t>5/4/17</a:t>
             </a:fld>
             <a:endParaRPr lang="en-US"/>
           </a:p>
@@ -7504,7 +7502,7 @@
           <a:p>
             <a:fld id="{37F32D73-5A99-464A-8594-B551FF72C9D9}" type="datetime1">
               <a:rPr lang="en-US" smtClean="0"/>
-              <a:t>5/3/17</a:t>
+              <a:t>5/4/17</a:t>
             </a:fld>
             <a:endParaRPr lang="en-US"/>
           </a:p>
@@ -7642,7 +7640,7 @@
           <a:p>
             <a:fld id="{E82BF7D7-27C3-CF45-B820-FC005A5F8688}" type="datetime1">
               <a:rPr lang="en-US" smtClean="0"/>
-              <a:t>5/3/17</a:t>
+              <a:t>5/4/17</a:t>
             </a:fld>
             <a:endParaRPr lang="en-US"/>
           </a:p>
@@ -7757,7 +7755,7 @@
           <a:p>
             <a:fld id="{9555053E-C274-C74C-A284-88F22C581203}" type="datetime1">
               <a:rPr lang="en-US" smtClean="0"/>
-              <a:t>5/3/17</a:t>
+              <a:t>5/4/17</a:t>
             </a:fld>
             <a:endParaRPr lang="en-US"/>
           </a:p>
@@ -7971,7 +7969,7 @@
           <a:p>
             <a:fld id="{7A689FF8-7D69-1D41-AF80-D980840BCB23}" type="datetime1">
               <a:rPr lang="en-US" smtClean="0"/>
-              <a:t>5/3/17</a:t>
+              <a:t>5/4/17</a:t>
             </a:fld>
             <a:endParaRPr lang="en-US"/>
           </a:p>
@@ -8314,7 +8312,7 @@
           <a:p>
             <a:fld id="{B2055EBF-49EC-E44B-96CA-4F8E3FBF2465}" type="datetime1">
               <a:rPr lang="en-US" smtClean="0"/>
-              <a:t>5/3/17</a:t>
+              <a:t>5/4/17</a:t>
             </a:fld>
             <a:endParaRPr lang="en-US"/>
           </a:p>
@@ -8677,7 +8675,7 @@
           <a:p>
             <a:fld id="{96D7D345-C39C-A44C-AF4E-9524445B1337}" type="datetime1">
               <a:rPr lang="en-US" smtClean="0"/>
-              <a:t>5/3/17</a:t>
+              <a:t>5/4/17</a:t>
             </a:fld>
             <a:endParaRPr lang="en-US"/>
           </a:p>
@@ -9380,7 +9378,7 @@
           <a:p>
             <a:fld id="{8C5F0DC5-6EC3-034C-8486-0300E89E16FC}" type="datetime1">
               <a:rPr lang="en-US" smtClean="0"/>
-              <a:t>5/3/17</a:t>
+              <a:t>5/4/17</a:t>
             </a:fld>
             <a:endParaRPr lang="en-US"/>
           </a:p>
@@ -9973,7 +9971,7 @@
           <a:p>
             <a:fld id="{BD3E17D7-4415-0A45-8086-1E9B50478751}" type="datetime1">
               <a:rPr lang="en-US" smtClean="0"/>
-              <a:t>5/3/17</a:t>
+              <a:t>5/4/17</a:t>
             </a:fld>
             <a:endParaRPr lang="en-US" dirty="0"/>
           </a:p>
@@ -10155,7 +10153,7 @@
           <a:p>
             <a:fld id="{4676C52D-A00D-2248-AAC1-94BD55906AAC}" type="datetime1">
               <a:rPr lang="en-US" smtClean="0"/>
-              <a:t>5/3/17</a:t>
+              <a:t>5/4/17</a:t>
             </a:fld>
             <a:endParaRPr lang="en-US"/>
           </a:p>
@@ -10217,6 +10215,13 @@
   <p:clrMapOvr>
     <a:masterClrMapping/>
   </p:clrMapOvr>
+  <p:timing>
+    <p:tnLst>
+      <p:par>
+        <p:cTn id="1" dur="indefinite" restart="never" nodeType="tmRoot"/>
+      </p:par>
+    </p:tnLst>
+  </p:timing>
 </p:sld>
 </file>
 
@@ -10338,7 +10343,7 @@
           <a:p>
             <a:fld id="{446EC888-7CFD-C641-9F44-9678633359F5}" type="datetime1">
               <a:rPr lang="en-US" smtClean="0"/>
-              <a:t>5/3/17</a:t>
+              <a:t>5/4/17</a:t>
             </a:fld>
             <a:endParaRPr lang="en-US"/>
           </a:p>
@@ -10400,6 +10405,13 @@
   <p:clrMapOvr>
     <a:masterClrMapping/>
   </p:clrMapOvr>
+  <p:timing>
+    <p:tnLst>
+      <p:par>
+        <p:cTn id="1" dur="indefinite" restart="never" nodeType="tmRoot"/>
+      </p:par>
+    </p:tnLst>
+  </p:timing>
 </p:sld>
 </file>
 
@@ -10495,8 +10507,13 @@
             </a:r>
             <a:r>
               <a:rPr lang="en-US" dirty="0" smtClean="0"/>
-              <a:t> and ask for a General account</a:t>
-            </a:r>
+              <a:t> and ask for a General </a:t>
+            </a:r>
+            <a:r>
+              <a:rPr lang="en-US" dirty="0" smtClean="0"/>
+              <a:t>allocation</a:t>
+            </a:r>
+            <a:endParaRPr lang="en-US" dirty="0" smtClean="0"/>
           </a:p>
           <a:p>
             <a:pPr lvl="1"/>
@@ -10537,7 +10554,7 @@
           <a:p>
             <a:fld id="{9DCF056C-E28A-E84B-82B5-F09CA8CCF7AA}" type="datetime1">
               <a:rPr lang="en-US" smtClean="0"/>
-              <a:t>5/3/17</a:t>
+              <a:t>5/4/17</a:t>
             </a:fld>
             <a:endParaRPr lang="en-US" dirty="0"/>
           </a:p>
@@ -10599,6 +10616,13 @@
   <p:clrMapOvr>
     <a:masterClrMapping/>
   </p:clrMapOvr>
+  <p:timing>
+    <p:tnLst>
+      <p:par>
+        <p:cTn id="1" dur="indefinite" restart="never" nodeType="tmRoot"/>
+      </p:par>
+    </p:tnLst>
+  </p:timing>
 </p:sld>
 </file>
 
@@ -10731,7 +10755,7 @@
           <a:p>
             <a:fld id="{F20BFDB3-A603-BF47-BB0C-9DB4A86B14A1}" type="datetime1">
               <a:rPr lang="en-US" smtClean="0"/>
-              <a:t>5/3/17</a:t>
+              <a:t>5/4/17</a:t>
             </a:fld>
             <a:endParaRPr lang="en-US" dirty="0"/>
           </a:p>
@@ -10793,6 +10817,13 @@
   <p:clrMapOvr>
     <a:masterClrMapping/>
   </p:clrMapOvr>
+  <p:timing>
+    <p:tnLst>
+      <p:par>
+        <p:cTn id="1" dur="indefinite" restart="never" nodeType="tmRoot"/>
+      </p:par>
+    </p:tnLst>
+  </p:timing>
 </p:sld>
 </file>
 
@@ -10907,7 +10938,7 @@
           <a:p>
             <a:fld id="{C74A8494-43BC-5246-A5F8-7C026E3A2506}" type="datetime1">
               <a:rPr lang="en-US" smtClean="0"/>
-              <a:t>5/3/17</a:t>
+              <a:t>5/4/17</a:t>
             </a:fld>
             <a:endParaRPr lang="en-US" dirty="0"/>
           </a:p>
@@ -10969,6 +11000,13 @@
   <p:clrMapOvr>
     <a:masterClrMapping/>
   </p:clrMapOvr>
+  <p:timing>
+    <p:tnLst>
+      <p:par>
+        <p:cTn id="1" dur="indefinite" restart="never" nodeType="tmRoot"/>
+      </p:par>
+    </p:tnLst>
+  </p:timing>
 </p:sld>
 </file>
 
@@ -11091,7 +11129,7 @@
           <a:p>
             <a:fld id="{565D631E-63D9-2946-A4FB-64ADF73B9F46}" type="datetime1">
               <a:rPr lang="en-US" smtClean="0"/>
-              <a:t>5/3/17</a:t>
+              <a:t>5/4/17</a:t>
             </a:fld>
             <a:endParaRPr lang="en-US" dirty="0"/>
           </a:p>
@@ -11153,6 +11191,13 @@
   <p:clrMapOvr>
     <a:masterClrMapping/>
   </p:clrMapOvr>
+  <p:timing>
+    <p:tnLst>
+      <p:par>
+        <p:cTn id="1" dur="indefinite" restart="never" nodeType="tmRoot"/>
+      </p:par>
+    </p:tnLst>
+  </p:timing>
 </p:sld>
 </file>
 
@@ -11273,7 +11318,7 @@
           <a:p>
             <a:fld id="{D6A24DE9-2A38-9F4F-9441-F5E45DF3B582}" type="datetime1">
               <a:rPr lang="en-US" smtClean="0"/>
-              <a:t>5/3/17</a:t>
+              <a:t>5/4/17</a:t>
             </a:fld>
             <a:endParaRPr lang="en-US" dirty="0"/>
           </a:p>
@@ -11335,6 +11380,13 @@
   <p:clrMapOvr>
     <a:masterClrMapping/>
   </p:clrMapOvr>
+  <p:timing>
+    <p:tnLst>
+      <p:par>
+        <p:cTn id="1" dur="indefinite" restart="never" nodeType="tmRoot"/>
+      </p:par>
+    </p:tnLst>
+  </p:timing>
 </p:sld>
 </file>
 
@@ -11448,7 +11500,7 @@
           <a:p>
             <a:fld id="{14C7FEA5-DE78-1148-84A0-7BFCB44B4D67}" type="datetime1">
               <a:rPr lang="en-US" smtClean="0"/>
-              <a:t>5/3/17</a:t>
+              <a:t>5/4/17</a:t>
             </a:fld>
             <a:endParaRPr lang="en-US"/>
           </a:p>
@@ -11510,6 +11562,13 @@
   <p:clrMapOvr>
     <a:masterClrMapping/>
   </p:clrMapOvr>
+  <p:timing>
+    <p:tnLst>
+      <p:par>
+        <p:cTn id="1" dur="indefinite" restart="never" nodeType="tmRoot"/>
+      </p:par>
+    </p:tnLst>
+  </p:timing>
 </p:sld>
 </file>
 
@@ -11775,7 +11834,7 @@
           <a:p>
             <a:fld id="{8885B798-E31F-EF48-B899-212976AF87DE}" type="datetime1">
               <a:rPr lang="en-US" smtClean="0"/>
-              <a:t>5/3/17</a:t>
+              <a:t>5/4/17</a:t>
             </a:fld>
             <a:endParaRPr lang="en-US" dirty="0"/>
           </a:p>
@@ -11962,7 +12021,7 @@
           <a:p>
             <a:fld id="{BFB05F3F-E948-DD41-9031-1B2AF49AD76C}" type="datetime1">
               <a:rPr lang="en-US" smtClean="0"/>
-              <a:t>5/3/17</a:t>
+              <a:t>5/4/17</a:t>
             </a:fld>
             <a:endParaRPr lang="en-US"/>
           </a:p>
@@ -12024,6 +12083,13 @@
   <p:clrMapOvr>
     <a:masterClrMapping/>
   </p:clrMapOvr>
+  <p:timing>
+    <p:tnLst>
+      <p:par>
+        <p:cTn id="1" dur="indefinite" restart="never" nodeType="tmRoot"/>
+      </p:par>
+    </p:tnLst>
+  </p:timing>
 </p:sld>
 </file>
 
@@ -12175,7 +12241,7 @@
           <a:p>
             <a:fld id="{771A8861-859A-A949-A7D3-0A76732EE9EB}" type="datetime1">
               <a:rPr lang="en-US" smtClean="0"/>
-              <a:t>5/3/17</a:t>
+              <a:t>5/4/17</a:t>
             </a:fld>
             <a:endParaRPr lang="en-US" dirty="0"/>
           </a:p>
@@ -12394,7 +12460,7 @@
           <a:p>
             <a:fld id="{D5EAB504-1A42-5949-AE07-2AC2FB9C6C54}" type="datetime1">
               <a:rPr lang="en-US" smtClean="0"/>
-              <a:t>5/3/17</a:t>
+              <a:t>5/4/17</a:t>
             </a:fld>
             <a:endParaRPr lang="en-US" dirty="0"/>
           </a:p>
@@ -12631,7 +12697,7 @@
           <a:p>
             <a:fld id="{79168923-96D4-8249-9655-376DD4AC8146}" type="datetime1">
               <a:rPr lang="en-US" smtClean="0"/>
-              <a:t>5/3/17</a:t>
+              <a:t>5/4/17</a:t>
             </a:fld>
             <a:endParaRPr lang="en-US"/>
           </a:p>
@@ -12867,12 +12933,16 @@
             <a:pPr lvl="1"/>
             <a:r>
               <a:rPr lang="en-US" dirty="0" smtClean="0"/>
-              <a:t>Much </a:t>
-            </a:r>
-            <a:r>
-              <a:rPr lang="en-US" dirty="0"/>
-              <a:t>larger – depends on system</a:t>
-            </a:r>
+              <a:t>10 TB</a:t>
+            </a:r>
+          </a:p>
+          <a:p>
+            <a:pPr lvl="2"/>
+            <a:r>
+              <a:rPr lang="en-US" dirty="0" smtClean="0"/>
+              <a:t>Can ask for more if needed</a:t>
+            </a:r>
+            <a:endParaRPr lang="en-US" dirty="0"/>
           </a:p>
           <a:p>
             <a:pPr lvl="1"/>
@@ -13130,7 +13200,7 @@
           <a:p>
             <a:fld id="{F92F4056-9118-9A49-8EA1-59B389654B04}" type="datetime1">
               <a:rPr lang="en-US" smtClean="0"/>
-              <a:t>5/3/17</a:t>
+              <a:t>5/4/17</a:t>
             </a:fld>
             <a:endParaRPr lang="en-US"/>
           </a:p>
@@ -13192,6 +13262,13 @@
   <p:clrMapOvr>
     <a:masterClrMapping/>
   </p:clrMapOvr>
+  <p:timing>
+    <p:tnLst>
+      <p:par>
+        <p:cTn id="1" dur="indefinite" restart="never" nodeType="tmRoot"/>
+      </p:par>
+    </p:tnLst>
+  </p:timing>
 </p:sld>
 </file>
 
@@ -13351,7 +13428,7 @@
           <a:p>
             <a:fld id="{6A2AF87B-5DE4-7242-B926-81C627D286DE}" type="datetime1">
               <a:rPr lang="en-US" smtClean="0"/>
-              <a:t>5/3/17</a:t>
+              <a:t>5/4/17</a:t>
             </a:fld>
             <a:endParaRPr lang="en-US"/>
           </a:p>
@@ -13413,6 +13490,13 @@
   <p:clrMapOvr>
     <a:masterClrMapping/>
   </p:clrMapOvr>
+  <p:timing>
+    <p:tnLst>
+      <p:par>
+        <p:cTn id="1" dur="indefinite" restart="never" nodeType="tmRoot"/>
+      </p:par>
+    </p:tnLst>
+  </p:timing>
 </p:sld>
 </file>
 
@@ -13575,7 +13659,7 @@
           <a:p>
             <a:fld id="{C409689E-59C4-3149-BC30-04475534628F}" type="datetime1">
               <a:rPr lang="en-US" smtClean="0"/>
-              <a:t>5/3/17</a:t>
+              <a:t>5/4/17</a:t>
             </a:fld>
             <a:endParaRPr lang="en-US"/>
           </a:p>
@@ -13637,6 +13721,13 @@
   <p:clrMapOvr>
     <a:masterClrMapping/>
   </p:clrMapOvr>
+  <p:timing>
+    <p:tnLst>
+      <p:par>
+        <p:cTn id="1" dur="indefinite" restart="never" nodeType="tmRoot"/>
+      </p:par>
+    </p:tnLst>
+  </p:timing>
 </p:sld>
 </file>
 
@@ -13778,7 +13869,7 @@
           <a:p>
             <a:fld id="{A4F0CB77-59E8-AA4B-8AF0-F960A2371B83}" type="datetime1">
               <a:rPr lang="en-US" smtClean="0"/>
-              <a:t>5/3/17</a:t>
+              <a:t>5/4/17</a:t>
             </a:fld>
             <a:endParaRPr lang="en-US"/>
           </a:p>
@@ -13840,6 +13931,13 @@
   <p:clrMapOvr>
     <a:masterClrMapping/>
   </p:clrMapOvr>
+  <p:timing>
+    <p:tnLst>
+      <p:par>
+        <p:cTn id="1" dur="indefinite" restart="never" nodeType="tmRoot"/>
+      </p:par>
+    </p:tnLst>
+  </p:timing>
 </p:sld>
 </file>
 
@@ -13924,21 +14022,7 @@
                 <a:ea typeface="Courier" charset="0"/>
                 <a:cs typeface="Courier" charset="0"/>
               </a:rPr>
-              <a:t>ml R/3.3.0</a:t>
-            </a:r>
-          </a:p>
-          <a:p>
-            <a:pPr lvl="1"/>
-            <a:r>
-              <a:rPr lang="en-US" dirty="0" smtClean="0"/>
-              <a:t>For other modules, you may be able to be more generic</a:t>
-            </a:r>
-          </a:p>
-          <a:p>
-            <a:pPr lvl="2"/>
-            <a:r>
-              <a:rPr lang="en-US" dirty="0" smtClean="0"/>
-              <a:t>For example, </a:t>
+              <a:t>module load </a:t>
             </a:r>
             <a:r>
               <a:rPr lang="en-US" b="1" dirty="0" smtClean="0">
@@ -13946,7 +14030,29 @@
                 <a:ea typeface="Courier" charset="0"/>
                 <a:cs typeface="Courier" charset="0"/>
               </a:rPr>
-              <a:t>ml </a:t>
+              <a:t>R/3.3.0</a:t>
+            </a:r>
+          </a:p>
+          <a:p>
+            <a:pPr lvl="1"/>
+            <a:r>
+              <a:rPr lang="en-US" dirty="0" smtClean="0"/>
+              <a:t>For other modules, you may be able to be more generic</a:t>
+            </a:r>
+          </a:p>
+          <a:p>
+            <a:pPr lvl="2"/>
+            <a:r>
+              <a:rPr lang="en-US" dirty="0" smtClean="0"/>
+              <a:t>For example, </a:t>
+            </a:r>
+            <a:r>
+              <a:rPr lang="en-US" b="1" dirty="0" smtClean="0">
+                <a:latin typeface="Courier" charset="0"/>
+                <a:ea typeface="Courier" charset="0"/>
+                <a:cs typeface="Courier" charset="0"/>
+              </a:rPr>
+              <a:t>module load </a:t>
             </a:r>
             <a:r>
               <a:rPr lang="en-US" b="1" dirty="0" err="1" smtClean="0">
@@ -13996,7 +14102,7 @@
                 <a:ea typeface="Courier" charset="0"/>
                 <a:cs typeface="Courier" charset="0"/>
               </a:rPr>
-              <a:t>ml </a:t>
+              <a:t>module load </a:t>
             </a:r>
             <a:r>
               <a:rPr lang="en-US" b="1" dirty="0">
@@ -14018,7 +14124,7 @@
                 <a:ea typeface="Courier" charset="0"/>
                 <a:cs typeface="Courier" charset="0"/>
               </a:rPr>
-              <a:t>ml </a:t>
+              <a:t>module load </a:t>
             </a:r>
             <a:r>
               <a:rPr lang="en-US" b="1" dirty="0">
@@ -14051,7 +14157,7 @@
           <a:p>
             <a:fld id="{2CB1BB01-A22C-0E44-AE14-9BA42F328388}" type="datetime1">
               <a:rPr lang="en-US" smtClean="0"/>
-              <a:t>5/3/17</a:t>
+              <a:t>5/4/17</a:t>
             </a:fld>
             <a:endParaRPr lang="en-US" dirty="0"/>
           </a:p>
@@ -14113,6 +14219,13 @@
   <p:clrMapOvr>
     <a:masterClrMapping/>
   </p:clrMapOvr>
+  <p:timing>
+    <p:tnLst>
+      <p:par>
+        <p:cTn id="1" dur="indefinite" restart="never" nodeType="tmRoot"/>
+      </p:par>
+    </p:tnLst>
+  </p:timing>
 </p:sld>
 </file>
 
@@ -14179,7 +14292,7 @@
           <a:p>
             <a:fld id="{EF2E92D6-81C2-2349-8DFB-1F1A7DD82F92}" type="datetime1">
               <a:rPr lang="en-US" smtClean="0"/>
-              <a:t>5/3/17</a:t>
+              <a:t>5/4/17</a:t>
             </a:fld>
             <a:endParaRPr lang="en-US"/>
           </a:p>
@@ -14241,6 +14354,13 @@
   <p:clrMapOvr>
     <a:masterClrMapping/>
   </p:clrMapOvr>
+  <p:timing>
+    <p:tnLst>
+      <p:par>
+        <p:cTn id="1" dur="indefinite" restart="never" nodeType="tmRoot"/>
+      </p:par>
+    </p:tnLst>
+  </p:timing>
 </p:sld>
 </file>
 
@@ -14375,7 +14495,7 @@
           <a:p>
             <a:fld id="{8C1A9D32-265E-194F-AF93-71B2043231E0}" type="datetime1">
               <a:rPr lang="en-US" smtClean="0"/>
-              <a:t>5/3/17</a:t>
+              <a:t>5/4/17</a:t>
             </a:fld>
             <a:endParaRPr lang="en-US"/>
           </a:p>
@@ -14601,7 +14721,7 @@
           <a:p>
             <a:fld id="{4ACF55D2-6E15-324D-A853-3288224DF348}" type="datetime1">
               <a:rPr lang="en-US" smtClean="0"/>
-              <a:t>5/3/17</a:t>
+              <a:t>5/4/17</a:t>
             </a:fld>
             <a:endParaRPr lang="en-US" dirty="0"/>
           </a:p>
@@ -14818,7 +14938,7 @@
           <a:p>
             <a:fld id="{2BF9B4AA-B499-8C4E-9B8E-811BDC42AB72}" type="datetime1">
               <a:rPr lang="en-US" smtClean="0"/>
-              <a:t>5/3/17</a:t>
+              <a:t>5/4/17</a:t>
             </a:fld>
             <a:endParaRPr lang="en-US"/>
           </a:p>
@@ -14880,6 +15000,13 @@
   <p:clrMapOvr>
     <a:masterClrMapping/>
   </p:clrMapOvr>
+  <p:timing>
+    <p:tnLst>
+      <p:par>
+        <p:cTn id="1" dur="indefinite" restart="never" nodeType="tmRoot"/>
+      </p:par>
+    </p:tnLst>
+  </p:timing>
 </p:sld>
 </file>
 
@@ -15036,7 +15163,7 @@
           <a:p>
             <a:fld id="{09667844-52C5-454C-91DA-DA641038CED4}" type="datetime1">
               <a:rPr lang="en-US" smtClean="0"/>
-              <a:t>5/3/17</a:t>
+              <a:t>5/4/17</a:t>
             </a:fld>
             <a:endParaRPr lang="en-US"/>
           </a:p>
@@ -15179,7 +15306,15 @@
           <a:p>
             <a:r>
               <a:rPr lang="en-US" dirty="0" smtClean="0"/>
-              <a:t>Do this using the -p partition flag</a:t>
+              <a:t>Do this using </a:t>
+            </a:r>
+            <a:r>
+              <a:rPr lang="en-US" dirty="0" smtClean="0"/>
+              <a:t>the </a:t>
+            </a:r>
+            <a:r>
+              <a:rPr lang="en-US" dirty="0" smtClean="0"/>
+              <a:t>partition flag</a:t>
             </a:r>
           </a:p>
           <a:p>
@@ -15208,7 +15343,7 @@
           <a:p>
             <a:fld id="{D07D67D9-0F25-3A44-BD87-1123755F3EE6}" type="datetime1">
               <a:rPr lang="en-US" smtClean="0"/>
-              <a:t>5/3/17</a:t>
+              <a:t>5/4/17</a:t>
             </a:fld>
             <a:endParaRPr lang="en-US"/>
           </a:p>
@@ -15425,7 +15560,7 @@
           <a:p>
             <a:fld id="{D20DA3BF-08CB-8A4B-9523-EAB60681977A}" type="datetime1">
               <a:rPr lang="en-US" smtClean="0"/>
-              <a:t>5/3/17</a:t>
+              <a:t>5/4/17</a:t>
             </a:fld>
             <a:endParaRPr lang="en-US"/>
           </a:p>
@@ -17360,7 +17495,7 @@
           <a:p>
             <a:fld id="{A3C9C1BB-C1E4-004E-B76B-8C60A87CB160}" type="datetime1">
               <a:rPr lang="en-US" smtClean="0"/>
-              <a:t>5/3/17</a:t>
+              <a:t>5/4/17</a:t>
             </a:fld>
             <a:endParaRPr lang="en-US"/>
           </a:p>
@@ -19540,7 +19675,7 @@
           <a:p>
             <a:fld id="{D7C17083-DB9E-DF40-9FF1-3C3BBD3126F3}" type="datetime1">
               <a:rPr lang="en-US" smtClean="0"/>
-              <a:t>5/3/17</a:t>
+              <a:t>5/4/17</a:t>
             </a:fld>
             <a:endParaRPr lang="en-US" dirty="0"/>
           </a:p>
@@ -19652,6 +19787,13 @@
       <p:transition spd="slow"/>
     </mc:Fallback>
   </mc:AlternateContent>
+  <p:timing>
+    <p:tnLst>
+      <p:par>
+        <p:cTn id="1" dur="indefinite" restart="never" nodeType="tmRoot"/>
+      </p:par>
+    </p:tnLst>
+  </p:timing>
 </p:sld>
 </file>
 
@@ -20069,7 +20211,7 @@
           <a:p>
             <a:fld id="{F1062F58-FDE1-BA4D-BB8C-2264A72B5428}" type="datetime1">
               <a:rPr lang="en-US" smtClean="0"/>
-              <a:t>5/3/17</a:t>
+              <a:t>5/4/17</a:t>
             </a:fld>
             <a:endParaRPr lang="en-US" dirty="0"/>
           </a:p>
@@ -20181,6 +20323,13 @@
       <p:transition spd="slow"/>
     </mc:Fallback>
   </mc:AlternateContent>
+  <p:timing>
+    <p:tnLst>
+      <p:par>
+        <p:cTn id="1" dur="indefinite" restart="never" nodeType="tmRoot"/>
+      </p:par>
+    </p:tnLst>
+  </p:timing>
 </p:sld>
 </file>
 
@@ -20288,7 +20437,7 @@
                 <a:ea typeface="Courier" charset="0"/>
                 <a:cs typeface="Courier" charset="0"/>
               </a:rPr>
-              <a:t>ml </a:t>
+              <a:t>module load </a:t>
             </a:r>
             <a:r>
               <a:rPr lang="en-US" dirty="0" err="1" smtClean="0">
@@ -20367,7 +20516,7 @@
           <a:p>
             <a:fld id="{57D010C4-F61A-344B-ACB4-6FFCD098ACFF}" type="datetime1">
               <a:rPr lang="en-US" smtClean="0"/>
-              <a:t>5/3/17</a:t>
+              <a:t>5/4/17</a:t>
             </a:fld>
             <a:endParaRPr lang="en-US"/>
           </a:p>
@@ -20429,6 +20578,13 @@
   <p:clrMapOvr>
     <a:masterClrMapping/>
   </p:clrMapOvr>
+  <p:timing>
+    <p:tnLst>
+      <p:par>
+        <p:cTn id="1" dur="indefinite" restart="never" nodeType="tmRoot"/>
+      </p:par>
+    </p:tnLst>
+  </p:timing>
 </p:sld>
 </file>
 
@@ -20519,7 +20675,15 @@
                 <a:ea typeface="Courier" charset="0"/>
                 <a:cs typeface="Courier" charset="0"/>
               </a:rPr>
-              <a:t> ml </a:t>
+              <a:t> </a:t>
+            </a:r>
+            <a:r>
+              <a:rPr lang="en-US" dirty="0" smtClean="0">
+                <a:latin typeface="Courier" charset="0"/>
+                <a:ea typeface="Courier" charset="0"/>
+                <a:cs typeface="Courier" charset="0"/>
+              </a:rPr>
+              <a:t>module load </a:t>
             </a:r>
             <a:r>
               <a:rPr lang="en-US" dirty="0" err="1" smtClean="0">
@@ -20588,7 +20752,7 @@
           <a:p>
             <a:fld id="{36D94695-4FE4-B74D-9FEF-603C469ABA33}" type="datetime1">
               <a:rPr lang="en-US" smtClean="0"/>
-              <a:t>5/3/17</a:t>
+              <a:t>5/4/17</a:t>
             </a:fld>
             <a:endParaRPr lang="en-US"/>
           </a:p>
@@ -20650,6 +20814,13 @@
   <p:clrMapOvr>
     <a:masterClrMapping/>
   </p:clrMapOvr>
+  <p:timing>
+    <p:tnLst>
+      <p:par>
+        <p:cTn id="1" dur="indefinite" restart="never" nodeType="tmRoot"/>
+      </p:par>
+    </p:tnLst>
+  </p:timing>
 </p:sld>
 </file>
 
@@ -20834,7 +21005,7 @@
           <a:p>
             <a:fld id="{A2DD7857-83C0-944C-808D-7EBD666BA1C5}" type="datetime1">
               <a:rPr lang="en-US" smtClean="0"/>
-              <a:t>5/3/17</a:t>
+              <a:t>5/4/17</a:t>
             </a:fld>
             <a:endParaRPr lang="en-US"/>
           </a:p>
@@ -20896,6 +21067,13 @@
   <p:clrMapOvr>
     <a:masterClrMapping/>
   </p:clrMapOvr>
+  <p:timing>
+    <p:tnLst>
+      <p:par>
+        <p:cTn id="1" dur="indefinite" restart="never" nodeType="tmRoot"/>
+      </p:par>
+    </p:tnLst>
+  </p:timing>
 </p:sld>
 </file>
 
@@ -20962,7 +21140,7 @@
           <a:p>
             <a:fld id="{D0F1EC55-3BF6-B94A-A8A8-ECF9B2E6E6A5}" type="datetime1">
               <a:rPr lang="en-US" smtClean="0"/>
-              <a:t>5/3/17</a:t>
+              <a:t>5/4/17</a:t>
             </a:fld>
             <a:endParaRPr lang="en-US" dirty="0"/>
           </a:p>
@@ -21178,7 +21356,7 @@
           <a:p>
             <a:fld id="{157FD4B1-436B-5B42-B797-4F45D1B6B6A9}" type="datetime1">
               <a:rPr lang="en-US" smtClean="0"/>
-              <a:t>5/3/17</a:t>
+              <a:t>5/4/17</a:t>
             </a:fld>
             <a:endParaRPr lang="en-US" dirty="0"/>
           </a:p>
@@ -21240,6 +21418,13 @@
   <p:clrMapOvr>
     <a:masterClrMapping/>
   </p:clrMapOvr>
+  <p:timing>
+    <p:tnLst>
+      <p:par>
+        <p:cTn id="1" dur="indefinite" restart="never" nodeType="tmRoot"/>
+      </p:par>
+    </p:tnLst>
+  </p:timing>
 </p:sld>
 </file>
 
@@ -21451,7 +21636,7 @@
           <a:p>
             <a:fld id="{50F15D87-D865-834D-8095-85B47E5D857D}" type="datetime1">
               <a:rPr lang="en-US" smtClean="0"/>
-              <a:t>5/3/17</a:t>
+              <a:t>5/4/17</a:t>
             </a:fld>
             <a:endParaRPr lang="en-US"/>
           </a:p>
@@ -22063,7 +22248,7 @@
           <a:p>
             <a:fld id="{9650BA27-C1AA-FC4E-A90D-29775570A7B1}" type="datetime1">
               <a:rPr lang="en-US" smtClean="0"/>
-              <a:t>5/3/17</a:t>
+              <a:t>5/4/17</a:t>
             </a:fld>
             <a:endParaRPr lang="en-US"/>
           </a:p>
@@ -22378,7 +22563,7 @@
           <a:p>
             <a:fld id="{F595C32F-4FDD-1845-9DAD-BF783B30F4EA}" type="datetime1">
               <a:rPr lang="en-US" smtClean="0"/>
-              <a:t>5/3/17</a:t>
+              <a:t>5/4/17</a:t>
             </a:fld>
             <a:endParaRPr lang="en-US"/>
           </a:p>
@@ -22714,7 +22899,7 @@
           <a:p>
             <a:fld id="{7A593D67-D80B-D341-95C2-D8FD019BB686}" type="datetime1">
               <a:rPr lang="en-US" smtClean="0"/>
-              <a:t>5/3/17</a:t>
+              <a:t>5/4/17</a:t>
             </a:fld>
             <a:endParaRPr lang="en-US" dirty="0"/>
           </a:p>
@@ -23040,7 +23225,7 @@
           <a:p>
             <a:fld id="{26A447B6-DA76-2941-9271-7615FCF773C3}" type="datetime1">
               <a:rPr lang="en-US" smtClean="0"/>
-              <a:t>5/3/17</a:t>
+              <a:t>5/4/17</a:t>
             </a:fld>
             <a:endParaRPr lang="en-US"/>
           </a:p>
@@ -23392,7 +23577,7 @@
           <a:p>
             <a:fld id="{38B2C89D-A2C7-BC4F-80C2-CF46C745D9C4}" type="datetime1">
               <a:rPr lang="en-US" smtClean="0"/>
-              <a:t>5/3/17</a:t>
+              <a:t>5/4/17</a:t>
             </a:fld>
             <a:endParaRPr lang="en-US"/>
           </a:p>
@@ -24088,7 +24273,7 @@
           <a:p>
             <a:fld id="{EBDED0D2-C1DA-5148-BCD1-FD0E375E4368}" type="datetime1">
               <a:rPr lang="en-US" smtClean="0"/>
-              <a:t>5/3/17</a:t>
+              <a:t>5/4/17</a:t>
             </a:fld>
             <a:endParaRPr lang="en-US"/>
           </a:p>
@@ -24272,7 +24457,7 @@
           <a:p>
             <a:fld id="{58476822-42A8-164F-A773-7C6D2A6A81DB}" type="datetime1">
               <a:rPr lang="en-US" smtClean="0"/>
-              <a:t>5/3/17</a:t>
+              <a:t>5/4/17</a:t>
             </a:fld>
             <a:endParaRPr lang="en-US" dirty="0"/>
           </a:p>
@@ -24525,7 +24710,7 @@
           <a:p>
             <a:fld id="{743333A5-8F5B-BA46-B1A8-D091CAAF002B}" type="datetime1">
               <a:rPr lang="en-US" smtClean="0"/>
-              <a:t>5/3/17</a:t>
+              <a:t>5/4/17</a:t>
             </a:fld>
             <a:endParaRPr lang="en-US"/>
           </a:p>
@@ -25196,7 +25381,7 @@
           <a:p>
             <a:fld id="{AE89C334-26D2-F346-A763-FB59B0897930}" type="datetime1">
               <a:rPr lang="en-US" smtClean="0"/>
-              <a:t>5/3/17</a:t>
+              <a:t>5/4/17</a:t>
             </a:fld>
             <a:endParaRPr lang="en-US"/>
           </a:p>
@@ -25412,7 +25597,7 @@
           <a:p>
             <a:fld id="{406683BE-7CE6-C246-A895-91EACBC36081}" type="datetime1">
               <a:rPr lang="en-US" smtClean="0"/>
-              <a:t>5/3/17</a:t>
+              <a:t>5/4/17</a:t>
             </a:fld>
             <a:endParaRPr lang="en-US" dirty="0"/>
           </a:p>
@@ -25862,7 +26047,7 @@
           <a:p>
             <a:fld id="{0E391325-9FAD-3B48-ABBB-A2878079FE51}" type="datetime1">
               <a:rPr lang="en-US" smtClean="0"/>
-              <a:t>5/3/17</a:t>
+              <a:t>5/4/17</a:t>
             </a:fld>
             <a:endParaRPr lang="en-US"/>
           </a:p>
@@ -26376,7 +26561,7 @@
           <a:p>
             <a:fld id="{C4F2F9E0-2BB7-644A-A8C2-4F89A10BA621}" type="datetime1">
               <a:rPr lang="en-US" smtClean="0"/>
-              <a:t>5/3/17</a:t>
+              <a:t>5/4/17</a:t>
             </a:fld>
             <a:endParaRPr lang="en-US"/>
           </a:p>
@@ -26633,7 +26818,7 @@
           <a:p>
             <a:fld id="{9890B64F-BD66-014F-8385-76577B03EE8A}" type="datetime1">
               <a:rPr lang="en-US" smtClean="0"/>
-              <a:t>5/3/17</a:t>
+              <a:t>5/4/17</a:t>
             </a:fld>
             <a:endParaRPr lang="en-US"/>
           </a:p>
@@ -26816,7 +27001,7 @@
           <a:p>
             <a:fld id="{24EAC218-805B-5942-9D1C-1CAF707EFBDF}" type="datetime1">
               <a:rPr lang="en-US" smtClean="0"/>
-              <a:t>5/3/17</a:t>
+              <a:t>5/4/17</a:t>
             </a:fld>
             <a:endParaRPr lang="en-US" dirty="0"/>
           </a:p>
@@ -26940,44 +27125,178 @@
         </p:nvSpPr>
         <p:spPr/>
         <p:txBody>
-          <a:bodyPr/>
-          <a:lstStyle/>
-          <a:p>
-            <a:r>
-              <a:rPr lang="en-US" dirty="0" smtClean="0"/>
-              <a:t>NEVER EVER EVER EVER EVER EVER</a:t>
-            </a:r>
-          </a:p>
-          <a:p>
-            <a:r>
-              <a:rPr lang="en-US" dirty="0" smtClean="0"/>
-              <a:t>EVER EVER EVER EVER EVER EVER EVER EVER</a:t>
-            </a:r>
-          </a:p>
-          <a:p>
-            <a:r>
-              <a:rPr lang="en-US" dirty="0" smtClean="0"/>
-              <a:t>Run </a:t>
-            </a:r>
-            <a:r>
-              <a:rPr lang="en-US" dirty="0" err="1"/>
-              <a:t>M</a:t>
-            </a:r>
-            <a:r>
-              <a:rPr lang="en-US" dirty="0" err="1" smtClean="0"/>
-              <a:t>atlab</a:t>
-            </a:r>
-            <a:r>
-              <a:rPr lang="en-US" dirty="0" smtClean="0"/>
-              <a:t> from the command line without running an interactive job first</a:t>
-            </a:r>
-          </a:p>
-          <a:p>
-            <a:r>
-              <a:rPr lang="en-US" dirty="0" smtClean="0"/>
-              <a:t>BAD USER! </a:t>
-            </a:r>
-            <a:endParaRPr lang="en-US" dirty="0"/>
+          <a:bodyPr>
+            <a:normAutofit lnSpcReduction="10000"/>
+          </a:bodyPr>
+          <a:lstStyle/>
+          <a:p>
+            <a:r>
+              <a:rPr lang="en-US" dirty="0" smtClean="0"/>
+              <a:t>To do this, we are going to log out and log back in</a:t>
+            </a:r>
+          </a:p>
+          <a:p>
+            <a:pPr lvl="1"/>
+            <a:r>
+              <a:rPr lang="en-US" dirty="0" smtClean="0"/>
+              <a:t>Only necessary for demo</a:t>
+            </a:r>
+          </a:p>
+          <a:p>
+            <a:pPr lvl="1"/>
+            <a:r>
+              <a:rPr lang="en-US" dirty="0" smtClean="0"/>
+              <a:t>Need to add something to the sign in process</a:t>
+            </a:r>
+          </a:p>
+          <a:p>
+            <a:pPr marL="411480" lvl="1" indent="0">
+              <a:buNone/>
+            </a:pPr>
+            <a:endParaRPr lang="en-US" dirty="0" smtClean="0">
+              <a:latin typeface="Courier" charset="0"/>
+              <a:ea typeface="Courier" charset="0"/>
+              <a:cs typeface="Courier" charset="0"/>
+            </a:endParaRPr>
+          </a:p>
+          <a:p>
+            <a:r>
+              <a:rPr lang="en-US" dirty="0" smtClean="0">
+                <a:latin typeface="Helvetica Neue" charset="0"/>
+                <a:ea typeface="Helvetica Neue" charset="0"/>
+                <a:cs typeface="Helvetica Neue" charset="0"/>
+              </a:rPr>
+              <a:t>For Mac Users:</a:t>
+            </a:r>
+            <a:endParaRPr lang="en-US" dirty="0">
+              <a:latin typeface="Helvetica Neue" charset="0"/>
+              <a:ea typeface="Helvetica Neue" charset="0"/>
+              <a:cs typeface="Helvetica Neue" charset="0"/>
+            </a:endParaRPr>
+          </a:p>
+          <a:p>
+            <a:pPr marL="12700" lvl="1" indent="0">
+              <a:buNone/>
+            </a:pPr>
+            <a:r>
+              <a:rPr lang="en-US" dirty="0" smtClean="0">
+                <a:latin typeface="Courier" charset="0"/>
+                <a:ea typeface="Courier" charset="0"/>
+                <a:cs typeface="Courier" charset="0"/>
+              </a:rPr>
+              <a:t>	</a:t>
+            </a:r>
+            <a:r>
+              <a:rPr lang="en-US" dirty="0" err="1" smtClean="0">
+                <a:latin typeface="Courier" charset="0"/>
+                <a:ea typeface="Courier" charset="0"/>
+                <a:cs typeface="Courier" charset="0"/>
+              </a:rPr>
+              <a:t>ssh</a:t>
+            </a:r>
+            <a:r>
+              <a:rPr lang="en-US" dirty="0" smtClean="0">
+                <a:latin typeface="Courier" charset="0"/>
+                <a:ea typeface="Courier" charset="0"/>
+                <a:cs typeface="Courier" charset="0"/>
+              </a:rPr>
+              <a:t> -X </a:t>
+            </a:r>
+            <a:r>
+              <a:rPr lang="en-US" dirty="0" smtClean="0">
+                <a:latin typeface="Courier" charset="0"/>
+                <a:ea typeface="Courier" charset="0"/>
+                <a:cs typeface="Courier" charset="0"/>
+                <a:hlinkClick r:id="rId2"/>
+              </a:rPr>
+              <a:t>username@login.rc.colorado.edu</a:t>
+            </a:r>
+            <a:endParaRPr lang="en-US" dirty="0" smtClean="0">
+              <a:latin typeface="Courier" charset="0"/>
+              <a:ea typeface="Courier" charset="0"/>
+              <a:cs typeface="Courier" charset="0"/>
+            </a:endParaRPr>
+          </a:p>
+          <a:p>
+            <a:pPr marL="12700" lvl="1" indent="0">
+              <a:buNone/>
+            </a:pPr>
+            <a:endParaRPr lang="en-US" dirty="0">
+              <a:latin typeface="Courier" charset="0"/>
+              <a:ea typeface="Courier" charset="0"/>
+              <a:cs typeface="Courier" charset="0"/>
+            </a:endParaRPr>
+          </a:p>
+          <a:p>
+            <a:pPr marL="355600" lvl="1" indent="-238125">
+              <a:buClr>
+                <a:schemeClr val="accent1"/>
+              </a:buClr>
+            </a:pPr>
+            <a:r>
+              <a:rPr lang="en-US" sz="2400" dirty="0" smtClean="0">
+                <a:latin typeface="Helvetica Neue" charset="0"/>
+                <a:ea typeface="Helvetica Neue" charset="0"/>
+                <a:cs typeface="Helvetica Neue" charset="0"/>
+              </a:rPr>
+              <a:t>For Windows Users, must set up X-forwarding through your SSH client program</a:t>
+            </a:r>
+          </a:p>
+          <a:p>
+            <a:pPr marL="12700" lvl="1" indent="0">
+              <a:buNone/>
+            </a:pPr>
+            <a:endParaRPr lang="en-US" dirty="0">
+              <a:latin typeface="Courier" charset="0"/>
+              <a:ea typeface="Courier" charset="0"/>
+              <a:cs typeface="Courier" charset="0"/>
+            </a:endParaRPr>
+          </a:p>
+          <a:p>
+            <a:pPr marL="339725" indent="-222250"/>
+            <a:r>
+              <a:rPr lang="en-US" dirty="0" smtClean="0">
+                <a:latin typeface="Helvetica Neue" charset="0"/>
+                <a:ea typeface="Helvetica Neue" charset="0"/>
+                <a:cs typeface="Helvetica Neue" charset="0"/>
+              </a:rPr>
+              <a:t>Also must have an X-server package on your laptop</a:t>
+            </a:r>
+          </a:p>
+          <a:p>
+            <a:pPr lvl="1"/>
+            <a:r>
+              <a:rPr lang="en-US" dirty="0" err="1" smtClean="0">
+                <a:latin typeface="Helvetica Neue" charset="0"/>
+                <a:ea typeface="Helvetica Neue" charset="0"/>
+                <a:cs typeface="Helvetica Neue" charset="0"/>
+              </a:rPr>
+              <a:t>Xming</a:t>
+            </a:r>
+            <a:r>
+              <a:rPr lang="en-US" dirty="0" smtClean="0">
+                <a:latin typeface="Helvetica Neue" charset="0"/>
+                <a:ea typeface="Helvetica Neue" charset="0"/>
+                <a:cs typeface="Helvetica Neue" charset="0"/>
+              </a:rPr>
+              <a:t> for Windows or </a:t>
+            </a:r>
+            <a:r>
+              <a:rPr lang="en-US" dirty="0" err="1" smtClean="0">
+                <a:latin typeface="Helvetica Neue" charset="0"/>
+                <a:ea typeface="Helvetica Neue" charset="0"/>
+                <a:cs typeface="Helvetica Neue" charset="0"/>
+              </a:rPr>
+              <a:t>XQuartz</a:t>
+            </a:r>
+            <a:r>
+              <a:rPr lang="en-US" dirty="0" smtClean="0">
+                <a:latin typeface="Helvetica Neue" charset="0"/>
+                <a:ea typeface="Helvetica Neue" charset="0"/>
+                <a:cs typeface="Helvetica Neue" charset="0"/>
+              </a:rPr>
+              <a:t> for Mac</a:t>
+            </a:r>
           </a:p>
         </p:txBody>
       </p:sp>
@@ -26996,9 +27315,9 @@
           <a:bodyPr/>
           <a:lstStyle/>
           <a:p>
-            <a:fld id="{AB9B9C8A-8339-1843-AA8F-761CADDDACEE}" type="datetime1">
-              <a:rPr lang="en-US" smtClean="0"/>
-              <a:t>5/3/17</a:t>
+            <a:fld id="{E12727D1-4C82-404C-B300-E3C9ED3E7415}" type="datetime1">
+              <a:rPr lang="en-US" smtClean="0"/>
+              <a:t>5/4/17</a:t>
             </a:fld>
             <a:endParaRPr lang="en-US" dirty="0"/>
           </a:p>
@@ -27053,7 +27372,7 @@
     </p:spTree>
     <p:extLst>
       <p:ext uri="{BB962C8B-B14F-4D97-AF65-F5344CB8AC3E}">
-        <p14:creationId xmlns:p14="http://schemas.microsoft.com/office/powerpoint/2010/main" val="455056351"/>
+        <p14:creationId xmlns:p14="http://schemas.microsoft.com/office/powerpoint/2010/main" val="942824290"/>
       </p:ext>
     </p:extLst>
   </p:cSld>
@@ -27123,34 +27442,122 @@
         <p:spPr/>
         <p:txBody>
           <a:bodyPr>
-            <a:normAutofit lnSpcReduction="10000"/>
+            <a:normAutofit/>
           </a:bodyPr>
           <a:lstStyle/>
           <a:p>
             <a:r>
               <a:rPr lang="en-US" dirty="0" smtClean="0"/>
-              <a:t>To do this, we are going to log out and log back in</a:t>
-            </a:r>
-          </a:p>
-          <a:p>
-            <a:pPr lvl="1"/>
-            <a:r>
-              <a:rPr lang="en-US" dirty="0" smtClean="0"/>
-              <a:t>Only necessary for demo</a:t>
-            </a:r>
-          </a:p>
-          <a:p>
-            <a:pPr lvl="1"/>
-            <a:r>
-              <a:rPr lang="en-US" dirty="0" smtClean="0"/>
-              <a:t>Need to add something to the sign in process</a:t>
-            </a:r>
-          </a:p>
-          <a:p>
-            <a:pPr marL="411480" lvl="1" indent="0">
+              <a:t>To work with </a:t>
+            </a:r>
+            <a:r>
+              <a:rPr lang="en-US" dirty="0" err="1" smtClean="0"/>
+              <a:t>Matlab</a:t>
+            </a:r>
+            <a:r>
+              <a:rPr lang="en-US" dirty="0" smtClean="0"/>
+              <a:t> interactively, we’re going to request some time from the supercomputer</a:t>
+            </a:r>
+          </a:p>
+          <a:p>
+            <a:r>
+              <a:rPr lang="en-US" dirty="0" smtClean="0"/>
+              <a:t>When the resources become available then we will start up </a:t>
+            </a:r>
+            <a:r>
+              <a:rPr lang="en-US" dirty="0" err="1" smtClean="0"/>
+              <a:t>Matlab</a:t>
+            </a:r>
+            <a:endParaRPr lang="en-US" dirty="0" smtClean="0"/>
+          </a:p>
+          <a:p>
+            <a:r>
+              <a:rPr lang="en-US" dirty="0" smtClean="0"/>
+              <a:t>Commands to run:</a:t>
+            </a:r>
+          </a:p>
+          <a:p>
+            <a:pPr marL="114300" indent="0">
               <a:buNone/>
             </a:pPr>
-            <a:endParaRPr lang="en-US" dirty="0" smtClean="0">
+            <a:r>
+              <a:rPr lang="en-US" dirty="0" smtClean="0">
+                <a:latin typeface="Courier" charset="0"/>
+                <a:ea typeface="Courier" charset="0"/>
+                <a:cs typeface="Courier" charset="0"/>
+              </a:rPr>
+              <a:t>	module load </a:t>
+            </a:r>
+            <a:r>
+              <a:rPr lang="en-US" dirty="0" err="1" smtClean="0">
+                <a:latin typeface="Courier" charset="0"/>
+                <a:ea typeface="Courier" charset="0"/>
+                <a:cs typeface="Courier" charset="0"/>
+              </a:rPr>
+              <a:t>slurm</a:t>
+            </a:r>
+            <a:r>
+              <a:rPr lang="en-US" dirty="0" smtClean="0">
+                <a:latin typeface="Courier" charset="0"/>
+                <a:ea typeface="Courier" charset="0"/>
+                <a:cs typeface="Courier" charset="0"/>
+              </a:rPr>
+              <a:t>/summit</a:t>
+            </a:r>
+          </a:p>
+          <a:p>
+            <a:pPr marL="114300" indent="0">
+              <a:buNone/>
+            </a:pPr>
+            <a:r>
+              <a:rPr lang="en-US" sz="2200" dirty="0">
+                <a:latin typeface="Courier" charset="0"/>
+                <a:ea typeface="Courier" charset="0"/>
+                <a:cs typeface="Courier" charset="0"/>
+              </a:rPr>
+              <a:t>	</a:t>
+            </a:r>
+            <a:r>
+              <a:rPr lang="en-US" sz="2200" dirty="0" err="1" smtClean="0">
+                <a:latin typeface="Courier" charset="0"/>
+                <a:ea typeface="Courier" charset="0"/>
+                <a:cs typeface="Courier" charset="0"/>
+              </a:rPr>
+              <a:t>sinteractive</a:t>
+            </a:r>
+            <a:r>
+              <a:rPr lang="en-US" sz="2200" dirty="0" smtClean="0">
+                <a:latin typeface="Courier" charset="0"/>
+                <a:ea typeface="Courier" charset="0"/>
+                <a:cs typeface="Courier" charset="0"/>
+              </a:rPr>
+              <a:t> </a:t>
+            </a:r>
+            <a:r>
+              <a:rPr lang="en-US" sz="2200" dirty="0">
+                <a:latin typeface="Courier" charset="0"/>
+                <a:ea typeface="Courier" charset="0"/>
+                <a:cs typeface="Courier" charset="0"/>
+              </a:rPr>
+              <a:t>–-</a:t>
+            </a:r>
+            <a:r>
+              <a:rPr lang="en-US" sz="2200" dirty="0" smtClean="0">
+                <a:latin typeface="Courier" charset="0"/>
+                <a:ea typeface="Courier" charset="0"/>
+                <a:cs typeface="Courier" charset="0"/>
+              </a:rPr>
+              <a:t>reservation=</a:t>
+            </a:r>
+            <a:r>
+              <a:rPr lang="en-US" sz="2200" dirty="0" err="1" smtClean="0">
+                <a:latin typeface="Courier" charset="0"/>
+                <a:ea typeface="Courier" charset="0"/>
+                <a:cs typeface="Courier" charset="0"/>
+              </a:rPr>
+              <a:t>new_user</a:t>
+            </a:r>
+            <a:endParaRPr lang="en-US" sz="2200" dirty="0">
               <a:latin typeface="Courier" charset="0"/>
               <a:ea typeface="Courier" charset="0"/>
               <a:cs typeface="Courier" charset="0"/>
@@ -27158,142 +27565,82 @@
           </a:p>
           <a:p>
             <a:r>
-              <a:rPr lang="en-US" dirty="0" smtClean="0">
-                <a:latin typeface="Helvetica Neue" charset="0"/>
-                <a:ea typeface="Helvetica Neue" charset="0"/>
-                <a:cs typeface="Helvetica Neue" charset="0"/>
-              </a:rPr>
-              <a:t>For Mac Users:</a:t>
-            </a:r>
-            <a:endParaRPr lang="en-US" dirty="0">
-              <a:latin typeface="Helvetica Neue" charset="0"/>
-              <a:ea typeface="Helvetica Neue" charset="0"/>
-              <a:cs typeface="Helvetica Neue" charset="0"/>
-            </a:endParaRPr>
-          </a:p>
-          <a:p>
-            <a:pPr marL="12700" lvl="1" indent="0">
+              <a:rPr lang="en-US" dirty="0" smtClean="0"/>
+              <a:t>Once we receive a prompt, then:</a:t>
+            </a:r>
+          </a:p>
+          <a:p>
+            <a:pPr marL="114300" indent="0">
               <a:buNone/>
             </a:pPr>
             <a:r>
-              <a:rPr lang="en-US" dirty="0" smtClean="0">
+              <a:rPr lang="en-US" sz="2200" dirty="0">
+                <a:latin typeface="Courier New" charset="0"/>
+                <a:ea typeface="Courier New" charset="0"/>
+                <a:cs typeface="Courier New" charset="0"/>
+              </a:rPr>
+              <a:t>	</a:t>
+            </a:r>
+            <a:r>
+              <a:rPr lang="en-US" sz="2200" dirty="0" smtClean="0">
                 <a:latin typeface="Courier" charset="0"/>
                 <a:ea typeface="Courier" charset="0"/>
                 <a:cs typeface="Courier" charset="0"/>
               </a:rPr>
-              <a:t>	</a:t>
-            </a:r>
-            <a:r>
-              <a:rPr lang="en-US" dirty="0" err="1" smtClean="0">
+              <a:t>module load </a:t>
+            </a:r>
+            <a:r>
+              <a:rPr lang="en-US" sz="2200" dirty="0" err="1">
                 <a:latin typeface="Courier" charset="0"/>
                 <a:ea typeface="Courier" charset="0"/>
                 <a:cs typeface="Courier" charset="0"/>
               </a:rPr>
-              <a:t>ssh</a:t>
-            </a:r>
-            <a:r>
-              <a:rPr lang="en-US" dirty="0" smtClean="0">
-                <a:latin typeface="Courier" charset="0"/>
-                <a:ea typeface="Courier" charset="0"/>
-                <a:cs typeface="Courier" charset="0"/>
-              </a:rPr>
-              <a:t> -X </a:t>
-            </a:r>
-            <a:r>
-              <a:rPr lang="en-US" dirty="0" smtClean="0">
-                <a:latin typeface="Courier" charset="0"/>
-                <a:ea typeface="Courier" charset="0"/>
-                <a:cs typeface="Courier" charset="0"/>
-                <a:hlinkClick r:id="rId2"/>
-              </a:rPr>
-              <a:t>username@login.rc.colorado.edu</a:t>
-            </a:r>
-            <a:endParaRPr lang="en-US" dirty="0" smtClean="0">
+              <a:t>matlab</a:t>
+            </a:r>
+            <a:endParaRPr lang="en-US" sz="2200" dirty="0">
               <a:latin typeface="Courier" charset="0"/>
               <a:ea typeface="Courier" charset="0"/>
               <a:cs typeface="Courier" charset="0"/>
             </a:endParaRPr>
           </a:p>
           <a:p>
-            <a:pPr marL="12700" lvl="1" indent="0">
+            <a:pPr marL="114300" indent="0">
               <a:buNone/>
             </a:pPr>
-            <a:endParaRPr lang="en-US" dirty="0">
+            <a:r>
+              <a:rPr lang="en-US" sz="2200" dirty="0">
+                <a:latin typeface="Courier" charset="0"/>
+                <a:ea typeface="Courier" charset="0"/>
+                <a:cs typeface="Courier" charset="0"/>
+              </a:rPr>
+              <a:t>	</a:t>
+            </a:r>
+            <a:r>
+              <a:rPr lang="en-US" sz="2200" dirty="0" err="1">
+                <a:latin typeface="Courier" charset="0"/>
+                <a:ea typeface="Courier" charset="0"/>
+                <a:cs typeface="Courier" charset="0"/>
+              </a:rPr>
+              <a:t>matlab</a:t>
+            </a:r>
+            <a:endParaRPr lang="en-US" sz="2200" dirty="0">
               <a:latin typeface="Courier" charset="0"/>
               <a:ea typeface="Courier" charset="0"/>
               <a:cs typeface="Courier" charset="0"/>
             </a:endParaRPr>
           </a:p>
           <a:p>
-            <a:pPr marL="355600" lvl="1" indent="-238125">
-              <a:buClr>
-                <a:schemeClr val="accent1"/>
-              </a:buClr>
-            </a:pPr>
-            <a:r>
-              <a:rPr lang="en-US" sz="2400" dirty="0" smtClean="0">
+            <a:r>
+              <a:rPr lang="en-US" sz="2200" dirty="0">
                 <a:latin typeface="Helvetica Neue" charset="0"/>
                 <a:ea typeface="Helvetica Neue" charset="0"/>
                 <a:cs typeface="Helvetica Neue" charset="0"/>
               </a:rPr>
-              <a:t>For Windows Users, must set up X-forwarding through your SSH client program</a:t>
-            </a:r>
-          </a:p>
-          <a:p>
-            <a:pPr marL="12700" lvl="1" indent="0">
-              <a:buNone/>
-            </a:pPr>
-            <a:endParaRPr lang="en-US" dirty="0">
-              <a:latin typeface="Courier" charset="0"/>
-              <a:ea typeface="Courier" charset="0"/>
-              <a:cs typeface="Courier" charset="0"/>
-            </a:endParaRPr>
-          </a:p>
-          <a:p>
-            <a:pPr marL="339725" indent="-222250"/>
-            <a:r>
-              <a:rPr lang="en-US" dirty="0" smtClean="0">
-                <a:latin typeface="Helvetica Neue" charset="0"/>
-                <a:ea typeface="Helvetica Neue" charset="0"/>
-                <a:cs typeface="Helvetica Neue" charset="0"/>
-              </a:rPr>
-              <a:t>Also must have an X-server package on your laptop</a:t>
-            </a:r>
-          </a:p>
-          <a:p>
-            <a:pPr lvl="1"/>
-            <a:r>
-              <a:rPr lang="en-US" dirty="0" err="1" smtClean="0">
-                <a:latin typeface="Helvetica Neue" charset="0"/>
-                <a:ea typeface="Helvetica Neue" charset="0"/>
-                <a:cs typeface="Helvetica Neue" charset="0"/>
-              </a:rPr>
-              <a:t>Xming</a:t>
-            </a:r>
-            <a:r>
-              <a:rPr lang="en-US" dirty="0" smtClean="0">
-                <a:latin typeface="Helvetica Neue" charset="0"/>
-                <a:ea typeface="Helvetica Neue" charset="0"/>
-                <a:cs typeface="Helvetica Neue" charset="0"/>
-              </a:rPr>
-              <a:t> for Windows or </a:t>
-            </a:r>
-            <a:r>
-              <a:rPr lang="en-US" dirty="0" err="1" smtClean="0">
-                <a:latin typeface="Helvetica Neue" charset="0"/>
-                <a:ea typeface="Helvetica Neue" charset="0"/>
-                <a:cs typeface="Helvetica Neue" charset="0"/>
-              </a:rPr>
-              <a:t>XQuartz</a:t>
-            </a:r>
-            <a:r>
-              <a:rPr lang="en-US" dirty="0" smtClean="0">
-                <a:latin typeface="Helvetica Neue" charset="0"/>
-                <a:ea typeface="Helvetica Neue" charset="0"/>
-                <a:cs typeface="Helvetica Neue" charset="0"/>
-              </a:rPr>
-              <a:t> for Mac</a:t>
-            </a:r>
+              <a:t>Once we finish we must exit!</a:t>
+            </a:r>
+          </a:p>
+          <a:p>
+            <a:endParaRPr lang="en-US" dirty="0" smtClean="0"/>
           </a:p>
         </p:txBody>
       </p:sp>
@@ -27312,9 +27659,9 @@
           <a:bodyPr/>
           <a:lstStyle/>
           <a:p>
-            <a:fld id="{E12727D1-4C82-404C-B300-E3C9ED3E7415}" type="datetime1">
-              <a:rPr lang="en-US" smtClean="0"/>
-              <a:t>5/3/17</a:t>
+            <a:fld id="{F21DF42F-4BC7-1E4D-B4C7-33A7E30F56D4}" type="datetime1">
+              <a:rPr lang="en-US" smtClean="0"/>
+              <a:t>5/4/17</a:t>
             </a:fld>
             <a:endParaRPr lang="en-US" dirty="0"/>
           </a:p>
@@ -27369,7 +27716,7 @@
     </p:spTree>
     <p:extLst>
       <p:ext uri="{BB962C8B-B14F-4D97-AF65-F5344CB8AC3E}">
-        <p14:creationId xmlns:p14="http://schemas.microsoft.com/office/powerpoint/2010/main" val="942824290"/>
+        <p14:creationId xmlns:p14="http://schemas.microsoft.com/office/powerpoint/2010/main" val="1913494464"/>
       </p:ext>
     </p:extLst>
   </p:cSld>
@@ -27420,7 +27767,7 @@
           <a:p>
             <a:r>
               <a:rPr lang="en-US" dirty="0" smtClean="0"/>
-              <a:t>Interactive job</a:t>
+              <a:t>Questions?</a:t>
             </a:r>
             <a:endParaRPr lang="en-US" dirty="0"/>
           </a:p>
@@ -27445,32 +27792,34 @@
           <a:p>
             <a:r>
               <a:rPr lang="en-US" dirty="0" smtClean="0"/>
-              <a:t>To work with </a:t>
+              <a:t>Email </a:t>
+            </a:r>
+            <a:r>
+              <a:rPr lang="en-US" dirty="0" smtClean="0">
+                <a:hlinkClick r:id="rId2"/>
+              </a:rPr>
+              <a:t>rc-help@colorado.edu</a:t>
+            </a:r>
+            <a:endParaRPr lang="en-US" dirty="0" smtClean="0"/>
+          </a:p>
+          <a:p>
+            <a:r>
+              <a:rPr lang="en-US" dirty="0" smtClean="0"/>
+              <a:t>Twitter:  @</a:t>
             </a:r>
             <a:r>
               <a:rPr lang="en-US" dirty="0" err="1" smtClean="0"/>
-              <a:t>Matlab</a:t>
-            </a:r>
-            <a:r>
-              <a:rPr lang="en-US" dirty="0" smtClean="0"/>
-              <a:t> interactively, we’re going to request some time from the supercomputer</a:t>
-            </a:r>
-          </a:p>
-          <a:p>
-            <a:r>
-              <a:rPr lang="en-US" dirty="0" smtClean="0"/>
-              <a:t>When the resources become available then we will start up </a:t>
-            </a:r>
-            <a:r>
-              <a:rPr lang="en-US" dirty="0" err="1" smtClean="0"/>
-              <a:t>Matlab</a:t>
+              <a:t>CUBoulderRC</a:t>
             </a:r>
             <a:endParaRPr lang="en-US" dirty="0" smtClean="0"/>
           </a:p>
           <a:p>
-            <a:r>
-              <a:rPr lang="en-US" dirty="0" smtClean="0"/>
-              <a:t>Commands to run:</a:t>
+            <a:endParaRPr lang="en-US" dirty="0"/>
+          </a:p>
+          <a:p>
+            <a:r>
+              <a:rPr lang="en-US" dirty="0"/>
+              <a:t>Link to survey on this topic:  </a:t>
             </a:r>
           </a:p>
           <a:p>
@@ -27479,165 +27828,49 @@
             </a:pPr>
             <a:r>
               <a:rPr lang="en-US" dirty="0" smtClean="0">
-                <a:latin typeface="Courier" charset="0"/>
-                <a:ea typeface="Courier" charset="0"/>
-                <a:cs typeface="Courier" charset="0"/>
-              </a:rPr>
-              <a:t>	module load </a:t>
-            </a:r>
-            <a:r>
-              <a:rPr lang="en-US" dirty="0" err="1" smtClean="0">
-                <a:latin typeface="Courier" charset="0"/>
-                <a:ea typeface="Courier" charset="0"/>
-                <a:cs typeface="Courier" charset="0"/>
-              </a:rPr>
-              <a:t>slurm</a:t>
+                <a:hlinkClick r:id="rId3"/>
+              </a:rPr>
+              <a:t>http</a:t>
+            </a:r>
+            <a:r>
+              <a:rPr lang="en-US" dirty="0">
+                <a:hlinkClick r:id="rId3"/>
+              </a:rPr>
+              <a:t>://tinyurl.com/curc-survey16</a:t>
+            </a:r>
+            <a:r>
+              <a:rPr lang="en-US" dirty="0"/>
+              <a:t>  </a:t>
+            </a:r>
+          </a:p>
+          <a:p>
+            <a:endParaRPr lang="en-US" dirty="0" smtClean="0"/>
+          </a:p>
+          <a:p>
+            <a:endParaRPr lang="en-US" dirty="0"/>
+          </a:p>
+          <a:p>
+            <a:r>
+              <a:rPr lang="en-US" dirty="0"/>
+              <a:t>Slides: </a:t>
+            </a:r>
+            <a:r>
+              <a:rPr lang="en-US" dirty="0">
+                <a:hlinkClick r:id="rId4"/>
+              </a:rPr>
+              <a:t>https://</a:t>
             </a:r>
             <a:r>
               <a:rPr lang="en-US" dirty="0" smtClean="0">
-                <a:latin typeface="Courier" charset="0"/>
-                <a:ea typeface="Courier" charset="0"/>
-                <a:cs typeface="Courier" charset="0"/>
-              </a:rPr>
-              <a:t>/summit</a:t>
-            </a:r>
-          </a:p>
-          <a:p>
-            <a:pPr marL="114300" indent="0">
-              <a:buNone/>
-            </a:pPr>
-            <a:r>
-              <a:rPr lang="en-US" sz="2200" dirty="0">
-                <a:latin typeface="Courier" charset="0"/>
-                <a:ea typeface="Courier" charset="0"/>
-                <a:cs typeface="Courier" charset="0"/>
-              </a:rPr>
-              <a:t>	</a:t>
-            </a:r>
-            <a:r>
-              <a:rPr lang="en-US" sz="2200" dirty="0" err="1" smtClean="0">
-                <a:latin typeface="Courier" charset="0"/>
-                <a:ea typeface="Courier" charset="0"/>
-                <a:cs typeface="Courier" charset="0"/>
-              </a:rPr>
-              <a:t>sinteractive</a:t>
-            </a:r>
-            <a:r>
-              <a:rPr lang="en-US" sz="2200" dirty="0" smtClean="0">
-                <a:latin typeface="Courier" charset="0"/>
-                <a:ea typeface="Courier" charset="0"/>
-                <a:cs typeface="Courier" charset="0"/>
-              </a:rPr>
+                <a:hlinkClick r:id="rId4"/>
+              </a:rPr>
+              <a:t>github.com/ResearchComputing/New_User_Seminar</a:t>
+            </a:r>
+            <a:r>
+              <a:rPr lang="en-US" smtClean="0"/>
               <a:t> </a:t>
             </a:r>
-            <a:r>
-              <a:rPr lang="en-US" sz="2200" dirty="0">
-                <a:latin typeface="Courier" charset="0"/>
-                <a:ea typeface="Courier" charset="0"/>
-                <a:cs typeface="Courier" charset="0"/>
-              </a:rPr>
-              <a:t>–-</a:t>
-            </a:r>
-            <a:r>
-              <a:rPr lang="en-US" sz="2200" dirty="0" smtClean="0">
-                <a:latin typeface="Courier" charset="0"/>
-                <a:ea typeface="Courier" charset="0"/>
-                <a:cs typeface="Courier" charset="0"/>
-              </a:rPr>
-              <a:t>reservation=</a:t>
-            </a:r>
-            <a:r>
-              <a:rPr lang="en-US" sz="2200" dirty="0" err="1" smtClean="0">
-                <a:latin typeface="Courier" charset="0"/>
-                <a:ea typeface="Courier" charset="0"/>
-                <a:cs typeface="Courier" charset="0"/>
-              </a:rPr>
-              <a:t>new_user</a:t>
-            </a:r>
-            <a:endParaRPr lang="en-US" sz="2200" dirty="0">
-              <a:latin typeface="Courier" charset="0"/>
-              <a:ea typeface="Courier" charset="0"/>
-              <a:cs typeface="Courier" charset="0"/>
-            </a:endParaRPr>
-          </a:p>
-          <a:p>
-            <a:r>
-              <a:rPr lang="en-US" dirty="0" smtClean="0"/>
-              <a:t>Once we receive a prompt, then:</a:t>
-            </a:r>
-          </a:p>
-          <a:p>
-            <a:pPr marL="114300" indent="0">
-              <a:buNone/>
-            </a:pPr>
-            <a:r>
-              <a:rPr lang="en-US" sz="2200" dirty="0">
-                <a:latin typeface="Courier New" charset="0"/>
-                <a:ea typeface="Courier New" charset="0"/>
-                <a:cs typeface="Courier New" charset="0"/>
-              </a:rPr>
-              <a:t>	</a:t>
-            </a:r>
-            <a:r>
-              <a:rPr lang="en-US" sz="2200" dirty="0" smtClean="0">
-                <a:latin typeface="Courier" charset="0"/>
-                <a:ea typeface="Courier" charset="0"/>
-                <a:cs typeface="Courier" charset="0"/>
-              </a:rPr>
-              <a:t>module load </a:t>
-            </a:r>
-            <a:r>
-              <a:rPr lang="en-US" sz="2200" dirty="0" err="1">
-                <a:latin typeface="Courier" charset="0"/>
-                <a:ea typeface="Courier" charset="0"/>
-                <a:cs typeface="Courier" charset="0"/>
-              </a:rPr>
-              <a:t>matlab</a:t>
-            </a:r>
-            <a:endParaRPr lang="en-US" sz="2200" dirty="0">
-              <a:latin typeface="Courier" charset="0"/>
-              <a:ea typeface="Courier" charset="0"/>
-              <a:cs typeface="Courier" charset="0"/>
-            </a:endParaRPr>
-          </a:p>
-          <a:p>
-            <a:pPr marL="114300" indent="0">
-              <a:buNone/>
-            </a:pPr>
-            <a:r>
-              <a:rPr lang="en-US" sz="2200" dirty="0">
-                <a:latin typeface="Courier" charset="0"/>
-                <a:ea typeface="Courier" charset="0"/>
-                <a:cs typeface="Courier" charset="0"/>
-              </a:rPr>
-              <a:t>	</a:t>
-            </a:r>
-            <a:r>
-              <a:rPr lang="en-US" sz="2200" dirty="0" err="1">
-                <a:latin typeface="Courier" charset="0"/>
-                <a:ea typeface="Courier" charset="0"/>
-                <a:cs typeface="Courier" charset="0"/>
-              </a:rPr>
-              <a:t>matlab</a:t>
-            </a:r>
-            <a:endParaRPr lang="en-US" sz="2200" dirty="0">
-              <a:latin typeface="Courier" charset="0"/>
-              <a:ea typeface="Courier" charset="0"/>
-              <a:cs typeface="Courier" charset="0"/>
-            </a:endParaRPr>
-          </a:p>
-          <a:p>
-            <a:r>
-              <a:rPr lang="en-US" sz="2200" dirty="0">
-                <a:latin typeface="Helvetica Neue" charset="0"/>
-                <a:ea typeface="Helvetica Neue" charset="0"/>
-                <a:cs typeface="Helvetica Neue" charset="0"/>
-              </a:rPr>
-              <a:t>Once we finish we must exit!</a:t>
-            </a:r>
-          </a:p>
-          <a:p>
-            <a:endParaRPr lang="en-US" dirty="0" smtClean="0"/>
+            <a:endParaRPr lang="en-US" dirty="0"/>
           </a:p>
         </p:txBody>
       </p:sp>
@@ -27656,9 +27889,9 @@
           <a:bodyPr/>
           <a:lstStyle/>
           <a:p>
-            <a:fld id="{F21DF42F-4BC7-1E4D-B4C7-33A7E30F56D4}" type="datetime1">
-              <a:rPr lang="en-US" smtClean="0"/>
-              <a:t>5/3/17</a:t>
+            <a:fld id="{F176B5BB-6C1E-4446-A4B5-BF7D661481E8}" type="datetime1">
+              <a:rPr lang="en-US" smtClean="0"/>
+              <a:t>5/4/17</a:t>
             </a:fld>
             <a:endParaRPr lang="en-US" dirty="0"/>
           </a:p>
@@ -27705,448 +27938,6 @@
             <a:fld id="{02339CB1-0666-044B-8464-C41DC611290B}" type="slidenum">
               <a:rPr lang="en-US" smtClean="0"/>
               <a:t>56</a:t>
-            </a:fld>
-            <a:endParaRPr lang="en-US"/>
-          </a:p>
-        </p:txBody>
-      </p:sp>
-    </p:spTree>
-    <p:extLst>
-      <p:ext uri="{BB962C8B-B14F-4D97-AF65-F5344CB8AC3E}">
-        <p14:creationId xmlns:p14="http://schemas.microsoft.com/office/powerpoint/2010/main" val="1913494464"/>
-      </p:ext>
-    </p:extLst>
-  </p:cSld>
-  <p:clrMapOvr>
-    <a:masterClrMapping/>
-  </p:clrMapOvr>
-  <p:timing>
-    <p:tnLst>
-      <p:par>
-        <p:cTn id="1" dur="indefinite" restart="never" nodeType="tmRoot"/>
-      </p:par>
-    </p:tnLst>
-  </p:timing>
-</p:sld>
-</file>
-
-<file path=ppt/slides/slide57.xml><?xml version="1.0" encoding="utf-8"?>
-<p:sld xmlns:a="http://schemas.openxmlformats.org/drawingml/2006/main" xmlns:r="http://schemas.openxmlformats.org/officeDocument/2006/relationships" xmlns:p="http://schemas.openxmlformats.org/presentationml/2006/main">
-  <p:cSld>
-    <p:spTree>
-      <p:nvGrpSpPr>
-        <p:cNvPr id="1" name=""/>
-        <p:cNvGrpSpPr/>
-        <p:nvPr/>
-      </p:nvGrpSpPr>
-      <p:grpSpPr>
-        <a:xfrm>
-          <a:off x="0" y="0"/>
-          <a:ext cx="0" cy="0"/>
-          <a:chOff x="0" y="0"/>
-          <a:chExt cx="0" cy="0"/>
-        </a:xfrm>
-      </p:grpSpPr>
-      <p:sp>
-        <p:nvSpPr>
-          <p:cNvPr id="2" name="Title 1"/>
-          <p:cNvSpPr>
-            <a:spLocks noGrp="1"/>
-          </p:cNvSpPr>
-          <p:nvPr>
-            <p:ph type="title"/>
-          </p:nvPr>
-        </p:nvSpPr>
-        <p:spPr/>
-        <p:txBody>
-          <a:bodyPr/>
-          <a:lstStyle/>
-          <a:p>
-            <a:r>
-              <a:rPr lang="en-US" dirty="0" smtClean="0"/>
-              <a:t>Setting Up Globus</a:t>
-            </a:r>
-            <a:endParaRPr lang="en-US" dirty="0"/>
-          </a:p>
-        </p:txBody>
-      </p:sp>
-      <p:sp>
-        <p:nvSpPr>
-          <p:cNvPr id="3" name="Content Placeholder 2"/>
-          <p:cNvSpPr>
-            <a:spLocks noGrp="1"/>
-          </p:cNvSpPr>
-          <p:nvPr>
-            <p:ph idx="1"/>
-          </p:nvPr>
-        </p:nvSpPr>
-        <p:spPr/>
-        <p:txBody>
-          <a:bodyPr/>
-          <a:lstStyle/>
-          <a:p>
-            <a:r>
-              <a:rPr lang="en-US" dirty="0">
-                <a:cs typeface="Helvetica Neue"/>
-              </a:rPr>
-              <a:t>Create an account at </a:t>
-            </a:r>
-            <a:r>
-              <a:rPr lang="en-US" dirty="0" err="1">
-                <a:cs typeface="Helvetica Neue"/>
-              </a:rPr>
-              <a:t>Globus.org</a:t>
-            </a:r>
-            <a:endParaRPr lang="en-US" dirty="0">
-              <a:cs typeface="Helvetica Neue"/>
-            </a:endParaRPr>
-          </a:p>
-          <a:p>
-            <a:r>
-              <a:rPr lang="en-US" dirty="0">
-                <a:cs typeface="Helvetica Neue"/>
-              </a:rPr>
-              <a:t>Make your personal computer an endpoint</a:t>
-            </a:r>
-          </a:p>
-          <a:p>
-            <a:r>
-              <a:rPr lang="en-US" dirty="0">
-                <a:cs typeface="Helvetica Neue"/>
-              </a:rPr>
-              <a:t>Transfer data</a:t>
-            </a:r>
-          </a:p>
-          <a:p>
-            <a:pPr marL="342900" lvl="1">
-              <a:buClr>
-                <a:schemeClr val="accent1"/>
-              </a:buClr>
-            </a:pPr>
-            <a:r>
-              <a:rPr lang="en-US" dirty="0" smtClean="0">
-                <a:cs typeface="Helvetica Neue"/>
-                <a:hlinkClick r:id="rId2"/>
-              </a:rPr>
-              <a:t>www.globus.org</a:t>
-            </a:r>
-            <a:endParaRPr lang="en-US" dirty="0" smtClean="0">
-              <a:cs typeface="Helvetica Neue"/>
-            </a:endParaRPr>
-          </a:p>
-          <a:p>
-            <a:pPr marL="342900" lvl="1">
-              <a:buClr>
-                <a:schemeClr val="accent1"/>
-              </a:buClr>
-            </a:pPr>
-            <a:endParaRPr lang="en-US" dirty="0">
-              <a:cs typeface="Helvetica Neue"/>
-            </a:endParaRPr>
-          </a:p>
-          <a:p>
-            <a:pPr marL="342900" lvl="1">
-              <a:buClr>
-                <a:schemeClr val="accent1"/>
-              </a:buClr>
-            </a:pPr>
-            <a:endParaRPr lang="en-US" dirty="0" smtClean="0">
-              <a:cs typeface="Helvetica Neue"/>
-            </a:endParaRPr>
-          </a:p>
-        </p:txBody>
-      </p:sp>
-      <p:sp>
-        <p:nvSpPr>
-          <p:cNvPr id="4" name="Date Placeholder 3"/>
-          <p:cNvSpPr>
-            <a:spLocks noGrp="1"/>
-          </p:cNvSpPr>
-          <p:nvPr>
-            <p:ph type="dt" sz="half" idx="10"/>
-          </p:nvPr>
-        </p:nvSpPr>
-        <p:spPr/>
-        <p:txBody>
-          <a:bodyPr/>
-          <a:lstStyle/>
-          <a:p>
-            <a:fld id="{1638A253-D0BE-0C4F-8900-127DDEBDCF84}" type="datetime1">
-              <a:rPr lang="en-US" smtClean="0"/>
-              <a:t>5/3/17</a:t>
-            </a:fld>
-            <a:endParaRPr lang="en-US"/>
-          </a:p>
-        </p:txBody>
-      </p:sp>
-      <p:sp>
-        <p:nvSpPr>
-          <p:cNvPr id="5" name="Footer Placeholder 4"/>
-          <p:cNvSpPr>
-            <a:spLocks noGrp="1"/>
-          </p:cNvSpPr>
-          <p:nvPr>
-            <p:ph type="ftr" sz="quarter" idx="11"/>
-          </p:nvPr>
-        </p:nvSpPr>
-        <p:spPr/>
-        <p:txBody>
-          <a:bodyPr/>
-          <a:lstStyle/>
-          <a:p>
-            <a:r>
-              <a:rPr lang="en-US" smtClean="0"/>
-              <a:t>New User Seminar</a:t>
-            </a:r>
-            <a:endParaRPr lang="en-US"/>
-          </a:p>
-        </p:txBody>
-      </p:sp>
-      <p:sp>
-        <p:nvSpPr>
-          <p:cNvPr id="7" name="Slide Number Placeholder 6"/>
-          <p:cNvSpPr>
-            <a:spLocks noGrp="1"/>
-          </p:cNvSpPr>
-          <p:nvPr>
-            <p:ph type="sldNum" sz="quarter" idx="4"/>
-          </p:nvPr>
-        </p:nvSpPr>
-        <p:spPr/>
-        <p:txBody>
-          <a:bodyPr/>
-          <a:lstStyle/>
-          <a:p>
-            <a:fld id="{02339CB1-0666-044B-8464-C41DC611290B}" type="slidenum">
-              <a:rPr lang="en-US" smtClean="0"/>
-              <a:t>57</a:t>
-            </a:fld>
-            <a:endParaRPr lang="en-US"/>
-          </a:p>
-        </p:txBody>
-      </p:sp>
-    </p:spTree>
-    <p:extLst>
-      <p:ext uri="{BB962C8B-B14F-4D97-AF65-F5344CB8AC3E}">
-        <p14:creationId xmlns:p14="http://schemas.microsoft.com/office/powerpoint/2010/main" val="1408748772"/>
-      </p:ext>
-    </p:extLst>
-  </p:cSld>
-  <p:clrMapOvr>
-    <a:masterClrMapping/>
-  </p:clrMapOvr>
-</p:sld>
-</file>
-
-<file path=ppt/slides/slide58.xml><?xml version="1.0" encoding="utf-8"?>
-<p:sld xmlns:a="http://schemas.openxmlformats.org/drawingml/2006/main" xmlns:r="http://schemas.openxmlformats.org/officeDocument/2006/relationships" xmlns:p="http://schemas.openxmlformats.org/presentationml/2006/main">
-  <p:cSld>
-    <p:spTree>
-      <p:nvGrpSpPr>
-        <p:cNvPr id="1" name=""/>
-        <p:cNvGrpSpPr/>
-        <p:nvPr/>
-      </p:nvGrpSpPr>
-      <p:grpSpPr>
-        <a:xfrm>
-          <a:off x="0" y="0"/>
-          <a:ext cx="0" cy="0"/>
-          <a:chOff x="0" y="0"/>
-          <a:chExt cx="0" cy="0"/>
-        </a:xfrm>
-      </p:grpSpPr>
-      <p:sp>
-        <p:nvSpPr>
-          <p:cNvPr id="2" name="Title 1"/>
-          <p:cNvSpPr>
-            <a:spLocks noGrp="1"/>
-          </p:cNvSpPr>
-          <p:nvPr>
-            <p:ph type="title"/>
-          </p:nvPr>
-        </p:nvSpPr>
-        <p:spPr/>
-        <p:txBody>
-          <a:bodyPr/>
-          <a:lstStyle/>
-          <a:p>
-            <a:r>
-              <a:rPr lang="en-US" dirty="0" smtClean="0"/>
-              <a:t>Questions?</a:t>
-            </a:r>
-            <a:endParaRPr lang="en-US" dirty="0"/>
-          </a:p>
-        </p:txBody>
-      </p:sp>
-      <p:sp>
-        <p:nvSpPr>
-          <p:cNvPr id="3" name="Content Placeholder 2"/>
-          <p:cNvSpPr>
-            <a:spLocks noGrp="1"/>
-          </p:cNvSpPr>
-          <p:nvPr>
-            <p:ph idx="1"/>
-          </p:nvPr>
-        </p:nvSpPr>
-        <p:spPr/>
-        <p:txBody>
-          <a:bodyPr>
-            <a:normAutofit/>
-          </a:bodyPr>
-          <a:lstStyle/>
-          <a:p>
-            <a:r>
-              <a:rPr lang="en-US" dirty="0" smtClean="0"/>
-              <a:t>Email </a:t>
-            </a:r>
-            <a:r>
-              <a:rPr lang="en-US" dirty="0" smtClean="0">
-                <a:hlinkClick r:id="rId2"/>
-              </a:rPr>
-              <a:t>rc-help@colorado.edu</a:t>
-            </a:r>
-            <a:endParaRPr lang="en-US" dirty="0" smtClean="0"/>
-          </a:p>
-          <a:p>
-            <a:r>
-              <a:rPr lang="en-US" dirty="0" smtClean="0"/>
-              <a:t>Twitter:  @</a:t>
-            </a:r>
-            <a:r>
-              <a:rPr lang="en-US" dirty="0" err="1" smtClean="0"/>
-              <a:t>CUBoulderRC</a:t>
-            </a:r>
-            <a:endParaRPr lang="en-US" dirty="0" smtClean="0"/>
-          </a:p>
-          <a:p>
-            <a:endParaRPr lang="en-US" dirty="0"/>
-          </a:p>
-          <a:p>
-            <a:r>
-              <a:rPr lang="en-US" dirty="0"/>
-              <a:t>Link to survey on this topic:  </a:t>
-            </a:r>
-          </a:p>
-          <a:p>
-            <a:pPr marL="114300" indent="0">
-              <a:buNone/>
-            </a:pPr>
-            <a:r>
-              <a:rPr lang="en-US" dirty="0" smtClean="0">
-                <a:hlinkClick r:id="rId3"/>
-              </a:rPr>
-              <a:t>http</a:t>
-            </a:r>
-            <a:r>
-              <a:rPr lang="en-US" dirty="0">
-                <a:hlinkClick r:id="rId3"/>
-              </a:rPr>
-              <a:t>://tinyurl.com/curc-survey16</a:t>
-            </a:r>
-            <a:r>
-              <a:rPr lang="en-US" dirty="0"/>
-              <a:t>  </a:t>
-            </a:r>
-          </a:p>
-          <a:p>
-            <a:endParaRPr lang="en-US" dirty="0" smtClean="0"/>
-          </a:p>
-          <a:p>
-            <a:endParaRPr lang="en-US" dirty="0"/>
-          </a:p>
-          <a:p>
-            <a:r>
-              <a:rPr lang="en-US" dirty="0"/>
-              <a:t>Slides</a:t>
-            </a:r>
-            <a:r>
-              <a:rPr lang="en-US" dirty="0"/>
-              <a:t>: </a:t>
-            </a:r>
-            <a:r>
-              <a:rPr lang="en-US" dirty="0">
-                <a:hlinkClick r:id="rId4"/>
-              </a:rPr>
-              <a:t>https://</a:t>
-            </a:r>
-            <a:r>
-              <a:rPr lang="en-US" dirty="0" smtClean="0">
-                <a:hlinkClick r:id="rId4"/>
-              </a:rPr>
-              <a:t>github.com/ResearchComputing/New_User_Seminar</a:t>
-            </a:r>
-            <a:r>
-              <a:rPr lang="en-US" smtClean="0"/>
-              <a:t> </a:t>
-            </a:r>
-            <a:endParaRPr lang="en-US" dirty="0"/>
-          </a:p>
-        </p:txBody>
-      </p:sp>
-      <p:sp>
-        <p:nvSpPr>
-          <p:cNvPr id="4" name="Date Placeholder 3"/>
-          <p:cNvSpPr>
-            <a:spLocks noGrp="1"/>
-          </p:cNvSpPr>
-          <p:nvPr>
-            <p:ph type="dt" sz="half" idx="10"/>
-          </p:nvPr>
-        </p:nvSpPr>
-        <p:spPr/>
-        <p:txBody>
-          <a:bodyPr/>
-          <a:lstStyle/>
-          <a:p>
-            <a:fld id="{F176B5BB-6C1E-4446-A4B5-BF7D661481E8}" type="datetime1">
-              <a:rPr lang="en-US" smtClean="0"/>
-              <a:t>5/3/17</a:t>
-            </a:fld>
-            <a:endParaRPr lang="en-US" dirty="0"/>
-          </a:p>
-        </p:txBody>
-      </p:sp>
-      <p:sp>
-        <p:nvSpPr>
-          <p:cNvPr id="5" name="Footer Placeholder 4"/>
-          <p:cNvSpPr>
-            <a:spLocks noGrp="1"/>
-          </p:cNvSpPr>
-          <p:nvPr>
-            <p:ph type="ftr" sz="quarter" idx="11"/>
-          </p:nvPr>
-        </p:nvSpPr>
-        <p:spPr/>
-        <p:txBody>
-          <a:bodyPr/>
-          <a:lstStyle/>
-          <a:p>
-            <a:r>
-              <a:rPr lang="en-US" smtClean="0"/>
-              <a:t>New User Seminar</a:t>
-            </a:r>
-            <a:endParaRPr lang="en-US" dirty="0"/>
-          </a:p>
-        </p:txBody>
-      </p:sp>
-      <p:sp>
-        <p:nvSpPr>
-          <p:cNvPr id="7" name="Slide Number Placeholder 6"/>
-          <p:cNvSpPr>
-            <a:spLocks noGrp="1"/>
-          </p:cNvSpPr>
-          <p:nvPr>
-            <p:ph type="sldNum" sz="quarter" idx="4"/>
-          </p:nvPr>
-        </p:nvSpPr>
-        <p:spPr/>
-        <p:txBody>
-          <a:bodyPr/>
-          <a:lstStyle/>
-          <a:p>
-            <a:fld id="{02339CB1-0666-044B-8464-C41DC611290B}" type="slidenum">
-              <a:rPr lang="en-US" smtClean="0"/>
-              <a:t>58</a:t>
             </a:fld>
             <a:endParaRPr lang="en-US"/>
           </a:p>
@@ -28297,7 +28088,7 @@
           <a:p>
             <a:fld id="{2C3A7136-6CD9-1F44-BF87-1F02B022DD38}" type="datetime1">
               <a:rPr lang="en-US" smtClean="0"/>
-              <a:t>5/3/17</a:t>
+              <a:t>5/4/17</a:t>
             </a:fld>
             <a:endParaRPr lang="en-US"/>
           </a:p>
@@ -28525,7 +28316,7 @@
           <a:p>
             <a:fld id="{DD60739B-9381-D348-A54C-084428A1CE83}" type="datetime1">
               <a:rPr lang="en-US" smtClean="0"/>
-              <a:t>5/3/17</a:t>
+              <a:t>5/4/17</a:t>
             </a:fld>
             <a:endParaRPr lang="en-US"/>
           </a:p>
@@ -28587,6 +28378,13 @@
   <p:clrMapOvr>
     <a:masterClrMapping/>
   </p:clrMapOvr>
+  <p:timing>
+    <p:tnLst>
+      <p:par>
+        <p:cTn id="1" dur="indefinite" restart="never" nodeType="tmRoot"/>
+      </p:par>
+    </p:tnLst>
+  </p:timing>
 </p:sld>
 </file>
 
@@ -28752,7 +28550,7 @@
           <a:p>
             <a:fld id="{E4C2F9E9-0335-9F43-85CD-6D5AFF0B589E}" type="datetime1">
               <a:rPr lang="en-US" smtClean="0"/>
-              <a:t>5/3/17</a:t>
+              <a:t>5/4/17</a:t>
             </a:fld>
             <a:endParaRPr lang="en-US"/>
           </a:p>
@@ -28814,6 +28612,13 @@
   <p:clrMapOvr>
     <a:masterClrMapping/>
   </p:clrMapOvr>
+  <p:timing>
+    <p:tnLst>
+      <p:par>
+        <p:cTn id="1" dur="indefinite" restart="never" nodeType="tmRoot"/>
+      </p:par>
+    </p:tnLst>
+  </p:timing>
 </p:sld>
 </file>
 
@@ -28937,7 +28742,7 @@
           <a:p>
             <a:fld id="{CE5BD4CA-09B4-E54C-901B-62D7687F59E7}" type="datetime1">
               <a:rPr lang="en-US" smtClean="0"/>
-              <a:t>5/3/17</a:t>
+              <a:t>5/4/17</a:t>
             </a:fld>
             <a:endParaRPr lang="en-US"/>
           </a:p>
@@ -28999,6 +28804,13 @@
   <p:clrMapOvr>
     <a:masterClrMapping/>
   </p:clrMapOvr>
+  <p:timing>
+    <p:tnLst>
+      <p:par>
+        <p:cTn id="1" dur="indefinite" restart="never" nodeType="tmRoot"/>
+      </p:par>
+    </p:tnLst>
+  </p:timing>
 </p:sld>
 </file>
 

--- a/rc_new_user_seminar_2017.pptx
+++ b/rc_new_user_seminar_2017.pptx
@@ -253,7 +253,7 @@
           <a:p>
             <a:fld id="{C649942D-A542-EE42-A1CF-1E4FFF53ED67}" type="datetimeFigureOut">
               <a:rPr lang="en-US" smtClean="0"/>
-              <a:t>5/4/17</a:t>
+              <a:t>6/5/17</a:t>
             </a:fld>
             <a:endParaRPr lang="en-US"/>
           </a:p>
@@ -2667,7 +2667,7 @@
           <a:p>
             <a:fld id="{ECD68DE7-8E14-F140-9BF8-7DF505A7EC71}" type="datetime1">
               <a:rPr lang="en-US" smtClean="0"/>
-              <a:t>5/4/17</a:t>
+              <a:t>6/5/17</a:t>
             </a:fld>
             <a:endParaRPr lang="en-US"/>
           </a:p>
@@ -2857,7 +2857,7 @@
           <a:p>
             <a:fld id="{1D9E6949-9996-6743-8CFF-FA3A56E13506}" type="datetime1">
               <a:rPr lang="en-US" smtClean="0"/>
-              <a:t>5/4/17</a:t>
+              <a:t>6/5/17</a:t>
             </a:fld>
             <a:endParaRPr lang="en-US"/>
           </a:p>
@@ -3057,7 +3057,7 @@
           <a:p>
             <a:fld id="{B889D5DF-D410-3845-BB2F-EEB43AAD8F50}" type="datetime1">
               <a:rPr lang="en-US" smtClean="0"/>
-              <a:t>5/4/17</a:t>
+              <a:t>6/5/17</a:t>
             </a:fld>
             <a:endParaRPr lang="en-US"/>
           </a:p>
@@ -3344,7 +3344,7 @@
           <a:p>
             <a:fld id="{150E7F26-8C30-8C48-992C-4605BCF373C1}" type="datetime1">
               <a:rPr lang="en-US" smtClean="0"/>
-              <a:t>5/4/17</a:t>
+              <a:t>6/5/17</a:t>
             </a:fld>
             <a:endParaRPr lang="en-US"/>
           </a:p>
@@ -3599,7 +3599,7 @@
           <a:p>
             <a:fld id="{5989D8A3-9E0D-F746-B178-BE7AAD7E1D08}" type="datetime1">
               <a:rPr lang="en-US" smtClean="0"/>
-              <a:t>5/4/17</a:t>
+              <a:t>6/5/17</a:t>
             </a:fld>
             <a:endParaRPr lang="en-US"/>
           </a:p>
@@ -3789,7 +3789,7 @@
           <a:p>
             <a:fld id="{FBFD08B6-FF5B-084B-9D71-755657184AD2}" type="datetime1">
               <a:rPr lang="en-US" smtClean="0"/>
-              <a:t>5/4/17</a:t>
+              <a:t>6/5/17</a:t>
             </a:fld>
             <a:endParaRPr lang="en-US"/>
           </a:p>
@@ -4055,7 +4055,7 @@
           <a:p>
             <a:fld id="{22D37D1D-20E9-C347-9D59-D2454D21F9A1}" type="datetime1">
               <a:rPr lang="en-US" smtClean="0"/>
-              <a:t>5/4/17</a:t>
+              <a:t>6/5/17</a:t>
             </a:fld>
             <a:endParaRPr lang="en-US"/>
           </a:p>
@@ -4363,7 +4363,7 @@
           <a:p>
             <a:fld id="{2BE6509E-27A0-AE45-874D-A23ED8FF69C7}" type="datetime1">
               <a:rPr lang="en-US" smtClean="0"/>
-              <a:t>5/4/17</a:t>
+              <a:t>6/5/17</a:t>
             </a:fld>
             <a:endParaRPr lang="en-US"/>
           </a:p>
@@ -4817,7 +4817,7 @@
           <a:p>
             <a:fld id="{18E1633D-FD18-3048-98AE-ADC6C06803FD}" type="datetime1">
               <a:rPr lang="en-US" smtClean="0"/>
-              <a:t>5/4/17</a:t>
+              <a:t>6/5/17</a:t>
             </a:fld>
             <a:endParaRPr lang="en-US"/>
           </a:p>
@@ -4955,7 +4955,7 @@
           <a:p>
             <a:fld id="{0EABE0D9-D7EF-244F-A413-7BCAE9FD1206}" type="datetime1">
               <a:rPr lang="en-US" smtClean="0"/>
-              <a:t>5/4/17</a:t>
+              <a:t>6/5/17</a:t>
             </a:fld>
             <a:endParaRPr lang="en-US"/>
           </a:p>
@@ -5070,7 +5070,7 @@
           <a:p>
             <a:fld id="{12CB383F-6B5B-B842-A0F8-40DE7F828464}" type="datetime1">
               <a:rPr lang="en-US" smtClean="0"/>
-              <a:t>5/4/17</a:t>
+              <a:t>6/5/17</a:t>
             </a:fld>
             <a:endParaRPr lang="en-US"/>
           </a:p>
@@ -5260,7 +5260,7 @@
           <a:p>
             <a:fld id="{043D7B85-D040-214F-9303-7FDDADF77F95}" type="datetime1">
               <a:rPr lang="en-US" smtClean="0"/>
-              <a:t>5/4/17</a:t>
+              <a:t>6/5/17</a:t>
             </a:fld>
             <a:endParaRPr lang="en-US"/>
           </a:p>
@@ -5474,7 +5474,7 @@
           <a:p>
             <a:fld id="{CF06330F-2863-B244-A889-A6416C2F2863}" type="datetime1">
               <a:rPr lang="en-US" smtClean="0"/>
-              <a:t>5/4/17</a:t>
+              <a:t>6/5/17</a:t>
             </a:fld>
             <a:endParaRPr lang="en-US"/>
           </a:p>
@@ -5817,7 +5817,7 @@
           <a:p>
             <a:fld id="{C888A1B5-C673-8A47-9843-5DDFB797488F}" type="datetime1">
               <a:rPr lang="en-US" smtClean="0"/>
-              <a:t>5/4/17</a:t>
+              <a:t>6/5/17</a:t>
             </a:fld>
             <a:endParaRPr lang="en-US"/>
           </a:p>
@@ -6007,7 +6007,7 @@
           <a:p>
             <a:fld id="{44904425-5295-D94B-8D1F-FB45FDBC9752}" type="datetime1">
               <a:rPr lang="en-US" smtClean="0"/>
-              <a:t>5/4/17</a:t>
+              <a:t>6/5/17</a:t>
             </a:fld>
             <a:endParaRPr lang="en-US"/>
           </a:p>
@@ -6207,7 +6207,7 @@
           <a:p>
             <a:fld id="{58F37EF9-201A-B744-A0C8-0105F4C9414D}" type="datetime1">
               <a:rPr lang="en-US" smtClean="0"/>
-              <a:t>5/4/17</a:t>
+              <a:t>6/5/17</a:t>
             </a:fld>
             <a:endParaRPr lang="en-US"/>
           </a:p>
@@ -6494,7 +6494,7 @@
           <a:p>
             <a:fld id="{91FD8EB4-D581-F048-88ED-A64D6EB3CFAB}" type="datetime1">
               <a:rPr lang="en-US" smtClean="0"/>
-              <a:t>5/4/17</a:t>
+              <a:t>6/5/17</a:t>
             </a:fld>
             <a:endParaRPr lang="en-US"/>
           </a:p>
@@ -6740,7 +6740,7 @@
           <a:p>
             <a:fld id="{77B1075F-B81A-5940-A68D-45596C356335}" type="datetime1">
               <a:rPr lang="en-US" smtClean="0"/>
-              <a:t>5/4/17</a:t>
+              <a:t>6/5/17</a:t>
             </a:fld>
             <a:endParaRPr lang="en-US"/>
           </a:p>
@@ -7048,7 +7048,7 @@
           <a:p>
             <a:fld id="{39113FC0-C6F8-6E40-8D7A-F2A1A22961FE}" type="datetime1">
               <a:rPr lang="en-US" smtClean="0"/>
-              <a:t>5/4/17</a:t>
+              <a:t>6/5/17</a:t>
             </a:fld>
             <a:endParaRPr lang="en-US"/>
           </a:p>
@@ -7502,7 +7502,7 @@
           <a:p>
             <a:fld id="{37F32D73-5A99-464A-8594-B551FF72C9D9}" type="datetime1">
               <a:rPr lang="en-US" smtClean="0"/>
-              <a:t>5/4/17</a:t>
+              <a:t>6/5/17</a:t>
             </a:fld>
             <a:endParaRPr lang="en-US"/>
           </a:p>
@@ -7640,7 +7640,7 @@
           <a:p>
             <a:fld id="{E82BF7D7-27C3-CF45-B820-FC005A5F8688}" type="datetime1">
               <a:rPr lang="en-US" smtClean="0"/>
-              <a:t>5/4/17</a:t>
+              <a:t>6/5/17</a:t>
             </a:fld>
             <a:endParaRPr lang="en-US"/>
           </a:p>
@@ -7755,7 +7755,7 @@
           <a:p>
             <a:fld id="{9555053E-C274-C74C-A284-88F22C581203}" type="datetime1">
               <a:rPr lang="en-US" smtClean="0"/>
-              <a:t>5/4/17</a:t>
+              <a:t>6/5/17</a:t>
             </a:fld>
             <a:endParaRPr lang="en-US"/>
           </a:p>
@@ -7969,7 +7969,7 @@
           <a:p>
             <a:fld id="{7A689FF8-7D69-1D41-AF80-D980840BCB23}" type="datetime1">
               <a:rPr lang="en-US" smtClean="0"/>
-              <a:t>5/4/17</a:t>
+              <a:t>6/5/17</a:t>
             </a:fld>
             <a:endParaRPr lang="en-US"/>
           </a:p>
@@ -8312,7 +8312,7 @@
           <a:p>
             <a:fld id="{B2055EBF-49EC-E44B-96CA-4F8E3FBF2465}" type="datetime1">
               <a:rPr lang="en-US" smtClean="0"/>
-              <a:t>5/4/17</a:t>
+              <a:t>6/5/17</a:t>
             </a:fld>
             <a:endParaRPr lang="en-US"/>
           </a:p>
@@ -8675,7 +8675,7 @@
           <a:p>
             <a:fld id="{96D7D345-C39C-A44C-AF4E-9524445B1337}" type="datetime1">
               <a:rPr lang="en-US" smtClean="0"/>
-              <a:t>5/4/17</a:t>
+              <a:t>6/5/17</a:t>
             </a:fld>
             <a:endParaRPr lang="en-US"/>
           </a:p>
@@ -9378,7 +9378,7 @@
           <a:p>
             <a:fld id="{8C5F0DC5-6EC3-034C-8486-0300E89E16FC}" type="datetime1">
               <a:rPr lang="en-US" smtClean="0"/>
-              <a:t>5/4/17</a:t>
+              <a:t>6/5/17</a:t>
             </a:fld>
             <a:endParaRPr lang="en-US"/>
           </a:p>
@@ -9971,7 +9971,7 @@
           <a:p>
             <a:fld id="{BD3E17D7-4415-0A45-8086-1E9B50478751}" type="datetime1">
               <a:rPr lang="en-US" smtClean="0"/>
-              <a:t>5/4/17</a:t>
+              <a:t>6/5/17</a:t>
             </a:fld>
             <a:endParaRPr lang="en-US" dirty="0"/>
           </a:p>
@@ -10153,7 +10153,7 @@
           <a:p>
             <a:fld id="{4676C52D-A00D-2248-AAC1-94BD55906AAC}" type="datetime1">
               <a:rPr lang="en-US" smtClean="0"/>
-              <a:t>5/4/17</a:t>
+              <a:t>6/5/17</a:t>
             </a:fld>
             <a:endParaRPr lang="en-US"/>
           </a:p>
@@ -10343,7 +10343,7 @@
           <a:p>
             <a:fld id="{446EC888-7CFD-C641-9F44-9678633359F5}" type="datetime1">
               <a:rPr lang="en-US" smtClean="0"/>
-              <a:t>5/4/17</a:t>
+              <a:t>6/5/17</a:t>
             </a:fld>
             <a:endParaRPr lang="en-US"/>
           </a:p>
@@ -10507,13 +10507,8 @@
             </a:r>
             <a:r>
               <a:rPr lang="en-US" dirty="0" smtClean="0"/>
-              <a:t> and ask for a General </a:t>
-            </a:r>
-            <a:r>
-              <a:rPr lang="en-US" dirty="0" smtClean="0"/>
-              <a:t>allocation</a:t>
-            </a:r>
-            <a:endParaRPr lang="en-US" dirty="0" smtClean="0"/>
+              <a:t> and ask for a General allocation</a:t>
+            </a:r>
           </a:p>
           <a:p>
             <a:pPr lvl="1"/>
@@ -10554,7 +10549,7 @@
           <a:p>
             <a:fld id="{9DCF056C-E28A-E84B-82B5-F09CA8CCF7AA}" type="datetime1">
               <a:rPr lang="en-US" smtClean="0"/>
-              <a:t>5/4/17</a:t>
+              <a:t>6/5/17</a:t>
             </a:fld>
             <a:endParaRPr lang="en-US" dirty="0"/>
           </a:p>
@@ -10755,7 +10750,7 @@
           <a:p>
             <a:fld id="{F20BFDB3-A603-BF47-BB0C-9DB4A86B14A1}" type="datetime1">
               <a:rPr lang="en-US" smtClean="0"/>
-              <a:t>5/4/17</a:t>
+              <a:t>6/5/17</a:t>
             </a:fld>
             <a:endParaRPr lang="en-US" dirty="0"/>
           </a:p>
@@ -10909,7 +10904,7 @@
           <a:p>
             <a:r>
               <a:rPr lang="en-US" dirty="0" smtClean="0"/>
-              <a:t>System will first look at weighted average utilization of user over last 3-4 weeks</a:t>
+              <a:t>System will first look at weighted average utilization of user over last 4 weeks</a:t>
             </a:r>
           </a:p>
           <a:p>
@@ -10938,7 +10933,7 @@
           <a:p>
             <a:fld id="{C74A8494-43BC-5246-A5F8-7C026E3A2506}" type="datetime1">
               <a:rPr lang="en-US" smtClean="0"/>
-              <a:t>5/4/17</a:t>
+              <a:t>6/5/17</a:t>
             </a:fld>
             <a:endParaRPr lang="en-US" dirty="0"/>
           </a:p>
@@ -11089,7 +11084,7 @@
           <a:p>
             <a:r>
               <a:rPr lang="en-US" dirty="0" smtClean="0"/>
-              <a:t>If you are under (over) your target percentage (based on a 3-4 week average) your priority is increased (decreased)</a:t>
+              <a:t>If you are under (over) your target percentage (based on a 4 week average) your priority is increased (decreased)</a:t>
             </a:r>
           </a:p>
           <a:p>
@@ -11129,7 +11124,7 @@
           <a:p>
             <a:fld id="{565D631E-63D9-2946-A4FB-64ADF73B9F46}" type="datetime1">
               <a:rPr lang="en-US" smtClean="0"/>
-              <a:t>5/4/17</a:t>
+              <a:t>6/5/17</a:t>
             </a:fld>
             <a:endParaRPr lang="en-US" dirty="0"/>
           </a:p>
@@ -11318,7 +11313,7 @@
           <a:p>
             <a:fld id="{D6A24DE9-2A38-9F4F-9441-F5E45DF3B582}" type="datetime1">
               <a:rPr lang="en-US" smtClean="0"/>
-              <a:t>5/4/17</a:t>
+              <a:t>6/5/17</a:t>
             </a:fld>
             <a:endParaRPr lang="en-US" dirty="0"/>
           </a:p>
@@ -11500,7 +11495,7 @@
           <a:p>
             <a:fld id="{14C7FEA5-DE78-1148-84A0-7BFCB44B4D67}" type="datetime1">
               <a:rPr lang="en-US" smtClean="0"/>
-              <a:t>5/4/17</a:t>
+              <a:t>6/5/17</a:t>
             </a:fld>
             <a:endParaRPr lang="en-US"/>
           </a:p>
@@ -11834,7 +11829,7 @@
           <a:p>
             <a:fld id="{8885B798-E31F-EF48-B899-212976AF87DE}" type="datetime1">
               <a:rPr lang="en-US" smtClean="0"/>
-              <a:t>5/4/17</a:t>
+              <a:t>6/5/17</a:t>
             </a:fld>
             <a:endParaRPr lang="en-US" dirty="0"/>
           </a:p>
@@ -12021,7 +12016,7 @@
           <a:p>
             <a:fld id="{BFB05F3F-E948-DD41-9031-1B2AF49AD76C}" type="datetime1">
               <a:rPr lang="en-US" smtClean="0"/>
-              <a:t>5/4/17</a:t>
+              <a:t>6/5/17</a:t>
             </a:fld>
             <a:endParaRPr lang="en-US"/>
           </a:p>
@@ -12241,7 +12236,7 @@
           <a:p>
             <a:fld id="{771A8861-859A-A949-A7D3-0A76732EE9EB}" type="datetime1">
               <a:rPr lang="en-US" smtClean="0"/>
-              <a:t>5/4/17</a:t>
+              <a:t>6/5/17</a:t>
             </a:fld>
             <a:endParaRPr lang="en-US" dirty="0"/>
           </a:p>
@@ -12460,7 +12455,7 @@
           <a:p>
             <a:fld id="{D5EAB504-1A42-5949-AE07-2AC2FB9C6C54}" type="datetime1">
               <a:rPr lang="en-US" smtClean="0"/>
-              <a:t>5/4/17</a:t>
+              <a:t>6/5/17</a:t>
             </a:fld>
             <a:endParaRPr lang="en-US" dirty="0"/>
           </a:p>
@@ -12697,7 +12692,7 @@
           <a:p>
             <a:fld id="{79168923-96D4-8249-9655-376DD4AC8146}" type="datetime1">
               <a:rPr lang="en-US" smtClean="0"/>
-              <a:t>5/4/17</a:t>
+              <a:t>6/5/17</a:t>
             </a:fld>
             <a:endParaRPr lang="en-US"/>
           </a:p>
@@ -13200,7 +13195,7 @@
           <a:p>
             <a:fld id="{F92F4056-9118-9A49-8EA1-59B389654B04}" type="datetime1">
               <a:rPr lang="en-US" smtClean="0"/>
-              <a:t>5/4/17</a:t>
+              <a:t>6/5/17</a:t>
             </a:fld>
             <a:endParaRPr lang="en-US"/>
           </a:p>
@@ -13428,7 +13423,7 @@
           <a:p>
             <a:fld id="{6A2AF87B-5DE4-7242-B926-81C627D286DE}" type="datetime1">
               <a:rPr lang="en-US" smtClean="0"/>
-              <a:t>5/4/17</a:t>
+              <a:t>6/5/17</a:t>
             </a:fld>
             <a:endParaRPr lang="en-US"/>
           </a:p>
@@ -13614,32 +13609,6 @@
               <a:cs typeface="Helvetica Neue"/>
             </a:endParaRPr>
           </a:p>
-          <a:p>
-            <a:pPr marL="342900" lvl="1">
-              <a:buClr>
-                <a:schemeClr val="accent1"/>
-              </a:buClr>
-            </a:pPr>
-            <a:endParaRPr lang="en-US" dirty="0" smtClean="0">
-              <a:cs typeface="Helvetica Neue"/>
-            </a:endParaRPr>
-          </a:p>
-          <a:p>
-            <a:pPr marL="342900" lvl="1">
-              <a:buClr>
-                <a:schemeClr val="accent1"/>
-              </a:buClr>
-            </a:pPr>
-            <a:r>
-              <a:rPr lang="en-US" dirty="0" smtClean="0">
-                <a:cs typeface="Helvetica Neue"/>
-              </a:rPr>
-              <a:t>We will come back to this at the end if we have time</a:t>
-            </a:r>
-            <a:endParaRPr lang="en-US" dirty="0">
-              <a:cs typeface="Helvetica Neue"/>
-            </a:endParaRPr>
-          </a:p>
         </p:txBody>
       </p:sp>
       <p:sp>
@@ -13659,7 +13628,7 @@
           <a:p>
             <a:fld id="{C409689E-59C4-3149-BC30-04475534628F}" type="datetime1">
               <a:rPr lang="en-US" smtClean="0"/>
-              <a:t>5/4/17</a:t>
+              <a:t>6/5/17</a:t>
             </a:fld>
             <a:endParaRPr lang="en-US"/>
           </a:p>
@@ -13869,7 +13838,7 @@
           <a:p>
             <a:fld id="{A4F0CB77-59E8-AA4B-8AF0-F960A2371B83}" type="datetime1">
               <a:rPr lang="en-US" smtClean="0"/>
-              <a:t>5/4/17</a:t>
+              <a:t>6/5/17</a:t>
             </a:fld>
             <a:endParaRPr lang="en-US"/>
           </a:p>
@@ -14022,7 +13991,21 @@
                 <a:ea typeface="Courier" charset="0"/>
                 <a:cs typeface="Courier" charset="0"/>
               </a:rPr>
-              <a:t>module load </a:t>
+              <a:t>module load R/3.3.0</a:t>
+            </a:r>
+          </a:p>
+          <a:p>
+            <a:pPr lvl="1"/>
+            <a:r>
+              <a:rPr lang="en-US" dirty="0" smtClean="0"/>
+              <a:t>For other modules, you may be able to be more generic</a:t>
+            </a:r>
+          </a:p>
+          <a:p>
+            <a:pPr lvl="2"/>
+            <a:r>
+              <a:rPr lang="en-US" dirty="0" smtClean="0"/>
+              <a:t>For example, </a:t>
             </a:r>
             <a:r>
               <a:rPr lang="en-US" b="1" dirty="0" smtClean="0">
@@ -14030,21 +14013,49 @@
                 <a:ea typeface="Courier" charset="0"/>
                 <a:cs typeface="Courier" charset="0"/>
               </a:rPr>
-              <a:t>R/3.3.0</a:t>
-            </a:r>
-          </a:p>
-          <a:p>
-            <a:pPr lvl="1"/>
-            <a:r>
-              <a:rPr lang="en-US" dirty="0" smtClean="0"/>
-              <a:t>For other modules, you may be able to be more generic</a:t>
-            </a:r>
-          </a:p>
-          <a:p>
-            <a:pPr lvl="2"/>
-            <a:r>
-              <a:rPr lang="en-US" dirty="0" smtClean="0"/>
-              <a:t>For example, </a:t>
+              <a:t>module load </a:t>
+            </a:r>
+            <a:r>
+              <a:rPr lang="en-US" b="1" dirty="0" err="1" smtClean="0">
+                <a:latin typeface="Courier" charset="0"/>
+                <a:ea typeface="Courier" charset="0"/>
+                <a:cs typeface="Courier" charset="0"/>
+              </a:rPr>
+              <a:t>matlab</a:t>
+            </a:r>
+            <a:r>
+              <a:rPr lang="en-US" b="1" dirty="0" smtClean="0"/>
+              <a:t> </a:t>
+            </a:r>
+          </a:p>
+          <a:p>
+            <a:r>
+              <a:rPr lang="en-US" dirty="0" smtClean="0"/>
+              <a:t>Some modules may require you to first load other modules that they depend on</a:t>
+            </a:r>
+          </a:p>
+          <a:p>
+            <a:r>
+              <a:rPr lang="en-US" dirty="0" smtClean="0"/>
+              <a:t>To find dependencies for a module, type </a:t>
+            </a:r>
+            <a:r>
+              <a:rPr lang="en-US" dirty="0" smtClean="0">
+                <a:latin typeface="Courier" charset="0"/>
+                <a:ea typeface="Courier" charset="0"/>
+                <a:cs typeface="Courier" charset="0"/>
+              </a:rPr>
+              <a:t>module spider &lt;package&gt;</a:t>
+            </a:r>
+          </a:p>
+          <a:p>
+            <a:r>
+              <a:rPr lang="en-US" dirty="0" smtClean="0"/>
+              <a:t>To </a:t>
+            </a:r>
+            <a:r>
+              <a:rPr lang="en-US" dirty="0"/>
+              <a:t>find out what software is available, you can type </a:t>
             </a:r>
             <a:r>
               <a:rPr lang="en-US" b="1" dirty="0" smtClean="0">
@@ -14055,46 +14066,18 @@
               <a:t>module load </a:t>
             </a:r>
             <a:r>
-              <a:rPr lang="en-US" b="1" dirty="0" err="1" smtClean="0">
+              <a:rPr lang="en-US" b="1" dirty="0">
                 <a:latin typeface="Courier" charset="0"/>
                 <a:ea typeface="Courier" charset="0"/>
                 <a:cs typeface="Courier" charset="0"/>
               </a:rPr>
-              <a:t>matlab</a:t>
-            </a:r>
-            <a:r>
-              <a:rPr lang="en-US" b="1" dirty="0" smtClean="0"/>
-              <a:t> </a:t>
-            </a:r>
-          </a:p>
-          <a:p>
-            <a:r>
-              <a:rPr lang="en-US" dirty="0" smtClean="0"/>
-              <a:t>Some modules may require you to first load other modules that they depend on</a:t>
-            </a:r>
-          </a:p>
-          <a:p>
-            <a:r>
-              <a:rPr lang="en-US" dirty="0" smtClean="0"/>
-              <a:t>To find dependencies for a module, type </a:t>
-            </a:r>
-            <a:r>
-              <a:rPr lang="en-US" dirty="0" smtClean="0">
-                <a:latin typeface="Courier" charset="0"/>
-                <a:ea typeface="Courier" charset="0"/>
-                <a:cs typeface="Courier" charset="0"/>
-              </a:rPr>
-              <a:t>module spider &lt;package&gt;</a:t>
-            </a:r>
-          </a:p>
-          <a:p>
-            <a:r>
-              <a:rPr lang="en-US" dirty="0" smtClean="0"/>
-              <a:t>To </a:t>
-            </a:r>
+              <a:t>avail</a:t>
+            </a:r>
+          </a:p>
+          <a:p>
             <a:r>
               <a:rPr lang="en-US" dirty="0"/>
-              <a:t>find out what software is available, you can type </a:t>
+              <a:t>To set up your environment to use a software package, type </a:t>
             </a:r>
             <a:r>
               <a:rPr lang="en-US" b="1" dirty="0" smtClean="0">
@@ -14110,28 +14093,6 @@
                 <a:ea typeface="Courier" charset="0"/>
                 <a:cs typeface="Courier" charset="0"/>
               </a:rPr>
-              <a:t>avail</a:t>
-            </a:r>
-          </a:p>
-          <a:p>
-            <a:r>
-              <a:rPr lang="en-US" dirty="0"/>
-              <a:t>To set up your environment to use a software package, type </a:t>
-            </a:r>
-            <a:r>
-              <a:rPr lang="en-US" b="1" dirty="0" smtClean="0">
-                <a:latin typeface="Courier" charset="0"/>
-                <a:ea typeface="Courier" charset="0"/>
-                <a:cs typeface="Courier" charset="0"/>
-              </a:rPr>
-              <a:t>module load </a:t>
-            </a:r>
-            <a:r>
-              <a:rPr lang="en-US" b="1" dirty="0">
-                <a:latin typeface="Courier" charset="0"/>
-                <a:ea typeface="Courier" charset="0"/>
-                <a:cs typeface="Courier" charset="0"/>
-              </a:rPr>
               <a:t>&lt;package&gt;/&lt;version&gt;</a:t>
             </a:r>
           </a:p>
@@ -14157,7 +14118,7 @@
           <a:p>
             <a:fld id="{2CB1BB01-A22C-0E44-AE14-9BA42F328388}" type="datetime1">
               <a:rPr lang="en-US" smtClean="0"/>
-              <a:t>5/4/17</a:t>
+              <a:t>6/5/17</a:t>
             </a:fld>
             <a:endParaRPr lang="en-US" dirty="0"/>
           </a:p>
@@ -14292,7 +14253,7 @@
           <a:p>
             <a:fld id="{EF2E92D6-81C2-2349-8DFB-1F1A7DD82F92}" type="datetime1">
               <a:rPr lang="en-US" smtClean="0"/>
-              <a:t>5/4/17</a:t>
+              <a:t>6/5/17</a:t>
             </a:fld>
             <a:endParaRPr lang="en-US"/>
           </a:p>
@@ -14495,7 +14456,7 @@
           <a:p>
             <a:fld id="{8C1A9D32-265E-194F-AF93-71B2043231E0}" type="datetime1">
               <a:rPr lang="en-US" smtClean="0"/>
-              <a:t>5/4/17</a:t>
+              <a:t>6/5/17</a:t>
             </a:fld>
             <a:endParaRPr lang="en-US"/>
           </a:p>
@@ -14721,7 +14682,7 @@
           <a:p>
             <a:fld id="{4ACF55D2-6E15-324D-A853-3288224DF348}" type="datetime1">
               <a:rPr lang="en-US" smtClean="0"/>
-              <a:t>5/4/17</a:t>
+              <a:t>6/5/17</a:t>
             </a:fld>
             <a:endParaRPr lang="en-US" dirty="0"/>
           </a:p>
@@ -14938,7 +14899,7 @@
           <a:p>
             <a:fld id="{2BF9B4AA-B499-8C4E-9B8E-811BDC42AB72}" type="datetime1">
               <a:rPr lang="en-US" smtClean="0"/>
-              <a:t>5/4/17</a:t>
+              <a:t>6/5/17</a:t>
             </a:fld>
             <a:endParaRPr lang="en-US"/>
           </a:p>
@@ -15163,7 +15124,7 @@
           <a:p>
             <a:fld id="{09667844-52C5-454C-91DA-DA641038CED4}" type="datetime1">
               <a:rPr lang="en-US" smtClean="0"/>
-              <a:t>5/4/17</a:t>
+              <a:t>6/5/17</a:t>
             </a:fld>
             <a:endParaRPr lang="en-US"/>
           </a:p>
@@ -15306,15 +15267,7 @@
           <a:p>
             <a:r>
               <a:rPr lang="en-US" dirty="0" smtClean="0"/>
-              <a:t>Do this using </a:t>
-            </a:r>
-            <a:r>
-              <a:rPr lang="en-US" dirty="0" smtClean="0"/>
-              <a:t>the </a:t>
-            </a:r>
-            <a:r>
-              <a:rPr lang="en-US" dirty="0" smtClean="0"/>
-              <a:t>partition flag</a:t>
+              <a:t>Do this using the partition flag</a:t>
             </a:r>
           </a:p>
           <a:p>
@@ -15343,7 +15296,7 @@
           <a:p>
             <a:fld id="{D07D67D9-0F25-3A44-BD87-1123755F3EE6}" type="datetime1">
               <a:rPr lang="en-US" smtClean="0"/>
-              <a:t>5/4/17</a:t>
+              <a:t>6/5/17</a:t>
             </a:fld>
             <a:endParaRPr lang="en-US"/>
           </a:p>
@@ -15560,7 +15513,7 @@
           <a:p>
             <a:fld id="{D20DA3BF-08CB-8A4B-9523-EAB60681977A}" type="datetime1">
               <a:rPr lang="en-US" smtClean="0"/>
-              <a:t>5/4/17</a:t>
+              <a:t>6/5/17</a:t>
             </a:fld>
             <a:endParaRPr lang="en-US"/>
           </a:p>
@@ -17495,7 +17448,7 @@
           <a:p>
             <a:fld id="{A3C9C1BB-C1E4-004E-B76B-8C60A87CB160}" type="datetime1">
               <a:rPr lang="en-US" smtClean="0"/>
-              <a:t>5/4/17</a:t>
+              <a:t>6/5/17</a:t>
             </a:fld>
             <a:endParaRPr lang="en-US"/>
           </a:p>
@@ -19675,7 +19628,7 @@
           <a:p>
             <a:fld id="{D7C17083-DB9E-DF40-9FF1-3C3BBD3126F3}" type="datetime1">
               <a:rPr lang="en-US" smtClean="0"/>
-              <a:t>5/4/17</a:t>
+              <a:t>6/5/17</a:t>
             </a:fld>
             <a:endParaRPr lang="en-US" dirty="0"/>
           </a:p>
@@ -20211,7 +20164,7 @@
           <a:p>
             <a:fld id="{F1062F58-FDE1-BA4D-BB8C-2264A72B5428}" type="datetime1">
               <a:rPr lang="en-US" smtClean="0"/>
-              <a:t>5/4/17</a:t>
+              <a:t>6/5/17</a:t>
             </a:fld>
             <a:endParaRPr lang="en-US" dirty="0"/>
           </a:p>
@@ -20390,19 +20343,15 @@
           <a:p>
             <a:r>
               <a:rPr lang="en-US" dirty="0" smtClean="0"/>
-              <a:t>Right now we are in a transition phase between Summit and Janus</a:t>
-            </a:r>
-          </a:p>
-          <a:p>
-            <a:r>
-              <a:rPr lang="en-US" dirty="0" smtClean="0"/>
-              <a:t>You should be running all your jobs on Summit</a:t>
-            </a:r>
-          </a:p>
-          <a:p>
-            <a:r>
-              <a:rPr lang="en-US" dirty="0" smtClean="0"/>
-              <a:t>To ensure this, make sure you load the </a:t>
+              <a:t>Make sure </a:t>
+            </a:r>
+            <a:r>
+              <a:rPr lang="en-US" dirty="0" smtClean="0"/>
+              <a:t>you load the </a:t>
+            </a:r>
+            <a:r>
+              <a:rPr lang="en-US" dirty="0" smtClean="0"/>
+              <a:t>appropriate </a:t>
             </a:r>
             <a:r>
               <a:rPr lang="en-US" dirty="0" err="1" smtClean="0"/>
@@ -20410,8 +20359,9 @@
             </a:r>
             <a:r>
               <a:rPr lang="en-US" dirty="0" smtClean="0"/>
-              <a:t> module on Summit</a:t>
-            </a:r>
+              <a:t> module</a:t>
+            </a:r>
+            <a:endParaRPr lang="en-US" dirty="0" smtClean="0"/>
           </a:p>
           <a:p>
             <a:pPr marL="114300" indent="0">
@@ -20516,7 +20466,7 @@
           <a:p>
             <a:fld id="{57D010C4-F61A-344B-ACB4-6FFCD098ACFF}" type="datetime1">
               <a:rPr lang="en-US" smtClean="0"/>
-              <a:t>5/4/17</a:t>
+              <a:t>6/5/17</a:t>
             </a:fld>
             <a:endParaRPr lang="en-US"/>
           </a:p>
@@ -20752,7 +20702,7 @@
           <a:p>
             <a:fld id="{36D94695-4FE4-B74D-9FEF-603C469ABA33}" type="datetime1">
               <a:rPr lang="en-US" smtClean="0"/>
-              <a:t>5/4/17</a:t>
+              <a:t>6/5/17</a:t>
             </a:fld>
             <a:endParaRPr lang="en-US"/>
           </a:p>
@@ -21005,7 +20955,7 @@
           <a:p>
             <a:fld id="{A2DD7857-83C0-944C-808D-7EBD666BA1C5}" type="datetime1">
               <a:rPr lang="en-US" smtClean="0"/>
-              <a:t>5/4/17</a:t>
+              <a:t>6/5/17</a:t>
             </a:fld>
             <a:endParaRPr lang="en-US"/>
           </a:p>
@@ -21140,7 +21090,7 @@
           <a:p>
             <a:fld id="{D0F1EC55-3BF6-B94A-A8A8-ECF9B2E6E6A5}" type="datetime1">
               <a:rPr lang="en-US" smtClean="0"/>
-              <a:t>5/4/17</a:t>
+              <a:t>6/5/17</a:t>
             </a:fld>
             <a:endParaRPr lang="en-US" dirty="0"/>
           </a:p>
@@ -21356,7 +21306,7 @@
           <a:p>
             <a:fld id="{157FD4B1-436B-5B42-B797-4F45D1B6B6A9}" type="datetime1">
               <a:rPr lang="en-US" smtClean="0"/>
-              <a:t>5/4/17</a:t>
+              <a:t>6/5/17</a:t>
             </a:fld>
             <a:endParaRPr lang="en-US" dirty="0"/>
           </a:p>
@@ -21636,7 +21586,7 @@
           <a:p>
             <a:fld id="{50F15D87-D865-834D-8095-85B47E5D857D}" type="datetime1">
               <a:rPr lang="en-US" smtClean="0"/>
-              <a:t>5/4/17</a:t>
+              <a:t>6/5/17</a:t>
             </a:fld>
             <a:endParaRPr lang="en-US"/>
           </a:p>
@@ -22248,7 +22198,7 @@
           <a:p>
             <a:fld id="{9650BA27-C1AA-FC4E-A90D-29775570A7B1}" type="datetime1">
               <a:rPr lang="en-US" smtClean="0"/>
-              <a:t>5/4/17</a:t>
+              <a:t>6/5/17</a:t>
             </a:fld>
             <a:endParaRPr lang="en-US"/>
           </a:p>
@@ -22563,7 +22513,7 @@
           <a:p>
             <a:fld id="{F595C32F-4FDD-1845-9DAD-BF783B30F4EA}" type="datetime1">
               <a:rPr lang="en-US" smtClean="0"/>
-              <a:t>5/4/17</a:t>
+              <a:t>6/5/17</a:t>
             </a:fld>
             <a:endParaRPr lang="en-US"/>
           </a:p>
@@ -22899,7 +22849,7 @@
           <a:p>
             <a:fld id="{7A593D67-D80B-D341-95C2-D8FD019BB686}" type="datetime1">
               <a:rPr lang="en-US" smtClean="0"/>
-              <a:t>5/4/17</a:t>
+              <a:t>6/5/17</a:t>
             </a:fld>
             <a:endParaRPr lang="en-US" dirty="0"/>
           </a:p>
@@ -23225,7 +23175,7 @@
           <a:p>
             <a:fld id="{26A447B6-DA76-2941-9271-7615FCF773C3}" type="datetime1">
               <a:rPr lang="en-US" smtClean="0"/>
-              <a:t>5/4/17</a:t>
+              <a:t>6/5/17</a:t>
             </a:fld>
             <a:endParaRPr lang="en-US"/>
           </a:p>
@@ -23577,7 +23527,7 @@
           <a:p>
             <a:fld id="{38B2C89D-A2C7-BC4F-80C2-CF46C745D9C4}" type="datetime1">
               <a:rPr lang="en-US" smtClean="0"/>
-              <a:t>5/4/17</a:t>
+              <a:t>6/5/17</a:t>
             </a:fld>
             <a:endParaRPr lang="en-US"/>
           </a:p>
@@ -24273,7 +24223,7 @@
           <a:p>
             <a:fld id="{EBDED0D2-C1DA-5148-BCD1-FD0E375E4368}" type="datetime1">
               <a:rPr lang="en-US" smtClean="0"/>
-              <a:t>5/4/17</a:t>
+              <a:t>6/5/17</a:t>
             </a:fld>
             <a:endParaRPr lang="en-US"/>
           </a:p>
@@ -24457,7 +24407,7 @@
           <a:p>
             <a:fld id="{58476822-42A8-164F-A773-7C6D2A6A81DB}" type="datetime1">
               <a:rPr lang="en-US" smtClean="0"/>
-              <a:t>5/4/17</a:t>
+              <a:t>6/5/17</a:t>
             </a:fld>
             <a:endParaRPr lang="en-US" dirty="0"/>
           </a:p>
@@ -24710,7 +24660,7 @@
           <a:p>
             <a:fld id="{743333A5-8F5B-BA46-B1A8-D091CAAF002B}" type="datetime1">
               <a:rPr lang="en-US" smtClean="0"/>
-              <a:t>5/4/17</a:t>
+              <a:t>6/5/17</a:t>
             </a:fld>
             <a:endParaRPr lang="en-US"/>
           </a:p>
@@ -25381,7 +25331,7 @@
           <a:p>
             <a:fld id="{AE89C334-26D2-F346-A763-FB59B0897930}" type="datetime1">
               <a:rPr lang="en-US" smtClean="0"/>
-              <a:t>5/4/17</a:t>
+              <a:t>6/5/17</a:t>
             </a:fld>
             <a:endParaRPr lang="en-US"/>
           </a:p>
@@ -25597,7 +25547,7 @@
           <a:p>
             <a:fld id="{406683BE-7CE6-C246-A895-91EACBC36081}" type="datetime1">
               <a:rPr lang="en-US" smtClean="0"/>
-              <a:t>5/4/17</a:t>
+              <a:t>6/5/17</a:t>
             </a:fld>
             <a:endParaRPr lang="en-US" dirty="0"/>
           </a:p>
@@ -26047,7 +25997,7 @@
           <a:p>
             <a:fld id="{0E391325-9FAD-3B48-ABBB-A2878079FE51}" type="datetime1">
               <a:rPr lang="en-US" smtClean="0"/>
-              <a:t>5/4/17</a:t>
+              <a:t>6/5/17</a:t>
             </a:fld>
             <a:endParaRPr lang="en-US"/>
           </a:p>
@@ -26561,7 +26511,7 @@
           <a:p>
             <a:fld id="{C4F2F9E0-2BB7-644A-A8C2-4F89A10BA621}" type="datetime1">
               <a:rPr lang="en-US" smtClean="0"/>
-              <a:t>5/4/17</a:t>
+              <a:t>6/5/17</a:t>
             </a:fld>
             <a:endParaRPr lang="en-US"/>
           </a:p>
@@ -26818,7 +26768,7 @@
           <a:p>
             <a:fld id="{9890B64F-BD66-014F-8385-76577B03EE8A}" type="datetime1">
               <a:rPr lang="en-US" smtClean="0"/>
-              <a:t>5/4/17</a:t>
+              <a:t>6/5/17</a:t>
             </a:fld>
             <a:endParaRPr lang="en-US"/>
           </a:p>
@@ -27001,7 +26951,7 @@
           <a:p>
             <a:fld id="{24EAC218-805B-5942-9D1C-1CAF707EFBDF}" type="datetime1">
               <a:rPr lang="en-US" smtClean="0"/>
-              <a:t>5/4/17</a:t>
+              <a:t>6/5/17</a:t>
             </a:fld>
             <a:endParaRPr lang="en-US" dirty="0"/>
           </a:p>
@@ -27317,7 +27267,7 @@
           <a:p>
             <a:fld id="{E12727D1-4C82-404C-B300-E3C9ED3E7415}" type="datetime1">
               <a:rPr lang="en-US" smtClean="0"/>
-              <a:t>5/4/17</a:t>
+              <a:t>6/5/17</a:t>
             </a:fld>
             <a:endParaRPr lang="en-US" dirty="0"/>
           </a:p>
@@ -27661,7 +27611,7 @@
           <a:p>
             <a:fld id="{F21DF42F-4BC7-1E4D-B4C7-33A7E30F56D4}" type="datetime1">
               <a:rPr lang="en-US" smtClean="0"/>
-              <a:t>5/4/17</a:t>
+              <a:t>6/5/17</a:t>
             </a:fld>
             <a:endParaRPr lang="en-US" dirty="0"/>
           </a:p>
@@ -27891,7 +27841,7 @@
           <a:p>
             <a:fld id="{F176B5BB-6C1E-4446-A4B5-BF7D661481E8}" type="datetime1">
               <a:rPr lang="en-US" smtClean="0"/>
-              <a:t>5/4/17</a:t>
+              <a:t>6/5/17</a:t>
             </a:fld>
             <a:endParaRPr lang="en-US" dirty="0"/>
           </a:p>
@@ -28088,7 +28038,7 @@
           <a:p>
             <a:fld id="{2C3A7136-6CD9-1F44-BF87-1F02B022DD38}" type="datetime1">
               <a:rPr lang="en-US" smtClean="0"/>
-              <a:t>5/4/17</a:t>
+              <a:t>6/5/17</a:t>
             </a:fld>
             <a:endParaRPr lang="en-US"/>
           </a:p>
@@ -28316,7 +28266,7 @@
           <a:p>
             <a:fld id="{DD60739B-9381-D348-A54C-084428A1CE83}" type="datetime1">
               <a:rPr lang="en-US" smtClean="0"/>
-              <a:t>5/4/17</a:t>
+              <a:t>6/5/17</a:t>
             </a:fld>
             <a:endParaRPr lang="en-US"/>
           </a:p>
@@ -28550,7 +28500,7 @@
           <a:p>
             <a:fld id="{E4C2F9E9-0335-9F43-85CD-6D5AFF0B589E}" type="datetime1">
               <a:rPr lang="en-US" smtClean="0"/>
-              <a:t>5/4/17</a:t>
+              <a:t>6/5/17</a:t>
             </a:fld>
             <a:endParaRPr lang="en-US"/>
           </a:p>
@@ -28742,7 +28692,7 @@
           <a:p>
             <a:fld id="{CE5BD4CA-09B4-E54C-901B-62D7687F59E7}" type="datetime1">
               <a:rPr lang="en-US" smtClean="0"/>
-              <a:t>5/4/17</a:t>
+              <a:t>6/5/17</a:t>
             </a:fld>
             <a:endParaRPr lang="en-US"/>
           </a:p>

--- a/rc_new_user_seminar_2017.pptx
+++ b/rc_new_user_seminar_2017.pptx
@@ -3,68 +3,67 @@
 <p:presentation xmlns:a="http://schemas.openxmlformats.org/drawingml/2006/main" xmlns:r="http://schemas.openxmlformats.org/officeDocument/2006/relationships" xmlns:p="http://schemas.openxmlformats.org/presentationml/2006/main" saveSubsetFonts="1" autoCompressPictures="0">
   <p:sldMasterIdLst>
     <p:sldMasterId id="2147483660" r:id="rId1"/>
-    <p:sldMasterId id="2147483673" r:id="rId2"/>
   </p:sldMasterIdLst>
   <p:notesMasterIdLst>
-    <p:notesMasterId r:id="rId59"/>
+    <p:notesMasterId r:id="rId58"/>
   </p:notesMasterIdLst>
   <p:sldIdLst>
-    <p:sldId id="257" r:id="rId3"/>
-    <p:sldId id="258" r:id="rId4"/>
-    <p:sldId id="291" r:id="rId5"/>
-    <p:sldId id="292" r:id="rId6"/>
-    <p:sldId id="287" r:id="rId7"/>
-    <p:sldId id="288" r:id="rId8"/>
-    <p:sldId id="293" r:id="rId9"/>
-    <p:sldId id="295" r:id="rId10"/>
-    <p:sldId id="296" r:id="rId11"/>
-    <p:sldId id="297" r:id="rId12"/>
-    <p:sldId id="298" r:id="rId13"/>
-    <p:sldId id="299" r:id="rId14"/>
-    <p:sldId id="300" r:id="rId15"/>
-    <p:sldId id="316" r:id="rId16"/>
-    <p:sldId id="317" r:id="rId17"/>
-    <p:sldId id="301" r:id="rId18"/>
-    <p:sldId id="303" r:id="rId19"/>
-    <p:sldId id="302" r:id="rId20"/>
-    <p:sldId id="294" r:id="rId21"/>
-    <p:sldId id="289" r:id="rId22"/>
-    <p:sldId id="290" r:id="rId23"/>
-    <p:sldId id="306" r:id="rId24"/>
-    <p:sldId id="286" r:id="rId25"/>
-    <p:sldId id="304" r:id="rId26"/>
-    <p:sldId id="305" r:id="rId27"/>
-    <p:sldId id="263" r:id="rId28"/>
-    <p:sldId id="308" r:id="rId29"/>
-    <p:sldId id="309" r:id="rId30"/>
-    <p:sldId id="310" r:id="rId31"/>
-    <p:sldId id="312" r:id="rId32"/>
-    <p:sldId id="313" r:id="rId33"/>
-    <p:sldId id="314" r:id="rId34"/>
-    <p:sldId id="315" r:id="rId35"/>
-    <p:sldId id="318" r:id="rId36"/>
-    <p:sldId id="319" r:id="rId37"/>
-    <p:sldId id="320" r:id="rId38"/>
-    <p:sldId id="327" r:id="rId39"/>
-    <p:sldId id="328" r:id="rId40"/>
-    <p:sldId id="266" r:id="rId41"/>
-    <p:sldId id="267" r:id="rId42"/>
-    <p:sldId id="268" r:id="rId43"/>
-    <p:sldId id="269" r:id="rId44"/>
-    <p:sldId id="270" r:id="rId45"/>
-    <p:sldId id="271" r:id="rId46"/>
-    <p:sldId id="326" r:id="rId47"/>
-    <p:sldId id="273" r:id="rId48"/>
-    <p:sldId id="279" r:id="rId49"/>
-    <p:sldId id="280" r:id="rId50"/>
-    <p:sldId id="281" r:id="rId51"/>
-    <p:sldId id="282" r:id="rId52"/>
-    <p:sldId id="283" r:id="rId53"/>
-    <p:sldId id="284" r:id="rId54"/>
-    <p:sldId id="321" r:id="rId55"/>
-    <p:sldId id="323" r:id="rId56"/>
-    <p:sldId id="324" r:id="rId57"/>
-    <p:sldId id="285" r:id="rId58"/>
+    <p:sldId id="257" r:id="rId2"/>
+    <p:sldId id="258" r:id="rId3"/>
+    <p:sldId id="291" r:id="rId4"/>
+    <p:sldId id="292" r:id="rId5"/>
+    <p:sldId id="287" r:id="rId6"/>
+    <p:sldId id="288" r:id="rId7"/>
+    <p:sldId id="293" r:id="rId8"/>
+    <p:sldId id="295" r:id="rId9"/>
+    <p:sldId id="296" r:id="rId10"/>
+    <p:sldId id="297" r:id="rId11"/>
+    <p:sldId id="298" r:id="rId12"/>
+    <p:sldId id="299" r:id="rId13"/>
+    <p:sldId id="300" r:id="rId14"/>
+    <p:sldId id="316" r:id="rId15"/>
+    <p:sldId id="317" r:id="rId16"/>
+    <p:sldId id="301" r:id="rId17"/>
+    <p:sldId id="303" r:id="rId18"/>
+    <p:sldId id="302" r:id="rId19"/>
+    <p:sldId id="294" r:id="rId20"/>
+    <p:sldId id="289" r:id="rId21"/>
+    <p:sldId id="290" r:id="rId22"/>
+    <p:sldId id="306" r:id="rId23"/>
+    <p:sldId id="286" r:id="rId24"/>
+    <p:sldId id="304" r:id="rId25"/>
+    <p:sldId id="305" r:id="rId26"/>
+    <p:sldId id="263" r:id="rId27"/>
+    <p:sldId id="308" r:id="rId28"/>
+    <p:sldId id="309" r:id="rId29"/>
+    <p:sldId id="310" r:id="rId30"/>
+    <p:sldId id="312" r:id="rId31"/>
+    <p:sldId id="313" r:id="rId32"/>
+    <p:sldId id="314" r:id="rId33"/>
+    <p:sldId id="315" r:id="rId34"/>
+    <p:sldId id="318" r:id="rId35"/>
+    <p:sldId id="329" r:id="rId36"/>
+    <p:sldId id="320" r:id="rId37"/>
+    <p:sldId id="327" r:id="rId38"/>
+    <p:sldId id="328" r:id="rId39"/>
+    <p:sldId id="266" r:id="rId40"/>
+    <p:sldId id="267" r:id="rId41"/>
+    <p:sldId id="268" r:id="rId42"/>
+    <p:sldId id="269" r:id="rId43"/>
+    <p:sldId id="270" r:id="rId44"/>
+    <p:sldId id="271" r:id="rId45"/>
+    <p:sldId id="326" r:id="rId46"/>
+    <p:sldId id="273" r:id="rId47"/>
+    <p:sldId id="279" r:id="rId48"/>
+    <p:sldId id="280" r:id="rId49"/>
+    <p:sldId id="281" r:id="rId50"/>
+    <p:sldId id="282" r:id="rId51"/>
+    <p:sldId id="283" r:id="rId52"/>
+    <p:sldId id="284" r:id="rId53"/>
+    <p:sldId id="321" r:id="rId54"/>
+    <p:sldId id="323" r:id="rId55"/>
+    <p:sldId id="324" r:id="rId56"/>
+    <p:sldId id="285" r:id="rId57"/>
   </p:sldIdLst>
   <p:sldSz cx="12192000" cy="6858000"/>
   <p:notesSz cx="6858000" cy="9144000"/>
@@ -253,7 +252,7 @@
           <a:p>
             <a:fld id="{C649942D-A542-EE42-A1CF-1E4FFF53ED67}" type="datetimeFigureOut">
               <a:rPr lang="en-US" smtClean="0"/>
-              <a:t>6/5/17</a:t>
+              <a:t>7/18/17</a:t>
             </a:fld>
             <a:endParaRPr lang="en-US"/>
           </a:p>
@@ -2515,14 +2514,14 @@
                   <a:noFill/>
                 </a:ln>
                 <a:solidFill>
-                  <a:srgbClr val="FF0000"/>
+                  <a:schemeClr val="tx1"/>
                 </a:solidFill>
               </a:defRPr>
             </a:lvl1pPr>
           </a:lstStyle>
           <a:p>
             <a:r>
-              <a:rPr lang="en-US" smtClean="0"/>
+              <a:rPr lang="en-US" dirty="0" smtClean="0"/>
               <a:t>Click to edit Master title style</a:t>
             </a:r>
             <a:endParaRPr lang="en-US" dirty="0"/>
@@ -2667,7 +2666,7 @@
           <a:p>
             <a:fld id="{ECD68DE7-8E14-F140-9BF8-7DF505A7EC71}" type="datetime1">
               <a:rPr lang="en-US" smtClean="0"/>
-              <a:t>6/5/17</a:t>
+              <a:t>7/18/17</a:t>
             </a:fld>
             <a:endParaRPr lang="en-US"/>
           </a:p>
@@ -2857,7 +2856,7 @@
           <a:p>
             <a:fld id="{1D9E6949-9996-6743-8CFF-FA3A56E13506}" type="datetime1">
               <a:rPr lang="en-US" smtClean="0"/>
-              <a:t>6/5/17</a:t>
+              <a:t>7/18/17</a:t>
             </a:fld>
             <a:endParaRPr lang="en-US"/>
           </a:p>
@@ -3057,7 +3056,7 @@
           <a:p>
             <a:fld id="{B889D5DF-D410-3845-BB2F-EEB43AAD8F50}" type="datetime1">
               <a:rPr lang="en-US" smtClean="0"/>
-              <a:t>6/5/17</a:t>
+              <a:t>7/18/17</a:t>
             </a:fld>
             <a:endParaRPr lang="en-US"/>
           </a:p>
@@ -3344,7 +3343,7 @@
           <a:p>
             <a:fld id="{150E7F26-8C30-8C48-992C-4605BCF373C1}" type="datetime1">
               <a:rPr lang="en-US" smtClean="0"/>
-              <a:t>6/5/17</a:t>
+              <a:t>7/18/17</a:t>
             </a:fld>
             <a:endParaRPr lang="en-US"/>
           </a:p>
@@ -3405,282 +3404,7 @@
 </p:sldLayout>
 </file>
 
-<file path=ppt/slideLayouts/slideLayout13.xml><?xml version="1.0" encoding="utf-8"?>
-<p:sldLayout xmlns:a="http://schemas.openxmlformats.org/drawingml/2006/main" xmlns:r="http://schemas.openxmlformats.org/officeDocument/2006/relationships" xmlns:p="http://schemas.openxmlformats.org/presentationml/2006/main" type="title" preserve="1">
-  <p:cSld name="Title Slide">
-    <p:spTree>
-      <p:nvGrpSpPr>
-        <p:cNvPr id="1" name=""/>
-        <p:cNvGrpSpPr/>
-        <p:nvPr/>
-      </p:nvGrpSpPr>
-      <p:grpSpPr>
-        <a:xfrm>
-          <a:off x="0" y="0"/>
-          <a:ext cx="0" cy="0"/>
-          <a:chOff x="0" y="0"/>
-          <a:chExt cx="0" cy="0"/>
-        </a:xfrm>
-      </p:grpSpPr>
-      <p:sp>
-        <p:nvSpPr>
-          <p:cNvPr id="2" name="Title 1"/>
-          <p:cNvSpPr>
-            <a:spLocks noGrp="1"/>
-          </p:cNvSpPr>
-          <p:nvPr>
-            <p:ph type="ctrTitle"/>
-          </p:nvPr>
-        </p:nvSpPr>
-        <p:spPr>
-          <a:xfrm>
-            <a:off x="914400" y="1905001"/>
-            <a:ext cx="10058400" cy="2593975"/>
-          </a:xfrm>
-        </p:spPr>
-        <p:txBody>
-          <a:bodyPr anchor="b"/>
-          <a:lstStyle>
-            <a:lvl1pPr>
-              <a:defRPr sz="6600">
-                <a:ln>
-                  <a:noFill/>
-                </a:ln>
-                <a:solidFill>
-                  <a:srgbClr val="FF0000"/>
-                </a:solidFill>
-              </a:defRPr>
-            </a:lvl1pPr>
-          </a:lstStyle>
-          <a:p>
-            <a:r>
-              <a:rPr lang="en-US" smtClean="0"/>
-              <a:t>Click to edit Master title style</a:t>
-            </a:r>
-            <a:endParaRPr lang="en-US" dirty="0"/>
-          </a:p>
-        </p:txBody>
-      </p:sp>
-      <p:sp>
-        <p:nvSpPr>
-          <p:cNvPr id="3" name="Subtitle 2"/>
-          <p:cNvSpPr>
-            <a:spLocks noGrp="1"/>
-          </p:cNvSpPr>
-          <p:nvPr>
-            <p:ph type="subTitle" idx="1"/>
-          </p:nvPr>
-        </p:nvSpPr>
-        <p:spPr>
-          <a:xfrm>
-            <a:off x="914400" y="4572000"/>
-            <a:ext cx="8615680" cy="1066800"/>
-          </a:xfrm>
-        </p:spPr>
-        <p:txBody>
-          <a:bodyPr anchor="t">
-            <a:normAutofit/>
-          </a:bodyPr>
-          <a:lstStyle>
-            <a:lvl1pPr marL="0" indent="0" algn="l">
-              <a:buNone/>
-              <a:defRPr sz="2000">
-                <a:solidFill>
-                  <a:schemeClr val="tx1">
-                    <a:tint val="75000"/>
-                  </a:schemeClr>
-                </a:solidFill>
-              </a:defRPr>
-            </a:lvl1pPr>
-            <a:lvl2pPr marL="457200" indent="0" algn="ctr">
-              <a:buNone/>
-              <a:defRPr>
-                <a:solidFill>
-                  <a:schemeClr val="tx1">
-                    <a:tint val="75000"/>
-                  </a:schemeClr>
-                </a:solidFill>
-              </a:defRPr>
-            </a:lvl2pPr>
-            <a:lvl3pPr marL="914400" indent="0" algn="ctr">
-              <a:buNone/>
-              <a:defRPr>
-                <a:solidFill>
-                  <a:schemeClr val="tx1">
-                    <a:tint val="75000"/>
-                  </a:schemeClr>
-                </a:solidFill>
-              </a:defRPr>
-            </a:lvl3pPr>
-            <a:lvl4pPr marL="1371600" indent="0" algn="ctr">
-              <a:buNone/>
-              <a:defRPr>
-                <a:solidFill>
-                  <a:schemeClr val="tx1">
-                    <a:tint val="75000"/>
-                  </a:schemeClr>
-                </a:solidFill>
-              </a:defRPr>
-            </a:lvl4pPr>
-            <a:lvl5pPr marL="1828800" indent="0" algn="ctr">
-              <a:buNone/>
-              <a:defRPr>
-                <a:solidFill>
-                  <a:schemeClr val="tx1">
-                    <a:tint val="75000"/>
-                  </a:schemeClr>
-                </a:solidFill>
-              </a:defRPr>
-            </a:lvl5pPr>
-            <a:lvl6pPr marL="2286000" indent="0" algn="ctr">
-              <a:buNone/>
-              <a:defRPr>
-                <a:solidFill>
-                  <a:schemeClr val="tx1">
-                    <a:tint val="75000"/>
-                  </a:schemeClr>
-                </a:solidFill>
-              </a:defRPr>
-            </a:lvl6pPr>
-            <a:lvl7pPr marL="2743200" indent="0" algn="ctr">
-              <a:buNone/>
-              <a:defRPr>
-                <a:solidFill>
-                  <a:schemeClr val="tx1">
-                    <a:tint val="75000"/>
-                  </a:schemeClr>
-                </a:solidFill>
-              </a:defRPr>
-            </a:lvl7pPr>
-            <a:lvl8pPr marL="3200400" indent="0" algn="ctr">
-              <a:buNone/>
-              <a:defRPr>
-                <a:solidFill>
-                  <a:schemeClr val="tx1">
-                    <a:tint val="75000"/>
-                  </a:schemeClr>
-                </a:solidFill>
-              </a:defRPr>
-            </a:lvl8pPr>
-            <a:lvl9pPr marL="3657600" indent="0" algn="ctr">
-              <a:buNone/>
-              <a:defRPr>
-                <a:solidFill>
-                  <a:schemeClr val="tx1">
-                    <a:tint val="75000"/>
-                  </a:schemeClr>
-                </a:solidFill>
-              </a:defRPr>
-            </a:lvl9pPr>
-          </a:lstStyle>
-          <a:p>
-            <a:r>
-              <a:rPr lang="en-US" smtClean="0"/>
-              <a:t>Click to edit Master subtitle style</a:t>
-            </a:r>
-            <a:endParaRPr lang="en-US" dirty="0"/>
-          </a:p>
-        </p:txBody>
-      </p:sp>
-      <p:sp>
-        <p:nvSpPr>
-          <p:cNvPr id="4" name="Date Placeholder 3"/>
-          <p:cNvSpPr>
-            <a:spLocks noGrp="1"/>
-          </p:cNvSpPr>
-          <p:nvPr>
-            <p:ph type="dt" sz="half" idx="10"/>
-          </p:nvPr>
-        </p:nvSpPr>
-        <p:spPr/>
-        <p:txBody>
-          <a:bodyPr/>
-          <a:lstStyle/>
-          <a:p>
-            <a:fld id="{5989D8A3-9E0D-F746-B178-BE7AAD7E1D08}" type="datetime1">
-              <a:rPr lang="en-US" smtClean="0"/>
-              <a:t>6/5/17</a:t>
-            </a:fld>
-            <a:endParaRPr lang="en-US"/>
-          </a:p>
-        </p:txBody>
-      </p:sp>
-      <p:sp>
-        <p:nvSpPr>
-          <p:cNvPr id="5" name="Footer Placeholder 4"/>
-          <p:cNvSpPr>
-            <a:spLocks noGrp="1"/>
-          </p:cNvSpPr>
-          <p:nvPr>
-            <p:ph type="ftr" sz="quarter" idx="11"/>
-          </p:nvPr>
-        </p:nvSpPr>
-        <p:spPr/>
-        <p:txBody>
-          <a:bodyPr/>
-          <a:lstStyle/>
-          <a:p>
-            <a:r>
-              <a:rPr lang="en-US" smtClean="0"/>
-              <a:t>New User Seminar</a:t>
-            </a:r>
-            <a:endParaRPr lang="en-US"/>
-          </a:p>
-        </p:txBody>
-      </p:sp>
-      <p:sp>
-        <p:nvSpPr>
-          <p:cNvPr id="9" name="Slide Number Placeholder 9"/>
-          <p:cNvSpPr>
-            <a:spLocks noGrp="1"/>
-          </p:cNvSpPr>
-          <p:nvPr>
-            <p:ph type="sldNum" sz="quarter" idx="4"/>
-          </p:nvPr>
-        </p:nvSpPr>
-        <p:spPr>
-          <a:xfrm>
-            <a:off x="10278166" y="6495369"/>
-            <a:ext cx="378919" cy="276999"/>
-          </a:xfrm>
-          <a:prstGeom prst="rect">
-            <a:avLst/>
-          </a:prstGeom>
-        </p:spPr>
-        <p:txBody>
-          <a:bodyPr vert="horz" lIns="91440" tIns="45720" rIns="91440" bIns="45720" rtlCol="0" anchor="ctr"/>
-          <a:lstStyle>
-            <a:lvl1pPr algn="r">
-              <a:defRPr sz="1200">
-                <a:solidFill>
-                  <a:schemeClr val="tx1">
-                    <a:tint val="75000"/>
-                  </a:schemeClr>
-                </a:solidFill>
-                <a:latin typeface="Helvetica Neue"/>
-                <a:cs typeface="Helvetica Neue"/>
-              </a:defRPr>
-            </a:lvl1pPr>
-          </a:lstStyle>
-          <a:p>
-            <a:fld id="{02339CB1-0666-044B-8464-C41DC611290B}" type="slidenum">
-              <a:rPr lang="en-US" smtClean="0"/>
-              <a:t>‹#›</a:t>
-            </a:fld>
-            <a:endParaRPr lang="en-US"/>
-          </a:p>
-        </p:txBody>
-      </p:sp>
-    </p:spTree>
-    <p:extLst/>
-  </p:cSld>
-  <p:clrMapOvr>
-    <a:masterClrMapping/>
-  </p:clrMapOvr>
-</p:sldLayout>
-</file>
-
-<file path=ppt/slideLayouts/slideLayout14.xml><?xml version="1.0" encoding="utf-8"?>
+<file path=ppt/slideLayouts/slideLayout2.xml><?xml version="1.0" encoding="utf-8"?>
 <p:sldLayout xmlns:a="http://schemas.openxmlformats.org/drawingml/2006/main" xmlns:r="http://schemas.openxmlformats.org/officeDocument/2006/relationships" xmlns:p="http://schemas.openxmlformats.org/presentationml/2006/main" type="obj" preserve="1">
   <p:cSld name="Title and Content">
     <p:spTree>
@@ -3787,9 +3511,9 @@
           <a:bodyPr/>
           <a:lstStyle/>
           <a:p>
-            <a:fld id="{FBFD08B6-FF5B-084B-9D71-755657184AD2}" type="datetime1">
-              <a:rPr lang="en-US" smtClean="0"/>
-              <a:t>6/5/17</a:t>
+            <a:fld id="{043D7B85-D040-214F-9303-7FDDADF77F95}" type="datetime1">
+              <a:rPr lang="en-US" smtClean="0"/>
+              <a:t>7/18/17</a:t>
             </a:fld>
             <a:endParaRPr lang="en-US"/>
           </a:p>
@@ -3870,7 +3594,7 @@
 </p:sldLayout>
 </file>
 
-<file path=ppt/slideLayouts/slideLayout15.xml><?xml version="1.0" encoding="utf-8"?>
+<file path=ppt/slideLayouts/slideLayout3.xml><?xml version="1.0" encoding="utf-8"?>
 <p:sldLayout xmlns:a="http://schemas.openxmlformats.org/drawingml/2006/main" xmlns:r="http://schemas.openxmlformats.org/officeDocument/2006/relationships" xmlns:p="http://schemas.openxmlformats.org/presentationml/2006/main" type="secHead" preserve="1">
   <p:cSld name="Section Header">
     <p:spTree>
@@ -4053,9 +3777,9 @@
           <a:bodyPr/>
           <a:lstStyle/>
           <a:p>
-            <a:fld id="{22D37D1D-20E9-C347-9D59-D2454D21F9A1}" type="datetime1">
-              <a:rPr lang="en-US" smtClean="0"/>
-              <a:t>6/5/17</a:t>
+            <a:fld id="{77B1075F-B81A-5940-A68D-45596C356335}" type="datetime1">
+              <a:rPr lang="en-US" smtClean="0"/>
+              <a:t>7/18/17</a:t>
             </a:fld>
             <a:endParaRPr lang="en-US"/>
           </a:p>
@@ -4136,7 +3860,7 @@
 </p:sldLayout>
 </file>
 
-<file path=ppt/slideLayouts/slideLayout16.xml><?xml version="1.0" encoding="utf-8"?>
+<file path=ppt/slideLayouts/slideLayout4.xml><?xml version="1.0" encoding="utf-8"?>
 <p:sldLayout xmlns:a="http://schemas.openxmlformats.org/drawingml/2006/main" xmlns:r="http://schemas.openxmlformats.org/officeDocument/2006/relationships" xmlns:p="http://schemas.openxmlformats.org/presentationml/2006/main" type="twoObj" preserve="1">
   <p:cSld name="Two Content">
     <p:spTree>
@@ -4361,9 +4085,9 @@
           <a:bodyPr/>
           <a:lstStyle/>
           <a:p>
-            <a:fld id="{2BE6509E-27A0-AE45-874D-A23ED8FF69C7}" type="datetime1">
-              <a:rPr lang="en-US" smtClean="0"/>
-              <a:t>6/5/17</a:t>
+            <a:fld id="{39113FC0-C6F8-6E40-8D7A-F2A1A22961FE}" type="datetime1">
+              <a:rPr lang="en-US" smtClean="0"/>
+              <a:t>7/18/17</a:t>
             </a:fld>
             <a:endParaRPr lang="en-US"/>
           </a:p>
@@ -4444,7 +4168,7 @@
 </p:sldLayout>
 </file>
 
-<file path=ppt/slideLayouts/slideLayout17.xml><?xml version="1.0" encoding="utf-8"?>
+<file path=ppt/slideLayouts/slideLayout5.xml><?xml version="1.0" encoding="utf-8"?>
 <p:sldLayout xmlns:a="http://schemas.openxmlformats.org/drawingml/2006/main" xmlns:r="http://schemas.openxmlformats.org/officeDocument/2006/relationships" xmlns:p="http://schemas.openxmlformats.org/presentationml/2006/main" type="twoTxTwoObj" preserve="1">
   <p:cSld name="Comparison">
     <p:spTree>
@@ -4815,9 +4539,9 @@
           <a:bodyPr/>
           <a:lstStyle/>
           <a:p>
-            <a:fld id="{18E1633D-FD18-3048-98AE-ADC6C06803FD}" type="datetime1">
-              <a:rPr lang="en-US" smtClean="0"/>
-              <a:t>6/5/17</a:t>
+            <a:fld id="{37F32D73-5A99-464A-8594-B551FF72C9D9}" type="datetime1">
+              <a:rPr lang="en-US" smtClean="0"/>
+              <a:t>7/18/17</a:t>
             </a:fld>
             <a:endParaRPr lang="en-US"/>
           </a:p>
@@ -4898,7 +4622,7 @@
 </p:sldLayout>
 </file>
 
-<file path=ppt/slideLayouts/slideLayout18.xml><?xml version="1.0" encoding="utf-8"?>
+<file path=ppt/slideLayouts/slideLayout6.xml><?xml version="1.0" encoding="utf-8"?>
 <p:sldLayout xmlns:a="http://schemas.openxmlformats.org/drawingml/2006/main" xmlns:r="http://schemas.openxmlformats.org/officeDocument/2006/relationships" xmlns:p="http://schemas.openxmlformats.org/presentationml/2006/main" type="titleOnly" preserve="1">
   <p:cSld name="Title Only">
     <p:spTree>
@@ -4953,9 +4677,9 @@
           <a:bodyPr/>
           <a:lstStyle/>
           <a:p>
-            <a:fld id="{0EABE0D9-D7EF-244F-A413-7BCAE9FD1206}" type="datetime1">
-              <a:rPr lang="en-US" smtClean="0"/>
-              <a:t>6/5/17</a:t>
+            <a:fld id="{E82BF7D7-27C3-CF45-B820-FC005A5F8688}" type="datetime1">
+              <a:rPr lang="en-US" smtClean="0"/>
+              <a:t>7/18/17</a:t>
             </a:fld>
             <a:endParaRPr lang="en-US"/>
           </a:p>
@@ -5036,7 +4760,7 @@
 </p:sldLayout>
 </file>
 
-<file path=ppt/slideLayouts/slideLayout19.xml><?xml version="1.0" encoding="utf-8"?>
+<file path=ppt/slideLayouts/slideLayout7.xml><?xml version="1.0" encoding="utf-8"?>
 <p:sldLayout xmlns:a="http://schemas.openxmlformats.org/drawingml/2006/main" xmlns:r="http://schemas.openxmlformats.org/officeDocument/2006/relationships" xmlns:p="http://schemas.openxmlformats.org/presentationml/2006/main" type="blank" preserve="1">
   <p:cSld name="Blank">
     <p:spTree>
@@ -5068,9 +4792,9 @@
           <a:bodyPr/>
           <a:lstStyle/>
           <a:p>
-            <a:fld id="{12CB383F-6B5B-B842-A0F8-40DE7F828464}" type="datetime1">
-              <a:rPr lang="en-US" smtClean="0"/>
-              <a:t>6/5/17</a:t>
+            <a:fld id="{9555053E-C274-C74C-A284-88F22C581203}" type="datetime1">
+              <a:rPr lang="en-US" smtClean="0"/>
+              <a:t>7/18/17</a:t>
             </a:fld>
             <a:endParaRPr lang="en-US"/>
           </a:p>
@@ -5151,197 +4875,7 @@
 </p:sldLayout>
 </file>
 
-<file path=ppt/slideLayouts/slideLayout2.xml><?xml version="1.0" encoding="utf-8"?>
-<p:sldLayout xmlns:a="http://schemas.openxmlformats.org/drawingml/2006/main" xmlns:r="http://schemas.openxmlformats.org/officeDocument/2006/relationships" xmlns:p="http://schemas.openxmlformats.org/presentationml/2006/main" type="obj" preserve="1">
-  <p:cSld name="Title and Content">
-    <p:spTree>
-      <p:nvGrpSpPr>
-        <p:cNvPr id="1" name=""/>
-        <p:cNvGrpSpPr/>
-        <p:nvPr/>
-      </p:nvGrpSpPr>
-      <p:grpSpPr>
-        <a:xfrm>
-          <a:off x="0" y="0"/>
-          <a:ext cx="0" cy="0"/>
-          <a:chOff x="0" y="0"/>
-          <a:chExt cx="0" cy="0"/>
-        </a:xfrm>
-      </p:grpSpPr>
-      <p:sp>
-        <p:nvSpPr>
-          <p:cNvPr id="2" name="Title 1"/>
-          <p:cNvSpPr>
-            <a:spLocks noGrp="1"/>
-          </p:cNvSpPr>
-          <p:nvPr>
-            <p:ph type="title"/>
-          </p:nvPr>
-        </p:nvSpPr>
-        <p:spPr/>
-        <p:txBody>
-          <a:bodyPr/>
-          <a:lstStyle/>
-          <a:p>
-            <a:r>
-              <a:rPr lang="en-US" smtClean="0"/>
-              <a:t>Click to edit Master title style</a:t>
-            </a:r>
-            <a:endParaRPr lang="en-US"/>
-          </a:p>
-        </p:txBody>
-      </p:sp>
-      <p:sp>
-        <p:nvSpPr>
-          <p:cNvPr id="3" name="Content Placeholder 2"/>
-          <p:cNvSpPr>
-            <a:spLocks noGrp="1"/>
-          </p:cNvSpPr>
-          <p:nvPr>
-            <p:ph idx="1"/>
-          </p:nvPr>
-        </p:nvSpPr>
-        <p:spPr/>
-        <p:txBody>
-          <a:bodyPr/>
-          <a:lstStyle/>
-          <a:p>
-            <a:pPr lvl="0"/>
-            <a:r>
-              <a:rPr lang="en-US" smtClean="0"/>
-              <a:t>Click to edit Master text styles</a:t>
-            </a:r>
-          </a:p>
-          <a:p>
-            <a:pPr lvl="1"/>
-            <a:r>
-              <a:rPr lang="en-US" smtClean="0"/>
-              <a:t>Second level</a:t>
-            </a:r>
-          </a:p>
-          <a:p>
-            <a:pPr lvl="2"/>
-            <a:r>
-              <a:rPr lang="en-US" smtClean="0"/>
-              <a:t>Third level</a:t>
-            </a:r>
-          </a:p>
-          <a:p>
-            <a:pPr lvl="3"/>
-            <a:r>
-              <a:rPr lang="en-US" smtClean="0"/>
-              <a:t>Fourth level</a:t>
-            </a:r>
-          </a:p>
-          <a:p>
-            <a:pPr lvl="4"/>
-            <a:r>
-              <a:rPr lang="en-US" smtClean="0"/>
-              <a:t>Fifth level</a:t>
-            </a:r>
-            <a:endParaRPr lang="en-US"/>
-          </a:p>
-        </p:txBody>
-      </p:sp>
-      <p:sp>
-        <p:nvSpPr>
-          <p:cNvPr id="4" name="Date Placeholder 3"/>
-          <p:cNvSpPr>
-            <a:spLocks noGrp="1"/>
-          </p:cNvSpPr>
-          <p:nvPr>
-            <p:ph type="dt" sz="half" idx="10"/>
-          </p:nvPr>
-        </p:nvSpPr>
-        <p:spPr/>
-        <p:txBody>
-          <a:bodyPr/>
-          <a:lstStyle/>
-          <a:p>
-            <a:fld id="{043D7B85-D040-214F-9303-7FDDADF77F95}" type="datetime1">
-              <a:rPr lang="en-US" smtClean="0"/>
-              <a:t>6/5/17</a:t>
-            </a:fld>
-            <a:endParaRPr lang="en-US"/>
-          </a:p>
-        </p:txBody>
-      </p:sp>
-      <p:sp>
-        <p:nvSpPr>
-          <p:cNvPr id="5" name="Footer Placeholder 4"/>
-          <p:cNvSpPr>
-            <a:spLocks noGrp="1"/>
-          </p:cNvSpPr>
-          <p:nvPr>
-            <p:ph type="ftr" sz="quarter" idx="11"/>
-          </p:nvPr>
-        </p:nvSpPr>
-        <p:spPr/>
-        <p:txBody>
-          <a:bodyPr/>
-          <a:lstStyle/>
-          <a:p>
-            <a:r>
-              <a:rPr lang="en-US" smtClean="0"/>
-              <a:t>New User Seminar</a:t>
-            </a:r>
-            <a:endParaRPr lang="en-US"/>
-          </a:p>
-        </p:txBody>
-      </p:sp>
-      <p:sp>
-        <p:nvSpPr>
-          <p:cNvPr id="7" name="Slide Number Placeholder 9"/>
-          <p:cNvSpPr>
-            <a:spLocks noGrp="1"/>
-          </p:cNvSpPr>
-          <p:nvPr>
-            <p:ph type="sldNum" sz="quarter" idx="4"/>
-          </p:nvPr>
-        </p:nvSpPr>
-        <p:spPr>
-          <a:xfrm>
-            <a:off x="10278166" y="6495369"/>
-            <a:ext cx="378919" cy="276999"/>
-          </a:xfrm>
-          <a:prstGeom prst="rect">
-            <a:avLst/>
-          </a:prstGeom>
-        </p:spPr>
-        <p:txBody>
-          <a:bodyPr vert="horz" lIns="91440" tIns="45720" rIns="91440" bIns="45720" rtlCol="0" anchor="ctr"/>
-          <a:lstStyle>
-            <a:lvl1pPr algn="r">
-              <a:defRPr sz="1200">
-                <a:solidFill>
-                  <a:schemeClr val="tx1">
-                    <a:tint val="75000"/>
-                  </a:schemeClr>
-                </a:solidFill>
-                <a:latin typeface="Helvetica Neue"/>
-                <a:cs typeface="Helvetica Neue"/>
-              </a:defRPr>
-            </a:lvl1pPr>
-          </a:lstStyle>
-          <a:p>
-            <a:fld id="{02339CB1-0666-044B-8464-C41DC611290B}" type="slidenum">
-              <a:rPr lang="en-US" smtClean="0"/>
-              <a:t>‹#›</a:t>
-            </a:fld>
-            <a:endParaRPr lang="en-US"/>
-          </a:p>
-        </p:txBody>
-      </p:sp>
-    </p:spTree>
-    <p:extLst/>
-  </p:cSld>
-  <p:clrMapOvr>
-    <a:masterClrMapping/>
-  </p:clrMapOvr>
-</p:sldLayout>
-</file>
-
-<file path=ppt/slideLayouts/slideLayout20.xml><?xml version="1.0" encoding="utf-8"?>
+<file path=ppt/slideLayouts/slideLayout8.xml><?xml version="1.0" encoding="utf-8"?>
 <p:sldLayout xmlns:a="http://schemas.openxmlformats.org/drawingml/2006/main" xmlns:r="http://schemas.openxmlformats.org/officeDocument/2006/relationships" xmlns:p="http://schemas.openxmlformats.org/presentationml/2006/main" type="objTx" preserve="1">
   <p:cSld name="Content with Caption">
     <p:spTree>
@@ -5472,9 +5006,9 @@
           <a:bodyPr/>
           <a:lstStyle/>
           <a:p>
-            <a:fld id="{CF06330F-2863-B244-A889-A6416C2F2863}" type="datetime1">
-              <a:rPr lang="en-US" smtClean="0"/>
-              <a:t>6/5/17</a:t>
+            <a:fld id="{7A689FF8-7D69-1D41-AF80-D980840BCB23}" type="datetime1">
+              <a:rPr lang="en-US" smtClean="0"/>
+              <a:t>7/18/17</a:t>
             </a:fld>
             <a:endParaRPr lang="en-US"/>
           </a:p>
@@ -5612,7 +5146,7 @@
 </p:sldLayout>
 </file>
 
-<file path=ppt/slideLayouts/slideLayout21.xml><?xml version="1.0" encoding="utf-8"?>
+<file path=ppt/slideLayouts/slideLayout9.xml><?xml version="1.0" encoding="utf-8"?>
 <p:sldLayout xmlns:a="http://schemas.openxmlformats.org/drawingml/2006/main" xmlns:r="http://schemas.openxmlformats.org/officeDocument/2006/relationships" xmlns:p="http://schemas.openxmlformats.org/presentationml/2006/main" type="picTx" preserve="1">
   <p:cSld name="Picture with Caption">
     <p:spTree>
@@ -5815,2504 +5349,9 @@
           <a:bodyPr/>
           <a:lstStyle/>
           <a:p>
-            <a:fld id="{C888A1B5-C673-8A47-9843-5DDFB797488F}" type="datetime1">
-              <a:rPr lang="en-US" smtClean="0"/>
-              <a:t>6/5/17</a:t>
-            </a:fld>
-            <a:endParaRPr lang="en-US"/>
-          </a:p>
-        </p:txBody>
-      </p:sp>
-      <p:sp>
-        <p:nvSpPr>
-          <p:cNvPr id="10" name="Footer Placeholder 9"/>
-          <p:cNvSpPr>
-            <a:spLocks noGrp="1"/>
-          </p:cNvSpPr>
-          <p:nvPr>
-            <p:ph type="ftr" sz="quarter" idx="12"/>
-          </p:nvPr>
-        </p:nvSpPr>
-        <p:spPr/>
-        <p:txBody>
-          <a:bodyPr/>
-          <a:lstStyle/>
-          <a:p>
-            <a:r>
-              <a:rPr lang="en-US" smtClean="0"/>
-              <a:t>New User Seminar</a:t>
-            </a:r>
-            <a:endParaRPr lang="en-US"/>
-          </a:p>
-        </p:txBody>
-      </p:sp>
-      <p:sp>
-        <p:nvSpPr>
-          <p:cNvPr id="11" name="Slide Number Placeholder 9"/>
-          <p:cNvSpPr>
-            <a:spLocks noGrp="1"/>
-          </p:cNvSpPr>
-          <p:nvPr>
-            <p:ph type="sldNum" sz="quarter" idx="4"/>
-          </p:nvPr>
-        </p:nvSpPr>
-        <p:spPr>
-          <a:xfrm>
-            <a:off x="10278166" y="6495369"/>
-            <a:ext cx="378919" cy="276999"/>
-          </a:xfrm>
-          <a:prstGeom prst="rect">
-            <a:avLst/>
-          </a:prstGeom>
-        </p:spPr>
-        <p:txBody>
-          <a:bodyPr vert="horz" lIns="91440" tIns="45720" rIns="91440" bIns="45720" rtlCol="0" anchor="ctr"/>
-          <a:lstStyle>
-            <a:lvl1pPr algn="r">
-              <a:defRPr sz="1200">
-                <a:solidFill>
-                  <a:schemeClr val="tx1">
-                    <a:tint val="75000"/>
-                  </a:schemeClr>
-                </a:solidFill>
-                <a:latin typeface="Helvetica Neue"/>
-                <a:cs typeface="Helvetica Neue"/>
-              </a:defRPr>
-            </a:lvl1pPr>
-          </a:lstStyle>
-          <a:p>
-            <a:fld id="{02339CB1-0666-044B-8464-C41DC611290B}" type="slidenum">
-              <a:rPr lang="en-US" smtClean="0"/>
-              <a:t>‹#›</a:t>
-            </a:fld>
-            <a:endParaRPr lang="en-US"/>
-          </a:p>
-        </p:txBody>
-      </p:sp>
-    </p:spTree>
-    <p:extLst/>
-  </p:cSld>
-  <p:clrMapOvr>
-    <a:masterClrMapping/>
-  </p:clrMapOvr>
-</p:sldLayout>
-</file>
-
-<file path=ppt/slideLayouts/slideLayout22.xml><?xml version="1.0" encoding="utf-8"?>
-<p:sldLayout xmlns:a="http://schemas.openxmlformats.org/drawingml/2006/main" xmlns:r="http://schemas.openxmlformats.org/officeDocument/2006/relationships" xmlns:p="http://schemas.openxmlformats.org/presentationml/2006/main" type="vertTx" preserve="1">
-  <p:cSld name="Title and Vertical Text">
-    <p:spTree>
-      <p:nvGrpSpPr>
-        <p:cNvPr id="1" name=""/>
-        <p:cNvGrpSpPr/>
-        <p:nvPr/>
-      </p:nvGrpSpPr>
-      <p:grpSpPr>
-        <a:xfrm>
-          <a:off x="0" y="0"/>
-          <a:ext cx="0" cy="0"/>
-          <a:chOff x="0" y="0"/>
-          <a:chExt cx="0" cy="0"/>
-        </a:xfrm>
-      </p:grpSpPr>
-      <p:sp>
-        <p:nvSpPr>
-          <p:cNvPr id="2" name="Title 1"/>
-          <p:cNvSpPr>
-            <a:spLocks noGrp="1"/>
-          </p:cNvSpPr>
-          <p:nvPr>
-            <p:ph type="title"/>
-          </p:nvPr>
-        </p:nvSpPr>
-        <p:spPr/>
-        <p:txBody>
-          <a:bodyPr/>
-          <a:lstStyle/>
-          <a:p>
-            <a:r>
-              <a:rPr lang="en-US" smtClean="0"/>
-              <a:t>Click to edit Master title style</a:t>
-            </a:r>
-            <a:endParaRPr lang="en-US"/>
-          </a:p>
-        </p:txBody>
-      </p:sp>
-      <p:sp>
-        <p:nvSpPr>
-          <p:cNvPr id="3" name="Vertical Text Placeholder 2"/>
-          <p:cNvSpPr>
-            <a:spLocks noGrp="1"/>
-          </p:cNvSpPr>
-          <p:nvPr>
-            <p:ph type="body" orient="vert" idx="1"/>
-          </p:nvPr>
-        </p:nvSpPr>
-        <p:spPr/>
-        <p:txBody>
-          <a:bodyPr vert="eaVert"/>
-          <a:lstStyle/>
-          <a:p>
-            <a:pPr lvl="0"/>
-            <a:r>
-              <a:rPr lang="en-US" smtClean="0"/>
-              <a:t>Click to edit Master text styles</a:t>
-            </a:r>
-          </a:p>
-          <a:p>
-            <a:pPr lvl="1"/>
-            <a:r>
-              <a:rPr lang="en-US" smtClean="0"/>
-              <a:t>Second level</a:t>
-            </a:r>
-          </a:p>
-          <a:p>
-            <a:pPr lvl="2"/>
-            <a:r>
-              <a:rPr lang="en-US" smtClean="0"/>
-              <a:t>Third level</a:t>
-            </a:r>
-          </a:p>
-          <a:p>
-            <a:pPr lvl="3"/>
-            <a:r>
-              <a:rPr lang="en-US" smtClean="0"/>
-              <a:t>Fourth level</a:t>
-            </a:r>
-          </a:p>
-          <a:p>
-            <a:pPr lvl="4"/>
-            <a:r>
-              <a:rPr lang="en-US" smtClean="0"/>
-              <a:t>Fifth level</a:t>
-            </a:r>
-            <a:endParaRPr lang="en-US"/>
-          </a:p>
-        </p:txBody>
-      </p:sp>
-      <p:sp>
-        <p:nvSpPr>
-          <p:cNvPr id="4" name="Date Placeholder 3"/>
-          <p:cNvSpPr>
-            <a:spLocks noGrp="1"/>
-          </p:cNvSpPr>
-          <p:nvPr>
-            <p:ph type="dt" sz="half" idx="10"/>
-          </p:nvPr>
-        </p:nvSpPr>
-        <p:spPr/>
-        <p:txBody>
-          <a:bodyPr/>
-          <a:lstStyle/>
-          <a:p>
-            <a:fld id="{44904425-5295-D94B-8D1F-FB45FDBC9752}" type="datetime1">
-              <a:rPr lang="en-US" smtClean="0"/>
-              <a:t>6/5/17</a:t>
-            </a:fld>
-            <a:endParaRPr lang="en-US"/>
-          </a:p>
-        </p:txBody>
-      </p:sp>
-      <p:sp>
-        <p:nvSpPr>
-          <p:cNvPr id="5" name="Footer Placeholder 4"/>
-          <p:cNvSpPr>
-            <a:spLocks noGrp="1"/>
-          </p:cNvSpPr>
-          <p:nvPr>
-            <p:ph type="ftr" sz="quarter" idx="11"/>
-          </p:nvPr>
-        </p:nvSpPr>
-        <p:spPr/>
-        <p:txBody>
-          <a:bodyPr/>
-          <a:lstStyle/>
-          <a:p>
-            <a:r>
-              <a:rPr lang="en-US" smtClean="0"/>
-              <a:t>New User Seminar</a:t>
-            </a:r>
-            <a:endParaRPr lang="en-US"/>
-          </a:p>
-        </p:txBody>
-      </p:sp>
-      <p:sp>
-        <p:nvSpPr>
-          <p:cNvPr id="7" name="Slide Number Placeholder 9"/>
-          <p:cNvSpPr>
-            <a:spLocks noGrp="1"/>
-          </p:cNvSpPr>
-          <p:nvPr>
-            <p:ph type="sldNum" sz="quarter" idx="4"/>
-          </p:nvPr>
-        </p:nvSpPr>
-        <p:spPr>
-          <a:xfrm>
-            <a:off x="10278166" y="6495369"/>
-            <a:ext cx="378919" cy="276999"/>
-          </a:xfrm>
-          <a:prstGeom prst="rect">
-            <a:avLst/>
-          </a:prstGeom>
-        </p:spPr>
-        <p:txBody>
-          <a:bodyPr vert="horz" lIns="91440" tIns="45720" rIns="91440" bIns="45720" rtlCol="0" anchor="ctr"/>
-          <a:lstStyle>
-            <a:lvl1pPr algn="r">
-              <a:defRPr sz="1200">
-                <a:solidFill>
-                  <a:schemeClr val="tx1">
-                    <a:tint val="75000"/>
-                  </a:schemeClr>
-                </a:solidFill>
-                <a:latin typeface="Helvetica Neue"/>
-                <a:cs typeface="Helvetica Neue"/>
-              </a:defRPr>
-            </a:lvl1pPr>
-          </a:lstStyle>
-          <a:p>
-            <a:fld id="{02339CB1-0666-044B-8464-C41DC611290B}" type="slidenum">
-              <a:rPr lang="en-US" smtClean="0"/>
-              <a:t>‹#›</a:t>
-            </a:fld>
-            <a:endParaRPr lang="en-US"/>
-          </a:p>
-        </p:txBody>
-      </p:sp>
-    </p:spTree>
-    <p:extLst/>
-  </p:cSld>
-  <p:clrMapOvr>
-    <a:masterClrMapping/>
-  </p:clrMapOvr>
-</p:sldLayout>
-</file>
-
-<file path=ppt/slideLayouts/slideLayout23.xml><?xml version="1.0" encoding="utf-8"?>
-<p:sldLayout xmlns:a="http://schemas.openxmlformats.org/drawingml/2006/main" xmlns:r="http://schemas.openxmlformats.org/officeDocument/2006/relationships" xmlns:p="http://schemas.openxmlformats.org/presentationml/2006/main" type="vertTitleAndTx" preserve="1">
-  <p:cSld name="Vertical Title and Text">
-    <p:spTree>
-      <p:nvGrpSpPr>
-        <p:cNvPr id="1" name=""/>
-        <p:cNvGrpSpPr/>
-        <p:nvPr/>
-      </p:nvGrpSpPr>
-      <p:grpSpPr>
-        <a:xfrm>
-          <a:off x="0" y="0"/>
-          <a:ext cx="0" cy="0"/>
-          <a:chOff x="0" y="0"/>
-          <a:chExt cx="0" cy="0"/>
-        </a:xfrm>
-      </p:grpSpPr>
-      <p:sp>
-        <p:nvSpPr>
-          <p:cNvPr id="2" name="Vertical Title 1"/>
-          <p:cNvSpPr>
-            <a:spLocks noGrp="1"/>
-          </p:cNvSpPr>
-          <p:nvPr>
-            <p:ph type="title" orient="vert"/>
-          </p:nvPr>
-        </p:nvSpPr>
-        <p:spPr>
-          <a:xfrm>
-            <a:off x="8839200" y="274639"/>
-            <a:ext cx="2336800" cy="5851525"/>
-          </a:xfrm>
-        </p:spPr>
-        <p:txBody>
-          <a:bodyPr vert="eaVert" anchor="b" anchorCtr="0"/>
-          <a:lstStyle/>
-          <a:p>
-            <a:r>
-              <a:rPr lang="en-US" smtClean="0"/>
-              <a:t>Click to edit Master title style</a:t>
-            </a:r>
-            <a:endParaRPr lang="en-US" dirty="0"/>
-          </a:p>
-        </p:txBody>
-      </p:sp>
-      <p:sp>
-        <p:nvSpPr>
-          <p:cNvPr id="3" name="Vertical Text Placeholder 2"/>
-          <p:cNvSpPr>
-            <a:spLocks noGrp="1"/>
-          </p:cNvSpPr>
-          <p:nvPr>
-            <p:ph type="body" orient="vert" idx="1"/>
-          </p:nvPr>
-        </p:nvSpPr>
-        <p:spPr>
-          <a:xfrm>
-            <a:off x="609600" y="274639"/>
-            <a:ext cx="8026400" cy="5851525"/>
-          </a:xfrm>
-        </p:spPr>
-        <p:txBody>
-          <a:bodyPr vert="eaVert"/>
-          <a:lstStyle/>
-          <a:p>
-            <a:pPr lvl="0"/>
-            <a:r>
-              <a:rPr lang="en-US" smtClean="0"/>
-              <a:t>Click to edit Master text styles</a:t>
-            </a:r>
-          </a:p>
-          <a:p>
-            <a:pPr lvl="1"/>
-            <a:r>
-              <a:rPr lang="en-US" smtClean="0"/>
-              <a:t>Second level</a:t>
-            </a:r>
-          </a:p>
-          <a:p>
-            <a:pPr lvl="2"/>
-            <a:r>
-              <a:rPr lang="en-US" smtClean="0"/>
-              <a:t>Third level</a:t>
-            </a:r>
-          </a:p>
-          <a:p>
-            <a:pPr lvl="3"/>
-            <a:r>
-              <a:rPr lang="en-US" smtClean="0"/>
-              <a:t>Fourth level</a:t>
-            </a:r>
-          </a:p>
-          <a:p>
-            <a:pPr lvl="4"/>
-            <a:r>
-              <a:rPr lang="en-US" smtClean="0"/>
-              <a:t>Fifth level</a:t>
-            </a:r>
-            <a:endParaRPr lang="en-US"/>
-          </a:p>
-        </p:txBody>
-      </p:sp>
-      <p:sp>
-        <p:nvSpPr>
-          <p:cNvPr id="4" name="Date Placeholder 3"/>
-          <p:cNvSpPr>
-            <a:spLocks noGrp="1"/>
-          </p:cNvSpPr>
-          <p:nvPr>
-            <p:ph type="dt" sz="half" idx="10"/>
-          </p:nvPr>
-        </p:nvSpPr>
-        <p:spPr/>
-        <p:txBody>
-          <a:bodyPr/>
-          <a:lstStyle/>
-          <a:p>
-            <a:fld id="{58F37EF9-201A-B744-A0C8-0105F4C9414D}" type="datetime1">
-              <a:rPr lang="en-US" smtClean="0"/>
-              <a:t>6/5/17</a:t>
-            </a:fld>
-            <a:endParaRPr lang="en-US"/>
-          </a:p>
-        </p:txBody>
-      </p:sp>
-      <p:sp>
-        <p:nvSpPr>
-          <p:cNvPr id="5" name="Footer Placeholder 4"/>
-          <p:cNvSpPr>
-            <a:spLocks noGrp="1"/>
-          </p:cNvSpPr>
-          <p:nvPr>
-            <p:ph type="ftr" sz="quarter" idx="11"/>
-          </p:nvPr>
-        </p:nvSpPr>
-        <p:spPr/>
-        <p:txBody>
-          <a:bodyPr/>
-          <a:lstStyle/>
-          <a:p>
-            <a:r>
-              <a:rPr lang="en-US" smtClean="0"/>
-              <a:t>New User Seminar</a:t>
-            </a:r>
-            <a:endParaRPr lang="en-US"/>
-          </a:p>
-        </p:txBody>
-      </p:sp>
-      <p:sp>
-        <p:nvSpPr>
-          <p:cNvPr id="7" name="Slide Number Placeholder 9"/>
-          <p:cNvSpPr>
-            <a:spLocks noGrp="1"/>
-          </p:cNvSpPr>
-          <p:nvPr>
-            <p:ph type="sldNum" sz="quarter" idx="4"/>
-          </p:nvPr>
-        </p:nvSpPr>
-        <p:spPr>
-          <a:xfrm>
-            <a:off x="10278166" y="6495369"/>
-            <a:ext cx="378919" cy="276999"/>
-          </a:xfrm>
-          <a:prstGeom prst="rect">
-            <a:avLst/>
-          </a:prstGeom>
-        </p:spPr>
-        <p:txBody>
-          <a:bodyPr vert="horz" lIns="91440" tIns="45720" rIns="91440" bIns="45720" rtlCol="0" anchor="ctr"/>
-          <a:lstStyle>
-            <a:lvl1pPr algn="r">
-              <a:defRPr sz="1200">
-                <a:solidFill>
-                  <a:schemeClr val="tx1">
-                    <a:tint val="75000"/>
-                  </a:schemeClr>
-                </a:solidFill>
-                <a:latin typeface="Helvetica Neue"/>
-                <a:cs typeface="Helvetica Neue"/>
-              </a:defRPr>
-            </a:lvl1pPr>
-          </a:lstStyle>
-          <a:p>
-            <a:fld id="{02339CB1-0666-044B-8464-C41DC611290B}" type="slidenum">
-              <a:rPr lang="en-US" smtClean="0"/>
-              <a:t>‹#›</a:t>
-            </a:fld>
-            <a:endParaRPr lang="en-US"/>
-          </a:p>
-        </p:txBody>
-      </p:sp>
-    </p:spTree>
-    <p:extLst/>
-  </p:cSld>
-  <p:clrMapOvr>
-    <a:masterClrMapping/>
-  </p:clrMapOvr>
-</p:sldLayout>
-</file>
-
-<file path=ppt/slideLayouts/slideLayout24.xml><?xml version="1.0" encoding="utf-8"?>
-<p:sldLayout xmlns:a="http://schemas.openxmlformats.org/drawingml/2006/main" xmlns:r="http://schemas.openxmlformats.org/officeDocument/2006/relationships" xmlns:p="http://schemas.openxmlformats.org/presentationml/2006/main" type="tx" preserve="1">
-  <p:cSld name="Title and Body">
-    <p:spTree>
-      <p:nvGrpSpPr>
-        <p:cNvPr id="1" name="Shape 33"/>
-        <p:cNvGrpSpPr/>
-        <p:nvPr/>
-      </p:nvGrpSpPr>
-      <p:grpSpPr>
-        <a:xfrm>
-          <a:off x="0" y="0"/>
-          <a:ext cx="0" cy="0"/>
-          <a:chOff x="0" y="0"/>
-          <a:chExt cx="0" cy="0"/>
-        </a:xfrm>
-      </p:grpSpPr>
-      <p:sp>
-        <p:nvSpPr>
-          <p:cNvPr id="34" name="Shape 34"/>
-          <p:cNvSpPr txBox="1">
-            <a:spLocks noGrp="1"/>
-          </p:cNvSpPr>
-          <p:nvPr>
-            <p:ph type="title"/>
-          </p:nvPr>
-        </p:nvSpPr>
-        <p:spPr>
-          <a:xfrm>
-            <a:off x="609600" y="274637"/>
-            <a:ext cx="10972800" cy="1143000"/>
-          </a:xfrm>
-          <a:prstGeom prst="rect">
-            <a:avLst/>
-          </a:prstGeom>
-        </p:spPr>
-        <p:txBody>
-          <a:bodyPr lIns="91425" tIns="91425" rIns="91425" bIns="91425" anchor="b" anchorCtr="0"/>
-          <a:lstStyle>
-            <a:lvl1pPr rtl="0">
-              <a:spcBef>
-                <a:spcPts val="0"/>
-              </a:spcBef>
-              <a:defRPr/>
-            </a:lvl1pPr>
-            <a:lvl2pPr rtl="0">
-              <a:spcBef>
-                <a:spcPts val="0"/>
-              </a:spcBef>
-              <a:defRPr/>
-            </a:lvl2pPr>
-            <a:lvl3pPr rtl="0">
-              <a:spcBef>
-                <a:spcPts val="0"/>
-              </a:spcBef>
-              <a:defRPr/>
-            </a:lvl3pPr>
-            <a:lvl4pPr rtl="0">
-              <a:spcBef>
-                <a:spcPts val="0"/>
-              </a:spcBef>
-              <a:defRPr/>
-            </a:lvl4pPr>
-            <a:lvl5pPr rtl="0">
-              <a:spcBef>
-                <a:spcPts val="0"/>
-              </a:spcBef>
-              <a:defRPr/>
-            </a:lvl5pPr>
-            <a:lvl6pPr rtl="0">
-              <a:spcBef>
-                <a:spcPts val="0"/>
-              </a:spcBef>
-              <a:defRPr/>
-            </a:lvl6pPr>
-            <a:lvl7pPr rtl="0">
-              <a:spcBef>
-                <a:spcPts val="0"/>
-              </a:spcBef>
-              <a:defRPr/>
-            </a:lvl7pPr>
-            <a:lvl8pPr rtl="0">
-              <a:spcBef>
-                <a:spcPts val="0"/>
-              </a:spcBef>
-              <a:defRPr/>
-            </a:lvl8pPr>
-            <a:lvl9pPr rtl="0">
-              <a:spcBef>
-                <a:spcPts val="0"/>
-              </a:spcBef>
-              <a:defRPr/>
-            </a:lvl9pPr>
-          </a:lstStyle>
-          <a:p>
-            <a:r>
-              <a:rPr lang="en-US" smtClean="0"/>
-              <a:t>Click to edit Master title style</a:t>
-            </a:r>
-            <a:endParaRPr/>
-          </a:p>
-        </p:txBody>
-      </p:sp>
-      <p:sp>
-        <p:nvSpPr>
-          <p:cNvPr id="35" name="Shape 35"/>
-          <p:cNvSpPr txBox="1">
-            <a:spLocks noGrp="1"/>
-          </p:cNvSpPr>
-          <p:nvPr>
-            <p:ph type="body" idx="1"/>
-          </p:nvPr>
-        </p:nvSpPr>
-        <p:spPr>
-          <a:xfrm>
-            <a:off x="609600" y="1600200"/>
-            <a:ext cx="10972800" cy="4967700"/>
-          </a:xfrm>
-          <a:prstGeom prst="rect">
-            <a:avLst/>
-          </a:prstGeom>
-        </p:spPr>
-        <p:txBody>
-          <a:bodyPr lIns="91425" tIns="91425" rIns="91425" bIns="91425" anchor="t" anchorCtr="0"/>
-          <a:lstStyle>
-            <a:lvl1pPr rtl="0">
-              <a:spcBef>
-                <a:spcPts val="0"/>
-              </a:spcBef>
-              <a:defRPr/>
-            </a:lvl1pPr>
-            <a:lvl2pPr rtl="0">
-              <a:spcBef>
-                <a:spcPts val="0"/>
-              </a:spcBef>
-              <a:defRPr/>
-            </a:lvl2pPr>
-            <a:lvl3pPr rtl="0">
-              <a:spcBef>
-                <a:spcPts val="0"/>
-              </a:spcBef>
-              <a:defRPr/>
-            </a:lvl3pPr>
-            <a:lvl4pPr rtl="0">
-              <a:spcBef>
-                <a:spcPts val="0"/>
-              </a:spcBef>
-              <a:defRPr/>
-            </a:lvl4pPr>
-            <a:lvl5pPr rtl="0">
-              <a:spcBef>
-                <a:spcPts val="0"/>
-              </a:spcBef>
-              <a:defRPr/>
-            </a:lvl5pPr>
-            <a:lvl6pPr rtl="0">
-              <a:spcBef>
-                <a:spcPts val="0"/>
-              </a:spcBef>
-              <a:defRPr/>
-            </a:lvl6pPr>
-            <a:lvl7pPr rtl="0">
-              <a:spcBef>
-                <a:spcPts val="0"/>
-              </a:spcBef>
-              <a:defRPr/>
-            </a:lvl7pPr>
-            <a:lvl8pPr rtl="0">
-              <a:spcBef>
-                <a:spcPts val="0"/>
-              </a:spcBef>
-              <a:defRPr/>
-            </a:lvl8pPr>
-            <a:lvl9pPr rtl="0">
-              <a:spcBef>
-                <a:spcPts val="0"/>
-              </a:spcBef>
-              <a:defRPr/>
-            </a:lvl9pPr>
-          </a:lstStyle>
-          <a:p>
-            <a:pPr lvl="0"/>
-            <a:r>
-              <a:rPr lang="en-US" smtClean="0"/>
-              <a:t>Click to edit Master text styles</a:t>
-            </a:r>
-          </a:p>
-        </p:txBody>
-      </p:sp>
-      <p:sp>
-        <p:nvSpPr>
-          <p:cNvPr id="2" name="Date Placeholder 1"/>
-          <p:cNvSpPr>
-            <a:spLocks noGrp="1"/>
-          </p:cNvSpPr>
-          <p:nvPr>
-            <p:ph type="dt" sz="half" idx="10"/>
-          </p:nvPr>
-        </p:nvSpPr>
-        <p:spPr/>
-        <p:txBody>
-          <a:bodyPr/>
-          <a:lstStyle/>
-          <a:p>
-            <a:fld id="{91FD8EB4-D581-F048-88ED-A64D6EB3CFAB}" type="datetime1">
-              <a:rPr lang="en-US" smtClean="0"/>
-              <a:t>6/5/17</a:t>
-            </a:fld>
-            <a:endParaRPr lang="en-US"/>
-          </a:p>
-        </p:txBody>
-      </p:sp>
-      <p:sp>
-        <p:nvSpPr>
-          <p:cNvPr id="3" name="Footer Placeholder 2"/>
-          <p:cNvSpPr>
-            <a:spLocks noGrp="1"/>
-          </p:cNvSpPr>
-          <p:nvPr>
-            <p:ph type="ftr" sz="quarter" idx="11"/>
-          </p:nvPr>
-        </p:nvSpPr>
-        <p:spPr/>
-        <p:txBody>
-          <a:bodyPr/>
-          <a:lstStyle/>
-          <a:p>
-            <a:r>
-              <a:rPr lang="en-US" smtClean="0"/>
-              <a:t>New User Seminar</a:t>
-            </a:r>
-            <a:endParaRPr lang="en-US"/>
-          </a:p>
-        </p:txBody>
-      </p:sp>
-      <p:sp>
-        <p:nvSpPr>
-          <p:cNvPr id="4" name="Slide Number Placeholder 3"/>
-          <p:cNvSpPr>
-            <a:spLocks noGrp="1"/>
-          </p:cNvSpPr>
-          <p:nvPr>
-            <p:ph type="sldNum" sz="quarter" idx="12"/>
-          </p:nvPr>
-        </p:nvSpPr>
-        <p:spPr/>
-        <p:txBody>
-          <a:bodyPr/>
-          <a:lstStyle/>
-          <a:p>
-            <a:fld id="{02339CB1-0666-044B-8464-C41DC611290B}" type="slidenum">
-              <a:rPr lang="en-US" smtClean="0"/>
-              <a:t>‹#›</a:t>
-            </a:fld>
-            <a:endParaRPr lang="en-US"/>
-          </a:p>
-        </p:txBody>
-      </p:sp>
-    </p:spTree>
-    <p:extLst/>
-  </p:cSld>
-  <p:clrMapOvr>
-    <a:masterClrMapping/>
-  </p:clrMapOvr>
-</p:sldLayout>
-</file>
-
-<file path=ppt/slideLayouts/slideLayout3.xml><?xml version="1.0" encoding="utf-8"?>
-<p:sldLayout xmlns:a="http://schemas.openxmlformats.org/drawingml/2006/main" xmlns:r="http://schemas.openxmlformats.org/officeDocument/2006/relationships" xmlns:p="http://schemas.openxmlformats.org/presentationml/2006/main" type="secHead" preserve="1">
-  <p:cSld name="Section Header">
-    <p:spTree>
-      <p:nvGrpSpPr>
-        <p:cNvPr id="1" name=""/>
-        <p:cNvGrpSpPr/>
-        <p:nvPr/>
-      </p:nvGrpSpPr>
-      <p:grpSpPr>
-        <a:xfrm>
-          <a:off x="0" y="0"/>
-          <a:ext cx="0" cy="0"/>
-          <a:chOff x="0" y="0"/>
-          <a:chExt cx="0" cy="0"/>
-        </a:xfrm>
-      </p:grpSpPr>
-      <p:sp>
-        <p:nvSpPr>
-          <p:cNvPr id="2" name="Title 1"/>
-          <p:cNvSpPr>
-            <a:spLocks noGrp="1"/>
-          </p:cNvSpPr>
-          <p:nvPr>
-            <p:ph type="title"/>
-          </p:nvPr>
-        </p:nvSpPr>
-        <p:spPr>
-          <a:xfrm>
-            <a:off x="963085" y="5486400"/>
-            <a:ext cx="10212916" cy="1168400"/>
-          </a:xfrm>
-        </p:spPr>
-        <p:txBody>
-          <a:bodyPr anchor="t"/>
-          <a:lstStyle>
-            <a:lvl1pPr algn="l">
-              <a:defRPr sz="3600" b="0" cap="all"/>
-            </a:lvl1pPr>
-          </a:lstStyle>
-          <a:p>
-            <a:r>
-              <a:rPr lang="en-US" smtClean="0"/>
-              <a:t>Click to edit Master title style</a:t>
-            </a:r>
-            <a:endParaRPr lang="en-US" dirty="0"/>
-          </a:p>
-        </p:txBody>
-      </p:sp>
-      <p:sp>
-        <p:nvSpPr>
-          <p:cNvPr id="3" name="Text Placeholder 2"/>
-          <p:cNvSpPr>
-            <a:spLocks noGrp="1"/>
-          </p:cNvSpPr>
-          <p:nvPr>
-            <p:ph type="body" idx="1"/>
-          </p:nvPr>
-        </p:nvSpPr>
-        <p:spPr>
-          <a:xfrm>
-            <a:off x="963085" y="3852863"/>
-            <a:ext cx="8180916" cy="1633538"/>
-          </a:xfrm>
-        </p:spPr>
-        <p:txBody>
-          <a:bodyPr anchor="b"/>
-          <a:lstStyle>
-            <a:lvl1pPr marL="0" indent="0">
-              <a:buNone/>
-              <a:defRPr sz="2000">
-                <a:solidFill>
-                  <a:schemeClr val="tx1">
-                    <a:tint val="75000"/>
-                  </a:schemeClr>
-                </a:solidFill>
-              </a:defRPr>
-            </a:lvl1pPr>
-            <a:lvl2pPr marL="457200" indent="0">
-              <a:buNone/>
-              <a:defRPr sz="1800">
-                <a:solidFill>
-                  <a:schemeClr val="tx1">
-                    <a:tint val="75000"/>
-                  </a:schemeClr>
-                </a:solidFill>
-              </a:defRPr>
-            </a:lvl2pPr>
-            <a:lvl3pPr marL="914400" indent="0">
-              <a:buNone/>
-              <a:defRPr sz="1600">
-                <a:solidFill>
-                  <a:schemeClr val="tx1">
-                    <a:tint val="75000"/>
-                  </a:schemeClr>
-                </a:solidFill>
-              </a:defRPr>
-            </a:lvl3pPr>
-            <a:lvl4pPr marL="1371600" indent="0">
-              <a:buNone/>
-              <a:defRPr sz="1400">
-                <a:solidFill>
-                  <a:schemeClr val="tx1">
-                    <a:tint val="75000"/>
-                  </a:schemeClr>
-                </a:solidFill>
-              </a:defRPr>
-            </a:lvl4pPr>
-            <a:lvl5pPr marL="1828800" indent="0">
-              <a:buNone/>
-              <a:defRPr sz="1400">
-                <a:solidFill>
-                  <a:schemeClr val="tx1">
-                    <a:tint val="75000"/>
-                  </a:schemeClr>
-                </a:solidFill>
-              </a:defRPr>
-            </a:lvl5pPr>
-            <a:lvl6pPr marL="2286000" indent="0">
-              <a:buNone/>
-              <a:defRPr sz="1400">
-                <a:solidFill>
-                  <a:schemeClr val="tx1">
-                    <a:tint val="75000"/>
-                  </a:schemeClr>
-                </a:solidFill>
-              </a:defRPr>
-            </a:lvl6pPr>
-            <a:lvl7pPr marL="2743200" indent="0">
-              <a:buNone/>
-              <a:defRPr sz="1400">
-                <a:solidFill>
-                  <a:schemeClr val="tx1">
-                    <a:tint val="75000"/>
-                  </a:schemeClr>
-                </a:solidFill>
-              </a:defRPr>
-            </a:lvl7pPr>
-            <a:lvl8pPr marL="3200400" indent="0">
-              <a:buNone/>
-              <a:defRPr sz="1400">
-                <a:solidFill>
-                  <a:schemeClr val="tx1">
-                    <a:tint val="75000"/>
-                  </a:schemeClr>
-                </a:solidFill>
-              </a:defRPr>
-            </a:lvl8pPr>
-            <a:lvl9pPr marL="3657600" indent="0">
-              <a:buNone/>
-              <a:defRPr sz="1400">
-                <a:solidFill>
-                  <a:schemeClr val="tx1">
-                    <a:tint val="75000"/>
-                  </a:schemeClr>
-                </a:solidFill>
-              </a:defRPr>
-            </a:lvl9pPr>
-          </a:lstStyle>
-          <a:p>
-            <a:pPr lvl="0"/>
-            <a:r>
-              <a:rPr lang="en-US" smtClean="0"/>
-              <a:t>Click to edit Master text styles</a:t>
-            </a:r>
-          </a:p>
-        </p:txBody>
-      </p:sp>
-      <p:sp>
-        <p:nvSpPr>
-          <p:cNvPr id="4" name="Date Placeholder 3"/>
-          <p:cNvSpPr>
-            <a:spLocks noGrp="1"/>
-          </p:cNvSpPr>
-          <p:nvPr>
-            <p:ph type="dt" sz="half" idx="10"/>
-          </p:nvPr>
-        </p:nvSpPr>
-        <p:spPr/>
-        <p:txBody>
-          <a:bodyPr/>
-          <a:lstStyle/>
-          <a:p>
-            <a:fld id="{77B1075F-B81A-5940-A68D-45596C356335}" type="datetime1">
-              <a:rPr lang="en-US" smtClean="0"/>
-              <a:t>6/5/17</a:t>
-            </a:fld>
-            <a:endParaRPr lang="en-US"/>
-          </a:p>
-        </p:txBody>
-      </p:sp>
-      <p:sp>
-        <p:nvSpPr>
-          <p:cNvPr id="5" name="Footer Placeholder 4"/>
-          <p:cNvSpPr>
-            <a:spLocks noGrp="1"/>
-          </p:cNvSpPr>
-          <p:nvPr>
-            <p:ph type="ftr" sz="quarter" idx="11"/>
-          </p:nvPr>
-        </p:nvSpPr>
-        <p:spPr/>
-        <p:txBody>
-          <a:bodyPr/>
-          <a:lstStyle/>
-          <a:p>
-            <a:r>
-              <a:rPr lang="en-US" smtClean="0"/>
-              <a:t>New User Seminar</a:t>
-            </a:r>
-            <a:endParaRPr lang="en-US"/>
-          </a:p>
-        </p:txBody>
-      </p:sp>
-      <p:sp>
-        <p:nvSpPr>
-          <p:cNvPr id="7" name="Slide Number Placeholder 9"/>
-          <p:cNvSpPr>
-            <a:spLocks noGrp="1"/>
-          </p:cNvSpPr>
-          <p:nvPr>
-            <p:ph type="sldNum" sz="quarter" idx="4"/>
-          </p:nvPr>
-        </p:nvSpPr>
-        <p:spPr>
-          <a:xfrm>
-            <a:off x="10278166" y="6495369"/>
-            <a:ext cx="378919" cy="276999"/>
-          </a:xfrm>
-          <a:prstGeom prst="rect">
-            <a:avLst/>
-          </a:prstGeom>
-        </p:spPr>
-        <p:txBody>
-          <a:bodyPr vert="horz" lIns="91440" tIns="45720" rIns="91440" bIns="45720" rtlCol="0" anchor="ctr"/>
-          <a:lstStyle>
-            <a:lvl1pPr algn="r">
-              <a:defRPr sz="1200">
-                <a:solidFill>
-                  <a:schemeClr val="tx1">
-                    <a:tint val="75000"/>
-                  </a:schemeClr>
-                </a:solidFill>
-                <a:latin typeface="Helvetica Neue"/>
-                <a:cs typeface="Helvetica Neue"/>
-              </a:defRPr>
-            </a:lvl1pPr>
-          </a:lstStyle>
-          <a:p>
-            <a:fld id="{02339CB1-0666-044B-8464-C41DC611290B}" type="slidenum">
-              <a:rPr lang="en-US" smtClean="0"/>
-              <a:t>‹#›</a:t>
-            </a:fld>
-            <a:endParaRPr lang="en-US"/>
-          </a:p>
-        </p:txBody>
-      </p:sp>
-    </p:spTree>
-    <p:extLst/>
-  </p:cSld>
-  <p:clrMapOvr>
-    <a:masterClrMapping/>
-  </p:clrMapOvr>
-</p:sldLayout>
-</file>
-
-<file path=ppt/slideLayouts/slideLayout4.xml><?xml version="1.0" encoding="utf-8"?>
-<p:sldLayout xmlns:a="http://schemas.openxmlformats.org/drawingml/2006/main" xmlns:r="http://schemas.openxmlformats.org/officeDocument/2006/relationships" xmlns:p="http://schemas.openxmlformats.org/presentationml/2006/main" type="twoObj" preserve="1">
-  <p:cSld name="Two Content">
-    <p:spTree>
-      <p:nvGrpSpPr>
-        <p:cNvPr id="1" name=""/>
-        <p:cNvGrpSpPr/>
-        <p:nvPr/>
-      </p:nvGrpSpPr>
-      <p:grpSpPr>
-        <a:xfrm>
-          <a:off x="0" y="0"/>
-          <a:ext cx="0" cy="0"/>
-          <a:chOff x="0" y="0"/>
-          <a:chExt cx="0" cy="0"/>
-        </a:xfrm>
-      </p:grpSpPr>
-      <p:sp>
-        <p:nvSpPr>
-          <p:cNvPr id="2" name="Title 1"/>
-          <p:cNvSpPr>
-            <a:spLocks noGrp="1"/>
-          </p:cNvSpPr>
-          <p:nvPr>
-            <p:ph type="title"/>
-          </p:nvPr>
-        </p:nvSpPr>
-        <p:spPr/>
-        <p:txBody>
-          <a:bodyPr/>
-          <a:lstStyle/>
-          <a:p>
-            <a:r>
-              <a:rPr lang="en-US" smtClean="0"/>
-              <a:t>Click to edit Master title style</a:t>
-            </a:r>
-            <a:endParaRPr lang="en-US"/>
-          </a:p>
-        </p:txBody>
-      </p:sp>
-      <p:sp>
-        <p:nvSpPr>
-          <p:cNvPr id="3" name="Content Placeholder 2"/>
-          <p:cNvSpPr>
-            <a:spLocks noGrp="1"/>
-          </p:cNvSpPr>
-          <p:nvPr>
-            <p:ph sz="half" idx="1"/>
-          </p:nvPr>
-        </p:nvSpPr>
-        <p:spPr>
-          <a:xfrm>
-            <a:off x="609600" y="1536192"/>
-            <a:ext cx="4876800" cy="4590288"/>
-          </a:xfrm>
-        </p:spPr>
-        <p:txBody>
-          <a:bodyPr/>
-          <a:lstStyle>
-            <a:lvl1pPr>
-              <a:defRPr sz="2800"/>
-            </a:lvl1pPr>
-            <a:lvl2pPr>
-              <a:defRPr sz="2400"/>
-            </a:lvl2pPr>
-            <a:lvl3pPr>
-              <a:defRPr sz="2000"/>
-            </a:lvl3pPr>
-            <a:lvl4pPr>
-              <a:defRPr sz="1800"/>
-            </a:lvl4pPr>
-            <a:lvl5pPr>
-              <a:defRPr sz="1800"/>
-            </a:lvl5pPr>
-            <a:lvl6pPr>
-              <a:defRPr sz="1800"/>
-            </a:lvl6pPr>
-            <a:lvl7pPr>
-              <a:defRPr sz="1800"/>
-            </a:lvl7pPr>
-            <a:lvl8pPr>
-              <a:defRPr sz="1800"/>
-            </a:lvl8pPr>
-            <a:lvl9pPr>
-              <a:defRPr sz="1800"/>
-            </a:lvl9pPr>
-          </a:lstStyle>
-          <a:p>
-            <a:pPr lvl="0"/>
-            <a:r>
-              <a:rPr lang="en-US" smtClean="0"/>
-              <a:t>Click to edit Master text styles</a:t>
-            </a:r>
-          </a:p>
-          <a:p>
-            <a:pPr lvl="1"/>
-            <a:r>
-              <a:rPr lang="en-US" smtClean="0"/>
-              <a:t>Second level</a:t>
-            </a:r>
-          </a:p>
-          <a:p>
-            <a:pPr lvl="2"/>
-            <a:r>
-              <a:rPr lang="en-US" smtClean="0"/>
-              <a:t>Third level</a:t>
-            </a:r>
-          </a:p>
-          <a:p>
-            <a:pPr lvl="3"/>
-            <a:r>
-              <a:rPr lang="en-US" smtClean="0"/>
-              <a:t>Fourth level</a:t>
-            </a:r>
-          </a:p>
-          <a:p>
-            <a:pPr lvl="4"/>
-            <a:r>
-              <a:rPr lang="en-US" smtClean="0"/>
-              <a:t>Fifth level</a:t>
-            </a:r>
-            <a:endParaRPr lang="en-US" dirty="0"/>
-          </a:p>
-        </p:txBody>
-      </p:sp>
-      <p:sp>
-        <p:nvSpPr>
-          <p:cNvPr id="4" name="Content Placeholder 3"/>
-          <p:cNvSpPr>
-            <a:spLocks noGrp="1"/>
-          </p:cNvSpPr>
-          <p:nvPr>
-            <p:ph sz="half" idx="2"/>
-          </p:nvPr>
-        </p:nvSpPr>
-        <p:spPr>
-          <a:xfrm>
-            <a:off x="5892800" y="1536192"/>
-            <a:ext cx="4876800" cy="4590288"/>
-          </a:xfrm>
-        </p:spPr>
-        <p:txBody>
-          <a:bodyPr/>
-          <a:lstStyle>
-            <a:lvl1pPr>
-              <a:defRPr sz="2800"/>
-            </a:lvl1pPr>
-            <a:lvl2pPr>
-              <a:defRPr sz="2400"/>
-            </a:lvl2pPr>
-            <a:lvl3pPr>
-              <a:defRPr sz="2000"/>
-            </a:lvl3pPr>
-            <a:lvl4pPr>
-              <a:defRPr sz="1800"/>
-            </a:lvl4pPr>
-            <a:lvl5pPr>
-              <a:defRPr sz="1800"/>
-            </a:lvl5pPr>
-            <a:lvl6pPr>
-              <a:defRPr sz="1800"/>
-            </a:lvl6pPr>
-            <a:lvl7pPr>
-              <a:defRPr sz="1800"/>
-            </a:lvl7pPr>
-            <a:lvl8pPr>
-              <a:defRPr sz="1800"/>
-            </a:lvl8pPr>
-            <a:lvl9pPr>
-              <a:defRPr sz="1800"/>
-            </a:lvl9pPr>
-          </a:lstStyle>
-          <a:p>
-            <a:pPr lvl="0"/>
-            <a:r>
-              <a:rPr lang="en-US" smtClean="0"/>
-              <a:t>Click to edit Master text styles</a:t>
-            </a:r>
-          </a:p>
-          <a:p>
-            <a:pPr lvl="1"/>
-            <a:r>
-              <a:rPr lang="en-US" smtClean="0"/>
-              <a:t>Second level</a:t>
-            </a:r>
-          </a:p>
-          <a:p>
-            <a:pPr lvl="2"/>
-            <a:r>
-              <a:rPr lang="en-US" smtClean="0"/>
-              <a:t>Third level</a:t>
-            </a:r>
-          </a:p>
-          <a:p>
-            <a:pPr lvl="3"/>
-            <a:r>
-              <a:rPr lang="en-US" smtClean="0"/>
-              <a:t>Fourth level</a:t>
-            </a:r>
-          </a:p>
-          <a:p>
-            <a:pPr lvl="4"/>
-            <a:r>
-              <a:rPr lang="en-US" smtClean="0"/>
-              <a:t>Fifth level</a:t>
-            </a:r>
-            <a:endParaRPr lang="en-US" dirty="0"/>
-          </a:p>
-        </p:txBody>
-      </p:sp>
-      <p:sp>
-        <p:nvSpPr>
-          <p:cNvPr id="5" name="Date Placeholder 4"/>
-          <p:cNvSpPr>
-            <a:spLocks noGrp="1"/>
-          </p:cNvSpPr>
-          <p:nvPr>
-            <p:ph type="dt" sz="half" idx="10"/>
-          </p:nvPr>
-        </p:nvSpPr>
-        <p:spPr/>
-        <p:txBody>
-          <a:bodyPr/>
-          <a:lstStyle/>
-          <a:p>
-            <a:fld id="{39113FC0-C6F8-6E40-8D7A-F2A1A22961FE}" type="datetime1">
-              <a:rPr lang="en-US" smtClean="0"/>
-              <a:t>6/5/17</a:t>
-            </a:fld>
-            <a:endParaRPr lang="en-US"/>
-          </a:p>
-        </p:txBody>
-      </p:sp>
-      <p:sp>
-        <p:nvSpPr>
-          <p:cNvPr id="6" name="Footer Placeholder 5"/>
-          <p:cNvSpPr>
-            <a:spLocks noGrp="1"/>
-          </p:cNvSpPr>
-          <p:nvPr>
-            <p:ph type="ftr" sz="quarter" idx="11"/>
-          </p:nvPr>
-        </p:nvSpPr>
-        <p:spPr/>
-        <p:txBody>
-          <a:bodyPr/>
-          <a:lstStyle/>
-          <a:p>
-            <a:r>
-              <a:rPr lang="en-US" smtClean="0"/>
-              <a:t>New User Seminar</a:t>
-            </a:r>
-            <a:endParaRPr lang="en-US"/>
-          </a:p>
-        </p:txBody>
-      </p:sp>
-      <p:sp>
-        <p:nvSpPr>
-          <p:cNvPr id="8" name="Slide Number Placeholder 9"/>
-          <p:cNvSpPr>
-            <a:spLocks noGrp="1"/>
-          </p:cNvSpPr>
-          <p:nvPr>
-            <p:ph type="sldNum" sz="quarter" idx="4"/>
-          </p:nvPr>
-        </p:nvSpPr>
-        <p:spPr>
-          <a:xfrm>
-            <a:off x="10278166" y="6495369"/>
-            <a:ext cx="378919" cy="276999"/>
-          </a:xfrm>
-          <a:prstGeom prst="rect">
-            <a:avLst/>
-          </a:prstGeom>
-        </p:spPr>
-        <p:txBody>
-          <a:bodyPr vert="horz" lIns="91440" tIns="45720" rIns="91440" bIns="45720" rtlCol="0" anchor="ctr"/>
-          <a:lstStyle>
-            <a:lvl1pPr algn="r">
-              <a:defRPr sz="1200">
-                <a:solidFill>
-                  <a:schemeClr val="tx1">
-                    <a:tint val="75000"/>
-                  </a:schemeClr>
-                </a:solidFill>
-                <a:latin typeface="Helvetica Neue"/>
-                <a:cs typeface="Helvetica Neue"/>
-              </a:defRPr>
-            </a:lvl1pPr>
-          </a:lstStyle>
-          <a:p>
-            <a:fld id="{02339CB1-0666-044B-8464-C41DC611290B}" type="slidenum">
-              <a:rPr lang="en-US" smtClean="0"/>
-              <a:t>‹#›</a:t>
-            </a:fld>
-            <a:endParaRPr lang="en-US"/>
-          </a:p>
-        </p:txBody>
-      </p:sp>
-    </p:spTree>
-    <p:extLst/>
-  </p:cSld>
-  <p:clrMapOvr>
-    <a:masterClrMapping/>
-  </p:clrMapOvr>
-</p:sldLayout>
-</file>
-
-<file path=ppt/slideLayouts/slideLayout5.xml><?xml version="1.0" encoding="utf-8"?>
-<p:sldLayout xmlns:a="http://schemas.openxmlformats.org/drawingml/2006/main" xmlns:r="http://schemas.openxmlformats.org/officeDocument/2006/relationships" xmlns:p="http://schemas.openxmlformats.org/presentationml/2006/main" type="twoTxTwoObj" preserve="1">
-  <p:cSld name="Comparison">
-    <p:spTree>
-      <p:nvGrpSpPr>
-        <p:cNvPr id="1" name=""/>
-        <p:cNvGrpSpPr/>
-        <p:nvPr/>
-      </p:nvGrpSpPr>
-      <p:grpSpPr>
-        <a:xfrm>
-          <a:off x="0" y="0"/>
-          <a:ext cx="0" cy="0"/>
-          <a:chOff x="0" y="0"/>
-          <a:chExt cx="0" cy="0"/>
-        </a:xfrm>
-      </p:grpSpPr>
-      <p:sp>
-        <p:nvSpPr>
-          <p:cNvPr id="2" name="Title 1"/>
-          <p:cNvSpPr>
-            <a:spLocks noGrp="1"/>
-          </p:cNvSpPr>
-          <p:nvPr>
-            <p:ph type="title"/>
-          </p:nvPr>
-        </p:nvSpPr>
-        <p:spPr/>
-        <p:txBody>
-          <a:bodyPr/>
-          <a:lstStyle>
-            <a:lvl1pPr>
-              <a:defRPr/>
-            </a:lvl1pPr>
-          </a:lstStyle>
-          <a:p>
-            <a:r>
-              <a:rPr lang="en-US" smtClean="0"/>
-              <a:t>Click to edit Master title style</a:t>
-            </a:r>
-            <a:endParaRPr lang="en-US"/>
-          </a:p>
-        </p:txBody>
-      </p:sp>
-      <p:sp>
-        <p:nvSpPr>
-          <p:cNvPr id="3" name="Text Placeholder 2"/>
-          <p:cNvSpPr>
-            <a:spLocks noGrp="1"/>
-          </p:cNvSpPr>
-          <p:nvPr>
-            <p:ph type="body" idx="1"/>
-          </p:nvPr>
-        </p:nvSpPr>
-        <p:spPr>
-          <a:xfrm>
-            <a:off x="609600" y="1535113"/>
-            <a:ext cx="4876800" cy="639762"/>
-          </a:xfrm>
-        </p:spPr>
-        <p:txBody>
-          <a:bodyPr anchor="b">
-            <a:noAutofit/>
-          </a:bodyPr>
-          <a:lstStyle>
-            <a:lvl1pPr marL="0" indent="0" algn="ctr">
-              <a:buNone/>
-              <a:defRPr sz="2000" b="1">
-                <a:solidFill>
-                  <a:schemeClr val="tx2"/>
-                </a:solidFill>
-              </a:defRPr>
-            </a:lvl1pPr>
-            <a:lvl2pPr marL="457200" indent="0">
-              <a:buNone/>
-              <a:defRPr sz="2000" b="1"/>
-            </a:lvl2pPr>
-            <a:lvl3pPr marL="914400" indent="0">
-              <a:buNone/>
-              <a:defRPr sz="1800" b="1"/>
-            </a:lvl3pPr>
-            <a:lvl4pPr marL="1371600" indent="0">
-              <a:buNone/>
-              <a:defRPr sz="1600" b="1"/>
-            </a:lvl4pPr>
-            <a:lvl5pPr marL="1828800" indent="0">
-              <a:buNone/>
-              <a:defRPr sz="1600" b="1"/>
-            </a:lvl5pPr>
-            <a:lvl6pPr marL="2286000" indent="0">
-              <a:buNone/>
-              <a:defRPr sz="1600" b="1"/>
-            </a:lvl6pPr>
-            <a:lvl7pPr marL="2743200" indent="0">
-              <a:buNone/>
-              <a:defRPr sz="1600" b="1"/>
-            </a:lvl7pPr>
-            <a:lvl8pPr marL="3200400" indent="0">
-              <a:buNone/>
-              <a:defRPr sz="1600" b="1"/>
-            </a:lvl8pPr>
-            <a:lvl9pPr marL="3657600" indent="0">
-              <a:buNone/>
-              <a:defRPr sz="1600" b="1"/>
-            </a:lvl9pPr>
-          </a:lstStyle>
-          <a:p>
-            <a:pPr lvl="0"/>
-            <a:r>
-              <a:rPr lang="en-US" smtClean="0"/>
-              <a:t>Click to edit Master text styles</a:t>
-            </a:r>
-          </a:p>
-        </p:txBody>
-      </p:sp>
-      <p:sp>
-        <p:nvSpPr>
-          <p:cNvPr id="4" name="Content Placeholder 3"/>
-          <p:cNvSpPr>
-            <a:spLocks noGrp="1"/>
-          </p:cNvSpPr>
-          <p:nvPr>
-            <p:ph sz="half" idx="2"/>
-          </p:nvPr>
-        </p:nvSpPr>
-        <p:spPr>
-          <a:xfrm>
-            <a:off x="609600" y="2174875"/>
-            <a:ext cx="4876800" cy="3951288"/>
-          </a:xfrm>
-        </p:spPr>
-        <p:txBody>
-          <a:bodyPr/>
-          <a:lstStyle>
-            <a:lvl1pPr>
-              <a:defRPr sz="2400"/>
-            </a:lvl1pPr>
-            <a:lvl2pPr>
-              <a:defRPr sz="2000"/>
-            </a:lvl2pPr>
-            <a:lvl3pPr>
-              <a:defRPr sz="1800"/>
-            </a:lvl3pPr>
-            <a:lvl4pPr>
-              <a:defRPr sz="1600"/>
-            </a:lvl4pPr>
-            <a:lvl5pPr>
-              <a:defRPr sz="1600"/>
-            </a:lvl5pPr>
-            <a:lvl6pPr>
-              <a:defRPr sz="1600"/>
-            </a:lvl6pPr>
-            <a:lvl7pPr>
-              <a:defRPr sz="1600"/>
-            </a:lvl7pPr>
-            <a:lvl8pPr>
-              <a:defRPr sz="1600"/>
-            </a:lvl8pPr>
-            <a:lvl9pPr>
-              <a:defRPr sz="1600"/>
-            </a:lvl9pPr>
-          </a:lstStyle>
-          <a:p>
-            <a:pPr lvl="0"/>
-            <a:r>
-              <a:rPr lang="en-US" smtClean="0"/>
-              <a:t>Click to edit Master text styles</a:t>
-            </a:r>
-          </a:p>
-          <a:p>
-            <a:pPr lvl="1"/>
-            <a:r>
-              <a:rPr lang="en-US" smtClean="0"/>
-              <a:t>Second level</a:t>
-            </a:r>
-          </a:p>
-          <a:p>
-            <a:pPr lvl="2"/>
-            <a:r>
-              <a:rPr lang="en-US" smtClean="0"/>
-              <a:t>Third level</a:t>
-            </a:r>
-          </a:p>
-          <a:p>
-            <a:pPr lvl="3"/>
-            <a:r>
-              <a:rPr lang="en-US" smtClean="0"/>
-              <a:t>Fourth level</a:t>
-            </a:r>
-          </a:p>
-          <a:p>
-            <a:pPr lvl="4"/>
-            <a:r>
-              <a:rPr lang="en-US" smtClean="0"/>
-              <a:t>Fifth level</a:t>
-            </a:r>
-            <a:endParaRPr lang="en-US" dirty="0"/>
-          </a:p>
-        </p:txBody>
-      </p:sp>
-      <p:sp>
-        <p:nvSpPr>
-          <p:cNvPr id="5" name="Text Placeholder 4"/>
-          <p:cNvSpPr>
-            <a:spLocks noGrp="1"/>
-          </p:cNvSpPr>
-          <p:nvPr>
-            <p:ph type="body" sz="quarter" idx="3"/>
-          </p:nvPr>
-        </p:nvSpPr>
-        <p:spPr>
-          <a:xfrm>
-            <a:off x="5892800" y="1535113"/>
-            <a:ext cx="4876800" cy="639762"/>
-          </a:xfrm>
-        </p:spPr>
-        <p:txBody>
-          <a:bodyPr anchor="b">
-            <a:noAutofit/>
-          </a:bodyPr>
-          <a:lstStyle>
-            <a:lvl1pPr marL="0" indent="0" algn="ctr">
-              <a:buNone/>
-              <a:defRPr sz="2000" b="1">
-                <a:solidFill>
-                  <a:schemeClr val="tx2"/>
-                </a:solidFill>
-              </a:defRPr>
-            </a:lvl1pPr>
-            <a:lvl2pPr marL="457200" indent="0">
-              <a:buNone/>
-              <a:defRPr sz="2000" b="1"/>
-            </a:lvl2pPr>
-            <a:lvl3pPr marL="914400" indent="0">
-              <a:buNone/>
-              <a:defRPr sz="1800" b="1"/>
-            </a:lvl3pPr>
-            <a:lvl4pPr marL="1371600" indent="0">
-              <a:buNone/>
-              <a:defRPr sz="1600" b="1"/>
-            </a:lvl4pPr>
-            <a:lvl5pPr marL="1828800" indent="0">
-              <a:buNone/>
-              <a:defRPr sz="1600" b="1"/>
-            </a:lvl5pPr>
-            <a:lvl6pPr marL="2286000" indent="0">
-              <a:buNone/>
-              <a:defRPr sz="1600" b="1"/>
-            </a:lvl6pPr>
-            <a:lvl7pPr marL="2743200" indent="0">
-              <a:buNone/>
-              <a:defRPr sz="1600" b="1"/>
-            </a:lvl7pPr>
-            <a:lvl8pPr marL="3200400" indent="0">
-              <a:buNone/>
-              <a:defRPr sz="1600" b="1"/>
-            </a:lvl8pPr>
-            <a:lvl9pPr marL="3657600" indent="0">
-              <a:buNone/>
-              <a:defRPr sz="1600" b="1"/>
-            </a:lvl9pPr>
-          </a:lstStyle>
-          <a:p>
-            <a:pPr lvl="0"/>
-            <a:r>
-              <a:rPr lang="en-US" smtClean="0"/>
-              <a:t>Click to edit Master text styles</a:t>
-            </a:r>
-          </a:p>
-        </p:txBody>
-      </p:sp>
-      <p:sp>
-        <p:nvSpPr>
-          <p:cNvPr id="6" name="Content Placeholder 5"/>
-          <p:cNvSpPr>
-            <a:spLocks noGrp="1"/>
-          </p:cNvSpPr>
-          <p:nvPr>
-            <p:ph sz="quarter" idx="4"/>
-          </p:nvPr>
-        </p:nvSpPr>
-        <p:spPr>
-          <a:xfrm>
-            <a:off x="5892800" y="2174875"/>
-            <a:ext cx="4876800" cy="3951288"/>
-          </a:xfrm>
-        </p:spPr>
-        <p:txBody>
-          <a:bodyPr/>
-          <a:lstStyle>
-            <a:lvl1pPr>
-              <a:defRPr sz="2400"/>
-            </a:lvl1pPr>
-            <a:lvl2pPr>
-              <a:defRPr sz="2000"/>
-            </a:lvl2pPr>
-            <a:lvl3pPr>
-              <a:defRPr sz="1800"/>
-            </a:lvl3pPr>
-            <a:lvl4pPr>
-              <a:defRPr sz="1600"/>
-            </a:lvl4pPr>
-            <a:lvl5pPr>
-              <a:defRPr sz="1600"/>
-            </a:lvl5pPr>
-            <a:lvl6pPr>
-              <a:defRPr sz="1600"/>
-            </a:lvl6pPr>
-            <a:lvl7pPr>
-              <a:defRPr sz="1600"/>
-            </a:lvl7pPr>
-            <a:lvl8pPr>
-              <a:defRPr sz="1600"/>
-            </a:lvl8pPr>
-            <a:lvl9pPr>
-              <a:defRPr sz="1600"/>
-            </a:lvl9pPr>
-          </a:lstStyle>
-          <a:p>
-            <a:pPr lvl="0"/>
-            <a:r>
-              <a:rPr lang="en-US" smtClean="0"/>
-              <a:t>Click to edit Master text styles</a:t>
-            </a:r>
-          </a:p>
-          <a:p>
-            <a:pPr lvl="1"/>
-            <a:r>
-              <a:rPr lang="en-US" smtClean="0"/>
-              <a:t>Second level</a:t>
-            </a:r>
-          </a:p>
-          <a:p>
-            <a:pPr lvl="2"/>
-            <a:r>
-              <a:rPr lang="en-US" smtClean="0"/>
-              <a:t>Third level</a:t>
-            </a:r>
-          </a:p>
-          <a:p>
-            <a:pPr lvl="3"/>
-            <a:r>
-              <a:rPr lang="en-US" smtClean="0"/>
-              <a:t>Fourth level</a:t>
-            </a:r>
-          </a:p>
-          <a:p>
-            <a:pPr lvl="4"/>
-            <a:r>
-              <a:rPr lang="en-US" smtClean="0"/>
-              <a:t>Fifth level</a:t>
-            </a:r>
-            <a:endParaRPr lang="en-US"/>
-          </a:p>
-        </p:txBody>
-      </p:sp>
-      <p:sp>
-        <p:nvSpPr>
-          <p:cNvPr id="7" name="Date Placeholder 6"/>
-          <p:cNvSpPr>
-            <a:spLocks noGrp="1"/>
-          </p:cNvSpPr>
-          <p:nvPr>
-            <p:ph type="dt" sz="half" idx="10"/>
-          </p:nvPr>
-        </p:nvSpPr>
-        <p:spPr/>
-        <p:txBody>
-          <a:bodyPr/>
-          <a:lstStyle/>
-          <a:p>
-            <a:fld id="{37F32D73-5A99-464A-8594-B551FF72C9D9}" type="datetime1">
-              <a:rPr lang="en-US" smtClean="0"/>
-              <a:t>6/5/17</a:t>
-            </a:fld>
-            <a:endParaRPr lang="en-US"/>
-          </a:p>
-        </p:txBody>
-      </p:sp>
-      <p:sp>
-        <p:nvSpPr>
-          <p:cNvPr id="8" name="Footer Placeholder 7"/>
-          <p:cNvSpPr>
-            <a:spLocks noGrp="1"/>
-          </p:cNvSpPr>
-          <p:nvPr>
-            <p:ph type="ftr" sz="quarter" idx="11"/>
-          </p:nvPr>
-        </p:nvSpPr>
-        <p:spPr/>
-        <p:txBody>
-          <a:bodyPr/>
-          <a:lstStyle/>
-          <a:p>
-            <a:r>
-              <a:rPr lang="en-US" smtClean="0"/>
-              <a:t>New User Seminar</a:t>
-            </a:r>
-            <a:endParaRPr lang="en-US"/>
-          </a:p>
-        </p:txBody>
-      </p:sp>
-      <p:sp>
-        <p:nvSpPr>
-          <p:cNvPr id="10" name="Slide Number Placeholder 9"/>
-          <p:cNvSpPr>
-            <a:spLocks noGrp="1"/>
-          </p:cNvSpPr>
-          <p:nvPr>
-            <p:ph type="sldNum" sz="quarter" idx="12"/>
-          </p:nvPr>
-        </p:nvSpPr>
-        <p:spPr>
-          <a:xfrm>
-            <a:off x="10278166" y="6495369"/>
-            <a:ext cx="378919" cy="276999"/>
-          </a:xfrm>
-          <a:prstGeom prst="rect">
-            <a:avLst/>
-          </a:prstGeom>
-        </p:spPr>
-        <p:txBody>
-          <a:bodyPr vert="horz" lIns="91440" tIns="45720" rIns="91440" bIns="45720" rtlCol="0" anchor="ctr"/>
-          <a:lstStyle>
-            <a:lvl1pPr algn="r">
-              <a:defRPr sz="1200">
-                <a:solidFill>
-                  <a:schemeClr val="tx1">
-                    <a:tint val="75000"/>
-                  </a:schemeClr>
-                </a:solidFill>
-                <a:latin typeface="Helvetica Neue"/>
-                <a:cs typeface="Helvetica Neue"/>
-              </a:defRPr>
-            </a:lvl1pPr>
-          </a:lstStyle>
-          <a:p>
-            <a:fld id="{02339CB1-0666-044B-8464-C41DC611290B}" type="slidenum">
-              <a:rPr lang="en-US" smtClean="0"/>
-              <a:t>‹#›</a:t>
-            </a:fld>
-            <a:endParaRPr lang="en-US"/>
-          </a:p>
-        </p:txBody>
-      </p:sp>
-    </p:spTree>
-    <p:extLst/>
-  </p:cSld>
-  <p:clrMapOvr>
-    <a:masterClrMapping/>
-  </p:clrMapOvr>
-</p:sldLayout>
-</file>
-
-<file path=ppt/slideLayouts/slideLayout6.xml><?xml version="1.0" encoding="utf-8"?>
-<p:sldLayout xmlns:a="http://schemas.openxmlformats.org/drawingml/2006/main" xmlns:r="http://schemas.openxmlformats.org/officeDocument/2006/relationships" xmlns:p="http://schemas.openxmlformats.org/presentationml/2006/main" type="titleOnly" preserve="1">
-  <p:cSld name="Title Only">
-    <p:spTree>
-      <p:nvGrpSpPr>
-        <p:cNvPr id="1" name=""/>
-        <p:cNvGrpSpPr/>
-        <p:nvPr/>
-      </p:nvGrpSpPr>
-      <p:grpSpPr>
-        <a:xfrm>
-          <a:off x="0" y="0"/>
-          <a:ext cx="0" cy="0"/>
-          <a:chOff x="0" y="0"/>
-          <a:chExt cx="0" cy="0"/>
-        </a:xfrm>
-      </p:grpSpPr>
-      <p:sp>
-        <p:nvSpPr>
-          <p:cNvPr id="2" name="Title 1"/>
-          <p:cNvSpPr>
-            <a:spLocks noGrp="1"/>
-          </p:cNvSpPr>
-          <p:nvPr>
-            <p:ph type="title"/>
-          </p:nvPr>
-        </p:nvSpPr>
-        <p:spPr/>
-        <p:txBody>
-          <a:bodyPr/>
-          <a:lstStyle/>
-          <a:p>
-            <a:r>
-              <a:rPr lang="en-US" smtClean="0"/>
-              <a:t>Click to edit Master title style</a:t>
-            </a:r>
-            <a:endParaRPr lang="en-US"/>
-          </a:p>
-        </p:txBody>
-      </p:sp>
-      <p:sp>
-        <p:nvSpPr>
-          <p:cNvPr id="3" name="Date Placeholder 2"/>
-          <p:cNvSpPr>
-            <a:spLocks noGrp="1"/>
-          </p:cNvSpPr>
-          <p:nvPr>
-            <p:ph type="dt" sz="half" idx="10"/>
-          </p:nvPr>
-        </p:nvSpPr>
-        <p:spPr/>
-        <p:txBody>
-          <a:bodyPr/>
-          <a:lstStyle/>
-          <a:p>
-            <a:fld id="{E82BF7D7-27C3-CF45-B820-FC005A5F8688}" type="datetime1">
-              <a:rPr lang="en-US" smtClean="0"/>
-              <a:t>6/5/17</a:t>
-            </a:fld>
-            <a:endParaRPr lang="en-US"/>
-          </a:p>
-        </p:txBody>
-      </p:sp>
-      <p:sp>
-        <p:nvSpPr>
-          <p:cNvPr id="4" name="Footer Placeholder 3"/>
-          <p:cNvSpPr>
-            <a:spLocks noGrp="1"/>
-          </p:cNvSpPr>
-          <p:nvPr>
-            <p:ph type="ftr" sz="quarter" idx="11"/>
-          </p:nvPr>
-        </p:nvSpPr>
-        <p:spPr/>
-        <p:txBody>
-          <a:bodyPr/>
-          <a:lstStyle/>
-          <a:p>
-            <a:r>
-              <a:rPr lang="en-US" smtClean="0"/>
-              <a:t>New User Seminar</a:t>
-            </a:r>
-            <a:endParaRPr lang="en-US"/>
-          </a:p>
-        </p:txBody>
-      </p:sp>
-      <p:sp>
-        <p:nvSpPr>
-          <p:cNvPr id="6" name="Slide Number Placeholder 9"/>
-          <p:cNvSpPr>
-            <a:spLocks noGrp="1"/>
-          </p:cNvSpPr>
-          <p:nvPr>
-            <p:ph type="sldNum" sz="quarter" idx="4"/>
-          </p:nvPr>
-        </p:nvSpPr>
-        <p:spPr>
-          <a:xfrm>
-            <a:off x="10278166" y="6495369"/>
-            <a:ext cx="378919" cy="276999"/>
-          </a:xfrm>
-          <a:prstGeom prst="rect">
-            <a:avLst/>
-          </a:prstGeom>
-        </p:spPr>
-        <p:txBody>
-          <a:bodyPr vert="horz" lIns="91440" tIns="45720" rIns="91440" bIns="45720" rtlCol="0" anchor="ctr"/>
-          <a:lstStyle>
-            <a:lvl1pPr algn="r">
-              <a:defRPr sz="1200">
-                <a:solidFill>
-                  <a:schemeClr val="tx1">
-                    <a:tint val="75000"/>
-                  </a:schemeClr>
-                </a:solidFill>
-                <a:latin typeface="Helvetica Neue"/>
-                <a:cs typeface="Helvetica Neue"/>
-              </a:defRPr>
-            </a:lvl1pPr>
-          </a:lstStyle>
-          <a:p>
-            <a:fld id="{02339CB1-0666-044B-8464-C41DC611290B}" type="slidenum">
-              <a:rPr lang="en-US" smtClean="0"/>
-              <a:t>‹#›</a:t>
-            </a:fld>
-            <a:endParaRPr lang="en-US"/>
-          </a:p>
-        </p:txBody>
-      </p:sp>
-    </p:spTree>
-    <p:extLst/>
-  </p:cSld>
-  <p:clrMapOvr>
-    <a:masterClrMapping/>
-  </p:clrMapOvr>
-</p:sldLayout>
-</file>
-
-<file path=ppt/slideLayouts/slideLayout7.xml><?xml version="1.0" encoding="utf-8"?>
-<p:sldLayout xmlns:a="http://schemas.openxmlformats.org/drawingml/2006/main" xmlns:r="http://schemas.openxmlformats.org/officeDocument/2006/relationships" xmlns:p="http://schemas.openxmlformats.org/presentationml/2006/main" type="blank" preserve="1">
-  <p:cSld name="Blank">
-    <p:spTree>
-      <p:nvGrpSpPr>
-        <p:cNvPr id="1" name=""/>
-        <p:cNvGrpSpPr/>
-        <p:nvPr/>
-      </p:nvGrpSpPr>
-      <p:grpSpPr>
-        <a:xfrm>
-          <a:off x="0" y="0"/>
-          <a:ext cx="0" cy="0"/>
-          <a:chOff x="0" y="0"/>
-          <a:chExt cx="0" cy="0"/>
-        </a:xfrm>
-      </p:grpSpPr>
-      <p:sp>
-        <p:nvSpPr>
-          <p:cNvPr id="2" name="Date Placeholder 1"/>
-          <p:cNvSpPr>
-            <a:spLocks noGrp="1"/>
-          </p:cNvSpPr>
-          <p:nvPr>
-            <p:ph type="dt" sz="half" idx="10"/>
-          </p:nvPr>
-        </p:nvSpPr>
-        <p:spPr/>
-        <p:txBody>
-          <a:bodyPr/>
-          <a:lstStyle/>
-          <a:p>
-            <a:fld id="{9555053E-C274-C74C-A284-88F22C581203}" type="datetime1">
-              <a:rPr lang="en-US" smtClean="0"/>
-              <a:t>6/5/17</a:t>
-            </a:fld>
-            <a:endParaRPr lang="en-US"/>
-          </a:p>
-        </p:txBody>
-      </p:sp>
-      <p:sp>
-        <p:nvSpPr>
-          <p:cNvPr id="3" name="Footer Placeholder 2"/>
-          <p:cNvSpPr>
-            <a:spLocks noGrp="1"/>
-          </p:cNvSpPr>
-          <p:nvPr>
-            <p:ph type="ftr" sz="quarter" idx="11"/>
-          </p:nvPr>
-        </p:nvSpPr>
-        <p:spPr/>
-        <p:txBody>
-          <a:bodyPr/>
-          <a:lstStyle/>
-          <a:p>
-            <a:r>
-              <a:rPr lang="en-US" smtClean="0"/>
-              <a:t>New User Seminar</a:t>
-            </a:r>
-            <a:endParaRPr lang="en-US"/>
-          </a:p>
-        </p:txBody>
-      </p:sp>
-      <p:sp>
-        <p:nvSpPr>
-          <p:cNvPr id="5" name="Slide Number Placeholder 9"/>
-          <p:cNvSpPr>
-            <a:spLocks noGrp="1"/>
-          </p:cNvSpPr>
-          <p:nvPr>
-            <p:ph type="sldNum" sz="quarter" idx="4"/>
-          </p:nvPr>
-        </p:nvSpPr>
-        <p:spPr>
-          <a:xfrm>
-            <a:off x="10278166" y="6495369"/>
-            <a:ext cx="378919" cy="276999"/>
-          </a:xfrm>
-          <a:prstGeom prst="rect">
-            <a:avLst/>
-          </a:prstGeom>
-        </p:spPr>
-        <p:txBody>
-          <a:bodyPr vert="horz" lIns="91440" tIns="45720" rIns="91440" bIns="45720" rtlCol="0" anchor="ctr"/>
-          <a:lstStyle>
-            <a:lvl1pPr algn="r">
-              <a:defRPr sz="1200">
-                <a:solidFill>
-                  <a:schemeClr val="tx1">
-                    <a:tint val="75000"/>
-                  </a:schemeClr>
-                </a:solidFill>
-                <a:latin typeface="Helvetica Neue"/>
-                <a:cs typeface="Helvetica Neue"/>
-              </a:defRPr>
-            </a:lvl1pPr>
-          </a:lstStyle>
-          <a:p>
-            <a:fld id="{02339CB1-0666-044B-8464-C41DC611290B}" type="slidenum">
-              <a:rPr lang="en-US" smtClean="0"/>
-              <a:t>‹#›</a:t>
-            </a:fld>
-            <a:endParaRPr lang="en-US"/>
-          </a:p>
-        </p:txBody>
-      </p:sp>
-    </p:spTree>
-    <p:extLst/>
-  </p:cSld>
-  <p:clrMapOvr>
-    <a:masterClrMapping/>
-  </p:clrMapOvr>
-</p:sldLayout>
-</file>
-
-<file path=ppt/slideLayouts/slideLayout8.xml><?xml version="1.0" encoding="utf-8"?>
-<p:sldLayout xmlns:a="http://schemas.openxmlformats.org/drawingml/2006/main" xmlns:r="http://schemas.openxmlformats.org/officeDocument/2006/relationships" xmlns:p="http://schemas.openxmlformats.org/presentationml/2006/main" type="objTx" preserve="1">
-  <p:cSld name="Content with Caption">
-    <p:spTree>
-      <p:nvGrpSpPr>
-        <p:cNvPr id="1" name=""/>
-        <p:cNvGrpSpPr/>
-        <p:nvPr/>
-      </p:nvGrpSpPr>
-      <p:grpSpPr>
-        <a:xfrm>
-          <a:off x="0" y="0"/>
-          <a:ext cx="0" cy="0"/>
-          <a:chOff x="0" y="0"/>
-          <a:chExt cx="0" cy="0"/>
-        </a:xfrm>
-      </p:grpSpPr>
-      <p:sp>
-        <p:nvSpPr>
-          <p:cNvPr id="2" name="Title 1"/>
-          <p:cNvSpPr>
-            <a:spLocks noGrp="1"/>
-          </p:cNvSpPr>
-          <p:nvPr>
-            <p:ph type="title"/>
-          </p:nvPr>
-        </p:nvSpPr>
-        <p:spPr>
-          <a:xfrm>
-            <a:off x="406401" y="5495544"/>
-            <a:ext cx="10363200" cy="594360"/>
-          </a:xfrm>
-        </p:spPr>
-        <p:txBody>
-          <a:bodyPr anchor="b"/>
-          <a:lstStyle>
-            <a:lvl1pPr algn="ctr">
-              <a:defRPr sz="2200" b="1"/>
-            </a:lvl1pPr>
-          </a:lstStyle>
-          <a:p>
-            <a:r>
-              <a:rPr lang="en-US" smtClean="0"/>
-              <a:t>Click to edit Master title style</a:t>
-            </a:r>
-            <a:endParaRPr lang="en-US" dirty="0"/>
-          </a:p>
-        </p:txBody>
-      </p:sp>
-      <p:sp>
-        <p:nvSpPr>
-          <p:cNvPr id="4" name="Text Placeholder 3"/>
-          <p:cNvSpPr>
-            <a:spLocks noGrp="1"/>
-          </p:cNvSpPr>
-          <p:nvPr>
-            <p:ph type="body" sz="half" idx="2"/>
-          </p:nvPr>
-        </p:nvSpPr>
-        <p:spPr>
-          <a:xfrm>
-            <a:off x="406400" y="6096000"/>
-            <a:ext cx="10363201" cy="609600"/>
-          </a:xfrm>
-        </p:spPr>
-        <p:txBody>
-          <a:bodyPr>
-            <a:normAutofit/>
-          </a:bodyPr>
-          <a:lstStyle>
-            <a:lvl1pPr marL="0" indent="0" algn="ctr">
-              <a:buNone/>
-              <a:defRPr sz="1600"/>
-            </a:lvl1pPr>
-            <a:lvl2pPr marL="457200" indent="0">
-              <a:buNone/>
-              <a:defRPr sz="1200"/>
-            </a:lvl2pPr>
-            <a:lvl3pPr marL="914400" indent="0">
-              <a:buNone/>
-              <a:defRPr sz="1000"/>
-            </a:lvl3pPr>
-            <a:lvl4pPr marL="1371600" indent="0">
-              <a:buNone/>
-              <a:defRPr sz="900"/>
-            </a:lvl4pPr>
-            <a:lvl5pPr marL="1828800" indent="0">
-              <a:buNone/>
-              <a:defRPr sz="900"/>
-            </a:lvl5pPr>
-            <a:lvl6pPr marL="2286000" indent="0">
-              <a:buNone/>
-              <a:defRPr sz="900"/>
-            </a:lvl6pPr>
-            <a:lvl7pPr marL="2743200" indent="0">
-              <a:buNone/>
-              <a:defRPr sz="900"/>
-            </a:lvl7pPr>
-            <a:lvl8pPr marL="3200400" indent="0">
-              <a:buNone/>
-              <a:defRPr sz="900"/>
-            </a:lvl8pPr>
-            <a:lvl9pPr marL="3657600" indent="0">
-              <a:buNone/>
-              <a:defRPr sz="900"/>
-            </a:lvl9pPr>
-          </a:lstStyle>
-          <a:p>
-            <a:pPr lvl="0"/>
-            <a:r>
-              <a:rPr lang="en-US" smtClean="0"/>
-              <a:t>Click to edit Master text styles</a:t>
-            </a:r>
-          </a:p>
-        </p:txBody>
-      </p:sp>
-      <p:sp>
-        <p:nvSpPr>
-          <p:cNvPr id="5" name="Date Placeholder 4"/>
-          <p:cNvSpPr>
-            <a:spLocks noGrp="1"/>
-          </p:cNvSpPr>
-          <p:nvPr>
-            <p:ph type="dt" sz="half" idx="10"/>
-          </p:nvPr>
-        </p:nvSpPr>
-        <p:spPr/>
-        <p:txBody>
-          <a:bodyPr/>
-          <a:lstStyle/>
-          <a:p>
-            <a:fld id="{7A689FF8-7D69-1D41-AF80-D980840BCB23}" type="datetime1">
-              <a:rPr lang="en-US" smtClean="0"/>
-              <a:t>6/5/17</a:t>
-            </a:fld>
-            <a:endParaRPr lang="en-US"/>
-          </a:p>
-        </p:txBody>
-      </p:sp>
-      <p:sp>
-        <p:nvSpPr>
-          <p:cNvPr id="6" name="Footer Placeholder 5"/>
-          <p:cNvSpPr>
-            <a:spLocks noGrp="1"/>
-          </p:cNvSpPr>
-          <p:nvPr>
-            <p:ph type="ftr" sz="quarter" idx="11"/>
-          </p:nvPr>
-        </p:nvSpPr>
-        <p:spPr/>
-        <p:txBody>
-          <a:bodyPr/>
-          <a:lstStyle/>
-          <a:p>
-            <a:r>
-              <a:rPr lang="en-US" smtClean="0"/>
-              <a:t>New User Seminar</a:t>
-            </a:r>
-            <a:endParaRPr lang="en-US"/>
-          </a:p>
-        </p:txBody>
-      </p:sp>
-      <p:sp>
-        <p:nvSpPr>
-          <p:cNvPr id="9" name="Content Placeholder 8"/>
-          <p:cNvSpPr>
-            <a:spLocks noGrp="1"/>
-          </p:cNvSpPr>
-          <p:nvPr>
-            <p:ph sz="quarter" idx="13"/>
-          </p:nvPr>
-        </p:nvSpPr>
-        <p:spPr>
-          <a:xfrm>
-            <a:off x="406400" y="381000"/>
-            <a:ext cx="10363200" cy="4942840"/>
-          </a:xfrm>
-        </p:spPr>
-        <p:txBody>
-          <a:bodyPr/>
-          <a:lstStyle/>
-          <a:p>
-            <a:pPr lvl="0"/>
-            <a:r>
-              <a:rPr lang="en-US" smtClean="0"/>
-              <a:t>Click to edit Master text styles</a:t>
-            </a:r>
-          </a:p>
-          <a:p>
-            <a:pPr lvl="1"/>
-            <a:r>
-              <a:rPr lang="en-US" smtClean="0"/>
-              <a:t>Second level</a:t>
-            </a:r>
-          </a:p>
-          <a:p>
-            <a:pPr lvl="2"/>
-            <a:r>
-              <a:rPr lang="en-US" smtClean="0"/>
-              <a:t>Third level</a:t>
-            </a:r>
-          </a:p>
-          <a:p>
-            <a:pPr lvl="3"/>
-            <a:r>
-              <a:rPr lang="en-US" smtClean="0"/>
-              <a:t>Fourth level</a:t>
-            </a:r>
-          </a:p>
-          <a:p>
-            <a:pPr lvl="4"/>
-            <a:r>
-              <a:rPr lang="en-US" smtClean="0"/>
-              <a:t>Fifth level</a:t>
-            </a:r>
-            <a:endParaRPr lang="en-US"/>
-          </a:p>
-        </p:txBody>
-      </p:sp>
-      <p:sp>
-        <p:nvSpPr>
-          <p:cNvPr id="8" name="Slide Number Placeholder 9"/>
-          <p:cNvSpPr>
-            <a:spLocks noGrp="1"/>
-          </p:cNvSpPr>
-          <p:nvPr>
-            <p:ph type="sldNum" sz="quarter" idx="4"/>
-          </p:nvPr>
-        </p:nvSpPr>
-        <p:spPr>
-          <a:xfrm>
-            <a:off x="10278166" y="6495369"/>
-            <a:ext cx="378919" cy="276999"/>
-          </a:xfrm>
-          <a:prstGeom prst="rect">
-            <a:avLst/>
-          </a:prstGeom>
-        </p:spPr>
-        <p:txBody>
-          <a:bodyPr vert="horz" lIns="91440" tIns="45720" rIns="91440" bIns="45720" rtlCol="0" anchor="ctr"/>
-          <a:lstStyle>
-            <a:lvl1pPr algn="r">
-              <a:defRPr sz="1200">
-                <a:solidFill>
-                  <a:schemeClr val="tx1">
-                    <a:tint val="75000"/>
-                  </a:schemeClr>
-                </a:solidFill>
-                <a:latin typeface="Helvetica Neue"/>
-                <a:cs typeface="Helvetica Neue"/>
-              </a:defRPr>
-            </a:lvl1pPr>
-          </a:lstStyle>
-          <a:p>
-            <a:fld id="{02339CB1-0666-044B-8464-C41DC611290B}" type="slidenum">
-              <a:rPr lang="en-US" smtClean="0"/>
-              <a:t>‹#›</a:t>
-            </a:fld>
-            <a:endParaRPr lang="en-US"/>
-          </a:p>
-        </p:txBody>
-      </p:sp>
-    </p:spTree>
-    <p:extLst/>
-  </p:cSld>
-  <p:clrMapOvr>
-    <a:masterClrMapping/>
-  </p:clrMapOvr>
-</p:sldLayout>
-</file>
-
-<file path=ppt/slideLayouts/slideLayout9.xml><?xml version="1.0" encoding="utf-8"?>
-<p:sldLayout xmlns:a="http://schemas.openxmlformats.org/drawingml/2006/main" xmlns:r="http://schemas.openxmlformats.org/officeDocument/2006/relationships" xmlns:p="http://schemas.openxmlformats.org/presentationml/2006/main" type="picTx" preserve="1">
-  <p:cSld name="Picture with Caption">
-    <p:spTree>
-      <p:nvGrpSpPr>
-        <p:cNvPr id="1" name=""/>
-        <p:cNvGrpSpPr/>
-        <p:nvPr/>
-      </p:nvGrpSpPr>
-      <p:grpSpPr>
-        <a:xfrm>
-          <a:off x="0" y="0"/>
-          <a:ext cx="0" cy="0"/>
-          <a:chOff x="0" y="0"/>
-          <a:chExt cx="0" cy="0"/>
-        </a:xfrm>
-      </p:grpSpPr>
-      <p:sp>
-        <p:nvSpPr>
-          <p:cNvPr id="2" name="Title 1"/>
-          <p:cNvSpPr>
-            <a:spLocks noGrp="1"/>
-          </p:cNvSpPr>
-          <p:nvPr>
-            <p:ph type="title"/>
-          </p:nvPr>
-        </p:nvSpPr>
-        <p:spPr>
-          <a:xfrm>
-            <a:off x="402336" y="5495278"/>
-            <a:ext cx="10363200" cy="594626"/>
-          </a:xfrm>
-        </p:spPr>
-        <p:txBody>
-          <a:bodyPr anchor="b"/>
-          <a:lstStyle>
-            <a:lvl1pPr algn="ctr">
-              <a:defRPr sz="2200" b="1">
-                <a:ln>
-                  <a:noFill/>
-                </a:ln>
-                <a:solidFill>
-                  <a:schemeClr val="tx2"/>
-                </a:solidFill>
-              </a:defRPr>
-            </a:lvl1pPr>
-          </a:lstStyle>
-          <a:p>
-            <a:r>
-              <a:rPr lang="en-US" smtClean="0"/>
-              <a:t>Click to edit Master title style</a:t>
-            </a:r>
-            <a:endParaRPr lang="en-US" dirty="0"/>
-          </a:p>
-        </p:txBody>
-      </p:sp>
-      <p:sp>
-        <p:nvSpPr>
-          <p:cNvPr id="3" name="Picture Placeholder 2"/>
-          <p:cNvSpPr>
-            <a:spLocks noGrp="1"/>
-          </p:cNvSpPr>
-          <p:nvPr>
-            <p:ph type="pic" idx="1"/>
-          </p:nvPr>
-        </p:nvSpPr>
-        <p:spPr>
-          <a:xfrm>
-            <a:off x="0" y="0"/>
-            <a:ext cx="11277600" cy="5486400"/>
-          </a:xfrm>
-        </p:spPr>
-        <p:txBody>
-          <a:bodyPr/>
-          <a:lstStyle>
-            <a:lvl1pPr marL="0" indent="0">
-              <a:buNone/>
-              <a:defRPr sz="3200"/>
-            </a:lvl1pPr>
-            <a:lvl2pPr marL="457200" indent="0">
-              <a:buNone/>
-              <a:defRPr sz="2800"/>
-            </a:lvl2pPr>
-            <a:lvl3pPr marL="914400" indent="0">
-              <a:buNone/>
-              <a:defRPr sz="2400"/>
-            </a:lvl3pPr>
-            <a:lvl4pPr marL="1371600" indent="0">
-              <a:buNone/>
-              <a:defRPr sz="2000"/>
-            </a:lvl4pPr>
-            <a:lvl5pPr marL="1828800" indent="0">
-              <a:buNone/>
-              <a:defRPr sz="2000"/>
-            </a:lvl5pPr>
-            <a:lvl6pPr marL="2286000" indent="0">
-              <a:buNone/>
-              <a:defRPr sz="2000"/>
-            </a:lvl6pPr>
-            <a:lvl7pPr marL="2743200" indent="0">
-              <a:buNone/>
-              <a:defRPr sz="2000"/>
-            </a:lvl7pPr>
-            <a:lvl8pPr marL="3200400" indent="0">
-              <a:buNone/>
-              <a:defRPr sz="2000"/>
-            </a:lvl8pPr>
-            <a:lvl9pPr marL="3657600" indent="0">
-              <a:buNone/>
-              <a:defRPr sz="2000"/>
-            </a:lvl9pPr>
-          </a:lstStyle>
-          <a:p>
-            <a:r>
-              <a:rPr lang="en-US" smtClean="0"/>
-              <a:t>Drag picture to placeholder or click icon to add</a:t>
-            </a:r>
-            <a:endParaRPr lang="en-US" dirty="0"/>
-          </a:p>
-        </p:txBody>
-      </p:sp>
-      <p:sp>
-        <p:nvSpPr>
-          <p:cNvPr id="4" name="Text Placeholder 3"/>
-          <p:cNvSpPr>
-            <a:spLocks noGrp="1"/>
-          </p:cNvSpPr>
-          <p:nvPr>
-            <p:ph type="body" sz="half" idx="2"/>
-          </p:nvPr>
-        </p:nvSpPr>
-        <p:spPr>
-          <a:xfrm>
-            <a:off x="402336" y="6096000"/>
-            <a:ext cx="10363200" cy="612648"/>
-          </a:xfrm>
-        </p:spPr>
-        <p:txBody>
-          <a:bodyPr>
-            <a:normAutofit/>
-          </a:bodyPr>
-          <a:lstStyle>
-            <a:lvl1pPr marL="0" indent="0" algn="ctr">
-              <a:buNone/>
-              <a:defRPr sz="1600"/>
-            </a:lvl1pPr>
-            <a:lvl2pPr marL="457200" indent="0">
-              <a:buNone/>
-              <a:defRPr sz="1200"/>
-            </a:lvl2pPr>
-            <a:lvl3pPr marL="914400" indent="0">
-              <a:buNone/>
-              <a:defRPr sz="1000"/>
-            </a:lvl3pPr>
-            <a:lvl4pPr marL="1371600" indent="0">
-              <a:buNone/>
-              <a:defRPr sz="900"/>
-            </a:lvl4pPr>
-            <a:lvl5pPr marL="1828800" indent="0">
-              <a:buNone/>
-              <a:defRPr sz="900"/>
-            </a:lvl5pPr>
-            <a:lvl6pPr marL="2286000" indent="0">
-              <a:buNone/>
-              <a:defRPr sz="900"/>
-            </a:lvl6pPr>
-            <a:lvl7pPr marL="2743200" indent="0">
-              <a:buNone/>
-              <a:defRPr sz="900"/>
-            </a:lvl7pPr>
-            <a:lvl8pPr marL="3200400" indent="0">
-              <a:buNone/>
-              <a:defRPr sz="900"/>
-            </a:lvl8pPr>
-            <a:lvl9pPr marL="3657600" indent="0">
-              <a:buNone/>
-              <a:defRPr sz="900"/>
-            </a:lvl9pPr>
-          </a:lstStyle>
-          <a:p>
-            <a:pPr lvl="0"/>
-            <a:r>
-              <a:rPr lang="en-US" smtClean="0"/>
-              <a:t>Click to edit Master text styles</a:t>
-            </a:r>
-          </a:p>
-        </p:txBody>
-      </p:sp>
-      <p:sp>
-        <p:nvSpPr>
-          <p:cNvPr id="8" name="Date Placeholder 7"/>
-          <p:cNvSpPr>
-            <a:spLocks noGrp="1"/>
-          </p:cNvSpPr>
-          <p:nvPr>
-            <p:ph type="dt" sz="half" idx="10"/>
-          </p:nvPr>
-        </p:nvSpPr>
-        <p:spPr/>
-        <p:txBody>
-          <a:bodyPr/>
-          <a:lstStyle/>
-          <a:p>
             <a:fld id="{B2055EBF-49EC-E44B-96CA-4F8E3FBF2465}" type="datetime1">
               <a:rPr lang="en-US" smtClean="0"/>
-              <a:t>6/5/17</a:t>
+              <a:t>7/18/17</a:t>
             </a:fld>
             <a:endParaRPr lang="en-US"/>
           </a:p>
@@ -8441,7 +5480,7 @@
           <a:lstStyle/>
           <a:p>
             <a:r>
-              <a:rPr lang="en-US" smtClean="0"/>
+              <a:rPr lang="en-US" dirty="0" smtClean="0"/>
               <a:t>Click to edit Master title style</a:t>
             </a:r>
             <a:endParaRPr lang="en-US" dirty="0"/>
@@ -8675,7 +5714,7 @@
           <a:p>
             <a:fld id="{96D7D345-C39C-A44C-AF4E-9524445B1337}" type="datetime1">
               <a:rPr lang="en-US" smtClean="0"/>
-              <a:t>6/5/17</a:t>
+              <a:t>7/18/17</a:t>
             </a:fld>
             <a:endParaRPr lang="en-US"/>
           </a:p>
@@ -8824,710 +5863,7 @@
             <a:noFill/>
           </a:ln>
           <a:solidFill>
-            <a:srgbClr val="FF0000"/>
-          </a:solidFill>
-          <a:effectLst/>
-          <a:latin typeface="Helvetica Neue"/>
-          <a:ea typeface="+mj-ea"/>
-          <a:cs typeface="+mj-cs"/>
-        </a:defRPr>
-      </a:lvl1pPr>
-    </p:titleStyle>
-    <p:bodyStyle>
-      <a:lvl1pPr marL="342900" indent="-228600" algn="l" defTabSz="914400" rtl="0" eaLnBrk="1" latinLnBrk="0" hangingPunct="1">
-        <a:spcBef>
-          <a:spcPct val="20000"/>
-        </a:spcBef>
-        <a:buClr>
-          <a:schemeClr val="accent1"/>
-        </a:buClr>
-        <a:buFont typeface="Arial" pitchFamily="34" charset="0"/>
-        <a:buChar char="•"/>
-        <a:defRPr sz="2400" kern="1200">
-          <a:solidFill>
             <a:schemeClr val="tx1"/>
-          </a:solidFill>
-          <a:latin typeface="Helvetica Neue"/>
-          <a:ea typeface="+mn-ea"/>
-          <a:cs typeface="+mn-cs"/>
-        </a:defRPr>
-      </a:lvl1pPr>
-      <a:lvl2pPr marL="640080" indent="-228600" algn="l" defTabSz="914400" rtl="0" eaLnBrk="1" latinLnBrk="0" hangingPunct="1">
-        <a:spcBef>
-          <a:spcPct val="20000"/>
-        </a:spcBef>
-        <a:buClr>
-          <a:schemeClr val="accent2"/>
-        </a:buClr>
-        <a:buFont typeface="Arial" pitchFamily="34" charset="0"/>
-        <a:buChar char="•"/>
-        <a:defRPr sz="2200" kern="1200">
-          <a:solidFill>
-            <a:schemeClr val="tx1"/>
-          </a:solidFill>
-          <a:latin typeface="Helvetica Neue"/>
-          <a:ea typeface="+mn-ea"/>
-          <a:cs typeface="+mn-cs"/>
-        </a:defRPr>
-      </a:lvl2pPr>
-      <a:lvl3pPr marL="1005840" indent="-228600" algn="l" defTabSz="914400" rtl="0" eaLnBrk="1" latinLnBrk="0" hangingPunct="1">
-        <a:spcBef>
-          <a:spcPct val="20000"/>
-        </a:spcBef>
-        <a:buClr>
-          <a:schemeClr val="accent3"/>
-        </a:buClr>
-        <a:buFont typeface="Arial" pitchFamily="34" charset="0"/>
-        <a:buChar char="•"/>
-        <a:defRPr sz="2000" kern="1200">
-          <a:solidFill>
-            <a:schemeClr val="tx1"/>
-          </a:solidFill>
-          <a:latin typeface="Helvetica Neue"/>
-          <a:ea typeface="+mn-ea"/>
-          <a:cs typeface="+mn-cs"/>
-        </a:defRPr>
-      </a:lvl3pPr>
-      <a:lvl4pPr marL="1280160" indent="-228600" algn="l" defTabSz="914400" rtl="0" eaLnBrk="1" latinLnBrk="0" hangingPunct="1">
-        <a:spcBef>
-          <a:spcPct val="20000"/>
-        </a:spcBef>
-        <a:buClr>
-          <a:schemeClr val="accent4"/>
-        </a:buClr>
-        <a:buFont typeface="Arial" pitchFamily="34" charset="0"/>
-        <a:buChar char="•"/>
-        <a:defRPr sz="1800" kern="1200">
-          <a:solidFill>
-            <a:schemeClr val="tx1"/>
-          </a:solidFill>
-          <a:latin typeface="Helvetica Neue"/>
-          <a:ea typeface="+mn-ea"/>
-          <a:cs typeface="+mn-cs"/>
-        </a:defRPr>
-      </a:lvl4pPr>
-      <a:lvl5pPr marL="1554480" indent="-228600" algn="l" defTabSz="914400" rtl="0" eaLnBrk="1" latinLnBrk="0" hangingPunct="1">
-        <a:spcBef>
-          <a:spcPct val="20000"/>
-        </a:spcBef>
-        <a:buClr>
-          <a:schemeClr val="accent5"/>
-        </a:buClr>
-        <a:buFont typeface="Arial" pitchFamily="34" charset="0"/>
-        <a:buChar char="•"/>
-        <a:defRPr sz="1600" kern="1200" baseline="0">
-          <a:solidFill>
-            <a:schemeClr val="tx1"/>
-          </a:solidFill>
-          <a:latin typeface="Helvetica Neue"/>
-          <a:ea typeface="+mn-ea"/>
-          <a:cs typeface="+mn-cs"/>
-        </a:defRPr>
-      </a:lvl5pPr>
-      <a:lvl6pPr marL="1737360" indent="-182880" algn="l" defTabSz="914400" rtl="0" eaLnBrk="1" latinLnBrk="0" hangingPunct="1">
-        <a:spcBef>
-          <a:spcPct val="20000"/>
-        </a:spcBef>
-        <a:buClr>
-          <a:schemeClr val="accent1"/>
-        </a:buClr>
-        <a:buFont typeface="Arial" pitchFamily="34" charset="0"/>
-        <a:buChar char="•"/>
-        <a:defRPr sz="1400" kern="1200" baseline="0">
-          <a:solidFill>
-            <a:schemeClr val="tx1"/>
-          </a:solidFill>
-          <a:latin typeface="+mn-lt"/>
-          <a:ea typeface="+mn-ea"/>
-          <a:cs typeface="+mn-cs"/>
-        </a:defRPr>
-      </a:lvl6pPr>
-      <a:lvl7pPr marL="1920240" indent="-182880" algn="l" defTabSz="914400" rtl="0" eaLnBrk="1" latinLnBrk="0" hangingPunct="1">
-        <a:spcBef>
-          <a:spcPct val="20000"/>
-        </a:spcBef>
-        <a:buClr>
-          <a:schemeClr val="accent2"/>
-        </a:buClr>
-        <a:buFont typeface="Arial" pitchFamily="34" charset="0"/>
-        <a:buChar char="•"/>
-        <a:defRPr sz="1400" kern="1200">
-          <a:solidFill>
-            <a:schemeClr val="tx1"/>
-          </a:solidFill>
-          <a:latin typeface="+mn-lt"/>
-          <a:ea typeface="+mn-ea"/>
-          <a:cs typeface="+mn-cs"/>
-        </a:defRPr>
-      </a:lvl7pPr>
-      <a:lvl8pPr marL="2103120" indent="-182880" algn="l" defTabSz="914400" rtl="0" eaLnBrk="1" latinLnBrk="0" hangingPunct="1">
-        <a:spcBef>
-          <a:spcPct val="20000"/>
-        </a:spcBef>
-        <a:buClr>
-          <a:schemeClr val="accent3"/>
-        </a:buClr>
-        <a:buFont typeface="Arial" pitchFamily="34" charset="0"/>
-        <a:buChar char="•"/>
-        <a:defRPr sz="1400" kern="1200">
-          <a:solidFill>
-            <a:schemeClr val="tx1"/>
-          </a:solidFill>
-          <a:latin typeface="+mn-lt"/>
-          <a:ea typeface="+mn-ea"/>
-          <a:cs typeface="+mn-cs"/>
-        </a:defRPr>
-      </a:lvl8pPr>
-      <a:lvl9pPr marL="2286000" indent="-182880" algn="l" defTabSz="914400" rtl="0" eaLnBrk="1" latinLnBrk="0" hangingPunct="1">
-        <a:spcBef>
-          <a:spcPct val="20000"/>
-        </a:spcBef>
-        <a:buClr>
-          <a:schemeClr val="accent4"/>
-        </a:buClr>
-        <a:buFont typeface="Arial" pitchFamily="34" charset="0"/>
-        <a:buChar char="•"/>
-        <a:defRPr sz="1400" kern="1200">
-          <a:solidFill>
-            <a:schemeClr val="tx1"/>
-          </a:solidFill>
-          <a:latin typeface="+mn-lt"/>
-          <a:ea typeface="+mn-ea"/>
-          <a:cs typeface="+mn-cs"/>
-        </a:defRPr>
-      </a:lvl9pPr>
-    </p:bodyStyle>
-    <p:otherStyle>
-      <a:defPPr>
-        <a:defRPr lang="en-US"/>
-      </a:defPPr>
-      <a:lvl1pPr marL="0" algn="l" defTabSz="914400" rtl="0" eaLnBrk="1" latinLnBrk="0" hangingPunct="1">
-        <a:defRPr sz="1800" kern="1200">
-          <a:solidFill>
-            <a:schemeClr val="tx1"/>
-          </a:solidFill>
-          <a:latin typeface="+mn-lt"/>
-          <a:ea typeface="+mn-ea"/>
-          <a:cs typeface="+mn-cs"/>
-        </a:defRPr>
-      </a:lvl1pPr>
-      <a:lvl2pPr marL="457200" algn="l" defTabSz="914400" rtl="0" eaLnBrk="1" latinLnBrk="0" hangingPunct="1">
-        <a:defRPr sz="1800" kern="1200">
-          <a:solidFill>
-            <a:schemeClr val="tx1"/>
-          </a:solidFill>
-          <a:latin typeface="+mn-lt"/>
-          <a:ea typeface="+mn-ea"/>
-          <a:cs typeface="+mn-cs"/>
-        </a:defRPr>
-      </a:lvl2pPr>
-      <a:lvl3pPr marL="914400" algn="l" defTabSz="914400" rtl="0" eaLnBrk="1" latinLnBrk="0" hangingPunct="1">
-        <a:defRPr sz="1800" kern="1200">
-          <a:solidFill>
-            <a:schemeClr val="tx1"/>
-          </a:solidFill>
-          <a:latin typeface="+mn-lt"/>
-          <a:ea typeface="+mn-ea"/>
-          <a:cs typeface="+mn-cs"/>
-        </a:defRPr>
-      </a:lvl3pPr>
-      <a:lvl4pPr marL="1371600" algn="l" defTabSz="914400" rtl="0" eaLnBrk="1" latinLnBrk="0" hangingPunct="1">
-        <a:defRPr sz="1800" kern="1200">
-          <a:solidFill>
-            <a:schemeClr val="tx1"/>
-          </a:solidFill>
-          <a:latin typeface="+mn-lt"/>
-          <a:ea typeface="+mn-ea"/>
-          <a:cs typeface="+mn-cs"/>
-        </a:defRPr>
-      </a:lvl4pPr>
-      <a:lvl5pPr marL="1828800" algn="l" defTabSz="914400" rtl="0" eaLnBrk="1" latinLnBrk="0" hangingPunct="1">
-        <a:defRPr sz="1800" kern="1200">
-          <a:solidFill>
-            <a:schemeClr val="tx1"/>
-          </a:solidFill>
-          <a:latin typeface="+mn-lt"/>
-          <a:ea typeface="+mn-ea"/>
-          <a:cs typeface="+mn-cs"/>
-        </a:defRPr>
-      </a:lvl5pPr>
-      <a:lvl6pPr marL="2286000" algn="l" defTabSz="914400" rtl="0" eaLnBrk="1" latinLnBrk="0" hangingPunct="1">
-        <a:defRPr sz="1800" kern="1200">
-          <a:solidFill>
-            <a:schemeClr val="tx1"/>
-          </a:solidFill>
-          <a:latin typeface="+mn-lt"/>
-          <a:ea typeface="+mn-ea"/>
-          <a:cs typeface="+mn-cs"/>
-        </a:defRPr>
-      </a:lvl6pPr>
-      <a:lvl7pPr marL="2743200" algn="l" defTabSz="914400" rtl="0" eaLnBrk="1" latinLnBrk="0" hangingPunct="1">
-        <a:defRPr sz="1800" kern="1200">
-          <a:solidFill>
-            <a:schemeClr val="tx1"/>
-          </a:solidFill>
-          <a:latin typeface="+mn-lt"/>
-          <a:ea typeface="+mn-ea"/>
-          <a:cs typeface="+mn-cs"/>
-        </a:defRPr>
-      </a:lvl7pPr>
-      <a:lvl8pPr marL="3200400" algn="l" defTabSz="914400" rtl="0" eaLnBrk="1" latinLnBrk="0" hangingPunct="1">
-        <a:defRPr sz="1800" kern="1200">
-          <a:solidFill>
-            <a:schemeClr val="tx1"/>
-          </a:solidFill>
-          <a:latin typeface="+mn-lt"/>
-          <a:ea typeface="+mn-ea"/>
-          <a:cs typeface="+mn-cs"/>
-        </a:defRPr>
-      </a:lvl8pPr>
-      <a:lvl9pPr marL="3657600" algn="l" defTabSz="914400" rtl="0" eaLnBrk="1" latinLnBrk="0" hangingPunct="1">
-        <a:defRPr sz="1800" kern="1200">
-          <a:solidFill>
-            <a:schemeClr val="tx1"/>
-          </a:solidFill>
-          <a:latin typeface="+mn-lt"/>
-          <a:ea typeface="+mn-ea"/>
-          <a:cs typeface="+mn-cs"/>
-        </a:defRPr>
-      </a:lvl9pPr>
-    </p:otherStyle>
-  </p:txStyles>
-</p:sldMaster>
-</file>
-
-<file path=ppt/slideMasters/slideMaster2.xml><?xml version="1.0" encoding="utf-8"?>
-<p:sldMaster xmlns:a="http://schemas.openxmlformats.org/drawingml/2006/main" xmlns:r="http://schemas.openxmlformats.org/officeDocument/2006/relationships" xmlns:p="http://schemas.openxmlformats.org/presentationml/2006/main" preserve="1">
-  <p:cSld>
-    <p:bg>
-      <p:bgRef idx="1002">
-        <a:schemeClr val="bg1"/>
-      </p:bgRef>
-    </p:bg>
-    <p:spTree>
-      <p:nvGrpSpPr>
-        <p:cNvPr id="1" name=""/>
-        <p:cNvGrpSpPr/>
-        <p:nvPr/>
-      </p:nvGrpSpPr>
-      <p:grpSpPr>
-        <a:xfrm>
-          <a:off x="0" y="0"/>
-          <a:ext cx="0" cy="0"/>
-          <a:chOff x="0" y="0"/>
-          <a:chExt cx="0" cy="0"/>
-        </a:xfrm>
-      </p:grpSpPr>
-      <p:sp>
-        <p:nvSpPr>
-          <p:cNvPr id="2" name="Title Placeholder 1"/>
-          <p:cNvSpPr>
-            <a:spLocks noGrp="1"/>
-          </p:cNvSpPr>
-          <p:nvPr>
-            <p:ph type="title"/>
-          </p:nvPr>
-        </p:nvSpPr>
-        <p:spPr>
-          <a:xfrm>
-            <a:off x="609600" y="274638"/>
-            <a:ext cx="10922043" cy="1143000"/>
-          </a:xfrm>
-          <a:prstGeom prst="rect">
-            <a:avLst/>
-          </a:prstGeom>
-        </p:spPr>
-        <p:txBody>
-          <a:bodyPr vert="horz" lIns="91440" tIns="45720" rIns="91440" bIns="45720" rtlCol="0" anchor="ctr">
-            <a:noAutofit/>
-          </a:bodyPr>
-          <a:lstStyle/>
-          <a:p>
-            <a:r>
-              <a:rPr lang="en-US" smtClean="0"/>
-              <a:t>Click to edit Master title style</a:t>
-            </a:r>
-            <a:endParaRPr lang="en-US" dirty="0"/>
-          </a:p>
-        </p:txBody>
-      </p:sp>
-      <p:sp>
-        <p:nvSpPr>
-          <p:cNvPr id="3" name="Text Placeholder 2"/>
-          <p:cNvSpPr>
-            <a:spLocks noGrp="1"/>
-          </p:cNvSpPr>
-          <p:nvPr>
-            <p:ph type="body" idx="1"/>
-          </p:nvPr>
-        </p:nvSpPr>
-        <p:spPr>
-          <a:xfrm>
-            <a:off x="609599" y="1600200"/>
-            <a:ext cx="10922044" cy="4688490"/>
-          </a:xfrm>
-          <a:prstGeom prst="rect">
-            <a:avLst/>
-          </a:prstGeom>
-        </p:spPr>
-        <p:txBody>
-          <a:bodyPr vert="horz" lIns="91440" tIns="45720" rIns="91440" bIns="45720" rtlCol="0">
-            <a:normAutofit/>
-          </a:bodyPr>
-          <a:lstStyle/>
-          <a:p>
-            <a:pPr lvl="0"/>
-            <a:r>
-              <a:rPr lang="en-US" smtClean="0"/>
-              <a:t>Click to edit Master text styles</a:t>
-            </a:r>
-          </a:p>
-          <a:p>
-            <a:pPr lvl="1"/>
-            <a:r>
-              <a:rPr lang="en-US" smtClean="0"/>
-              <a:t>Second level</a:t>
-            </a:r>
-          </a:p>
-          <a:p>
-            <a:pPr lvl="2"/>
-            <a:r>
-              <a:rPr lang="en-US" smtClean="0"/>
-              <a:t>Third level</a:t>
-            </a:r>
-          </a:p>
-          <a:p>
-            <a:pPr lvl="3"/>
-            <a:r>
-              <a:rPr lang="en-US" smtClean="0"/>
-              <a:t>Fourth level</a:t>
-            </a:r>
-          </a:p>
-          <a:p>
-            <a:pPr lvl="4"/>
-            <a:r>
-              <a:rPr lang="en-US" smtClean="0"/>
-              <a:t>Fifth level</a:t>
-            </a:r>
-            <a:endParaRPr lang="en-US" dirty="0"/>
-          </a:p>
-        </p:txBody>
-      </p:sp>
-      <p:sp>
-        <p:nvSpPr>
-          <p:cNvPr id="7" name="Rectangle 6"/>
-          <p:cNvSpPr/>
-          <p:nvPr/>
-        </p:nvSpPr>
-        <p:spPr>
-          <a:xfrm rot="5400000">
-            <a:off x="5867400" y="533399"/>
-            <a:ext cx="457200" cy="12192000"/>
-          </a:xfrm>
-          <a:prstGeom prst="rect">
-            <a:avLst/>
-          </a:prstGeom>
-          <a:solidFill>
-            <a:schemeClr val="tx2"/>
-          </a:solidFill>
-          <a:ln>
-            <a:noFill/>
-          </a:ln>
-        </p:spPr>
-        <p:style>
-          <a:lnRef idx="2">
-            <a:schemeClr val="accent1">
-              <a:shade val="50000"/>
-            </a:schemeClr>
-          </a:lnRef>
-          <a:fillRef idx="1">
-            <a:schemeClr val="accent1"/>
-          </a:fillRef>
-          <a:effectRef idx="0">
-            <a:schemeClr val="accent1"/>
-          </a:effectRef>
-          <a:fontRef idx="minor">
-            <a:schemeClr val="lt1"/>
-          </a:fontRef>
-        </p:style>
-        <p:txBody>
-          <a:bodyPr rtlCol="0" anchor="ctr"/>
-          <a:lstStyle/>
-          <a:p>
-            <a:pPr algn="ctr"/>
-            <a:endParaRPr lang="en-US" sz="1800" dirty="0"/>
-          </a:p>
-        </p:txBody>
-      </p:sp>
-      <p:sp>
-        <p:nvSpPr>
-          <p:cNvPr id="8" name="Rectangle 7"/>
-          <p:cNvSpPr/>
-          <p:nvPr/>
-        </p:nvSpPr>
-        <p:spPr>
-          <a:xfrm>
-            <a:off x="10160000" y="6400800"/>
-            <a:ext cx="609601" cy="457201"/>
-          </a:xfrm>
-          <a:prstGeom prst="rect">
-            <a:avLst/>
-          </a:prstGeom>
-          <a:solidFill>
-            <a:schemeClr val="accent1"/>
-          </a:solidFill>
-          <a:ln>
-            <a:noFill/>
-          </a:ln>
-        </p:spPr>
-        <p:style>
-          <a:lnRef idx="2">
-            <a:schemeClr val="accent1">
-              <a:shade val="50000"/>
-            </a:schemeClr>
-          </a:lnRef>
-          <a:fillRef idx="1">
-            <a:schemeClr val="accent1"/>
-          </a:fillRef>
-          <a:effectRef idx="0">
-            <a:schemeClr val="accent1"/>
-          </a:effectRef>
-          <a:fontRef idx="minor">
-            <a:schemeClr val="lt1"/>
-          </a:fontRef>
-        </p:style>
-        <p:txBody>
-          <a:bodyPr rtlCol="0" anchor="ctr"/>
-          <a:lstStyle/>
-          <a:p>
-            <a:pPr algn="ctr"/>
-            <a:endParaRPr lang="en-US" sz="1800"/>
-          </a:p>
-        </p:txBody>
-      </p:sp>
-      <p:sp>
-        <p:nvSpPr>
-          <p:cNvPr id="5" name="Footer Placeholder 4"/>
-          <p:cNvSpPr>
-            <a:spLocks noGrp="1"/>
-          </p:cNvSpPr>
-          <p:nvPr>
-            <p:ph type="ftr" sz="quarter" idx="3"/>
-          </p:nvPr>
-        </p:nvSpPr>
-        <p:spPr>
-          <a:xfrm>
-            <a:off x="4352757" y="6450987"/>
-            <a:ext cx="5678783" cy="365760"/>
-          </a:xfrm>
-          <a:prstGeom prst="rect">
-            <a:avLst/>
-          </a:prstGeom>
-        </p:spPr>
-        <p:txBody>
-          <a:bodyPr vert="horz" lIns="91440" tIns="45720" rIns="91440" bIns="45720" rtlCol="0" anchor="ctr"/>
-          <a:lstStyle>
-            <a:lvl1pPr algn="r">
-              <a:defRPr sz="1200">
-                <a:solidFill>
-                  <a:schemeClr val="bg2"/>
-                </a:solidFill>
-              </a:defRPr>
-            </a:lvl1pPr>
-          </a:lstStyle>
-          <a:p>
-            <a:r>
-              <a:rPr lang="en-US" smtClean="0"/>
-              <a:t>New User Seminar</a:t>
-            </a:r>
-            <a:endParaRPr lang="en-US"/>
-          </a:p>
-        </p:txBody>
-      </p:sp>
-      <p:sp>
-        <p:nvSpPr>
-          <p:cNvPr id="4" name="Date Placeholder 3"/>
-          <p:cNvSpPr>
-            <a:spLocks noGrp="1"/>
-          </p:cNvSpPr>
-          <p:nvPr>
-            <p:ph type="dt" sz="half" idx="2"/>
-          </p:nvPr>
-        </p:nvSpPr>
-        <p:spPr>
-          <a:xfrm>
-            <a:off x="10769602" y="6450987"/>
-            <a:ext cx="1337637" cy="365760"/>
-          </a:xfrm>
-          <a:prstGeom prst="rect">
-            <a:avLst/>
-          </a:prstGeom>
-        </p:spPr>
-        <p:txBody>
-          <a:bodyPr vert="horz" lIns="91440" tIns="45720" rIns="91440" bIns="45720" rtlCol="0" anchor="ctr"/>
-          <a:lstStyle>
-            <a:lvl1pPr algn="l">
-              <a:defRPr sz="1200">
-                <a:solidFill>
-                  <a:schemeClr val="bg2"/>
-                </a:solidFill>
-                <a:latin typeface="Helvetica Neue"/>
-              </a:defRPr>
-            </a:lvl1pPr>
-          </a:lstStyle>
-          <a:p>
-            <a:fld id="{8C5F0DC5-6EC3-034C-8486-0300E89E16FC}" type="datetime1">
-              <a:rPr lang="en-US" smtClean="0"/>
-              <a:t>6/5/17</a:t>
-            </a:fld>
-            <a:endParaRPr lang="en-US"/>
-          </a:p>
-        </p:txBody>
-      </p:sp>
-      <p:sp>
-        <p:nvSpPr>
-          <p:cNvPr id="9" name="TextBox 8"/>
-          <p:cNvSpPr txBox="1"/>
-          <p:nvPr/>
-        </p:nvSpPr>
-        <p:spPr>
-          <a:xfrm>
-            <a:off x="151817" y="6495369"/>
-            <a:ext cx="2652136" cy="276999"/>
-          </a:xfrm>
-          <a:prstGeom prst="rect">
-            <a:avLst/>
-          </a:prstGeom>
-          <a:noFill/>
-        </p:spPr>
-        <p:txBody>
-          <a:bodyPr wrap="none" rtlCol="0">
-            <a:spAutoFit/>
-          </a:bodyPr>
-          <a:lstStyle/>
-          <a:p>
-            <a:r>
-              <a:rPr lang="en-US" sz="1200" dirty="0" smtClean="0">
-                <a:solidFill>
-                  <a:schemeClr val="bg2"/>
-                </a:solidFill>
-                <a:latin typeface="Helvetica Neue"/>
-              </a:rPr>
-              <a:t>Research Computing @</a:t>
-            </a:r>
-            <a:r>
-              <a:rPr lang="en-US" sz="1200" baseline="0" dirty="0" smtClean="0">
-                <a:solidFill>
-                  <a:schemeClr val="bg2"/>
-                </a:solidFill>
-                <a:latin typeface="Helvetica Neue"/>
-              </a:rPr>
-              <a:t> </a:t>
-            </a:r>
-            <a:r>
-              <a:rPr lang="en-US" sz="1200" dirty="0" smtClean="0">
-                <a:solidFill>
-                  <a:schemeClr val="bg2"/>
-                </a:solidFill>
-                <a:latin typeface="Helvetica Neue"/>
-              </a:rPr>
-              <a:t>CU Boulder</a:t>
-            </a:r>
-            <a:endParaRPr lang="en-US" sz="1200" dirty="0">
-              <a:solidFill>
-                <a:schemeClr val="bg2"/>
-              </a:solidFill>
-              <a:latin typeface="Helvetica Neue"/>
-            </a:endParaRPr>
-          </a:p>
-        </p:txBody>
-      </p:sp>
-      <p:sp>
-        <p:nvSpPr>
-          <p:cNvPr id="10" name="Slide Number Placeholder 9"/>
-          <p:cNvSpPr>
-            <a:spLocks noGrp="1"/>
-          </p:cNvSpPr>
-          <p:nvPr>
-            <p:ph type="sldNum" sz="quarter" idx="4"/>
-          </p:nvPr>
-        </p:nvSpPr>
-        <p:spPr>
-          <a:xfrm>
-            <a:off x="10192081" y="6495369"/>
-            <a:ext cx="524843" cy="276999"/>
-          </a:xfrm>
-          <a:prstGeom prst="rect">
-            <a:avLst/>
-          </a:prstGeom>
-        </p:spPr>
-        <p:txBody>
-          <a:bodyPr vert="horz" lIns="91440" tIns="45720" rIns="91440" bIns="45720" rtlCol="0" anchor="ctr"/>
-          <a:lstStyle>
-            <a:lvl1pPr algn="r">
-              <a:defRPr sz="1200">
-                <a:solidFill>
-                  <a:schemeClr val="tx1">
-                    <a:tint val="75000"/>
-                  </a:schemeClr>
-                </a:solidFill>
-                <a:latin typeface="Helvetica Neue"/>
-                <a:cs typeface="Helvetica Neue"/>
-              </a:defRPr>
-            </a:lvl1pPr>
-          </a:lstStyle>
-          <a:p>
-            <a:fld id="{02339CB1-0666-044B-8464-C41DC611290B}" type="slidenum">
-              <a:rPr lang="en-US" smtClean="0"/>
-              <a:t>‹#›</a:t>
-            </a:fld>
-            <a:endParaRPr lang="en-US"/>
-          </a:p>
-        </p:txBody>
-      </p:sp>
-    </p:spTree>
-    <p:extLst>
-      <p:ext uri="{BB962C8B-B14F-4D97-AF65-F5344CB8AC3E}">
-        <p14:creationId xmlns:p14="http://schemas.microsoft.com/office/powerpoint/2010/main" val="1916180841"/>
-      </p:ext>
-    </p:extLst>
-  </p:cSld>
-  <p:clrMap bg1="lt1" tx1="dk1" bg2="lt2" tx2="dk2" accent1="accent1" accent2="accent2" accent3="accent3" accent4="accent4" accent5="accent5" accent6="accent6" hlink="hlink" folHlink="folHlink"/>
-  <p:sldLayoutIdLst>
-    <p:sldLayoutId id="2147483674" r:id="rId1"/>
-    <p:sldLayoutId id="2147483675" r:id="rId2"/>
-    <p:sldLayoutId id="2147483676" r:id="rId3"/>
-    <p:sldLayoutId id="2147483677" r:id="rId4"/>
-    <p:sldLayoutId id="2147483678" r:id="rId5"/>
-    <p:sldLayoutId id="2147483679" r:id="rId6"/>
-    <p:sldLayoutId id="2147483680" r:id="rId7"/>
-    <p:sldLayoutId id="2147483681" r:id="rId8"/>
-    <p:sldLayoutId id="2147483682" r:id="rId9"/>
-    <p:sldLayoutId id="2147483683" r:id="rId10"/>
-    <p:sldLayoutId id="2147483684" r:id="rId11"/>
-    <p:sldLayoutId id="2147483685" r:id="rId12"/>
-  </p:sldLayoutIdLst>
-  <p:timing>
-    <p:tnLst>
-      <p:par>
-        <p:cTn id="1" dur="indefinite" restart="never" nodeType="tmRoot"/>
-      </p:par>
-    </p:tnLst>
-  </p:timing>
-  <p:hf hdr="0"/>
-  <p:txStyles>
-    <p:titleStyle>
-      <a:lvl1pPr algn="l" defTabSz="914400" rtl="0" eaLnBrk="1" latinLnBrk="0" hangingPunct="1">
-        <a:spcBef>
-          <a:spcPct val="0"/>
-        </a:spcBef>
-        <a:buNone/>
-        <a:defRPr sz="4600" kern="1200" cap="none" spc="-100" baseline="0">
-          <a:ln>
-            <a:noFill/>
-          </a:ln>
-          <a:solidFill>
-            <a:srgbClr val="FF0000"/>
           </a:solidFill>
           <a:effectLst/>
           <a:latin typeface="Helvetica Neue"/>
@@ -9971,7 +6307,7 @@
           <a:p>
             <a:fld id="{BD3E17D7-4415-0A45-8086-1E9B50478751}" type="datetime1">
               <a:rPr lang="en-US" smtClean="0"/>
-              <a:t>6/5/17</a:t>
+              <a:t>7/18/17</a:t>
             </a:fld>
             <a:endParaRPr lang="en-US" dirty="0"/>
           </a:p>
@@ -10153,7 +6489,7 @@
           <a:p>
             <a:fld id="{4676C52D-A00D-2248-AAC1-94BD55906AAC}" type="datetime1">
               <a:rPr lang="en-US" smtClean="0"/>
-              <a:t>6/5/17</a:t>
+              <a:t>7/18/17</a:t>
             </a:fld>
             <a:endParaRPr lang="en-US"/>
           </a:p>
@@ -10343,7 +6679,7 @@
           <a:p>
             <a:fld id="{446EC888-7CFD-C641-9F44-9678633359F5}" type="datetime1">
               <a:rPr lang="en-US" smtClean="0"/>
-              <a:t>6/5/17</a:t>
+              <a:t>7/18/17</a:t>
             </a:fld>
             <a:endParaRPr lang="en-US"/>
           </a:p>
@@ -10549,7 +6885,7 @@
           <a:p>
             <a:fld id="{9DCF056C-E28A-E84B-82B5-F09CA8CCF7AA}" type="datetime1">
               <a:rPr lang="en-US" smtClean="0"/>
-              <a:t>6/5/17</a:t>
+              <a:t>7/18/17</a:t>
             </a:fld>
             <a:endParaRPr lang="en-US" dirty="0"/>
           </a:p>
@@ -10750,7 +7086,7 @@
           <a:p>
             <a:fld id="{F20BFDB3-A603-BF47-BB0C-9DB4A86B14A1}" type="datetime1">
               <a:rPr lang="en-US" smtClean="0"/>
-              <a:t>6/5/17</a:t>
+              <a:t>7/18/17</a:t>
             </a:fld>
             <a:endParaRPr lang="en-US" dirty="0"/>
           </a:p>
@@ -10933,7 +7269,7 @@
           <a:p>
             <a:fld id="{C74A8494-43BC-5246-A5F8-7C026E3A2506}" type="datetime1">
               <a:rPr lang="en-US" smtClean="0"/>
-              <a:t>6/5/17</a:t>
+              <a:t>7/18/17</a:t>
             </a:fld>
             <a:endParaRPr lang="en-US" dirty="0"/>
           </a:p>
@@ -11124,7 +7460,7 @@
           <a:p>
             <a:fld id="{565D631E-63D9-2946-A4FB-64ADF73B9F46}" type="datetime1">
               <a:rPr lang="en-US" smtClean="0"/>
-              <a:t>6/5/17</a:t>
+              <a:t>7/18/17</a:t>
             </a:fld>
             <a:endParaRPr lang="en-US" dirty="0"/>
           </a:p>
@@ -11313,7 +7649,7 @@
           <a:p>
             <a:fld id="{D6A24DE9-2A38-9F4F-9441-F5E45DF3B582}" type="datetime1">
               <a:rPr lang="en-US" smtClean="0"/>
-              <a:t>6/5/17</a:t>
+              <a:t>7/18/17</a:t>
             </a:fld>
             <a:endParaRPr lang="en-US" dirty="0"/>
           </a:p>
@@ -11495,7 +7831,7 @@
           <a:p>
             <a:fld id="{14C7FEA5-DE78-1148-84A0-7BFCB44B4D67}" type="datetime1">
               <a:rPr lang="en-US" smtClean="0"/>
-              <a:t>6/5/17</a:t>
+              <a:t>7/18/17</a:t>
             </a:fld>
             <a:endParaRPr lang="en-US"/>
           </a:p>
@@ -11829,7 +8165,7 @@
           <a:p>
             <a:fld id="{8885B798-E31F-EF48-B899-212976AF87DE}" type="datetime1">
               <a:rPr lang="en-US" smtClean="0"/>
-              <a:t>6/5/17</a:t>
+              <a:t>7/18/17</a:t>
             </a:fld>
             <a:endParaRPr lang="en-US" dirty="0"/>
           </a:p>
@@ -12016,7 +8352,7 @@
           <a:p>
             <a:fld id="{BFB05F3F-E948-DD41-9031-1B2AF49AD76C}" type="datetime1">
               <a:rPr lang="en-US" smtClean="0"/>
-              <a:t>6/5/17</a:t>
+              <a:t>7/18/17</a:t>
             </a:fld>
             <a:endParaRPr lang="en-US"/>
           </a:p>
@@ -12236,7 +8572,7 @@
           <a:p>
             <a:fld id="{771A8861-859A-A949-A7D3-0A76732EE9EB}" type="datetime1">
               <a:rPr lang="en-US" smtClean="0"/>
-              <a:t>6/5/17</a:t>
+              <a:t>7/18/17</a:t>
             </a:fld>
             <a:endParaRPr lang="en-US" dirty="0"/>
           </a:p>
@@ -12455,7 +8791,7 @@
           <a:p>
             <a:fld id="{D5EAB504-1A42-5949-AE07-2AC2FB9C6C54}" type="datetime1">
               <a:rPr lang="en-US" smtClean="0"/>
-              <a:t>6/5/17</a:t>
+              <a:t>7/18/17</a:t>
             </a:fld>
             <a:endParaRPr lang="en-US" dirty="0"/>
           </a:p>
@@ -12692,7 +9028,7 @@
           <a:p>
             <a:fld id="{79168923-96D4-8249-9655-376DD4AC8146}" type="datetime1">
               <a:rPr lang="en-US" smtClean="0"/>
-              <a:t>6/5/17</a:t>
+              <a:t>7/18/17</a:t>
             </a:fld>
             <a:endParaRPr lang="en-US"/>
           </a:p>
@@ -13195,7 +9531,7 @@
           <a:p>
             <a:fld id="{F92F4056-9118-9A49-8EA1-59B389654B04}" type="datetime1">
               <a:rPr lang="en-US" smtClean="0"/>
-              <a:t>6/5/17</a:t>
+              <a:t>7/18/17</a:t>
             </a:fld>
             <a:endParaRPr lang="en-US"/>
           </a:p>
@@ -13423,7 +9759,7 @@
           <a:p>
             <a:fld id="{6A2AF87B-5DE4-7242-B926-81C627D286DE}" type="datetime1">
               <a:rPr lang="en-US" smtClean="0"/>
-              <a:t>6/5/17</a:t>
+              <a:t>7/18/17</a:t>
             </a:fld>
             <a:endParaRPr lang="en-US"/>
           </a:p>
@@ -13628,7 +9964,7 @@
           <a:p>
             <a:fld id="{C409689E-59C4-3149-BC30-04475534628F}" type="datetime1">
               <a:rPr lang="en-US" smtClean="0"/>
-              <a:t>6/5/17</a:t>
+              <a:t>7/18/17</a:t>
             </a:fld>
             <a:endParaRPr lang="en-US"/>
           </a:p>
@@ -13838,7 +10174,7 @@
           <a:p>
             <a:fld id="{A4F0CB77-59E8-AA4B-8AF0-F960A2371B83}" type="datetime1">
               <a:rPr lang="en-US" smtClean="0"/>
-              <a:t>6/5/17</a:t>
+              <a:t>7/18/17</a:t>
             </a:fld>
             <a:endParaRPr lang="en-US"/>
           </a:p>
@@ -14118,7 +10454,7 @@
           <a:p>
             <a:fld id="{2CB1BB01-A22C-0E44-AE14-9BA42F328388}" type="datetime1">
               <a:rPr lang="en-US" smtClean="0"/>
-              <a:t>6/5/17</a:t>
+              <a:t>7/18/17</a:t>
             </a:fld>
             <a:endParaRPr lang="en-US" dirty="0"/>
           </a:p>
@@ -14253,7 +10589,7 @@
           <a:p>
             <a:fld id="{EF2E92D6-81C2-2349-8DFB-1F1A7DD82F92}" type="datetime1">
               <a:rPr lang="en-US" smtClean="0"/>
-              <a:t>6/5/17</a:t>
+              <a:t>7/18/17</a:t>
             </a:fld>
             <a:endParaRPr lang="en-US"/>
           </a:p>
@@ -14456,7 +10792,7 @@
           <a:p>
             <a:fld id="{8C1A9D32-265E-194F-AF93-71B2043231E0}" type="datetime1">
               <a:rPr lang="en-US" smtClean="0"/>
-              <a:t>6/5/17</a:t>
+              <a:t>7/18/17</a:t>
             </a:fld>
             <a:endParaRPr lang="en-US"/>
           </a:p>
@@ -14682,7 +11018,7 @@
           <a:p>
             <a:fld id="{4ACF55D2-6E15-324D-A853-3288224DF348}" type="datetime1">
               <a:rPr lang="en-US" smtClean="0"/>
-              <a:t>6/5/17</a:t>
+              <a:t>7/18/17</a:t>
             </a:fld>
             <a:endParaRPr lang="en-US" dirty="0"/>
           </a:p>
@@ -14899,7 +11235,7 @@
           <a:p>
             <a:fld id="{2BF9B4AA-B499-8C4E-9B8E-811BDC42AB72}" type="datetime1">
               <a:rPr lang="en-US" smtClean="0"/>
-              <a:t>6/5/17</a:t>
+              <a:t>7/18/17</a:t>
             </a:fld>
             <a:endParaRPr lang="en-US"/>
           </a:p>
@@ -15124,7 +11460,7 @@
           <a:p>
             <a:fld id="{09667844-52C5-454C-91DA-DA641038CED4}" type="datetime1">
               <a:rPr lang="en-US" smtClean="0"/>
-              <a:t>6/5/17</a:t>
+              <a:t>7/18/17</a:t>
             </a:fld>
             <a:endParaRPr lang="en-US"/>
           </a:p>
@@ -15296,7 +11632,7 @@
           <a:p>
             <a:fld id="{D07D67D9-0F25-3A44-BD87-1123755F3EE6}" type="datetime1">
               <a:rPr lang="en-US" smtClean="0"/>
-              <a:t>6/5/17</a:t>
+              <a:t>7/18/17</a:t>
             </a:fld>
             <a:endParaRPr lang="en-US"/>
           </a:p>
@@ -15513,7 +11849,7 @@
           <a:p>
             <a:fld id="{D20DA3BF-08CB-8A4B-9523-EAB60681977A}" type="datetime1">
               <a:rPr lang="en-US" smtClean="0"/>
-              <a:t>6/5/17</a:t>
+              <a:t>7/18/17</a:t>
             </a:fld>
             <a:endParaRPr lang="en-US"/>
           </a:p>
@@ -17448,7 +13784,7 @@
           <a:p>
             <a:fld id="{A3C9C1BB-C1E4-004E-B76B-8C60A87CB160}" type="datetime1">
               <a:rPr lang="en-US" smtClean="0"/>
-              <a:t>6/5/17</a:t>
+              <a:t>7/18/17</a:t>
             </a:fld>
             <a:endParaRPr lang="en-US"/>
           </a:p>
@@ -19628,7 +15964,7 @@
           <a:p>
             <a:fld id="{D7C17083-DB9E-DF40-9FF1-3C3BBD3126F3}" type="datetime1">
               <a:rPr lang="en-US" smtClean="0"/>
-              <a:t>6/5/17</a:t>
+              <a:t>7/18/17</a:t>
             </a:fld>
             <a:endParaRPr lang="en-US" dirty="0"/>
           </a:p>
@@ -19803,11 +16139,11 @@
         <p:spPr/>
         <p:txBody>
           <a:bodyPr>
-            <a:normAutofit fontScale="92500" lnSpcReduction="20000"/>
+            <a:normAutofit fontScale="92500" lnSpcReduction="10000"/>
           </a:bodyPr>
           <a:lstStyle/>
           <a:p>
-            <a:pPr marL="114300" indent="0">
+            <a:pPr marL="85725" indent="0">
               <a:buNone/>
             </a:pPr>
             <a:r>
@@ -19860,7 +16196,7 @@
             </a:r>
           </a:p>
           <a:p>
-            <a:pPr marL="114300" indent="0">
+            <a:pPr marL="85725" indent="0">
               <a:buNone/>
             </a:pPr>
             <a:endParaRPr lang="en-US" dirty="0" smtClean="0"/>
@@ -19871,34 +16207,26 @@
               <a:t>Allocation:		</a:t>
             </a:r>
             <a:r>
-              <a:rPr lang="en-US" sz="2200" dirty="0" smtClean="0">
-                <a:latin typeface="Courier New" charset="0"/>
-                <a:ea typeface="Courier New" charset="0"/>
-                <a:cs typeface="Courier New" charset="0"/>
-              </a:rPr>
-              <a:t>-</a:t>
-            </a:r>
-            <a:r>
               <a:rPr lang="en-US" sz="2200" dirty="0">
-                <a:latin typeface="Courier New" charset="0"/>
-                <a:ea typeface="Courier New" charset="0"/>
-                <a:cs typeface="Courier New" charset="0"/>
-              </a:rPr>
-              <a:t>A=&lt;</a:t>
+                <a:latin typeface="Courier" charset="0"/>
+                <a:ea typeface="Courier" charset="0"/>
+                <a:cs typeface="Courier" charset="0"/>
+              </a:rPr>
+              <a:t>--account=&lt;</a:t>
             </a:r>
             <a:r>
               <a:rPr lang="en-US" sz="2200" dirty="0" err="1">
-                <a:latin typeface="Courier New" charset="0"/>
-                <a:ea typeface="Courier New" charset="0"/>
-                <a:cs typeface="Courier New" charset="0"/>
+                <a:latin typeface="Courier" charset="0"/>
+                <a:ea typeface="Courier" charset="0"/>
+                <a:cs typeface="Courier" charset="0"/>
               </a:rPr>
               <a:t>account_no</a:t>
             </a:r>
             <a:r>
               <a:rPr lang="en-US" sz="2200" dirty="0">
-                <a:latin typeface="Courier New" charset="0"/>
-                <a:ea typeface="Courier New" charset="0"/>
-                <a:cs typeface="Courier New" charset="0"/>
+                <a:latin typeface="Courier" charset="0"/>
+                <a:ea typeface="Courier" charset="0"/>
+                <a:cs typeface="Courier" charset="0"/>
               </a:rPr>
               <a:t>&gt;</a:t>
             </a:r>
@@ -19909,30 +16237,29 @@
               <a:t>Partition:		</a:t>
             </a:r>
             <a:r>
-              <a:rPr lang="en-US" dirty="0" smtClean="0">
-                <a:latin typeface="Courier New" charset="0"/>
-                <a:ea typeface="Courier New" charset="0"/>
-                <a:cs typeface="Courier New" charset="0"/>
+              <a:rPr lang="en-US" sz="2200" dirty="0">
+                <a:latin typeface="Courier" charset="0"/>
+                <a:ea typeface="Courier" charset="0"/>
+                <a:cs typeface="Courier" charset="0"/>
               </a:rPr>
               <a:t>--partition=&lt;</a:t>
             </a:r>
             <a:r>
-              <a:rPr lang="en-US" dirty="0" err="1" smtClean="0">
-                <a:latin typeface="Courier New" charset="0"/>
-                <a:ea typeface="Courier New" charset="0"/>
-                <a:cs typeface="Courier New" charset="0"/>
+              <a:rPr lang="en-US" sz="2200" dirty="0" err="1">
+                <a:latin typeface="Courier" charset="0"/>
+                <a:ea typeface="Courier" charset="0"/>
+                <a:cs typeface="Courier" charset="0"/>
               </a:rPr>
               <a:t>partition_name</a:t>
             </a:r>
             <a:r>
-              <a:rPr lang="en-US" dirty="0" smtClean="0">
-                <a:latin typeface="Courier New" charset="0"/>
-                <a:ea typeface="Courier New" charset="0"/>
-                <a:cs typeface="Courier New" charset="0"/>
+              <a:rPr lang="en-US" sz="2200" dirty="0">
+                <a:latin typeface="Courier" charset="0"/>
+                <a:ea typeface="Courier" charset="0"/>
+                <a:cs typeface="Courier" charset="0"/>
               </a:rPr>
               <a:t>&gt;</a:t>
             </a:r>
-            <a:endParaRPr lang="en-US" dirty="0" smtClean="0"/>
           </a:p>
           <a:p>
             <a:r>
@@ -19940,188 +16267,140 @@
               <a:t>Sending emails:	</a:t>
             </a:r>
             <a:r>
-              <a:rPr lang="en-US" sz="2200" dirty="0" smtClean="0">
-                <a:latin typeface="Courier New" charset="0"/>
-                <a:ea typeface="Courier New" charset="0"/>
-                <a:cs typeface="Courier New" charset="0"/>
+              <a:rPr lang="en-US" sz="2200" dirty="0">
+                <a:latin typeface="Courier" charset="0"/>
+                <a:ea typeface="Courier" charset="0"/>
+                <a:cs typeface="Courier" charset="0"/>
+              </a:rPr>
+              <a:t>--mail-type=&lt;type&gt;</a:t>
+            </a:r>
+          </a:p>
+          <a:p>
+            <a:r>
+              <a:rPr lang="en-US" dirty="0" smtClean="0"/>
+              <a:t>Email address:	</a:t>
+            </a:r>
+            <a:r>
+              <a:rPr lang="en-US" sz="2200" dirty="0">
+                <a:latin typeface="Courier" charset="0"/>
+                <a:ea typeface="Courier" charset="0"/>
+                <a:cs typeface="Courier" charset="0"/>
+              </a:rPr>
+              <a:t>--mail-user=&lt;user&gt;</a:t>
+            </a:r>
+          </a:p>
+          <a:p>
+            <a:r>
+              <a:rPr lang="en-US" dirty="0" smtClean="0"/>
+              <a:t>Number of nodes:	</a:t>
+            </a:r>
+            <a:r>
+              <a:rPr lang="en-US" sz="2200" dirty="0">
+                <a:latin typeface="Courier" charset="0"/>
+                <a:ea typeface="Courier" charset="0"/>
+                <a:cs typeface="Courier" charset="0"/>
+              </a:rPr>
+              <a:t>--nodes=&lt;nodes&gt;</a:t>
+            </a:r>
+          </a:p>
+          <a:p>
+            <a:r>
+              <a:rPr lang="en-US" dirty="0" smtClean="0"/>
+              <a:t>Quality of service:	</a:t>
+            </a:r>
+            <a:r>
+              <a:rPr lang="en-US" sz="2200" dirty="0">
+                <a:latin typeface="Courier" charset="0"/>
+                <a:ea typeface="Courier" charset="0"/>
+                <a:cs typeface="Courier" charset="0"/>
               </a:rPr>
               <a:t>--</a:t>
             </a:r>
             <a:r>
+              <a:rPr lang="en-US" sz="2200" dirty="0" err="1">
+                <a:latin typeface="Courier" charset="0"/>
+                <a:ea typeface="Courier" charset="0"/>
+                <a:cs typeface="Courier" charset="0"/>
+              </a:rPr>
+              <a:t>qos</a:t>
+            </a:r>
+            <a:r>
               <a:rPr lang="en-US" sz="2200" dirty="0">
-                <a:latin typeface="Courier New" charset="0"/>
-                <a:ea typeface="Courier New" charset="0"/>
-                <a:cs typeface="Courier New" charset="0"/>
-              </a:rPr>
-              <a:t>mail-type=&lt;type&gt;</a:t>
-            </a:r>
-          </a:p>
-          <a:p>
-            <a:r>
-              <a:rPr lang="en-US" dirty="0" smtClean="0"/>
-              <a:t>Email address:	</a:t>
-            </a:r>
-            <a:r>
-              <a:rPr lang="en-US" sz="2200" dirty="0" smtClean="0">
-                <a:latin typeface="Courier New" charset="0"/>
-                <a:ea typeface="Courier New" charset="0"/>
-                <a:cs typeface="Courier New" charset="0"/>
-              </a:rPr>
-              <a:t>--</a:t>
+                <a:latin typeface="Courier" charset="0"/>
+                <a:ea typeface="Courier" charset="0"/>
+                <a:cs typeface="Courier" charset="0"/>
+              </a:rPr>
+              <a:t>=&lt;</a:t>
+            </a:r>
+            <a:r>
+              <a:rPr lang="en-US" sz="2200" dirty="0" err="1">
+                <a:latin typeface="Courier" charset="0"/>
+                <a:ea typeface="Courier" charset="0"/>
+                <a:cs typeface="Courier" charset="0"/>
+              </a:rPr>
+              <a:t>qos</a:t>
             </a:r>
             <a:r>
               <a:rPr lang="en-US" sz="2200" dirty="0">
-                <a:latin typeface="Courier New" charset="0"/>
-                <a:ea typeface="Courier New" charset="0"/>
-                <a:cs typeface="Courier New" charset="0"/>
-              </a:rPr>
-              <a:t>mail-user=&lt;user&gt;</a:t>
-            </a:r>
-          </a:p>
-          <a:p>
-            <a:r>
-              <a:rPr lang="en-US" dirty="0" smtClean="0"/>
-              <a:t>Number of nodes:	</a:t>
-            </a:r>
-            <a:r>
-              <a:rPr lang="en-US" sz="2200" dirty="0" smtClean="0">
-                <a:latin typeface="Courier New" charset="0"/>
-                <a:ea typeface="Courier New" charset="0"/>
-                <a:cs typeface="Courier New" charset="0"/>
-              </a:rPr>
-              <a:t>--</a:t>
+                <a:latin typeface="Courier" charset="0"/>
+                <a:ea typeface="Courier" charset="0"/>
+                <a:cs typeface="Courier" charset="0"/>
+              </a:rPr>
+              <a:t>&gt;</a:t>
+            </a:r>
+          </a:p>
+          <a:p>
+            <a:r>
+              <a:rPr lang="en-US" dirty="0" smtClean="0"/>
+              <a:t>Reservation:	</a:t>
             </a:r>
             <a:r>
               <a:rPr lang="en-US" sz="2200" dirty="0">
-                <a:latin typeface="Courier New" charset="0"/>
-                <a:ea typeface="Courier New" charset="0"/>
-                <a:cs typeface="Courier New" charset="0"/>
-              </a:rPr>
-              <a:t>nodes=&lt;nodes&gt;</a:t>
-            </a:r>
-          </a:p>
-          <a:p>
-            <a:r>
-              <a:rPr lang="en-US" dirty="0" smtClean="0"/>
-              <a:t>Quality of service:	</a:t>
-            </a:r>
-            <a:r>
-              <a:rPr lang="en-US" sz="2200" dirty="0" smtClean="0">
-                <a:latin typeface="Courier New" charset="0"/>
-                <a:ea typeface="Courier New" charset="0"/>
-                <a:cs typeface="Courier New" charset="0"/>
-              </a:rPr>
-              <a:t>--</a:t>
-            </a:r>
-            <a:r>
-              <a:rPr lang="en-US" sz="2200" dirty="0" err="1">
-                <a:latin typeface="Courier New" charset="0"/>
-                <a:ea typeface="Courier New" charset="0"/>
-                <a:cs typeface="Courier New" charset="0"/>
-              </a:rPr>
-              <a:t>qos</a:t>
+                <a:latin typeface="Courier" charset="0"/>
+                <a:ea typeface="Courier" charset="0"/>
+                <a:cs typeface="Courier" charset="0"/>
+              </a:rPr>
+              <a:t>--reservation=&lt;name&gt;</a:t>
+            </a:r>
+          </a:p>
+          <a:p>
+            <a:r>
+              <a:rPr lang="en-US" dirty="0" smtClean="0"/>
+              <a:t>Wall time:		</a:t>
             </a:r>
             <a:r>
               <a:rPr lang="en-US" sz="2200" dirty="0">
-                <a:latin typeface="Courier New" charset="0"/>
-                <a:ea typeface="Courier New" charset="0"/>
-                <a:cs typeface="Courier New" charset="0"/>
-              </a:rPr>
-              <a:t>=&lt;</a:t>
-            </a:r>
-            <a:r>
-              <a:rPr lang="en-US" sz="2200" dirty="0" err="1">
-                <a:latin typeface="Courier New" charset="0"/>
-                <a:ea typeface="Courier New" charset="0"/>
-                <a:cs typeface="Courier New" charset="0"/>
-              </a:rPr>
-              <a:t>qos</a:t>
+                <a:latin typeface="Courier" charset="0"/>
+                <a:ea typeface="Courier" charset="0"/>
+                <a:cs typeface="Courier" charset="0"/>
+              </a:rPr>
+              <a:t>--time=&lt;wall time&gt;</a:t>
+            </a:r>
+          </a:p>
+          <a:p>
+            <a:r>
+              <a:rPr lang="en-US" dirty="0" smtClean="0"/>
+              <a:t>Job Name:		</a:t>
             </a:r>
             <a:r>
               <a:rPr lang="en-US" sz="2200" dirty="0">
-                <a:latin typeface="Courier New" charset="0"/>
-                <a:ea typeface="Courier New" charset="0"/>
-                <a:cs typeface="Courier New" charset="0"/>
-              </a:rPr>
-              <a:t>&gt;</a:t>
-            </a:r>
-          </a:p>
-          <a:p>
-            <a:r>
-              <a:rPr lang="en-US" dirty="0" smtClean="0"/>
-              <a:t>Reservation:	</a:t>
-            </a:r>
-            <a:r>
-              <a:rPr lang="en-US" sz="2200" dirty="0" smtClean="0">
-                <a:latin typeface="Courier New" charset="0"/>
-                <a:ea typeface="Courier New" charset="0"/>
-                <a:cs typeface="Courier New" charset="0"/>
-              </a:rPr>
-              <a:t>--</a:t>
+                <a:latin typeface="Courier" charset="0"/>
+                <a:ea typeface="Courier" charset="0"/>
+                <a:cs typeface="Courier" charset="0"/>
+              </a:rPr>
+              <a:t>--job-name</a:t>
             </a:r>
             <a:r>
               <a:rPr lang="en-US" sz="2200" dirty="0">
-                <a:latin typeface="Courier New" charset="0"/>
-                <a:ea typeface="Courier New" charset="0"/>
-                <a:cs typeface="Courier New" charset="0"/>
-              </a:rPr>
-              <a:t>reservation=&lt;name&gt;</a:t>
-            </a:r>
-          </a:p>
-          <a:p>
-            <a:r>
-              <a:rPr lang="en-US" dirty="0" smtClean="0"/>
-              <a:t>Wall time:		</a:t>
-            </a:r>
-            <a:r>
-              <a:rPr lang="en-US" sz="2200" dirty="0" smtClean="0">
-                <a:latin typeface="Courier New" charset="0"/>
-                <a:ea typeface="Courier New" charset="0"/>
-                <a:cs typeface="Courier New" charset="0"/>
-              </a:rPr>
-              <a:t>--</a:t>
-            </a:r>
-            <a:r>
-              <a:rPr lang="en-US" sz="2200" dirty="0">
-                <a:latin typeface="Courier New" charset="0"/>
-                <a:ea typeface="Courier New" charset="0"/>
-                <a:cs typeface="Courier New" charset="0"/>
-              </a:rPr>
-              <a:t>time=&lt;wall time&gt;</a:t>
-            </a:r>
-          </a:p>
-          <a:p>
-            <a:r>
-              <a:rPr lang="en-US" dirty="0" smtClean="0"/>
-              <a:t>Job Name:		</a:t>
-            </a:r>
-            <a:r>
-              <a:rPr lang="en-US" sz="2200" dirty="0" smtClean="0">
-                <a:latin typeface="Courier New" charset="0"/>
-                <a:ea typeface="Courier New" charset="0"/>
-                <a:cs typeface="Courier New" charset="0"/>
-              </a:rPr>
-              <a:t>–job-name</a:t>
-            </a:r>
-            <a:r>
-              <a:rPr lang="en-US" sz="2200" dirty="0">
-                <a:latin typeface="Courier New" charset="0"/>
-                <a:ea typeface="Courier New" charset="0"/>
-                <a:cs typeface="Courier New" charset="0"/>
-              </a:rPr>
-              <a:t>=&lt;jobname</a:t>
-            </a:r>
-            <a:r>
-              <a:rPr lang="en-US" sz="2200" dirty="0" smtClean="0">
-                <a:latin typeface="Courier New" charset="0"/>
-                <a:ea typeface="Courier New" charset="0"/>
-                <a:cs typeface="Courier New" charset="0"/>
-              </a:rPr>
-              <a:t>&gt;</a:t>
-            </a:r>
-          </a:p>
-          <a:p>
-            <a:endParaRPr lang="en-US" sz="2200" dirty="0">
+                <a:latin typeface="Courier" charset="0"/>
+                <a:ea typeface="Courier" charset="0"/>
+                <a:cs typeface="Courier" charset="0"/>
+              </a:rPr>
+              <a:t>=&lt;jobname&gt;</a:t>
+            </a:r>
+          </a:p>
+          <a:p>
+            <a:endParaRPr lang="en-US" sz="1650" dirty="0">
               <a:latin typeface="Helvetica Neue" charset="0"/>
               <a:ea typeface="Helvetica Neue" charset="0"/>
               <a:cs typeface="Helvetica Neue" charset="0"/>
@@ -20129,18 +16408,13 @@
           </a:p>
           <a:p>
             <a:r>
-              <a:rPr lang="en-US" sz="2200" dirty="0" smtClean="0">
+              <a:rPr lang="en-US" sz="1650" dirty="0">
                 <a:latin typeface="Helvetica Neue" charset="0"/>
                 <a:ea typeface="Helvetica Neue" charset="0"/>
                 <a:cs typeface="Helvetica Neue" charset="0"/>
               </a:rPr>
               <a:t>FYI:  You do NOT actually type &lt;&gt; above – this designates something specific you as a user must enter about your job</a:t>
             </a:r>
-            <a:endParaRPr lang="en-US" sz="2200" dirty="0">
-              <a:latin typeface="Helvetica Neue" charset="0"/>
-              <a:ea typeface="Helvetica Neue" charset="0"/>
-              <a:cs typeface="Helvetica Neue" charset="0"/>
-            </a:endParaRPr>
           </a:p>
           <a:p>
             <a:endParaRPr lang="en-US" dirty="0"/>
@@ -20164,7 +16438,7 @@
           <a:p>
             <a:fld id="{F1062F58-FDE1-BA4D-BB8C-2264A72B5428}" type="datetime1">
               <a:rPr lang="en-US" smtClean="0"/>
-              <a:t>6/5/17</a:t>
+              <a:t>7/18/17</a:t>
             </a:fld>
             <a:endParaRPr lang="en-US" dirty="0"/>
           </a:p>
@@ -20201,8 +16475,8 @@
         </p:nvSpPr>
         <p:spPr>
           <a:xfrm>
-            <a:off x="6537958" y="112341"/>
-            <a:ext cx="3904980" cy="369332"/>
+            <a:off x="6427470" y="941506"/>
+            <a:ext cx="2976071" cy="300082"/>
           </a:xfrm>
           <a:prstGeom prst="rect">
             <a:avLst/>
@@ -20216,22 +16490,22 @@
           <a:lstStyle/>
           <a:p>
             <a:r>
-              <a:rPr lang="en-US" dirty="0"/>
+              <a:rPr lang="en-US" sz="1350" dirty="0"/>
               <a:t>http://</a:t>
             </a:r>
             <a:r>
-              <a:rPr lang="en-US" dirty="0" err="1"/>
+              <a:rPr lang="en-US" sz="1350" dirty="0" err="1"/>
               <a:t>slurm.schedmd.com</a:t>
             </a:r>
             <a:r>
-              <a:rPr lang="en-US" dirty="0"/>
+              <a:rPr lang="en-US" sz="1350" dirty="0"/>
               <a:t>/</a:t>
             </a:r>
             <a:r>
-              <a:rPr lang="en-US" dirty="0" err="1"/>
+              <a:rPr lang="en-US" sz="1350" dirty="0" err="1"/>
               <a:t>sbatch.html</a:t>
             </a:r>
-            <a:endParaRPr lang="en-US" dirty="0"/>
+            <a:endParaRPr lang="en-US" sz="1350" dirty="0"/>
           </a:p>
         </p:txBody>
       </p:sp>
@@ -20261,7 +16535,7 @@
     </p:spTree>
     <p:extLst>
       <p:ext uri="{BB962C8B-B14F-4D97-AF65-F5344CB8AC3E}">
-        <p14:creationId xmlns:p14="http://schemas.microsoft.com/office/powerpoint/2010/main" val="1818669724"/>
+        <p14:creationId xmlns:p14="http://schemas.microsoft.com/office/powerpoint/2010/main" val="1930775941"/>
       </p:ext>
     </p:extLst>
   </p:cSld>
@@ -20343,15 +16617,7 @@
           <a:p>
             <a:r>
               <a:rPr lang="en-US" dirty="0" smtClean="0"/>
-              <a:t>Make sure </a:t>
-            </a:r>
-            <a:r>
-              <a:rPr lang="en-US" dirty="0" smtClean="0"/>
-              <a:t>you load the </a:t>
-            </a:r>
-            <a:r>
-              <a:rPr lang="en-US" dirty="0" smtClean="0"/>
-              <a:t>appropriate </a:t>
+              <a:t>Make sure you load the appropriate </a:t>
             </a:r>
             <a:r>
               <a:rPr lang="en-US" dirty="0" err="1" smtClean="0"/>
@@ -20361,7 +16627,6 @@
               <a:rPr lang="en-US" dirty="0" smtClean="0"/>
               <a:t> module</a:t>
             </a:r>
-            <a:endParaRPr lang="en-US" dirty="0" smtClean="0"/>
           </a:p>
           <a:p>
             <a:pPr marL="114300" indent="0">
@@ -20466,7 +16731,7 @@
           <a:p>
             <a:fld id="{57D010C4-F61A-344B-ACB4-6FFCD098ACFF}" type="datetime1">
               <a:rPr lang="en-US" smtClean="0"/>
-              <a:t>6/5/17</a:t>
+              <a:t>7/18/17</a:t>
             </a:fld>
             <a:endParaRPr lang="en-US"/>
           </a:p>
@@ -20702,7 +16967,7 @@
           <a:p>
             <a:fld id="{36D94695-4FE4-B74D-9FEF-603C469ABA33}" type="datetime1">
               <a:rPr lang="en-US" smtClean="0"/>
-              <a:t>6/5/17</a:t>
+              <a:t>7/18/17</a:t>
             </a:fld>
             <a:endParaRPr lang="en-US"/>
           </a:p>
@@ -20955,7 +17220,7 @@
           <a:p>
             <a:fld id="{A2DD7857-83C0-944C-808D-7EBD666BA1C5}" type="datetime1">
               <a:rPr lang="en-US" smtClean="0"/>
-              <a:t>6/5/17</a:t>
+              <a:t>7/18/17</a:t>
             </a:fld>
             <a:endParaRPr lang="en-US"/>
           </a:p>
@@ -21090,7 +17355,7 @@
           <a:p>
             <a:fld id="{D0F1EC55-3BF6-B94A-A8A8-ECF9B2E6E6A5}" type="datetime1">
               <a:rPr lang="en-US" smtClean="0"/>
-              <a:t>6/5/17</a:t>
+              <a:t>7/18/17</a:t>
             </a:fld>
             <a:endParaRPr lang="en-US" dirty="0"/>
           </a:p>
@@ -21306,7 +17571,7 @@
           <a:p>
             <a:fld id="{157FD4B1-436B-5B42-B797-4F45D1B6B6A9}" type="datetime1">
               <a:rPr lang="en-US" smtClean="0"/>
-              <a:t>6/5/17</a:t>
+              <a:t>7/18/17</a:t>
             </a:fld>
             <a:endParaRPr lang="en-US" dirty="0"/>
           </a:p>
@@ -21535,7 +17800,7 @@
             </a:pPr>
             <a:r>
               <a:rPr lang="en-US" dirty="0" smtClean="0"/>
-              <a:t>User the </a:t>
+              <a:t>Use the </a:t>
             </a:r>
             <a:r>
               <a:rPr lang="en-US" dirty="0" err="1" smtClean="0"/>
@@ -21586,7 +17851,7 @@
           <a:p>
             <a:fld id="{50F15D87-D865-834D-8095-85B47E5D857D}" type="datetime1">
               <a:rPr lang="en-US" smtClean="0"/>
-              <a:t>6/5/17</a:t>
+              <a:t>7/18/17</a:t>
             </a:fld>
             <a:endParaRPr lang="en-US"/>
           </a:p>
@@ -21721,7 +17986,7 @@
         </p:spPr>
         <p:txBody>
           <a:bodyPr>
-            <a:normAutofit fontScale="92500" lnSpcReduction="20000"/>
+            <a:normAutofit/>
           </a:bodyPr>
           <a:lstStyle/>
           <a:p>
@@ -21755,7 +18020,7 @@
                 <a:ea typeface="Courier" charset="0"/>
                 <a:cs typeface="Courier" charset="0"/>
               </a:rPr>
-              <a:t>#SBATCH --nodes=1                         </a:t>
+              <a:t>#SBATCH --nodes=1                      </a:t>
             </a:r>
             <a:r>
               <a:rPr lang="en-US" sz="2000" dirty="0" smtClean="0">
@@ -21784,7 +18049,7 @@
                 <a:ea typeface="Courier" charset="0"/>
                 <a:cs typeface="Courier" charset="0"/>
               </a:rPr>
-              <a:t>#SBATCH --time=0:01:00                    </a:t>
+              <a:t>#SBATCH --time=0:01:00                 </a:t>
             </a:r>
             <a:r>
               <a:rPr lang="en-US" sz="2000" dirty="0" smtClean="0">
@@ -21829,7 +18094,7 @@
                 <a:ea typeface="Courier" charset="0"/>
                 <a:cs typeface="Courier" charset="0"/>
               </a:rPr>
-              <a:t>=debug                       </a:t>
+              <a:t>=debug                    </a:t>
             </a:r>
             <a:r>
               <a:rPr lang="en-US" sz="2000" dirty="0" smtClean="0">
@@ -21874,7 +18139,7 @@
                 <a:ea typeface="Courier" charset="0"/>
                 <a:cs typeface="Courier" charset="0"/>
               </a:rPr>
-              <a:t>                  </a:t>
+              <a:t>               </a:t>
             </a:r>
             <a:r>
               <a:rPr lang="en-US" sz="2000" dirty="0" smtClean="0">
@@ -21935,7 +18200,7 @@
                 <a:ea typeface="Courier" charset="0"/>
                 <a:cs typeface="Courier" charset="0"/>
               </a:rPr>
-              <a:t>          </a:t>
+              <a:t>       </a:t>
             </a:r>
             <a:r>
               <a:rPr lang="en-US" sz="2000" dirty="0" smtClean="0">
@@ -21996,7 +18261,7 @@
                 <a:ea typeface="Courier" charset="0"/>
                 <a:cs typeface="Courier" charset="0"/>
               </a:rPr>
-              <a:t>            </a:t>
+              <a:t>         </a:t>
             </a:r>
             <a:r>
               <a:rPr lang="en-US" sz="2000" dirty="0" smtClean="0">
@@ -22109,73 +18374,6 @@
                 <a:ea typeface="Courier" charset="0"/>
                 <a:cs typeface="Courier" charset="0"/>
               </a:rPr>
-              <a:t># The directory where you want the job to run</a:t>
-            </a:r>
-          </a:p>
-          <a:p>
-            <a:pPr marL="114300" indent="0">
-              <a:buNone/>
-            </a:pPr>
-            <a:r>
-              <a:rPr lang="en-US" sz="2000" dirty="0">
-                <a:latin typeface="Courier" charset="0"/>
-                <a:ea typeface="Courier" charset="0"/>
-                <a:cs typeface="Courier" charset="0"/>
-              </a:rPr>
-              <a:t>cd /projects/$USER/tutorials/</a:t>
-            </a:r>
-            <a:r>
-              <a:rPr lang="en-US" sz="2000" dirty="0" err="1">
-                <a:latin typeface="Courier" charset="0"/>
-                <a:ea typeface="Courier" charset="0"/>
-                <a:cs typeface="Courier" charset="0"/>
-              </a:rPr>
-              <a:t>parallelization_workshop</a:t>
-            </a:r>
-            <a:r>
-              <a:rPr lang="en-US" sz="2000" dirty="0">
-                <a:latin typeface="Courier" charset="0"/>
-                <a:ea typeface="Courier" charset="0"/>
-                <a:cs typeface="Courier" charset="0"/>
-              </a:rPr>
-              <a:t>/new</a:t>
-            </a:r>
-          </a:p>
-          <a:p>
-            <a:pPr marL="114300" indent="0">
-              <a:buNone/>
-            </a:pPr>
-            <a:r>
-              <a:rPr lang="en-US" sz="2000" dirty="0">
-                <a:latin typeface="Courier" charset="0"/>
-                <a:ea typeface="Courier" charset="0"/>
-                <a:cs typeface="Courier" charset="0"/>
-              </a:rPr>
-              <a:t/>
-            </a:r>
-            <a:br>
-              <a:rPr lang="en-US" sz="2000" dirty="0">
-                <a:latin typeface="Courier" charset="0"/>
-                <a:ea typeface="Courier" charset="0"/>
-                <a:cs typeface="Courier" charset="0"/>
-              </a:rPr>
-            </a:br>
-            <a:endParaRPr lang="en-US" sz="2000" dirty="0">
-              <a:latin typeface="Courier" charset="0"/>
-              <a:ea typeface="Courier" charset="0"/>
-              <a:cs typeface="Courier" charset="0"/>
-            </a:endParaRPr>
-          </a:p>
-          <a:p>
-            <a:pPr marL="114300" indent="0">
-              <a:buNone/>
-            </a:pPr>
-            <a:r>
-              <a:rPr lang="en-US" sz="2000" dirty="0">
-                <a:latin typeface="Courier" charset="0"/>
-                <a:ea typeface="Courier" charset="0"/>
-                <a:cs typeface="Courier" charset="0"/>
-              </a:rPr>
               <a:t>hostname</a:t>
             </a:r>
           </a:p>
@@ -22198,7 +18396,7 @@
           <a:p>
             <a:fld id="{9650BA27-C1AA-FC4E-A90D-29775570A7B1}" type="datetime1">
               <a:rPr lang="en-US" smtClean="0"/>
-              <a:t>6/5/17</a:t>
+              <a:t>7/18/17</a:t>
             </a:fld>
             <a:endParaRPr lang="en-US"/>
           </a:p>
@@ -22513,7 +18711,7 @@
           <a:p>
             <a:fld id="{F595C32F-4FDD-1845-9DAD-BF783B30F4EA}" type="datetime1">
               <a:rPr lang="en-US" smtClean="0"/>
-              <a:t>6/5/17</a:t>
+              <a:t>7/18/17</a:t>
             </a:fld>
             <a:endParaRPr lang="en-US"/>
           </a:p>
@@ -22849,7 +19047,7 @@
           <a:p>
             <a:fld id="{7A593D67-D80B-D341-95C2-D8FD019BB686}" type="datetime1">
               <a:rPr lang="en-US" smtClean="0"/>
-              <a:t>6/5/17</a:t>
+              <a:t>7/18/17</a:t>
             </a:fld>
             <a:endParaRPr lang="en-US" dirty="0"/>
           </a:p>
@@ -23175,7 +19373,7 @@
           <a:p>
             <a:fld id="{26A447B6-DA76-2941-9271-7615FCF773C3}" type="datetime1">
               <a:rPr lang="en-US" smtClean="0"/>
-              <a:t>6/5/17</a:t>
+              <a:t>7/18/17</a:t>
             </a:fld>
             <a:endParaRPr lang="en-US"/>
           </a:p>
@@ -23432,7 +19630,15 @@
             </a:pPr>
             <a:r>
               <a:rPr lang="en-US" dirty="0" smtClean="0"/>
-              <a:t>Run the job from the Summit GPU partition</a:t>
+              <a:t>Run the job from the Summit </a:t>
+            </a:r>
+            <a:r>
+              <a:rPr lang="en-US" dirty="0" err="1" smtClean="0"/>
+              <a:t>haswell</a:t>
+            </a:r>
+            <a:r>
+              <a:rPr lang="en-US" dirty="0" smtClean="0"/>
+              <a:t> partition</a:t>
             </a:r>
           </a:p>
           <a:p>
@@ -23527,7 +19733,7 @@
           <a:p>
             <a:fld id="{38B2C89D-A2C7-BC4F-80C2-CF46C745D9C4}" type="datetime1">
               <a:rPr lang="en-US" smtClean="0"/>
-              <a:t>6/5/17</a:t>
+              <a:t>7/18/17</a:t>
             </a:fld>
             <a:endParaRPr lang="en-US"/>
           </a:p>
@@ -23704,7 +19910,7 @@
         </p:spPr>
         <p:txBody>
           <a:bodyPr>
-            <a:normAutofit fontScale="70000" lnSpcReduction="20000"/>
+            <a:normAutofit fontScale="85000" lnSpcReduction="20000"/>
           </a:bodyPr>
           <a:lstStyle/>
           <a:p>
@@ -24061,81 +20267,6 @@
                 <a:cs typeface="Courier" charset="0"/>
               </a:rPr>
             </a:br>
-            <a:endParaRPr lang="en-US" sz="2000" dirty="0" smtClean="0">
-              <a:latin typeface="Courier" charset="0"/>
-              <a:ea typeface="Courier" charset="0"/>
-              <a:cs typeface="Courier" charset="0"/>
-            </a:endParaRPr>
-          </a:p>
-          <a:p>
-            <a:pPr marL="114300" indent="0">
-              <a:buNone/>
-            </a:pPr>
-            <a:r>
-              <a:rPr lang="en-US" sz="2000" dirty="0" smtClean="0">
-                <a:latin typeface="Courier" charset="0"/>
-                <a:ea typeface="Courier" charset="0"/>
-                <a:cs typeface="Courier" charset="0"/>
-              </a:rPr>
-              <a:t># </a:t>
-            </a:r>
-            <a:r>
-              <a:rPr lang="en-US" sz="2000" dirty="0">
-                <a:latin typeface="Courier" charset="0"/>
-                <a:ea typeface="Courier" charset="0"/>
-                <a:cs typeface="Courier" charset="0"/>
-              </a:rPr>
-              <a:t>The directory where you want the job to run</a:t>
-            </a:r>
-          </a:p>
-          <a:p>
-            <a:pPr marL="114300" indent="0">
-              <a:buNone/>
-            </a:pPr>
-            <a:r>
-              <a:rPr lang="en-US" sz="2000" dirty="0">
-                <a:latin typeface="Courier" charset="0"/>
-                <a:ea typeface="Courier" charset="0"/>
-                <a:cs typeface="Courier" charset="0"/>
-              </a:rPr>
-              <a:t>cd /projects/$USER/tutorials/</a:t>
-            </a:r>
-            <a:r>
-              <a:rPr lang="en-US" sz="2000" dirty="0" err="1">
-                <a:latin typeface="Courier" charset="0"/>
-                <a:ea typeface="Courier" charset="0"/>
-                <a:cs typeface="Courier" charset="0"/>
-              </a:rPr>
-              <a:t>parallelization_workshop</a:t>
-            </a:r>
-            <a:r>
-              <a:rPr lang="en-US" sz="2000" dirty="0">
-                <a:latin typeface="Courier" charset="0"/>
-                <a:ea typeface="Courier" charset="0"/>
-                <a:cs typeface="Courier" charset="0"/>
-              </a:rPr>
-              <a:t>/new</a:t>
-            </a:r>
-          </a:p>
-          <a:p>
-            <a:pPr marL="114300" indent="0">
-              <a:buNone/>
-            </a:pPr>
-            <a:r>
-              <a:rPr lang="en-US" sz="2000" dirty="0" smtClean="0">
-                <a:latin typeface="Courier" charset="0"/>
-                <a:ea typeface="Courier" charset="0"/>
-                <a:cs typeface="Courier" charset="0"/>
-              </a:rPr>
-              <a:t/>
-            </a:r>
-            <a:br>
-              <a:rPr lang="en-US" sz="2000" dirty="0" smtClean="0">
-                <a:latin typeface="Courier" charset="0"/>
-                <a:ea typeface="Courier" charset="0"/>
-                <a:cs typeface="Courier" charset="0"/>
-              </a:rPr>
-            </a:br>
             <a:endParaRPr lang="en-US" sz="2000" dirty="0">
               <a:latin typeface="Courier" charset="0"/>
               <a:ea typeface="Courier" charset="0"/>
@@ -24223,7 +20354,7 @@
           <a:p>
             <a:fld id="{EBDED0D2-C1DA-5148-BCD1-FD0E375E4368}" type="datetime1">
               <a:rPr lang="en-US" smtClean="0"/>
-              <a:t>6/5/17</a:t>
+              <a:t>7/18/17</a:t>
             </a:fld>
             <a:endParaRPr lang="en-US"/>
           </a:p>
@@ -24407,7 +20538,7 @@
           <a:p>
             <a:fld id="{58476822-42A8-164F-A773-7C6D2A6A81DB}" type="datetime1">
               <a:rPr lang="en-US" smtClean="0"/>
-              <a:t>6/5/17</a:t>
+              <a:t>7/18/17</a:t>
             </a:fld>
             <a:endParaRPr lang="en-US" dirty="0"/>
           </a:p>
@@ -24660,7 +20791,7 @@
           <a:p>
             <a:fld id="{743333A5-8F5B-BA46-B1A8-D091CAAF002B}" type="datetime1">
               <a:rPr lang="en-US" smtClean="0"/>
-              <a:t>6/5/17</a:t>
+              <a:t>7/18/17</a:t>
             </a:fld>
             <a:endParaRPr lang="en-US"/>
           </a:p>
@@ -25331,7 +21462,7 @@
           <a:p>
             <a:fld id="{AE89C334-26D2-F346-A763-FB59B0897930}" type="datetime1">
               <a:rPr lang="en-US" smtClean="0"/>
-              <a:t>6/5/17</a:t>
+              <a:t>7/18/17</a:t>
             </a:fld>
             <a:endParaRPr lang="en-US"/>
           </a:p>
@@ -25547,7 +21678,7 @@
           <a:p>
             <a:fld id="{406683BE-7CE6-C246-A895-91EACBC36081}" type="datetime1">
               <a:rPr lang="en-US" smtClean="0"/>
-              <a:t>6/5/17</a:t>
+              <a:t>7/18/17</a:t>
             </a:fld>
             <a:endParaRPr lang="en-US" dirty="0"/>
           </a:p>
@@ -25997,7 +22128,7 @@
           <a:p>
             <a:fld id="{0E391325-9FAD-3B48-ABBB-A2878079FE51}" type="datetime1">
               <a:rPr lang="en-US" smtClean="0"/>
-              <a:t>6/5/17</a:t>
+              <a:t>7/18/17</a:t>
             </a:fld>
             <a:endParaRPr lang="en-US"/>
           </a:p>
@@ -26511,7 +22642,7 @@
           <a:p>
             <a:fld id="{C4F2F9E0-2BB7-644A-A8C2-4F89A10BA621}" type="datetime1">
               <a:rPr lang="en-US" smtClean="0"/>
-              <a:t>6/5/17</a:t>
+              <a:t>7/18/17</a:t>
             </a:fld>
             <a:endParaRPr lang="en-US"/>
           </a:p>
@@ -26768,7 +22899,7 @@
           <a:p>
             <a:fld id="{9890B64F-BD66-014F-8385-76577B03EE8A}" type="datetime1">
               <a:rPr lang="en-US" smtClean="0"/>
-              <a:t>6/5/17</a:t>
+              <a:t>7/18/17</a:t>
             </a:fld>
             <a:endParaRPr lang="en-US"/>
           </a:p>
@@ -26951,7 +23082,7 @@
           <a:p>
             <a:fld id="{24EAC218-805B-5942-9D1C-1CAF707EFBDF}" type="datetime1">
               <a:rPr lang="en-US" smtClean="0"/>
-              <a:t>6/5/17</a:t>
+              <a:t>7/18/17</a:t>
             </a:fld>
             <a:endParaRPr lang="en-US" dirty="0"/>
           </a:p>
@@ -27267,7 +23398,7 @@
           <a:p>
             <a:fld id="{E12727D1-4C82-404C-B300-E3C9ED3E7415}" type="datetime1">
               <a:rPr lang="en-US" smtClean="0"/>
-              <a:t>6/5/17</a:t>
+              <a:t>7/18/17</a:t>
             </a:fld>
             <a:endParaRPr lang="en-US" dirty="0"/>
           </a:p>
@@ -27611,7 +23742,7 @@
           <a:p>
             <a:fld id="{F21DF42F-4BC7-1E4D-B4C7-33A7E30F56D4}" type="datetime1">
               <a:rPr lang="en-US" smtClean="0"/>
-              <a:t>6/5/17</a:t>
+              <a:t>7/18/17</a:t>
             </a:fld>
             <a:endParaRPr lang="en-US" dirty="0"/>
           </a:p>
@@ -27841,7 +23972,7 @@
           <a:p>
             <a:fld id="{F176B5BB-6C1E-4446-A4B5-BF7D661481E8}" type="datetime1">
               <a:rPr lang="en-US" smtClean="0"/>
-              <a:t>6/5/17</a:t>
+              <a:t>7/18/17</a:t>
             </a:fld>
             <a:endParaRPr lang="en-US" dirty="0"/>
           </a:p>
@@ -28038,7 +24169,7 @@
           <a:p>
             <a:fld id="{2C3A7136-6CD9-1F44-BF87-1F02B022DD38}" type="datetime1">
               <a:rPr lang="en-US" smtClean="0"/>
-              <a:t>6/5/17</a:t>
+              <a:t>7/18/17</a:t>
             </a:fld>
             <a:endParaRPr lang="en-US"/>
           </a:p>
@@ -28266,7 +24397,7 @@
           <a:p>
             <a:fld id="{DD60739B-9381-D348-A54C-084428A1CE83}" type="datetime1">
               <a:rPr lang="en-US" smtClean="0"/>
-              <a:t>6/5/17</a:t>
+              <a:t>7/18/17</a:t>
             </a:fld>
             <a:endParaRPr lang="en-US"/>
           </a:p>
@@ -28500,7 +24631,7 @@
           <a:p>
             <a:fld id="{E4C2F9E9-0335-9F43-85CD-6D5AFF0B589E}" type="datetime1">
               <a:rPr lang="en-US" smtClean="0"/>
-              <a:t>6/5/17</a:t>
+              <a:t>7/18/17</a:t>
             </a:fld>
             <a:endParaRPr lang="en-US"/>
           </a:p>
@@ -28692,7 +24823,7 @@
           <a:p>
             <a:fld id="{CE5BD4CA-09B4-E54C-901B-62D7687F59E7}" type="datetime1">
               <a:rPr lang="en-US" smtClean="0"/>
-              <a:t>6/5/17</a:t>
+              <a:t>7/18/17</a:t>
             </a:fld>
             <a:endParaRPr lang="en-US"/>
           </a:p>
@@ -29003,244 +25134,6 @@
 </file>
 
 <file path=ppt/theme/theme2.xml><?xml version="1.0" encoding="utf-8"?>
-<a:theme xmlns:a="http://schemas.openxmlformats.org/drawingml/2006/main" name="1_rc_computing2_red">
-  <a:themeElements>
-    <a:clrScheme name="Adjacency">
-      <a:dk1>
-        <a:srgbClr val="2F2B20"/>
-      </a:dk1>
-      <a:lt1>
-        <a:srgbClr val="FFFFFF"/>
-      </a:lt1>
-      <a:dk2>
-        <a:srgbClr val="675E47"/>
-      </a:dk2>
-      <a:lt2>
-        <a:srgbClr val="DFDCB7"/>
-      </a:lt2>
-      <a:accent1>
-        <a:srgbClr val="A9A57C"/>
-      </a:accent1>
-      <a:accent2>
-        <a:srgbClr val="9CBEBD"/>
-      </a:accent2>
-      <a:accent3>
-        <a:srgbClr val="D2CB6C"/>
-      </a:accent3>
-      <a:accent4>
-        <a:srgbClr val="95A39D"/>
-      </a:accent4>
-      <a:accent5>
-        <a:srgbClr val="C89F5D"/>
-      </a:accent5>
-      <a:accent6>
-        <a:srgbClr val="B1A089"/>
-      </a:accent6>
-      <a:hlink>
-        <a:srgbClr val="D25814"/>
-      </a:hlink>
-      <a:folHlink>
-        <a:srgbClr val="849A0A"/>
-      </a:folHlink>
-    </a:clrScheme>
-    <a:fontScheme name="Office">
-      <a:majorFont>
-        <a:latin typeface="Cambria"/>
-        <a:ea typeface=""/>
-        <a:cs typeface=""/>
-        <a:font script="Jpan" typeface="ＭＳ ゴシック"/>
-        <a:font script="Hang" typeface="맑은 고딕"/>
-        <a:font script="Hans" typeface="宋体"/>
-        <a:font script="Hant" typeface="新細明體"/>
-        <a:font script="Arab" typeface="Times New Roman"/>
-        <a:font script="Hebr" typeface="Times New Roman"/>
-        <a:font script="Thai" typeface="Angsana New"/>
-        <a:font script="Ethi" typeface="Nyala"/>
-        <a:font script="Beng" typeface="Vrinda"/>
-        <a:font script="Gujr" typeface="Shruti"/>
-        <a:font script="Khmr" typeface="MoolBoran"/>
-        <a:font script="Knda" typeface="Tunga"/>
-        <a:font script="Guru" typeface="Raavi"/>
-        <a:font script="Cans" typeface="Euphemia"/>
-        <a:font script="Cher" typeface="Plantagenet Cherokee"/>
-        <a:font script="Yiii" typeface="Microsoft Yi Baiti"/>
-        <a:font script="Tibt" typeface="Microsoft Himalaya"/>
-        <a:font script="Thaa" typeface="MV Boli"/>
-        <a:font script="Deva" typeface="Mangal"/>
-        <a:font script="Telu" typeface="Gautami"/>
-        <a:font script="Taml" typeface="Latha"/>
-        <a:font script="Syrc" typeface="Estrangelo Edessa"/>
-        <a:font script="Orya" typeface="Kalinga"/>
-        <a:font script="Mlym" typeface="Kartika"/>
-        <a:font script="Laoo" typeface="DokChampa"/>
-        <a:font script="Sinh" typeface="Iskoola Pota"/>
-        <a:font script="Mong" typeface="Mongolian Baiti"/>
-        <a:font script="Viet" typeface="Times New Roman"/>
-        <a:font script="Uigh" typeface="Microsoft Uighur"/>
-        <a:font script="Geor" typeface="Sylfaen"/>
-      </a:majorFont>
-      <a:minorFont>
-        <a:latin typeface="Calibri"/>
-        <a:ea typeface=""/>
-        <a:cs typeface=""/>
-        <a:font script="Jpan" typeface="ＭＳ 明朝"/>
-        <a:font script="Hang" typeface="맑은 고딕"/>
-        <a:font script="Hans" typeface="宋体"/>
-        <a:font script="Hant" typeface="新細明體"/>
-        <a:font script="Arab" typeface="Arial"/>
-        <a:font script="Hebr" typeface="Arial"/>
-        <a:font script="Thai" typeface="Cordia New"/>
-        <a:font script="Ethi" typeface="Nyala"/>
-        <a:font script="Beng" typeface="Vrinda"/>
-        <a:font script="Gujr" typeface="Shruti"/>
-        <a:font script="Khmr" typeface="DaunPenh"/>
-        <a:font script="Knda" typeface="Tunga"/>
-        <a:font script="Guru" typeface="Raavi"/>
-        <a:font script="Cans" typeface="Euphemia"/>
-        <a:font script="Cher" typeface="Plantagenet Cherokee"/>
-        <a:font script="Yiii" typeface="Microsoft Yi Baiti"/>
-        <a:font script="Tibt" typeface="Microsoft Himalaya"/>
-        <a:font script="Thaa" typeface="MV Boli"/>
-        <a:font script="Deva" typeface="Mangal"/>
-        <a:font script="Telu" typeface="Gautami"/>
-        <a:font script="Taml" typeface="Latha"/>
-        <a:font script="Syrc" typeface="Estrangelo Edessa"/>
-        <a:font script="Orya" typeface="Kalinga"/>
-        <a:font script="Mlym" typeface="Kartika"/>
-        <a:font script="Laoo" typeface="DokChampa"/>
-        <a:font script="Sinh" typeface="Iskoola Pota"/>
-        <a:font script="Mong" typeface="Mongolian Baiti"/>
-        <a:font script="Viet" typeface="Arial"/>
-        <a:font script="Uigh" typeface="Microsoft Uighur"/>
-        <a:font script="Geor" typeface="Sylfaen"/>
-      </a:minorFont>
-    </a:fontScheme>
-    <a:fmtScheme name="Adjacency">
-      <a:fillStyleLst>
-        <a:solidFill>
-          <a:schemeClr val="phClr"/>
-        </a:solidFill>
-        <a:solidFill>
-          <a:schemeClr val="phClr">
-            <a:tint val="55000"/>
-          </a:schemeClr>
-        </a:solidFill>
-        <a:solidFill>
-          <a:schemeClr val="phClr"/>
-        </a:solidFill>
-      </a:fillStyleLst>
-      <a:lnStyleLst>
-        <a:ln w="12700" cap="flat" cmpd="sng" algn="ctr">
-          <a:solidFill>
-            <a:schemeClr val="phClr">
-              <a:shade val="95000"/>
-              <a:satMod val="105000"/>
-            </a:schemeClr>
-          </a:solidFill>
-          <a:prstDash val="solid"/>
-        </a:ln>
-        <a:ln w="25400" cap="flat" cmpd="sng" algn="ctr">
-          <a:solidFill>
-            <a:schemeClr val="phClr"/>
-          </a:solidFill>
-          <a:prstDash val="solid"/>
-        </a:ln>
-        <a:ln w="38100" cap="flat" cmpd="sng" algn="ctr">
-          <a:solidFill>
-            <a:schemeClr val="phClr"/>
-          </a:solidFill>
-          <a:prstDash val="solid"/>
-        </a:ln>
-      </a:lnStyleLst>
-      <a:effectStyleLst>
-        <a:effectStyle>
-          <a:effectLst/>
-        </a:effectStyle>
-        <a:effectStyle>
-          <a:effectLst>
-            <a:outerShdw blurRad="50800" dist="25400" algn="bl" rotWithShape="0">
-              <a:srgbClr val="000000">
-                <a:alpha val="60000"/>
-              </a:srgbClr>
-            </a:outerShdw>
-          </a:effectLst>
-        </a:effectStyle>
-        <a:effectStyle>
-          <a:effectLst/>
-          <a:scene3d>
-            <a:camera prst="orthographicFront">
-              <a:rot lat="0" lon="0" rev="0"/>
-            </a:camera>
-            <a:lightRig rig="brightRoom" dir="tl">
-              <a:rot lat="0" lon="0" rev="1800000"/>
-            </a:lightRig>
-          </a:scene3d>
-          <a:sp3d contourW="10160" prstMaterial="dkEdge">
-            <a:bevelT w="38100" h="50800" prst="angle"/>
-            <a:contourClr>
-              <a:schemeClr val="phClr">
-                <a:shade val="40000"/>
-                <a:satMod val="150000"/>
-              </a:schemeClr>
-            </a:contourClr>
-          </a:sp3d>
-        </a:effectStyle>
-      </a:effectStyleLst>
-      <a:bgFillStyleLst>
-        <a:solidFill>
-          <a:schemeClr val="phClr"/>
-        </a:solidFill>
-        <a:gradFill rotWithShape="1">
-          <a:gsLst>
-            <a:gs pos="0">
-              <a:schemeClr val="phClr">
-                <a:tint val="90000"/>
-              </a:schemeClr>
-            </a:gs>
-            <a:gs pos="75000">
-              <a:schemeClr val="phClr">
-                <a:shade val="100000"/>
-                <a:satMod val="115000"/>
-              </a:schemeClr>
-            </a:gs>
-            <a:gs pos="100000">
-              <a:schemeClr val="phClr">
-                <a:shade val="70000"/>
-                <a:satMod val="130000"/>
-              </a:schemeClr>
-            </a:gs>
-          </a:gsLst>
-          <a:path path="circle">
-            <a:fillToRect l="20000" t="50000" r="100000" b="50000"/>
-          </a:path>
-        </a:gradFill>
-        <a:blipFill rotWithShape="1">
-          <a:blip xmlns:r="http://schemas.openxmlformats.org/officeDocument/2006/relationships" r:embed="rId1">
-            <a:duotone>
-              <a:schemeClr val="phClr">
-                <a:tint val="97000"/>
-              </a:schemeClr>
-              <a:schemeClr val="phClr">
-                <a:shade val="96000"/>
-              </a:schemeClr>
-            </a:duotone>
-          </a:blip>
-          <a:tile tx="0" ty="0" sx="32000" sy="32000" flip="none" algn="tl"/>
-        </a:blipFill>
-      </a:bgFillStyleLst>
-    </a:fmtScheme>
-  </a:themeElements>
-  <a:objectDefaults/>
-  <a:extraClrSchemeLst/>
-  <a:extLst>
-    <a:ext uri="{05A4C25C-085E-4340-85A3-A5531E510DB2}">
-      <thm15:themeFamily xmlns:thm15="http://schemas.microsoft.com/office/thememl/2012/main" name="rc_computing2_red" id="{38D184ED-162F-0640-BC91-9BF4D1607B31}" vid="{6DFA47C5-62F8-2845-B0F8-AD7CEEA2C0DF}"/>
-    </a:ext>
-  </a:extLst>
-</a:theme>
-</file>
-
-<file path=ppt/theme/theme3.xml><?xml version="1.0" encoding="utf-8"?>
 <a:theme xmlns:a="http://schemas.openxmlformats.org/drawingml/2006/main" name="Office Theme">
   <a:themeElements>
     <a:clrScheme name="Office">

--- a/rc_new_user_seminar_2017.pptx
+++ b/rc_new_user_seminar_2017.pptx
@@ -1492,14 +1492,14 @@
               <ma14:placeholderFlag xmlns:ma14="http://schemas.microsoft.com/office/mac/drawingml/2011/main" val="1"/>
             </a:ext>
             <a:ext uri="{909E8E84-426E-40dd-AFC4-6F175D3DCCD1}">
-              <a14:hiddenFill xmlns="" xmlns:a14="http://schemas.microsoft.com/office/drawing/2010/main">
+              <a14:hiddenFill xmlns:a14="http://schemas.microsoft.com/office/drawing/2010/main" xmlns="">
                 <a:solidFill>
                   <a:srgbClr val="FFFFFF"/>
                 </a:solidFill>
               </a14:hiddenFill>
             </a:ext>
             <a:ext uri="{91240B29-F687-4f45-9708-019B960494DF}">
-              <a14:hiddenLine xmlns="" xmlns:a14="http://schemas.microsoft.com/office/drawing/2010/main" w="9525">
+              <a14:hiddenLine xmlns:a14="http://schemas.microsoft.com/office/drawing/2010/main" xmlns="" w="9525">
                 <a:solidFill>
                   <a:srgbClr val="000000"/>
                 </a:solidFill>
@@ -1537,14 +1537,14 @@
           <a:ln/>
           <a:extLst>
             <a:ext uri="{909E8E84-426E-40dd-AFC4-6F175D3DCCD1}">
-              <a14:hiddenFill xmlns="" xmlns:a14="http://schemas.microsoft.com/office/drawing/2010/main">
+              <a14:hiddenFill xmlns:a14="http://schemas.microsoft.com/office/drawing/2010/main" xmlns="">
                 <a:solidFill>
                   <a:srgbClr val="FFFFFF"/>
                 </a:solidFill>
               </a14:hiddenFill>
             </a:ext>
             <a:ext uri="{91240B29-F687-4f45-9708-019B960494DF}">
-              <a14:hiddenLine xmlns="" xmlns:a14="http://schemas.microsoft.com/office/drawing/2010/main" w="9525">
+              <a14:hiddenLine xmlns:a14="http://schemas.microsoft.com/office/drawing/2010/main" xmlns="" w="9525">
                 <a:solidFill>
                   <a:srgbClr val="000000"/>
                 </a:solidFill>
@@ -10235,15 +10235,7 @@
                 <a:ea typeface="Courier" charset="0"/>
                 <a:cs typeface="Courier" charset="0"/>
               </a:rPr>
-              <a:t>load </a:t>
-            </a:r>
-            <a:r>
-              <a:rPr lang="en-US" b="1" smtClean="0">
-                <a:latin typeface="Courier" charset="0"/>
-                <a:ea typeface="Courier" charset="0"/>
-                <a:cs typeface="Courier" charset="0"/>
-              </a:rPr>
-              <a:t>R/3.3.0</a:t>
+              <a:t>load R/3.3.0</a:t>
             </a:r>
             <a:endParaRPr lang="en-US" b="1" dirty="0" smtClean="0">
               <a:latin typeface="Courier" charset="0"/>
@@ -19338,32 +19330,12 @@
             <a:pPr lvl="1"/>
             <a:r>
               <a:rPr lang="en-US" dirty="0" smtClean="0"/>
-              <a:t>Hint:  Requires two SBATCH options to do this – see link at top of this slide</a:t>
-            </a:r>
-          </a:p>
-          <a:p>
-            <a:pPr marL="571500" indent="-457200">
-              <a:buFont typeface="+mj-lt"/>
-              <a:buAutoNum type="arabicPeriod"/>
-            </a:pPr>
-            <a:r>
-              <a:rPr lang="en-US" dirty="0" smtClean="0"/>
-              <a:t>Use the </a:t>
-            </a:r>
-            <a:r>
-              <a:rPr lang="en-US" dirty="0" err="1" smtClean="0"/>
-              <a:t>new_user</a:t>
-            </a:r>
-            <a:r>
-              <a:rPr lang="en-US" dirty="0" smtClean="0"/>
-              <a:t> reservation</a:t>
-            </a:r>
-          </a:p>
-          <a:p>
-            <a:pPr marL="571500" indent="-457200">
-              <a:buFont typeface="+mj-lt"/>
-              <a:buAutoNum type="arabicPeriod"/>
-            </a:pPr>
+              <a:t>Hint:  Requires two SBATCH options to do this – see link at top of this </a:t>
+            </a:r>
+            <a:r>
+              <a:rPr lang="en-US" dirty="0" smtClean="0"/>
+              <a:t>slide</a:t>
+            </a:r>
             <a:endParaRPr lang="en-US" dirty="0"/>
           </a:p>
           <a:p>
@@ -19575,7 +19547,7 @@
         </p:spPr>
         <p:txBody>
           <a:bodyPr>
-            <a:normAutofit fontScale="85000" lnSpcReduction="20000"/>
+            <a:normAutofit fontScale="85000" lnSpcReduction="10000"/>
           </a:bodyPr>
           <a:lstStyle/>
           <a:p>
@@ -19815,35 +19787,6 @@
                 <a:cs typeface="Courier" charset="0"/>
               </a:rPr>
               <a:t>Email address to send to      </a:t>
-            </a:r>
-          </a:p>
-          <a:p>
-            <a:pPr marL="114300" indent="0">
-              <a:buNone/>
-            </a:pPr>
-            <a:r>
-              <a:rPr lang="en-US" sz="2000" dirty="0">
-                <a:latin typeface="Courier" charset="0"/>
-                <a:ea typeface="Courier" charset="0"/>
-                <a:cs typeface="Courier" charset="0"/>
-              </a:rPr>
-              <a:t>#SBATCH --reservation=</a:t>
-            </a:r>
-            <a:r>
-              <a:rPr lang="en-US" sz="2000" dirty="0" err="1">
-                <a:latin typeface="Courier" charset="0"/>
-                <a:ea typeface="Courier" charset="0"/>
-                <a:cs typeface="Courier" charset="0"/>
-              </a:rPr>
-              <a:t>new_user</a:t>
-            </a:r>
-            <a:r>
-              <a:rPr lang="en-US" sz="2000" dirty="0">
-                <a:latin typeface="Courier" charset="0"/>
-                <a:ea typeface="Courier" charset="0"/>
-                <a:cs typeface="Courier" charset="0"/>
-              </a:rPr>
-              <a:t>                  # Reservation name</a:t>
             </a:r>
           </a:p>
           <a:p>
@@ -20591,7 +20534,7 @@
         </p:spPr>
         <p:txBody>
           <a:bodyPr>
-            <a:normAutofit fontScale="92500" lnSpcReduction="20000"/>
+            <a:normAutofit fontScale="92500" lnSpcReduction="10000"/>
           </a:bodyPr>
           <a:lstStyle/>
           <a:p>
@@ -20795,35 +20738,6 @@
                 <a:cs typeface="Courier" charset="0"/>
               </a:rPr>
               <a:t>Output file name</a:t>
-            </a:r>
-          </a:p>
-          <a:p>
-            <a:pPr marL="114300" indent="0">
-              <a:buNone/>
-            </a:pPr>
-            <a:r>
-              <a:rPr lang="en-US" sz="2000" dirty="0">
-                <a:latin typeface="Courier" charset="0"/>
-                <a:ea typeface="Courier" charset="0"/>
-                <a:cs typeface="Courier" charset="0"/>
-              </a:rPr>
-              <a:t>#SBATCH --reservation=</a:t>
-            </a:r>
-            <a:r>
-              <a:rPr lang="en-US" sz="2000" dirty="0" err="1">
-                <a:latin typeface="Courier" charset="0"/>
-                <a:ea typeface="Courier" charset="0"/>
-                <a:cs typeface="Courier" charset="0"/>
-              </a:rPr>
-              <a:t>new_user</a:t>
-            </a:r>
-            <a:r>
-              <a:rPr lang="en-US" sz="2000" dirty="0">
-                <a:latin typeface="Courier" charset="0"/>
-                <a:ea typeface="Courier" charset="0"/>
-                <a:cs typeface="Courier" charset="0"/>
-              </a:rPr>
-              <a:t>          # Reservation name</a:t>
             </a:r>
           </a:p>
           <a:p>
@@ -21499,25 +21413,11 @@
             </a:pPr>
             <a:r>
               <a:rPr lang="en-US" dirty="0" smtClean="0"/>
-              <a:t>Use the </a:t>
-            </a:r>
-            <a:r>
-              <a:rPr lang="en-US" dirty="0" err="1" smtClean="0"/>
-              <a:t>new_user</a:t>
-            </a:r>
-            <a:r>
-              <a:rPr lang="en-US" dirty="0" smtClean="0"/>
-              <a:t> reservation</a:t>
-            </a:r>
-          </a:p>
-          <a:p>
-            <a:pPr marL="571500" indent="-457200">
-              <a:buFont typeface="+mj-lt"/>
-              <a:buAutoNum type="arabicPeriod"/>
-            </a:pPr>
-            <a:r>
-              <a:rPr lang="en-US" dirty="0" smtClean="0"/>
-              <a:t>Don’t forget to load the R module!  </a:t>
+              <a:t>Don’t </a:t>
+            </a:r>
+            <a:r>
+              <a:rPr lang="en-US" dirty="0" smtClean="0"/>
+              <a:t>forget to load the R module!  </a:t>
             </a:r>
             <a:endParaRPr lang="en-US" dirty="0"/>
           </a:p>
@@ -21946,7 +21846,7 @@
         </p:spPr>
         <p:txBody>
           <a:bodyPr>
-            <a:normAutofit fontScale="85000" lnSpcReduction="20000"/>
+            <a:normAutofit fontScale="85000" lnSpcReduction="10000"/>
           </a:bodyPr>
           <a:lstStyle/>
           <a:p>
@@ -22102,35 +22002,6 @@
                 <a:cs typeface="Courier" charset="0"/>
               </a:rPr>
               <a:t>                  # Output file name</a:t>
-            </a:r>
-          </a:p>
-          <a:p>
-            <a:pPr marL="114300" indent="0">
-              <a:buNone/>
-            </a:pPr>
-            <a:r>
-              <a:rPr lang="en-US" sz="1800" dirty="0">
-                <a:latin typeface="Courier" charset="0"/>
-                <a:ea typeface="Courier" charset="0"/>
-                <a:cs typeface="Courier" charset="0"/>
-              </a:rPr>
-              <a:t>###SBATCH --reservation=</a:t>
-            </a:r>
-            <a:r>
-              <a:rPr lang="en-US" sz="1800" dirty="0" err="1">
-                <a:latin typeface="Courier" charset="0"/>
-                <a:ea typeface="Courier" charset="0"/>
-                <a:cs typeface="Courier" charset="0"/>
-              </a:rPr>
-              <a:t>new_user</a:t>
-            </a:r>
-            <a:r>
-              <a:rPr lang="en-US" sz="1800" dirty="0">
-                <a:latin typeface="Courier" charset="0"/>
-                <a:ea typeface="Courier" charset="0"/>
-                <a:cs typeface="Courier" charset="0"/>
-              </a:rPr>
-              <a:t>                # Reservation name</a:t>
             </a:r>
           </a:p>
           <a:p>
@@ -23291,47 +23162,30 @@
               <a:t>sinteractive</a:t>
             </a:r>
             <a:r>
-              <a:rPr lang="en-US" sz="2200" dirty="0" smtClean="0">
+              <a:rPr lang="en-US" sz="2200" smtClean="0">
                 <a:latin typeface="Courier" charset="0"/>
                 <a:ea typeface="Courier" charset="0"/>
                 <a:cs typeface="Courier" charset="0"/>
               </a:rPr>
               <a:t> </a:t>
             </a:r>
-            <a:r>
-              <a:rPr lang="en-US" sz="2200" dirty="0">
-                <a:latin typeface="Courier" charset="0"/>
-                <a:ea typeface="Courier" charset="0"/>
-                <a:cs typeface="Courier" charset="0"/>
-              </a:rPr>
-              <a:t>–-</a:t>
-            </a:r>
-            <a:r>
-              <a:rPr lang="en-US" sz="2200" dirty="0" smtClean="0">
-                <a:latin typeface="Courier" charset="0"/>
-                <a:ea typeface="Courier" charset="0"/>
-                <a:cs typeface="Courier" charset="0"/>
-              </a:rPr>
-              <a:t>reservation=</a:t>
-            </a:r>
-            <a:r>
-              <a:rPr lang="en-US" sz="2200" dirty="0" err="1" smtClean="0">
-                <a:latin typeface="Courier" charset="0"/>
-                <a:ea typeface="Courier" charset="0"/>
-                <a:cs typeface="Courier" charset="0"/>
-              </a:rPr>
-              <a:t>new_user</a:t>
-            </a:r>
-            <a:endParaRPr lang="en-US" sz="2200" dirty="0">
+            <a:endParaRPr lang="en-US" sz="2200" smtClean="0">
               <a:latin typeface="Courier" charset="0"/>
               <a:ea typeface="Courier" charset="0"/>
               <a:cs typeface="Courier" charset="0"/>
             </a:endParaRPr>
           </a:p>
           <a:p>
-            <a:r>
-              <a:rPr lang="en-US" dirty="0" smtClean="0"/>
-              <a:t>Once we receive a prompt, then:</a:t>
+            <a:pPr marL="114300" indent="0">
+              <a:buNone/>
+            </a:pPr>
+            <a:r>
+              <a:rPr lang="en-US" smtClean="0"/>
+              <a:t>Once </a:t>
+            </a:r>
+            <a:r>
+              <a:rPr lang="en-US" dirty="0" smtClean="0"/>
+              <a:t>we receive a prompt, then:</a:t>
             </a:r>
           </a:p>
           <a:p>
@@ -24324,7 +24178,6 @@
               <a:rPr lang="en-US" dirty="0" smtClean="0"/>
               <a:t>Need XSEDE account and Duo access through XSEDE</a:t>
             </a:r>
-            <a:endParaRPr lang="en-US" dirty="0" smtClean="0"/>
           </a:p>
           <a:p>
             <a:pPr lvl="1"/>
@@ -24529,11 +24382,7 @@
             <a:pPr lvl="2"/>
             <a:r>
               <a:rPr lang="en-US" dirty="0" smtClean="0"/>
-              <a:t>Physical </a:t>
-            </a:r>
-            <a:r>
-              <a:rPr lang="en-US" dirty="0" smtClean="0"/>
-              <a:t>device</a:t>
+              <a:t>Physical device</a:t>
             </a:r>
             <a:endParaRPr lang="en-US" dirty="0"/>
           </a:p>

--- a/rc_new_user_seminar_2017.pptx
+++ b/rc_new_user_seminar_2017.pptx
@@ -251,7 +251,7 @@
           <a:p>
             <a:fld id="{C649942D-A542-EE42-A1CF-1E4FFF53ED67}" type="datetimeFigureOut">
               <a:rPr lang="en-US" smtClean="0"/>
-              <a:t>10/23/17</a:t>
+              <a:t>11/20/17</a:t>
             </a:fld>
             <a:endParaRPr lang="en-US"/>
           </a:p>
@@ -2581,7 +2581,7 @@
           <a:p>
             <a:fld id="{ECD68DE7-8E14-F140-9BF8-7DF505A7EC71}" type="datetime1">
               <a:rPr lang="en-US" smtClean="0"/>
-              <a:t>10/23/17</a:t>
+              <a:t>11/20/17</a:t>
             </a:fld>
             <a:endParaRPr lang="en-US"/>
           </a:p>
@@ -2771,7 +2771,7 @@
           <a:p>
             <a:fld id="{1D9E6949-9996-6743-8CFF-FA3A56E13506}" type="datetime1">
               <a:rPr lang="en-US" smtClean="0"/>
-              <a:t>10/23/17</a:t>
+              <a:t>11/20/17</a:t>
             </a:fld>
             <a:endParaRPr lang="en-US"/>
           </a:p>
@@ -2971,7 +2971,7 @@
           <a:p>
             <a:fld id="{B889D5DF-D410-3845-BB2F-EEB43AAD8F50}" type="datetime1">
               <a:rPr lang="en-US" smtClean="0"/>
-              <a:t>10/23/17</a:t>
+              <a:t>11/20/17</a:t>
             </a:fld>
             <a:endParaRPr lang="en-US"/>
           </a:p>
@@ -3258,7 +3258,7 @@
           <a:p>
             <a:fld id="{150E7F26-8C30-8C48-992C-4605BCF373C1}" type="datetime1">
               <a:rPr lang="en-US" smtClean="0"/>
-              <a:t>10/23/17</a:t>
+              <a:t>11/20/17</a:t>
             </a:fld>
             <a:endParaRPr lang="en-US"/>
           </a:p>
@@ -3428,7 +3428,7 @@
           <a:p>
             <a:fld id="{043D7B85-D040-214F-9303-7FDDADF77F95}" type="datetime1">
               <a:rPr lang="en-US" smtClean="0"/>
-              <a:t>10/23/17</a:t>
+              <a:t>11/20/17</a:t>
             </a:fld>
             <a:endParaRPr lang="en-US"/>
           </a:p>
@@ -3694,7 +3694,7 @@
           <a:p>
             <a:fld id="{77B1075F-B81A-5940-A68D-45596C356335}" type="datetime1">
               <a:rPr lang="en-US" smtClean="0"/>
-              <a:t>10/23/17</a:t>
+              <a:t>11/20/17</a:t>
             </a:fld>
             <a:endParaRPr lang="en-US"/>
           </a:p>
@@ -4002,7 +4002,7 @@
           <a:p>
             <a:fld id="{39113FC0-C6F8-6E40-8D7A-F2A1A22961FE}" type="datetime1">
               <a:rPr lang="en-US" smtClean="0"/>
-              <a:t>10/23/17</a:t>
+              <a:t>11/20/17</a:t>
             </a:fld>
             <a:endParaRPr lang="en-US"/>
           </a:p>
@@ -4456,7 +4456,7 @@
           <a:p>
             <a:fld id="{37F32D73-5A99-464A-8594-B551FF72C9D9}" type="datetime1">
               <a:rPr lang="en-US" smtClean="0"/>
-              <a:t>10/23/17</a:t>
+              <a:t>11/20/17</a:t>
             </a:fld>
             <a:endParaRPr lang="en-US"/>
           </a:p>
@@ -4594,7 +4594,7 @@
           <a:p>
             <a:fld id="{E82BF7D7-27C3-CF45-B820-FC005A5F8688}" type="datetime1">
               <a:rPr lang="en-US" smtClean="0"/>
-              <a:t>10/23/17</a:t>
+              <a:t>11/20/17</a:t>
             </a:fld>
             <a:endParaRPr lang="en-US"/>
           </a:p>
@@ -4709,7 +4709,7 @@
           <a:p>
             <a:fld id="{9555053E-C274-C74C-A284-88F22C581203}" type="datetime1">
               <a:rPr lang="en-US" smtClean="0"/>
-              <a:t>10/23/17</a:t>
+              <a:t>11/20/17</a:t>
             </a:fld>
             <a:endParaRPr lang="en-US"/>
           </a:p>
@@ -4923,7 +4923,7 @@
           <a:p>
             <a:fld id="{7A689FF8-7D69-1D41-AF80-D980840BCB23}" type="datetime1">
               <a:rPr lang="en-US" smtClean="0"/>
-              <a:t>10/23/17</a:t>
+              <a:t>11/20/17</a:t>
             </a:fld>
             <a:endParaRPr lang="en-US"/>
           </a:p>
@@ -5266,7 +5266,7 @@
           <a:p>
             <a:fld id="{B2055EBF-49EC-E44B-96CA-4F8E3FBF2465}" type="datetime1">
               <a:rPr lang="en-US" smtClean="0"/>
-              <a:t>10/23/17</a:t>
+              <a:t>11/20/17</a:t>
             </a:fld>
             <a:endParaRPr lang="en-US"/>
           </a:p>
@@ -5629,7 +5629,7 @@
           <a:p>
             <a:fld id="{96D7D345-C39C-A44C-AF4E-9524445B1337}" type="datetime1">
               <a:rPr lang="en-US" smtClean="0"/>
-              <a:t>10/23/17</a:t>
+              <a:t>11/20/17</a:t>
             </a:fld>
             <a:endParaRPr lang="en-US"/>
           </a:p>
@@ -6222,7 +6222,7 @@
           <a:p>
             <a:fld id="{BD3E17D7-4415-0A45-8086-1E9B50478751}" type="datetime1">
               <a:rPr lang="en-US" smtClean="0"/>
-              <a:t>10/23/17</a:t>
+              <a:t>11/20/17</a:t>
             </a:fld>
             <a:endParaRPr lang="en-US" dirty="0"/>
           </a:p>
@@ -6404,7 +6404,7 @@
           <a:p>
             <a:fld id="{4676C52D-A00D-2248-AAC1-94BD55906AAC}" type="datetime1">
               <a:rPr lang="en-US" smtClean="0"/>
-              <a:t>10/23/17</a:t>
+              <a:t>11/20/17</a:t>
             </a:fld>
             <a:endParaRPr lang="en-US"/>
           </a:p>
@@ -6594,7 +6594,7 @@
           <a:p>
             <a:fld id="{446EC888-7CFD-C641-9F44-9678633359F5}" type="datetime1">
               <a:rPr lang="en-US" smtClean="0"/>
-              <a:t>10/23/17</a:t>
+              <a:t>11/20/17</a:t>
             </a:fld>
             <a:endParaRPr lang="en-US"/>
           </a:p>
@@ -6785,7 +6785,7 @@
           <a:p>
             <a:fld id="{9DCF056C-E28A-E84B-82B5-F09CA8CCF7AA}" type="datetime1">
               <a:rPr lang="en-US" smtClean="0"/>
-              <a:t>10/23/17</a:t>
+              <a:t>11/20/17</a:t>
             </a:fld>
             <a:endParaRPr lang="en-US" dirty="0"/>
           </a:p>
@@ -6986,7 +6986,7 @@
           <a:p>
             <a:fld id="{F20BFDB3-A603-BF47-BB0C-9DB4A86B14A1}" type="datetime1">
               <a:rPr lang="en-US" smtClean="0"/>
-              <a:t>10/23/17</a:t>
+              <a:t>11/20/17</a:t>
             </a:fld>
             <a:endParaRPr lang="en-US" dirty="0"/>
           </a:p>
@@ -7169,7 +7169,7 @@
           <a:p>
             <a:fld id="{C74A8494-43BC-5246-A5F8-7C026E3A2506}" type="datetime1">
               <a:rPr lang="en-US" smtClean="0"/>
-              <a:t>10/23/17</a:t>
+              <a:t>11/20/17</a:t>
             </a:fld>
             <a:endParaRPr lang="en-US" dirty="0"/>
           </a:p>
@@ -7360,7 +7360,7 @@
           <a:p>
             <a:fld id="{565D631E-63D9-2946-A4FB-64ADF73B9F46}" type="datetime1">
               <a:rPr lang="en-US" smtClean="0"/>
-              <a:t>10/23/17</a:t>
+              <a:t>11/20/17</a:t>
             </a:fld>
             <a:endParaRPr lang="en-US" dirty="0"/>
           </a:p>
@@ -7549,7 +7549,7 @@
           <a:p>
             <a:fld id="{D6A24DE9-2A38-9F4F-9441-F5E45DF3B582}" type="datetime1">
               <a:rPr lang="en-US" smtClean="0"/>
-              <a:t>10/23/17</a:t>
+              <a:t>11/20/17</a:t>
             </a:fld>
             <a:endParaRPr lang="en-US" dirty="0"/>
           </a:p>
@@ -7731,7 +7731,7 @@
           <a:p>
             <a:fld id="{14C7FEA5-DE78-1148-84A0-7BFCB44B4D67}" type="datetime1">
               <a:rPr lang="en-US" smtClean="0"/>
-              <a:t>10/23/17</a:t>
+              <a:t>11/20/17</a:t>
             </a:fld>
             <a:endParaRPr lang="en-US"/>
           </a:p>
@@ -8065,7 +8065,7 @@
           <a:p>
             <a:fld id="{8885B798-E31F-EF48-B899-212976AF87DE}" type="datetime1">
               <a:rPr lang="en-US" smtClean="0"/>
-              <a:t>10/23/17</a:t>
+              <a:t>11/20/17</a:t>
             </a:fld>
             <a:endParaRPr lang="en-US" dirty="0"/>
           </a:p>
@@ -8252,7 +8252,7 @@
           <a:p>
             <a:fld id="{BFB05F3F-E948-DD41-9031-1B2AF49AD76C}" type="datetime1">
               <a:rPr lang="en-US" smtClean="0"/>
-              <a:t>10/23/17</a:t>
+              <a:t>11/20/17</a:t>
             </a:fld>
             <a:endParaRPr lang="en-US"/>
           </a:p>
@@ -8472,7 +8472,7 @@
           <a:p>
             <a:fld id="{771A8861-859A-A949-A7D3-0A76732EE9EB}" type="datetime1">
               <a:rPr lang="en-US" smtClean="0"/>
-              <a:t>10/23/17</a:t>
+              <a:t>11/20/17</a:t>
             </a:fld>
             <a:endParaRPr lang="en-US" dirty="0"/>
           </a:p>
@@ -8629,7 +8629,7 @@
             <a:pPr lvl="1"/>
             <a:r>
               <a:rPr lang="en-US" dirty="0" smtClean="0"/>
-              <a:t>Script or code editing, minor compiling</a:t>
+              <a:t>Script or code editing</a:t>
             </a:r>
           </a:p>
           <a:p>
@@ -8691,7 +8691,7 @@
           <a:p>
             <a:fld id="{D5EAB504-1A42-5949-AE07-2AC2FB9C6C54}" type="datetime1">
               <a:rPr lang="en-US" smtClean="0"/>
-              <a:t>10/23/17</a:t>
+              <a:t>11/20/17</a:t>
             </a:fld>
             <a:endParaRPr lang="en-US" dirty="0"/>
           </a:p>
@@ -8928,7 +8928,7 @@
           <a:p>
             <a:fld id="{79168923-96D4-8249-9655-376DD4AC8146}" type="datetime1">
               <a:rPr lang="en-US" smtClean="0"/>
-              <a:t>10/23/17</a:t>
+              <a:t>11/20/17</a:t>
             </a:fld>
             <a:endParaRPr lang="en-US"/>
           </a:p>
@@ -9431,7 +9431,7 @@
           <a:p>
             <a:fld id="{F92F4056-9118-9A49-8EA1-59B389654B04}" type="datetime1">
               <a:rPr lang="en-US" smtClean="0"/>
-              <a:t>10/23/17</a:t>
+              <a:t>11/20/17</a:t>
             </a:fld>
             <a:endParaRPr lang="en-US"/>
           </a:p>
@@ -9659,7 +9659,7 @@
           <a:p>
             <a:fld id="{6A2AF87B-5DE4-7242-B926-81C627D286DE}" type="datetime1">
               <a:rPr lang="en-US" smtClean="0"/>
-              <a:t>10/23/17</a:t>
+              <a:t>11/20/17</a:t>
             </a:fld>
             <a:endParaRPr lang="en-US"/>
           </a:p>
@@ -9864,7 +9864,7 @@
           <a:p>
             <a:fld id="{C409689E-59C4-3149-BC30-04475534628F}" type="datetime1">
               <a:rPr lang="en-US" smtClean="0"/>
-              <a:t>10/23/17</a:t>
+              <a:t>11/20/17</a:t>
             </a:fld>
             <a:endParaRPr lang="en-US"/>
           </a:p>
@@ -10074,7 +10074,7 @@
           <a:p>
             <a:fld id="{A4F0CB77-59E8-AA4B-8AF0-F960A2371B83}" type="datetime1">
               <a:rPr lang="en-US" smtClean="0"/>
-              <a:t>10/23/17</a:t>
+              <a:t>11/20/17</a:t>
             </a:fld>
             <a:endParaRPr lang="en-US"/>
           </a:p>
@@ -10367,7 +10367,7 @@
           <a:p>
             <a:fld id="{2CB1BB01-A22C-0E44-AE14-9BA42F328388}" type="datetime1">
               <a:rPr lang="en-US" smtClean="0"/>
-              <a:t>10/23/17</a:t>
+              <a:t>11/20/17</a:t>
             </a:fld>
             <a:endParaRPr lang="en-US" dirty="0"/>
           </a:p>
@@ -10502,7 +10502,7 @@
           <a:p>
             <a:fld id="{EF2E92D6-81C2-2349-8DFB-1F1A7DD82F92}" type="datetime1">
               <a:rPr lang="en-US" smtClean="0"/>
-              <a:t>10/23/17</a:t>
+              <a:t>11/20/17</a:t>
             </a:fld>
             <a:endParaRPr lang="en-US"/>
           </a:p>
@@ -10705,7 +10705,7 @@
           <a:p>
             <a:fld id="{8C1A9D32-265E-194F-AF93-71B2043231E0}" type="datetime1">
               <a:rPr lang="en-US" smtClean="0"/>
-              <a:t>10/23/17</a:t>
+              <a:t>11/20/17</a:t>
             </a:fld>
             <a:endParaRPr lang="en-US"/>
           </a:p>
@@ -10931,7 +10931,7 @@
           <a:p>
             <a:fld id="{4ACF55D2-6E15-324D-A853-3288224DF348}" type="datetime1">
               <a:rPr lang="en-US" smtClean="0"/>
-              <a:t>10/23/17</a:t>
+              <a:t>11/20/17</a:t>
             </a:fld>
             <a:endParaRPr lang="en-US" dirty="0"/>
           </a:p>
@@ -11148,7 +11148,7 @@
           <a:p>
             <a:fld id="{2BF9B4AA-B499-8C4E-9B8E-811BDC42AB72}" type="datetime1">
               <a:rPr lang="en-US" smtClean="0"/>
-              <a:t>10/23/17</a:t>
+              <a:t>11/20/17</a:t>
             </a:fld>
             <a:endParaRPr lang="en-US"/>
           </a:p>
@@ -11373,7 +11373,7 @@
           <a:p>
             <a:fld id="{09667844-52C5-454C-91DA-DA641038CED4}" type="datetime1">
               <a:rPr lang="en-US" smtClean="0"/>
-              <a:t>10/23/17</a:t>
+              <a:t>11/20/17</a:t>
             </a:fld>
             <a:endParaRPr lang="en-US"/>
           </a:p>
@@ -11502,7 +11502,7 @@
           <a:p>
             <a:fld id="{D20DA3BF-08CB-8A4B-9523-EAB60681977A}" type="datetime1">
               <a:rPr lang="en-US" smtClean="0"/>
-              <a:t>10/23/17</a:t>
+              <a:t>11/20/17</a:t>
             </a:fld>
             <a:endParaRPr lang="en-US"/>
           </a:p>
@@ -13447,7 +13447,7 @@
           <a:p>
             <a:fld id="{A3C9C1BB-C1E4-004E-B76B-8C60A87CB160}" type="datetime1">
               <a:rPr lang="en-US" smtClean="0"/>
-              <a:t>10/23/17</a:t>
+              <a:t>11/20/17</a:t>
             </a:fld>
             <a:endParaRPr lang="en-US"/>
           </a:p>
@@ -15627,7 +15627,7 @@
           <a:p>
             <a:fld id="{D7C17083-DB9E-DF40-9FF1-3C3BBD3126F3}" type="datetime1">
               <a:rPr lang="en-US" smtClean="0"/>
-              <a:t>10/23/17</a:t>
+              <a:t>11/20/17</a:t>
             </a:fld>
             <a:endParaRPr lang="en-US" dirty="0"/>
           </a:p>
@@ -16148,7 +16148,7 @@
           <a:p>
             <a:fld id="{F1062F58-FDE1-BA4D-BB8C-2264A72B5428}" type="datetime1">
               <a:rPr lang="en-US" smtClean="0"/>
-              <a:t>10/23/17</a:t>
+              <a:t>11/20/17</a:t>
             </a:fld>
             <a:endParaRPr lang="en-US" dirty="0"/>
           </a:p>
@@ -16441,7 +16441,7 @@
           <a:p>
             <a:fld id="{57D010C4-F61A-344B-ACB4-6FFCD098ACFF}" type="datetime1">
               <a:rPr lang="en-US" smtClean="0"/>
-              <a:t>10/23/17</a:t>
+              <a:t>11/20/17</a:t>
             </a:fld>
             <a:endParaRPr lang="en-US"/>
           </a:p>
@@ -16677,7 +16677,7 @@
           <a:p>
             <a:fld id="{36D94695-4FE4-B74D-9FEF-603C469ABA33}" type="datetime1">
               <a:rPr lang="en-US" smtClean="0"/>
-              <a:t>10/23/17</a:t>
+              <a:t>11/20/17</a:t>
             </a:fld>
             <a:endParaRPr lang="en-US"/>
           </a:p>
@@ -16930,7 +16930,7 @@
           <a:p>
             <a:fld id="{A2DD7857-83C0-944C-808D-7EBD666BA1C5}" type="datetime1">
               <a:rPr lang="en-US" smtClean="0"/>
-              <a:t>10/23/17</a:t>
+              <a:t>11/20/17</a:t>
             </a:fld>
             <a:endParaRPr lang="en-US"/>
           </a:p>
@@ -17065,7 +17065,7 @@
           <a:p>
             <a:fld id="{D0F1EC55-3BF6-B94A-A8A8-ECF9B2E6E6A5}" type="datetime1">
               <a:rPr lang="en-US" smtClean="0"/>
-              <a:t>10/23/17</a:t>
+              <a:t>11/20/17</a:t>
             </a:fld>
             <a:endParaRPr lang="en-US" dirty="0"/>
           </a:p>
@@ -17292,25 +17292,6 @@
               <a:buFont typeface="+mj-lt"/>
               <a:buAutoNum type="arabicPeriod"/>
             </a:pPr>
-            <a:r>
-              <a:rPr lang="en-US" dirty="0" smtClean="0"/>
-              <a:t>Use the </a:t>
-            </a:r>
-            <a:r>
-              <a:rPr lang="en-US" dirty="0" err="1" smtClean="0"/>
-              <a:t>new_user</a:t>
-            </a:r>
-            <a:r>
-              <a:rPr lang="en-US" dirty="0" smtClean="0"/>
-              <a:t> reservation</a:t>
-            </a:r>
-          </a:p>
-          <a:p>
-            <a:pPr lvl="1"/>
-            <a:r>
-              <a:rPr lang="en-US" dirty="0" smtClean="0"/>
-              <a:t>This is only for this workshop</a:t>
-            </a:r>
             <a:endParaRPr lang="en-US" dirty="0"/>
           </a:p>
           <a:p>
@@ -17345,7 +17326,7 @@
           <a:p>
             <a:fld id="{50F15D87-D865-834D-8095-85B47E5D857D}" type="datetime1">
               <a:rPr lang="en-US" smtClean="0"/>
-              <a:t>10/23/17</a:t>
+              <a:t>11/20/17</a:t>
             </a:fld>
             <a:endParaRPr lang="en-US"/>
           </a:p>
@@ -17561,7 +17542,7 @@
           <a:p>
             <a:fld id="{157FD4B1-436B-5B42-B797-4F45D1B6B6A9}" type="datetime1">
               <a:rPr lang="en-US" smtClean="0"/>
-              <a:t>10/23/17</a:t>
+              <a:t>11/20/17</a:t>
             </a:fld>
             <a:endParaRPr lang="en-US" dirty="0"/>
           </a:p>
@@ -18053,7 +18034,7 @@
           <a:p>
             <a:fld id="{9650BA27-C1AA-FC4E-A90D-29775570A7B1}" type="datetime1">
               <a:rPr lang="en-US" smtClean="0"/>
-              <a:t>10/23/17</a:t>
+              <a:t>11/20/17</a:t>
             </a:fld>
             <a:endParaRPr lang="en-US"/>
           </a:p>
@@ -18368,7 +18349,7 @@
           <a:p>
             <a:fld id="{F595C32F-4FDD-1845-9DAD-BF783B30F4EA}" type="datetime1">
               <a:rPr lang="en-US" smtClean="0"/>
-              <a:t>10/23/17</a:t>
+              <a:t>11/20/17</a:t>
             </a:fld>
             <a:endParaRPr lang="en-US"/>
           </a:p>
@@ -18704,7 +18685,7 @@
           <a:p>
             <a:fld id="{7A593D67-D80B-D341-95C2-D8FD019BB686}" type="datetime1">
               <a:rPr lang="en-US" smtClean="0"/>
-              <a:t>10/23/17</a:t>
+              <a:t>11/20/17</a:t>
             </a:fld>
             <a:endParaRPr lang="en-US" dirty="0"/>
           </a:p>
@@ -19030,7 +19011,7 @@
           <a:p>
             <a:fld id="{26A447B6-DA76-2941-9271-7615FCF773C3}" type="datetime1">
               <a:rPr lang="en-US" smtClean="0"/>
-              <a:t>10/23/17</a:t>
+              <a:t>11/20/17</a:t>
             </a:fld>
             <a:endParaRPr lang="en-US"/>
           </a:p>
@@ -19330,11 +19311,7 @@
             <a:pPr lvl="1"/>
             <a:r>
               <a:rPr lang="en-US" dirty="0" smtClean="0"/>
-              <a:t>Hint:  Requires two SBATCH options to do this – see link at top of this </a:t>
-            </a:r>
-            <a:r>
-              <a:rPr lang="en-US" dirty="0" smtClean="0"/>
-              <a:t>slide</a:t>
+              <a:t>Hint:  Requires two SBATCH options to do this – see link at top of this slide</a:t>
             </a:r>
             <a:endParaRPr lang="en-US" dirty="0"/>
           </a:p>
@@ -19370,7 +19347,7 @@
           <a:p>
             <a:fld id="{38B2C89D-A2C7-BC4F-80C2-CF46C745D9C4}" type="datetime1">
               <a:rPr lang="en-US" smtClean="0"/>
-              <a:t>10/23/17</a:t>
+              <a:t>11/20/17</a:t>
             </a:fld>
             <a:endParaRPr lang="en-US"/>
           </a:p>
@@ -19962,7 +19939,7 @@
           <a:p>
             <a:fld id="{EBDED0D2-C1DA-5148-BCD1-FD0E375E4368}" type="datetime1">
               <a:rPr lang="en-US" smtClean="0"/>
-              <a:t>10/23/17</a:t>
+              <a:t>11/20/17</a:t>
             </a:fld>
             <a:endParaRPr lang="en-US"/>
           </a:p>
@@ -20105,7 +20082,15 @@
           <a:p>
             <a:r>
               <a:rPr lang="en-US" dirty="0" smtClean="0"/>
-              <a:t>We will run the batch script </a:t>
+              <a:t>We will run </a:t>
+            </a:r>
+            <a:r>
+              <a:rPr lang="en-US" smtClean="0"/>
+              <a:t>the bash </a:t>
+            </a:r>
+            <a:r>
+              <a:rPr lang="en-US" dirty="0" smtClean="0"/>
+              <a:t>script </a:t>
             </a:r>
             <a:r>
               <a:rPr lang="en-US" dirty="0" err="1" smtClean="0"/>
@@ -20146,7 +20131,7 @@
           <a:p>
             <a:fld id="{58476822-42A8-164F-A773-7C6D2A6A81DB}" type="datetime1">
               <a:rPr lang="en-US" smtClean="0"/>
-              <a:t>10/23/17</a:t>
+              <a:t>11/20/17</a:t>
             </a:fld>
             <a:endParaRPr lang="en-US" dirty="0"/>
           </a:p>
@@ -20399,7 +20384,7 @@
           <a:p>
             <a:fld id="{743333A5-8F5B-BA46-B1A8-D091CAAF002B}" type="datetime1">
               <a:rPr lang="en-US" smtClean="0"/>
-              <a:t>10/23/17</a:t>
+              <a:t>11/20/17</a:t>
             </a:fld>
             <a:endParaRPr lang="en-US"/>
           </a:p>
@@ -21041,7 +21026,7 @@
           <a:p>
             <a:fld id="{AE89C334-26D2-F346-A763-FB59B0897930}" type="datetime1">
               <a:rPr lang="en-US" smtClean="0"/>
-              <a:t>10/23/17</a:t>
+              <a:t>11/20/17</a:t>
             </a:fld>
             <a:endParaRPr lang="en-US"/>
           </a:p>
@@ -21326,7 +21311,7 @@
                 <a:ea typeface="Courier New" charset="0"/>
                 <a:cs typeface="Courier New" charset="0"/>
               </a:rPr>
-              <a:t>R_code.sh</a:t>
+              <a:t>R_program.R</a:t>
             </a:r>
             <a:endParaRPr lang="en-US" dirty="0" smtClean="0">
               <a:latin typeface="Courier New" charset="0"/>
@@ -21413,11 +21398,7 @@
             </a:pPr>
             <a:r>
               <a:rPr lang="en-US" dirty="0" smtClean="0"/>
-              <a:t>Don’t </a:t>
-            </a:r>
-            <a:r>
-              <a:rPr lang="en-US" dirty="0" smtClean="0"/>
-              <a:t>forget to load the R module!  </a:t>
+              <a:t>Don’t forget to load the R module!  </a:t>
             </a:r>
             <a:endParaRPr lang="en-US" dirty="0"/>
           </a:p>
@@ -21453,7 +21434,7 @@
           <a:p>
             <a:fld id="{0E391325-9FAD-3B48-ABBB-A2878079FE51}" type="datetime1">
               <a:rPr lang="en-US" smtClean="0"/>
-              <a:t>10/23/17</a:t>
+              <a:t>11/20/17</a:t>
             </a:fld>
             <a:endParaRPr lang="en-US"/>
           </a:p>
@@ -21688,7 +21669,7 @@
           <a:p>
             <a:fld id="{406683BE-7CE6-C246-A895-91EACBC36081}" type="datetime1">
               <a:rPr lang="en-US" smtClean="0"/>
-              <a:t>10/23/17</a:t>
+              <a:t>11/20/17</a:t>
             </a:fld>
             <a:endParaRPr lang="en-US" dirty="0"/>
           </a:p>
@@ -22197,7 +22178,7 @@
           <a:p>
             <a:fld id="{C4F2F9E0-2BB7-644A-A8C2-4F89A10BA621}" type="datetime1">
               <a:rPr lang="en-US" smtClean="0"/>
-              <a:t>10/23/17</a:t>
+              <a:t>11/20/17</a:t>
             </a:fld>
             <a:endParaRPr lang="en-US"/>
           </a:p>
@@ -22454,7 +22435,7 @@
           <a:p>
             <a:fld id="{9890B64F-BD66-014F-8385-76577B03EE8A}" type="datetime1">
               <a:rPr lang="en-US" smtClean="0"/>
-              <a:t>10/23/17</a:t>
+              <a:t>11/20/17</a:t>
             </a:fld>
             <a:endParaRPr lang="en-US"/>
           </a:p>
@@ -22637,7 +22618,7 @@
           <a:p>
             <a:fld id="{24EAC218-805B-5942-9D1C-1CAF707EFBDF}" type="datetime1">
               <a:rPr lang="en-US" smtClean="0"/>
-              <a:t>10/23/17</a:t>
+              <a:t>11/20/17</a:t>
             </a:fld>
             <a:endParaRPr lang="en-US" dirty="0"/>
           </a:p>
@@ -22953,7 +22934,7 @@
           <a:p>
             <a:fld id="{E12727D1-4C82-404C-B300-E3C9ED3E7415}" type="datetime1">
               <a:rPr lang="en-US" smtClean="0"/>
-              <a:t>10/23/17</a:t>
+              <a:t>11/20/17</a:t>
             </a:fld>
             <a:endParaRPr lang="en-US" dirty="0"/>
           </a:p>
@@ -23169,7 +23150,47 @@
               </a:rPr>
               <a:t> </a:t>
             </a:r>
-            <a:endParaRPr lang="en-US" sz="2200" smtClean="0">
+            <a:r>
+              <a:rPr lang="en-US" sz="2200" smtClean="0">
+                <a:latin typeface="Courier" charset="0"/>
+                <a:ea typeface="Courier" charset="0"/>
+                <a:cs typeface="Courier" charset="0"/>
+              </a:rPr>
+              <a:t>--</a:t>
+            </a:r>
+            <a:r>
+              <a:rPr lang="en-US" sz="2200" smtClean="0">
+                <a:latin typeface="Courier" charset="0"/>
+                <a:ea typeface="Courier" charset="0"/>
+                <a:cs typeface="Courier" charset="0"/>
+              </a:rPr>
+              <a:t>qos</a:t>
+            </a:r>
+            <a:r>
+              <a:rPr lang="en-US" sz="2200" dirty="0" smtClean="0">
+                <a:latin typeface="Courier" charset="0"/>
+                <a:ea typeface="Courier" charset="0"/>
+                <a:cs typeface="Courier" charset="0"/>
+              </a:rPr>
+              <a:t>=debug </a:t>
+            </a:r>
+            <a:r>
+              <a:rPr lang="en-US" sz="2200" dirty="0" smtClean="0">
+                <a:latin typeface="Courier" charset="0"/>
+                <a:ea typeface="Courier" charset="0"/>
+                <a:cs typeface="Courier" charset="0"/>
+              </a:rPr>
+              <a:t>--</a:t>
+            </a:r>
+            <a:r>
+              <a:rPr lang="en-US" sz="2200" dirty="0" smtClean="0">
+                <a:latin typeface="Courier" charset="0"/>
+                <a:ea typeface="Courier" charset="0"/>
+                <a:cs typeface="Courier" charset="0"/>
+              </a:rPr>
+              <a:t>time=00:05:00</a:t>
+            </a:r>
+            <a:endParaRPr lang="en-US" sz="2200" dirty="0" smtClean="0">
               <a:latin typeface="Courier" charset="0"/>
               <a:ea typeface="Courier" charset="0"/>
               <a:cs typeface="Courier" charset="0"/>
@@ -23180,12 +23201,8 @@
               <a:buNone/>
             </a:pPr>
             <a:r>
-              <a:rPr lang="en-US" smtClean="0"/>
-              <a:t>Once </a:t>
-            </a:r>
-            <a:r>
-              <a:rPr lang="en-US" dirty="0" smtClean="0"/>
-              <a:t>we receive a prompt, then:</a:t>
+              <a:rPr lang="en-US" dirty="0" smtClean="0"/>
+              <a:t>Once we receive a prompt, then:</a:t>
             </a:r>
           </a:p>
           <a:p>
@@ -23280,7 +23297,7 @@
           <a:p>
             <a:fld id="{F21DF42F-4BC7-1E4D-B4C7-33A7E30F56D4}" type="datetime1">
               <a:rPr lang="en-US" smtClean="0"/>
-              <a:t>10/23/17</a:t>
+              <a:t>11/20/17</a:t>
             </a:fld>
             <a:endParaRPr lang="en-US" dirty="0"/>
           </a:p>
@@ -23510,7 +23527,7 @@
           <a:p>
             <a:fld id="{F176B5BB-6C1E-4446-A4B5-BF7D661481E8}" type="datetime1">
               <a:rPr lang="en-US" smtClean="0"/>
-              <a:t>10/23/17</a:t>
+              <a:t>11/20/17</a:t>
             </a:fld>
             <a:endParaRPr lang="en-US" dirty="0"/>
           </a:p>
@@ -23712,7 +23729,7 @@
           <a:p>
             <a:fld id="{2C3A7136-6CD9-1F44-BF87-1F02B022DD38}" type="datetime1">
               <a:rPr lang="en-US" smtClean="0"/>
-              <a:t>10/23/17</a:t>
+              <a:t>11/20/17</a:t>
             </a:fld>
             <a:endParaRPr lang="en-US"/>
           </a:p>
@@ -23940,7 +23957,7 @@
           <a:p>
             <a:fld id="{DD60739B-9381-D348-A54C-084428A1CE83}" type="datetime1">
               <a:rPr lang="en-US" smtClean="0"/>
-              <a:t>10/23/17</a:t>
+              <a:t>11/20/17</a:t>
             </a:fld>
             <a:endParaRPr lang="en-US"/>
           </a:p>
@@ -24206,7 +24223,7 @@
           <a:p>
             <a:fld id="{E4C2F9E9-0335-9F43-85CD-6D5AFF0B589E}" type="datetime1">
               <a:rPr lang="en-US" smtClean="0"/>
-              <a:t>10/23/17</a:t>
+              <a:t>11/20/17</a:t>
             </a:fld>
             <a:endParaRPr lang="en-US"/>
           </a:p>
@@ -24405,7 +24422,7 @@
           <a:p>
             <a:fld id="{CE5BD4CA-09B4-E54C-901B-62D7687F59E7}" type="datetime1">
               <a:rPr lang="en-US" smtClean="0"/>
-              <a:t>10/23/17</a:t>
+              <a:t>11/20/17</a:t>
             </a:fld>
             <a:endParaRPr lang="en-US"/>
           </a:p>

--- a/rc_new_user_seminar_2017.pptx
+++ b/rc_new_user_seminar_2017.pptx
@@ -251,7 +251,7 @@
           <a:p>
             <a:fld id="{C649942D-A542-EE42-A1CF-1E4FFF53ED67}" type="datetimeFigureOut">
               <a:rPr lang="en-US" smtClean="0"/>
-              <a:t>11/20/17</a:t>
+              <a:t>12/7/17</a:t>
             </a:fld>
             <a:endParaRPr lang="en-US"/>
           </a:p>
@@ -1492,14 +1492,14 @@
               <ma14:placeholderFlag xmlns:ma14="http://schemas.microsoft.com/office/mac/drawingml/2011/main" val="1"/>
             </a:ext>
             <a:ext uri="{909E8E84-426E-40dd-AFC4-6F175D3DCCD1}">
-              <a14:hiddenFill xmlns:a14="http://schemas.microsoft.com/office/drawing/2010/main" xmlns="">
+              <a14:hiddenFill xmlns="" xmlns:a14="http://schemas.microsoft.com/office/drawing/2010/main">
                 <a:solidFill>
                   <a:srgbClr val="FFFFFF"/>
                 </a:solidFill>
               </a14:hiddenFill>
             </a:ext>
             <a:ext uri="{91240B29-F687-4f45-9708-019B960494DF}">
-              <a14:hiddenLine xmlns:a14="http://schemas.microsoft.com/office/drawing/2010/main" xmlns="" w="9525">
+              <a14:hiddenLine xmlns="" xmlns:a14="http://schemas.microsoft.com/office/drawing/2010/main" w="9525">
                 <a:solidFill>
                   <a:srgbClr val="000000"/>
                 </a:solidFill>
@@ -1537,14 +1537,14 @@
           <a:ln/>
           <a:extLst>
             <a:ext uri="{909E8E84-426E-40dd-AFC4-6F175D3DCCD1}">
-              <a14:hiddenFill xmlns:a14="http://schemas.microsoft.com/office/drawing/2010/main" xmlns="">
+              <a14:hiddenFill xmlns="" xmlns:a14="http://schemas.microsoft.com/office/drawing/2010/main">
                 <a:solidFill>
                   <a:srgbClr val="FFFFFF"/>
                 </a:solidFill>
               </a14:hiddenFill>
             </a:ext>
             <a:ext uri="{91240B29-F687-4f45-9708-019B960494DF}">
-              <a14:hiddenLine xmlns:a14="http://schemas.microsoft.com/office/drawing/2010/main" xmlns="" w="9525">
+              <a14:hiddenLine xmlns="" xmlns:a14="http://schemas.microsoft.com/office/drawing/2010/main" w="9525">
                 <a:solidFill>
                   <a:srgbClr val="000000"/>
                 </a:solidFill>
@@ -2581,7 +2581,7 @@
           <a:p>
             <a:fld id="{ECD68DE7-8E14-F140-9BF8-7DF505A7EC71}" type="datetime1">
               <a:rPr lang="en-US" smtClean="0"/>
-              <a:t>11/20/17</a:t>
+              <a:t>12/7/17</a:t>
             </a:fld>
             <a:endParaRPr lang="en-US"/>
           </a:p>
@@ -2771,7 +2771,7 @@
           <a:p>
             <a:fld id="{1D9E6949-9996-6743-8CFF-FA3A56E13506}" type="datetime1">
               <a:rPr lang="en-US" smtClean="0"/>
-              <a:t>11/20/17</a:t>
+              <a:t>12/7/17</a:t>
             </a:fld>
             <a:endParaRPr lang="en-US"/>
           </a:p>
@@ -2971,7 +2971,7 @@
           <a:p>
             <a:fld id="{B889D5DF-D410-3845-BB2F-EEB43AAD8F50}" type="datetime1">
               <a:rPr lang="en-US" smtClean="0"/>
-              <a:t>11/20/17</a:t>
+              <a:t>12/7/17</a:t>
             </a:fld>
             <a:endParaRPr lang="en-US"/>
           </a:p>
@@ -3258,7 +3258,7 @@
           <a:p>
             <a:fld id="{150E7F26-8C30-8C48-992C-4605BCF373C1}" type="datetime1">
               <a:rPr lang="en-US" smtClean="0"/>
-              <a:t>11/20/17</a:t>
+              <a:t>12/7/17</a:t>
             </a:fld>
             <a:endParaRPr lang="en-US"/>
           </a:p>
@@ -3428,7 +3428,7 @@
           <a:p>
             <a:fld id="{043D7B85-D040-214F-9303-7FDDADF77F95}" type="datetime1">
               <a:rPr lang="en-US" smtClean="0"/>
-              <a:t>11/20/17</a:t>
+              <a:t>12/7/17</a:t>
             </a:fld>
             <a:endParaRPr lang="en-US"/>
           </a:p>
@@ -3694,7 +3694,7 @@
           <a:p>
             <a:fld id="{77B1075F-B81A-5940-A68D-45596C356335}" type="datetime1">
               <a:rPr lang="en-US" smtClean="0"/>
-              <a:t>11/20/17</a:t>
+              <a:t>12/7/17</a:t>
             </a:fld>
             <a:endParaRPr lang="en-US"/>
           </a:p>
@@ -4002,7 +4002,7 @@
           <a:p>
             <a:fld id="{39113FC0-C6F8-6E40-8D7A-F2A1A22961FE}" type="datetime1">
               <a:rPr lang="en-US" smtClean="0"/>
-              <a:t>11/20/17</a:t>
+              <a:t>12/7/17</a:t>
             </a:fld>
             <a:endParaRPr lang="en-US"/>
           </a:p>
@@ -4456,7 +4456,7 @@
           <a:p>
             <a:fld id="{37F32D73-5A99-464A-8594-B551FF72C9D9}" type="datetime1">
               <a:rPr lang="en-US" smtClean="0"/>
-              <a:t>11/20/17</a:t>
+              <a:t>12/7/17</a:t>
             </a:fld>
             <a:endParaRPr lang="en-US"/>
           </a:p>
@@ -4594,7 +4594,7 @@
           <a:p>
             <a:fld id="{E82BF7D7-27C3-CF45-B820-FC005A5F8688}" type="datetime1">
               <a:rPr lang="en-US" smtClean="0"/>
-              <a:t>11/20/17</a:t>
+              <a:t>12/7/17</a:t>
             </a:fld>
             <a:endParaRPr lang="en-US"/>
           </a:p>
@@ -4709,7 +4709,7 @@
           <a:p>
             <a:fld id="{9555053E-C274-C74C-A284-88F22C581203}" type="datetime1">
               <a:rPr lang="en-US" smtClean="0"/>
-              <a:t>11/20/17</a:t>
+              <a:t>12/7/17</a:t>
             </a:fld>
             <a:endParaRPr lang="en-US"/>
           </a:p>
@@ -4923,7 +4923,7 @@
           <a:p>
             <a:fld id="{7A689FF8-7D69-1D41-AF80-D980840BCB23}" type="datetime1">
               <a:rPr lang="en-US" smtClean="0"/>
-              <a:t>11/20/17</a:t>
+              <a:t>12/7/17</a:t>
             </a:fld>
             <a:endParaRPr lang="en-US"/>
           </a:p>
@@ -5266,7 +5266,7 @@
           <a:p>
             <a:fld id="{B2055EBF-49EC-E44B-96CA-4F8E3FBF2465}" type="datetime1">
               <a:rPr lang="en-US" smtClean="0"/>
-              <a:t>11/20/17</a:t>
+              <a:t>12/7/17</a:t>
             </a:fld>
             <a:endParaRPr lang="en-US"/>
           </a:p>
@@ -5629,7 +5629,7 @@
           <a:p>
             <a:fld id="{96D7D345-C39C-A44C-AF4E-9524445B1337}" type="datetime1">
               <a:rPr lang="en-US" smtClean="0"/>
-              <a:t>11/20/17</a:t>
+              <a:t>12/7/17</a:t>
             </a:fld>
             <a:endParaRPr lang="en-US"/>
           </a:p>
@@ -6222,7 +6222,7 @@
           <a:p>
             <a:fld id="{BD3E17D7-4415-0A45-8086-1E9B50478751}" type="datetime1">
               <a:rPr lang="en-US" smtClean="0"/>
-              <a:t>11/20/17</a:t>
+              <a:t>12/7/17</a:t>
             </a:fld>
             <a:endParaRPr lang="en-US" dirty="0"/>
           </a:p>
@@ -6404,7 +6404,7 @@
           <a:p>
             <a:fld id="{4676C52D-A00D-2248-AAC1-94BD55906AAC}" type="datetime1">
               <a:rPr lang="en-US" smtClean="0"/>
-              <a:t>11/20/17</a:t>
+              <a:t>12/7/17</a:t>
             </a:fld>
             <a:endParaRPr lang="en-US"/>
           </a:p>
@@ -6594,7 +6594,7 @@
           <a:p>
             <a:fld id="{446EC888-7CFD-C641-9F44-9678633359F5}" type="datetime1">
               <a:rPr lang="en-US" smtClean="0"/>
-              <a:t>11/20/17</a:t>
+              <a:t>12/7/17</a:t>
             </a:fld>
             <a:endParaRPr lang="en-US"/>
           </a:p>
@@ -6785,7 +6785,7 @@
           <a:p>
             <a:fld id="{9DCF056C-E28A-E84B-82B5-F09CA8CCF7AA}" type="datetime1">
               <a:rPr lang="en-US" smtClean="0"/>
-              <a:t>11/20/17</a:t>
+              <a:t>12/7/17</a:t>
             </a:fld>
             <a:endParaRPr lang="en-US" dirty="0"/>
           </a:p>
@@ -6986,7 +6986,7 @@
           <a:p>
             <a:fld id="{F20BFDB3-A603-BF47-BB0C-9DB4A86B14A1}" type="datetime1">
               <a:rPr lang="en-US" smtClean="0"/>
-              <a:t>11/20/17</a:t>
+              <a:t>12/7/17</a:t>
             </a:fld>
             <a:endParaRPr lang="en-US" dirty="0"/>
           </a:p>
@@ -7169,7 +7169,7 @@
           <a:p>
             <a:fld id="{C74A8494-43BC-5246-A5F8-7C026E3A2506}" type="datetime1">
               <a:rPr lang="en-US" smtClean="0"/>
-              <a:t>11/20/17</a:t>
+              <a:t>12/7/17</a:t>
             </a:fld>
             <a:endParaRPr lang="en-US" dirty="0"/>
           </a:p>
@@ -7360,7 +7360,7 @@
           <a:p>
             <a:fld id="{565D631E-63D9-2946-A4FB-64ADF73B9F46}" type="datetime1">
               <a:rPr lang="en-US" smtClean="0"/>
-              <a:t>11/20/17</a:t>
+              <a:t>12/7/17</a:t>
             </a:fld>
             <a:endParaRPr lang="en-US" dirty="0"/>
           </a:p>
@@ -7549,7 +7549,7 @@
           <a:p>
             <a:fld id="{D6A24DE9-2A38-9F4F-9441-F5E45DF3B582}" type="datetime1">
               <a:rPr lang="en-US" smtClean="0"/>
-              <a:t>11/20/17</a:t>
+              <a:t>12/7/17</a:t>
             </a:fld>
             <a:endParaRPr lang="en-US" dirty="0"/>
           </a:p>
@@ -7731,7 +7731,7 @@
           <a:p>
             <a:fld id="{14C7FEA5-DE78-1148-84A0-7BFCB44B4D67}" type="datetime1">
               <a:rPr lang="en-US" smtClean="0"/>
-              <a:t>11/20/17</a:t>
+              <a:t>12/7/17</a:t>
             </a:fld>
             <a:endParaRPr lang="en-US"/>
           </a:p>
@@ -8065,7 +8065,7 @@
           <a:p>
             <a:fld id="{8885B798-E31F-EF48-B899-212976AF87DE}" type="datetime1">
               <a:rPr lang="en-US" smtClean="0"/>
-              <a:t>11/20/17</a:t>
+              <a:t>12/7/17</a:t>
             </a:fld>
             <a:endParaRPr lang="en-US" dirty="0"/>
           </a:p>
@@ -8252,7 +8252,7 @@
           <a:p>
             <a:fld id="{BFB05F3F-E948-DD41-9031-1B2AF49AD76C}" type="datetime1">
               <a:rPr lang="en-US" smtClean="0"/>
-              <a:t>11/20/17</a:t>
+              <a:t>12/7/17</a:t>
             </a:fld>
             <a:endParaRPr lang="en-US"/>
           </a:p>
@@ -8472,7 +8472,7 @@
           <a:p>
             <a:fld id="{771A8861-859A-A949-A7D3-0A76732EE9EB}" type="datetime1">
               <a:rPr lang="en-US" smtClean="0"/>
-              <a:t>11/20/17</a:t>
+              <a:t>12/7/17</a:t>
             </a:fld>
             <a:endParaRPr lang="en-US" dirty="0"/>
           </a:p>
@@ -8691,7 +8691,7 @@
           <a:p>
             <a:fld id="{D5EAB504-1A42-5949-AE07-2AC2FB9C6C54}" type="datetime1">
               <a:rPr lang="en-US" smtClean="0"/>
-              <a:t>11/20/17</a:t>
+              <a:t>12/7/17</a:t>
             </a:fld>
             <a:endParaRPr lang="en-US" dirty="0"/>
           </a:p>
@@ -8928,7 +8928,7 @@
           <a:p>
             <a:fld id="{79168923-96D4-8249-9655-376DD4AC8146}" type="datetime1">
               <a:rPr lang="en-US" smtClean="0"/>
-              <a:t>11/20/17</a:t>
+              <a:t>12/7/17</a:t>
             </a:fld>
             <a:endParaRPr lang="en-US"/>
           </a:p>
@@ -9431,7 +9431,7 @@
           <a:p>
             <a:fld id="{F92F4056-9118-9A49-8EA1-59B389654B04}" type="datetime1">
               <a:rPr lang="en-US" smtClean="0"/>
-              <a:t>11/20/17</a:t>
+              <a:t>12/7/17</a:t>
             </a:fld>
             <a:endParaRPr lang="en-US"/>
           </a:p>
@@ -9659,7 +9659,7 @@
           <a:p>
             <a:fld id="{6A2AF87B-5DE4-7242-B926-81C627D286DE}" type="datetime1">
               <a:rPr lang="en-US" smtClean="0"/>
-              <a:t>11/20/17</a:t>
+              <a:t>12/7/17</a:t>
             </a:fld>
             <a:endParaRPr lang="en-US"/>
           </a:p>
@@ -9864,7 +9864,7 @@
           <a:p>
             <a:fld id="{C409689E-59C4-3149-BC30-04475534628F}" type="datetime1">
               <a:rPr lang="en-US" smtClean="0"/>
-              <a:t>11/20/17</a:t>
+              <a:t>12/7/17</a:t>
             </a:fld>
             <a:endParaRPr lang="en-US"/>
           </a:p>
@@ -10074,7 +10074,7 @@
           <a:p>
             <a:fld id="{A4F0CB77-59E8-AA4B-8AF0-F960A2371B83}" type="datetime1">
               <a:rPr lang="en-US" smtClean="0"/>
-              <a:t>11/20/17</a:t>
+              <a:t>12/7/17</a:t>
             </a:fld>
             <a:endParaRPr lang="en-US"/>
           </a:p>
@@ -10367,7 +10367,7 @@
           <a:p>
             <a:fld id="{2CB1BB01-A22C-0E44-AE14-9BA42F328388}" type="datetime1">
               <a:rPr lang="en-US" smtClean="0"/>
-              <a:t>11/20/17</a:t>
+              <a:t>12/7/17</a:t>
             </a:fld>
             <a:endParaRPr lang="en-US" dirty="0"/>
           </a:p>
@@ -10502,7 +10502,7 @@
           <a:p>
             <a:fld id="{EF2E92D6-81C2-2349-8DFB-1F1A7DD82F92}" type="datetime1">
               <a:rPr lang="en-US" smtClean="0"/>
-              <a:t>11/20/17</a:t>
+              <a:t>12/7/17</a:t>
             </a:fld>
             <a:endParaRPr lang="en-US"/>
           </a:p>
@@ -10705,7 +10705,7 @@
           <a:p>
             <a:fld id="{8C1A9D32-265E-194F-AF93-71B2043231E0}" type="datetime1">
               <a:rPr lang="en-US" smtClean="0"/>
-              <a:t>11/20/17</a:t>
+              <a:t>12/7/17</a:t>
             </a:fld>
             <a:endParaRPr lang="en-US"/>
           </a:p>
@@ -10931,7 +10931,7 @@
           <a:p>
             <a:fld id="{4ACF55D2-6E15-324D-A853-3288224DF348}" type="datetime1">
               <a:rPr lang="en-US" smtClean="0"/>
-              <a:t>11/20/17</a:t>
+              <a:t>12/7/17</a:t>
             </a:fld>
             <a:endParaRPr lang="en-US" dirty="0"/>
           </a:p>
@@ -11148,7 +11148,7 @@
           <a:p>
             <a:fld id="{2BF9B4AA-B499-8C4E-9B8E-811BDC42AB72}" type="datetime1">
               <a:rPr lang="en-US" smtClean="0"/>
-              <a:t>11/20/17</a:t>
+              <a:t>12/7/17</a:t>
             </a:fld>
             <a:endParaRPr lang="en-US"/>
           </a:p>
@@ -11373,7 +11373,7 @@
           <a:p>
             <a:fld id="{09667844-52C5-454C-91DA-DA641038CED4}" type="datetime1">
               <a:rPr lang="en-US" smtClean="0"/>
-              <a:t>11/20/17</a:t>
+              <a:t>12/7/17</a:t>
             </a:fld>
             <a:endParaRPr lang="en-US"/>
           </a:p>
@@ -11502,7 +11502,7 @@
           <a:p>
             <a:fld id="{D20DA3BF-08CB-8A4B-9523-EAB60681977A}" type="datetime1">
               <a:rPr lang="en-US" smtClean="0"/>
-              <a:t>11/20/17</a:t>
+              <a:t>12/7/17</a:t>
             </a:fld>
             <a:endParaRPr lang="en-US"/>
           </a:p>
@@ -13447,7 +13447,7 @@
           <a:p>
             <a:fld id="{A3C9C1BB-C1E4-004E-B76B-8C60A87CB160}" type="datetime1">
               <a:rPr lang="en-US" smtClean="0"/>
-              <a:t>11/20/17</a:t>
+              <a:t>12/7/17</a:t>
             </a:fld>
             <a:endParaRPr lang="en-US"/>
           </a:p>
@@ -15627,7 +15627,7 @@
           <a:p>
             <a:fld id="{D7C17083-DB9E-DF40-9FF1-3C3BBD3126F3}" type="datetime1">
               <a:rPr lang="en-US" smtClean="0"/>
-              <a:t>11/20/17</a:t>
+              <a:t>12/7/17</a:t>
             </a:fld>
             <a:endParaRPr lang="en-US" dirty="0"/>
           </a:p>
@@ -16148,7 +16148,7 @@
           <a:p>
             <a:fld id="{F1062F58-FDE1-BA4D-BB8C-2264A72B5428}" type="datetime1">
               <a:rPr lang="en-US" smtClean="0"/>
-              <a:t>11/20/17</a:t>
+              <a:t>12/7/17</a:t>
             </a:fld>
             <a:endParaRPr lang="en-US" dirty="0"/>
           </a:p>
@@ -16441,7 +16441,7 @@
           <a:p>
             <a:fld id="{57D010C4-F61A-344B-ACB4-6FFCD098ACFF}" type="datetime1">
               <a:rPr lang="en-US" smtClean="0"/>
-              <a:t>11/20/17</a:t>
+              <a:t>12/7/17</a:t>
             </a:fld>
             <a:endParaRPr lang="en-US"/>
           </a:p>
@@ -16565,7 +16565,9 @@
         </p:nvSpPr>
         <p:spPr/>
         <p:txBody>
-          <a:bodyPr/>
+          <a:bodyPr>
+            <a:normAutofit fontScale="92500" lnSpcReduction="10000"/>
+          </a:bodyPr>
           <a:lstStyle/>
           <a:p>
             <a:r>
@@ -16634,12 +16636,177 @@
               </a:rPr>
               <a:t>blanca</a:t>
             </a:r>
+            <a:endParaRPr lang="en-US" dirty="0" smtClean="0">
+              <a:latin typeface="Courier" charset="0"/>
+              <a:ea typeface="Courier" charset="0"/>
+              <a:cs typeface="Courier" charset="0"/>
+            </a:endParaRPr>
+          </a:p>
+          <a:p>
+            <a:pPr marL="114300" indent="0">
+              <a:buNone/>
+            </a:pPr>
+            <a:endParaRPr lang="en-US" dirty="0">
+              <a:latin typeface="Courier" charset="0"/>
+              <a:ea typeface="Courier" charset="0"/>
+              <a:cs typeface="Courier" charset="0"/>
+            </a:endParaRPr>
+          </a:p>
+          <a:p>
+            <a:pPr marL="114300" indent="0">
+              <a:buNone/>
+            </a:pPr>
+            <a:r>
+              <a:rPr lang="en-US" dirty="0">
+                <a:latin typeface="Courier" charset="0"/>
+                <a:ea typeface="Courier" charset="0"/>
+                <a:cs typeface="Courier" charset="0"/>
+              </a:rPr>
+              <a:t> </a:t>
+            </a:r>
+            <a:r>
+              <a:rPr lang="en-US" dirty="0" smtClean="0">
+                <a:latin typeface="Helvetica Neue" charset="0"/>
+                <a:ea typeface="Helvetica Neue" charset="0"/>
+                <a:cs typeface="Helvetica Neue" charset="0"/>
+              </a:rPr>
+              <a:t>Use</a:t>
+            </a:r>
+            <a:r>
+              <a:rPr lang="en-US" dirty="0" smtClean="0">
+                <a:latin typeface="Courier" charset="0"/>
+                <a:ea typeface="Courier" charset="0"/>
+                <a:cs typeface="Courier" charset="0"/>
+              </a:rPr>
+              <a:t> --</a:t>
+            </a:r>
+            <a:r>
+              <a:rPr lang="en-US" dirty="0" err="1" smtClean="0">
+                <a:latin typeface="Courier" charset="0"/>
+                <a:ea typeface="Courier" charset="0"/>
+                <a:cs typeface="Courier" charset="0"/>
+              </a:rPr>
+              <a:t>qos</a:t>
+            </a:r>
+            <a:r>
+              <a:rPr lang="en-US" dirty="0" smtClean="0">
+                <a:latin typeface="Courier" charset="0"/>
+                <a:ea typeface="Courier" charset="0"/>
+                <a:cs typeface="Courier" charset="0"/>
+              </a:rPr>
+              <a:t>=</a:t>
+            </a:r>
+            <a:r>
+              <a:rPr lang="en-US" dirty="0" err="1" smtClean="0">
+                <a:latin typeface="Courier" charset="0"/>
+                <a:ea typeface="Courier" charset="0"/>
+                <a:cs typeface="Courier" charset="0"/>
+              </a:rPr>
+              <a:t>blanca</a:t>
+            </a:r>
+            <a:r>
+              <a:rPr lang="en-US" dirty="0" smtClean="0">
+                <a:latin typeface="Courier" charset="0"/>
+                <a:ea typeface="Courier" charset="0"/>
+                <a:cs typeface="Courier" charset="0"/>
+              </a:rPr>
+              <a:t>-</a:t>
+            </a:r>
+            <a:r>
+              <a:rPr lang="en-US" smtClean="0">
+                <a:latin typeface="Courier" charset="0"/>
+                <a:ea typeface="Courier" charset="0"/>
+                <a:cs typeface="Courier" charset="0"/>
+              </a:rPr>
+              <a:t>&lt;group-identifier&gt; </a:t>
+            </a:r>
+            <a:r>
+              <a:rPr lang="en-US" dirty="0" smtClean="0">
+                <a:latin typeface="Helvetica Neue" charset="0"/>
+                <a:ea typeface="Helvetica Neue" charset="0"/>
+                <a:cs typeface="Helvetica Neue" charset="0"/>
+              </a:rPr>
+              <a:t>for high priority access</a:t>
+            </a:r>
+          </a:p>
+          <a:p>
+            <a:pPr marL="114300" indent="0">
+              <a:buNone/>
+            </a:pPr>
+            <a:r>
+              <a:rPr lang="en-US" dirty="0" smtClean="0">
+                <a:latin typeface="Courier" charset="0"/>
+                <a:ea typeface="Courier" charset="0"/>
+                <a:cs typeface="Courier" charset="0"/>
+              </a:rPr>
+              <a:t>     </a:t>
+            </a:r>
+            <a:r>
+              <a:rPr lang="en-US" dirty="0" smtClean="0">
+                <a:latin typeface="Courier" charset="0"/>
+                <a:ea typeface="Courier" charset="0"/>
+                <a:cs typeface="Courier" charset="0"/>
+              </a:rPr>
+              <a:t>--</a:t>
+            </a:r>
+            <a:r>
+              <a:rPr lang="en-US" dirty="0" err="1" smtClean="0">
+                <a:latin typeface="Courier" charset="0"/>
+                <a:ea typeface="Courier" charset="0"/>
+                <a:cs typeface="Courier" charset="0"/>
+              </a:rPr>
+              <a:t>q</a:t>
+            </a:r>
+            <a:r>
+              <a:rPr lang="en-US" dirty="0" err="1" smtClean="0">
+                <a:latin typeface="Courier" charset="0"/>
+                <a:ea typeface="Courier" charset="0"/>
+                <a:cs typeface="Courier" charset="0"/>
+              </a:rPr>
+              <a:t>os</a:t>
+            </a:r>
+            <a:r>
+              <a:rPr lang="en-US" dirty="0">
+                <a:latin typeface="Courier" charset="0"/>
+                <a:ea typeface="Courier" charset="0"/>
+                <a:cs typeface="Courier" charset="0"/>
+              </a:rPr>
+              <a:t>=</a:t>
+            </a:r>
+            <a:r>
+              <a:rPr lang="en-US" dirty="0" err="1" smtClean="0">
+                <a:latin typeface="Courier" charset="0"/>
+                <a:ea typeface="Courier" charset="0"/>
+                <a:cs typeface="Courier" charset="0"/>
+              </a:rPr>
+              <a:t>blanca</a:t>
+            </a:r>
+            <a:r>
+              <a:rPr lang="en-US" dirty="0" smtClean="0">
+                <a:latin typeface="Courier" charset="0"/>
+                <a:ea typeface="Courier" charset="0"/>
+                <a:cs typeface="Courier" charset="0"/>
+              </a:rPr>
+              <a:t> </a:t>
+            </a:r>
+            <a:r>
+              <a:rPr lang="en-US" dirty="0" smtClean="0">
+                <a:latin typeface="Helvetica Neue" charset="0"/>
+                <a:ea typeface="Helvetica Neue" charset="0"/>
+                <a:cs typeface="Helvetica Neue" charset="0"/>
+              </a:rPr>
+              <a:t>for low-priority access</a:t>
+            </a:r>
+            <a:endParaRPr lang="en-US" dirty="0" smtClean="0">
+              <a:latin typeface="Helvetica Neue" charset="0"/>
+              <a:ea typeface="Helvetica Neue" charset="0"/>
+              <a:cs typeface="Helvetica Neue" charset="0"/>
+            </a:endParaRPr>
+          </a:p>
+          <a:p>
             <a:endParaRPr lang="en-US" dirty="0" smtClean="0"/>
           </a:p>
           <a:p>
-            <a:endParaRPr lang="en-US" dirty="0" smtClean="0"/>
-          </a:p>
-          <a:p>
             <a:r>
               <a:rPr lang="en-US" dirty="0" smtClean="0"/>
               <a:t>Only certain users have access to Blanca – paid service</a:t>
@@ -16677,7 +16844,7 @@
           <a:p>
             <a:fld id="{36D94695-4FE4-B74D-9FEF-603C469ABA33}" type="datetime1">
               <a:rPr lang="en-US" smtClean="0"/>
-              <a:t>11/20/17</a:t>
+              <a:t>12/7/17</a:t>
             </a:fld>
             <a:endParaRPr lang="en-US"/>
           </a:p>
@@ -16930,7 +17097,7 @@
           <a:p>
             <a:fld id="{A2DD7857-83C0-944C-808D-7EBD666BA1C5}" type="datetime1">
               <a:rPr lang="en-US" smtClean="0"/>
-              <a:t>11/20/17</a:t>
+              <a:t>12/7/17</a:t>
             </a:fld>
             <a:endParaRPr lang="en-US"/>
           </a:p>
@@ -17065,7 +17232,7 @@
           <a:p>
             <a:fld id="{D0F1EC55-3BF6-B94A-A8A8-ECF9B2E6E6A5}" type="datetime1">
               <a:rPr lang="en-US" smtClean="0"/>
-              <a:t>11/20/17</a:t>
+              <a:t>12/7/17</a:t>
             </a:fld>
             <a:endParaRPr lang="en-US" dirty="0"/>
           </a:p>
@@ -17326,7 +17493,7 @@
           <a:p>
             <a:fld id="{50F15D87-D865-834D-8095-85B47E5D857D}" type="datetime1">
               <a:rPr lang="en-US" smtClean="0"/>
-              <a:t>11/20/17</a:t>
+              <a:t>12/7/17</a:t>
             </a:fld>
             <a:endParaRPr lang="en-US"/>
           </a:p>
@@ -17542,7 +17709,7 @@
           <a:p>
             <a:fld id="{157FD4B1-436B-5B42-B797-4F45D1B6B6A9}" type="datetime1">
               <a:rPr lang="en-US" smtClean="0"/>
-              <a:t>11/20/17</a:t>
+              <a:t>12/7/17</a:t>
             </a:fld>
             <a:endParaRPr lang="en-US" dirty="0"/>
           </a:p>
@@ -18034,7 +18201,7 @@
           <a:p>
             <a:fld id="{9650BA27-C1AA-FC4E-A90D-29775570A7B1}" type="datetime1">
               <a:rPr lang="en-US" smtClean="0"/>
-              <a:t>11/20/17</a:t>
+              <a:t>12/7/17</a:t>
             </a:fld>
             <a:endParaRPr lang="en-US"/>
           </a:p>
@@ -18349,7 +18516,7 @@
           <a:p>
             <a:fld id="{F595C32F-4FDD-1845-9DAD-BF783B30F4EA}" type="datetime1">
               <a:rPr lang="en-US" smtClean="0"/>
-              <a:t>11/20/17</a:t>
+              <a:t>12/7/17</a:t>
             </a:fld>
             <a:endParaRPr lang="en-US"/>
           </a:p>
@@ -18685,7 +18852,7 @@
           <a:p>
             <a:fld id="{7A593D67-D80B-D341-95C2-D8FD019BB686}" type="datetime1">
               <a:rPr lang="en-US" smtClean="0"/>
-              <a:t>11/20/17</a:t>
+              <a:t>12/7/17</a:t>
             </a:fld>
             <a:endParaRPr lang="en-US" dirty="0"/>
           </a:p>
@@ -19011,7 +19178,7 @@
           <a:p>
             <a:fld id="{26A447B6-DA76-2941-9271-7615FCF773C3}" type="datetime1">
               <a:rPr lang="en-US" smtClean="0"/>
-              <a:t>11/20/17</a:t>
+              <a:t>12/7/17</a:t>
             </a:fld>
             <a:endParaRPr lang="en-US"/>
           </a:p>
@@ -19347,7 +19514,7 @@
           <a:p>
             <a:fld id="{38B2C89D-A2C7-BC4F-80C2-CF46C745D9C4}" type="datetime1">
               <a:rPr lang="en-US" smtClean="0"/>
-              <a:t>11/20/17</a:t>
+              <a:t>12/7/17</a:t>
             </a:fld>
             <a:endParaRPr lang="en-US"/>
           </a:p>
@@ -19939,7 +20106,7 @@
           <a:p>
             <a:fld id="{EBDED0D2-C1DA-5148-BCD1-FD0E375E4368}" type="datetime1">
               <a:rPr lang="en-US" smtClean="0"/>
-              <a:t>11/20/17</a:t>
+              <a:t>12/7/17</a:t>
             </a:fld>
             <a:endParaRPr lang="en-US"/>
           </a:p>
@@ -20131,7 +20298,7 @@
           <a:p>
             <a:fld id="{58476822-42A8-164F-A773-7C6D2A6A81DB}" type="datetime1">
               <a:rPr lang="en-US" smtClean="0"/>
-              <a:t>11/20/17</a:t>
+              <a:t>12/7/17</a:t>
             </a:fld>
             <a:endParaRPr lang="en-US" dirty="0"/>
           </a:p>
@@ -20384,7 +20551,7 @@
           <a:p>
             <a:fld id="{743333A5-8F5B-BA46-B1A8-D091CAAF002B}" type="datetime1">
               <a:rPr lang="en-US" smtClean="0"/>
-              <a:t>11/20/17</a:t>
+              <a:t>12/7/17</a:t>
             </a:fld>
             <a:endParaRPr lang="en-US"/>
           </a:p>
@@ -21026,7 +21193,7 @@
           <a:p>
             <a:fld id="{AE89C334-26D2-F346-A763-FB59B0897930}" type="datetime1">
               <a:rPr lang="en-US" smtClean="0"/>
-              <a:t>11/20/17</a:t>
+              <a:t>12/7/17</a:t>
             </a:fld>
             <a:endParaRPr lang="en-US"/>
           </a:p>
@@ -21434,7 +21601,7 @@
           <a:p>
             <a:fld id="{0E391325-9FAD-3B48-ABBB-A2878079FE51}" type="datetime1">
               <a:rPr lang="en-US" smtClean="0"/>
-              <a:t>11/20/17</a:t>
+              <a:t>12/7/17</a:t>
             </a:fld>
             <a:endParaRPr lang="en-US"/>
           </a:p>
@@ -21669,7 +21836,7 @@
           <a:p>
             <a:fld id="{406683BE-7CE6-C246-A895-91EACBC36081}" type="datetime1">
               <a:rPr lang="en-US" smtClean="0"/>
-              <a:t>11/20/17</a:t>
+              <a:t>12/7/17</a:t>
             </a:fld>
             <a:endParaRPr lang="en-US" dirty="0"/>
           </a:p>
@@ -22178,7 +22345,7 @@
           <a:p>
             <a:fld id="{C4F2F9E0-2BB7-644A-A8C2-4F89A10BA621}" type="datetime1">
               <a:rPr lang="en-US" smtClean="0"/>
-              <a:t>11/20/17</a:t>
+              <a:t>12/7/17</a:t>
             </a:fld>
             <a:endParaRPr lang="en-US"/>
           </a:p>
@@ -22435,7 +22602,7 @@
           <a:p>
             <a:fld id="{9890B64F-BD66-014F-8385-76577B03EE8A}" type="datetime1">
               <a:rPr lang="en-US" smtClean="0"/>
-              <a:t>11/20/17</a:t>
+              <a:t>12/7/17</a:t>
             </a:fld>
             <a:endParaRPr lang="en-US"/>
           </a:p>
@@ -22618,7 +22785,7 @@
           <a:p>
             <a:fld id="{24EAC218-805B-5942-9D1C-1CAF707EFBDF}" type="datetime1">
               <a:rPr lang="en-US" smtClean="0"/>
-              <a:t>11/20/17</a:t>
+              <a:t>12/7/17</a:t>
             </a:fld>
             <a:endParaRPr lang="en-US" dirty="0"/>
           </a:p>
@@ -22934,7 +23101,7 @@
           <a:p>
             <a:fld id="{E12727D1-4C82-404C-B300-E3C9ED3E7415}" type="datetime1">
               <a:rPr lang="en-US" smtClean="0"/>
-              <a:t>11/20/17</a:t>
+              <a:t>12/7/17</a:t>
             </a:fld>
             <a:endParaRPr lang="en-US" dirty="0"/>
           </a:p>
@@ -23148,23 +23315,7 @@
                 <a:ea typeface="Courier" charset="0"/>
                 <a:cs typeface="Courier" charset="0"/>
               </a:rPr>
-              <a:t> </a:t>
-            </a:r>
-            <a:r>
-              <a:rPr lang="en-US" sz="2200" smtClean="0">
-                <a:latin typeface="Courier" charset="0"/>
-                <a:ea typeface="Courier" charset="0"/>
-                <a:cs typeface="Courier" charset="0"/>
-              </a:rPr>
-              <a:t>--</a:t>
-            </a:r>
-            <a:r>
-              <a:rPr lang="en-US" sz="2200" smtClean="0">
-                <a:latin typeface="Courier" charset="0"/>
-                <a:ea typeface="Courier" charset="0"/>
-                <a:cs typeface="Courier" charset="0"/>
-              </a:rPr>
-              <a:t>qos</a:t>
+              <a:t> --qos</a:t>
             </a:r>
             <a:r>
               <a:rPr lang="en-US" sz="2200" dirty="0" smtClean="0">
@@ -23172,29 +23323,8 @@
                 <a:ea typeface="Courier" charset="0"/>
                 <a:cs typeface="Courier" charset="0"/>
               </a:rPr>
-              <a:t>=debug </a:t>
-            </a:r>
-            <a:r>
-              <a:rPr lang="en-US" sz="2200" dirty="0" smtClean="0">
-                <a:latin typeface="Courier" charset="0"/>
-                <a:ea typeface="Courier" charset="0"/>
-                <a:cs typeface="Courier" charset="0"/>
-              </a:rPr>
-              <a:t>--</a:t>
-            </a:r>
-            <a:r>
-              <a:rPr lang="en-US" sz="2200" dirty="0" smtClean="0">
-                <a:latin typeface="Courier" charset="0"/>
-                <a:ea typeface="Courier" charset="0"/>
-                <a:cs typeface="Courier" charset="0"/>
-              </a:rPr>
-              <a:t>time=00:05:00</a:t>
-            </a:r>
-            <a:endParaRPr lang="en-US" sz="2200" dirty="0" smtClean="0">
-              <a:latin typeface="Courier" charset="0"/>
-              <a:ea typeface="Courier" charset="0"/>
-              <a:cs typeface="Courier" charset="0"/>
-            </a:endParaRPr>
+              <a:t>=debug --time=00:05:00</a:t>
+            </a:r>
           </a:p>
           <a:p>
             <a:pPr marL="114300" indent="0">
@@ -23297,7 +23427,7 @@
           <a:p>
             <a:fld id="{F21DF42F-4BC7-1E4D-B4C7-33A7E30F56D4}" type="datetime1">
               <a:rPr lang="en-US" smtClean="0"/>
-              <a:t>11/20/17</a:t>
+              <a:t>12/7/17</a:t>
             </a:fld>
             <a:endParaRPr lang="en-US" dirty="0"/>
           </a:p>
@@ -23527,7 +23657,7 @@
           <a:p>
             <a:fld id="{F176B5BB-6C1E-4446-A4B5-BF7D661481E8}" type="datetime1">
               <a:rPr lang="en-US" smtClean="0"/>
-              <a:t>11/20/17</a:t>
+              <a:t>12/7/17</a:t>
             </a:fld>
             <a:endParaRPr lang="en-US" dirty="0"/>
           </a:p>
@@ -23729,7 +23859,7 @@
           <a:p>
             <a:fld id="{2C3A7136-6CD9-1F44-BF87-1F02B022DD38}" type="datetime1">
               <a:rPr lang="en-US" smtClean="0"/>
-              <a:t>11/20/17</a:t>
+              <a:t>12/7/17</a:t>
             </a:fld>
             <a:endParaRPr lang="en-US"/>
           </a:p>
@@ -23957,7 +24087,7 @@
           <a:p>
             <a:fld id="{DD60739B-9381-D348-A54C-084428A1CE83}" type="datetime1">
               <a:rPr lang="en-US" smtClean="0"/>
-              <a:t>11/20/17</a:t>
+              <a:t>12/7/17</a:t>
             </a:fld>
             <a:endParaRPr lang="en-US"/>
           </a:p>
@@ -24223,7 +24353,7 @@
           <a:p>
             <a:fld id="{E4C2F9E9-0335-9F43-85CD-6D5AFF0B589E}" type="datetime1">
               <a:rPr lang="en-US" smtClean="0"/>
-              <a:t>11/20/17</a:t>
+              <a:t>12/7/17</a:t>
             </a:fld>
             <a:endParaRPr lang="en-US"/>
           </a:p>
@@ -24422,7 +24552,7 @@
           <a:p>
             <a:fld id="{CE5BD4CA-09B4-E54C-901B-62D7687F59E7}" type="datetime1">
               <a:rPr lang="en-US" smtClean="0"/>
-              <a:t>11/20/17</a:t>
+              <a:t>12/7/17</a:t>
             </a:fld>
             <a:endParaRPr lang="en-US"/>
           </a:p>

--- a/rc_new_user_seminar_2017.pptx
+++ b/rc_new_user_seminar_2017.pptx
@@ -251,7 +251,7 @@
           <a:p>
             <a:fld id="{C649942D-A542-EE42-A1CF-1E4FFF53ED67}" type="datetimeFigureOut">
               <a:rPr lang="en-US" smtClean="0"/>
-              <a:t>12/7/17</a:t>
+              <a:t>12/15/17</a:t>
             </a:fld>
             <a:endParaRPr lang="en-US"/>
           </a:p>
@@ -1492,14 +1492,14 @@
               <ma14:placeholderFlag xmlns:ma14="http://schemas.microsoft.com/office/mac/drawingml/2011/main" val="1"/>
             </a:ext>
             <a:ext uri="{909E8E84-426E-40dd-AFC4-6F175D3DCCD1}">
-              <a14:hiddenFill xmlns="" xmlns:a14="http://schemas.microsoft.com/office/drawing/2010/main">
+              <a14:hiddenFill xmlns:a14="http://schemas.microsoft.com/office/drawing/2010/main" xmlns="">
                 <a:solidFill>
                   <a:srgbClr val="FFFFFF"/>
                 </a:solidFill>
               </a14:hiddenFill>
             </a:ext>
             <a:ext uri="{91240B29-F687-4f45-9708-019B960494DF}">
-              <a14:hiddenLine xmlns="" xmlns:a14="http://schemas.microsoft.com/office/drawing/2010/main" w="9525">
+              <a14:hiddenLine xmlns:a14="http://schemas.microsoft.com/office/drawing/2010/main" xmlns="" w="9525">
                 <a:solidFill>
                   <a:srgbClr val="000000"/>
                 </a:solidFill>
@@ -1537,14 +1537,14 @@
           <a:ln/>
           <a:extLst>
             <a:ext uri="{909E8E84-426E-40dd-AFC4-6F175D3DCCD1}">
-              <a14:hiddenFill xmlns="" xmlns:a14="http://schemas.microsoft.com/office/drawing/2010/main">
+              <a14:hiddenFill xmlns:a14="http://schemas.microsoft.com/office/drawing/2010/main" xmlns="">
                 <a:solidFill>
                   <a:srgbClr val="FFFFFF"/>
                 </a:solidFill>
               </a14:hiddenFill>
             </a:ext>
             <a:ext uri="{91240B29-F687-4f45-9708-019B960494DF}">
-              <a14:hiddenLine xmlns="" xmlns:a14="http://schemas.microsoft.com/office/drawing/2010/main" w="9525">
+              <a14:hiddenLine xmlns:a14="http://schemas.microsoft.com/office/drawing/2010/main" xmlns="" w="9525">
                 <a:solidFill>
                   <a:srgbClr val="000000"/>
                 </a:solidFill>
@@ -2581,7 +2581,7 @@
           <a:p>
             <a:fld id="{ECD68DE7-8E14-F140-9BF8-7DF505A7EC71}" type="datetime1">
               <a:rPr lang="en-US" smtClean="0"/>
-              <a:t>12/7/17</a:t>
+              <a:t>12/15/17</a:t>
             </a:fld>
             <a:endParaRPr lang="en-US"/>
           </a:p>
@@ -2771,7 +2771,7 @@
           <a:p>
             <a:fld id="{1D9E6949-9996-6743-8CFF-FA3A56E13506}" type="datetime1">
               <a:rPr lang="en-US" smtClean="0"/>
-              <a:t>12/7/17</a:t>
+              <a:t>12/15/17</a:t>
             </a:fld>
             <a:endParaRPr lang="en-US"/>
           </a:p>
@@ -2971,7 +2971,7 @@
           <a:p>
             <a:fld id="{B889D5DF-D410-3845-BB2F-EEB43AAD8F50}" type="datetime1">
               <a:rPr lang="en-US" smtClean="0"/>
-              <a:t>12/7/17</a:t>
+              <a:t>12/15/17</a:t>
             </a:fld>
             <a:endParaRPr lang="en-US"/>
           </a:p>
@@ -3258,7 +3258,7 @@
           <a:p>
             <a:fld id="{150E7F26-8C30-8C48-992C-4605BCF373C1}" type="datetime1">
               <a:rPr lang="en-US" smtClean="0"/>
-              <a:t>12/7/17</a:t>
+              <a:t>12/15/17</a:t>
             </a:fld>
             <a:endParaRPr lang="en-US"/>
           </a:p>
@@ -3428,7 +3428,7 @@
           <a:p>
             <a:fld id="{043D7B85-D040-214F-9303-7FDDADF77F95}" type="datetime1">
               <a:rPr lang="en-US" smtClean="0"/>
-              <a:t>12/7/17</a:t>
+              <a:t>12/15/17</a:t>
             </a:fld>
             <a:endParaRPr lang="en-US"/>
           </a:p>
@@ -3694,7 +3694,7 @@
           <a:p>
             <a:fld id="{77B1075F-B81A-5940-A68D-45596C356335}" type="datetime1">
               <a:rPr lang="en-US" smtClean="0"/>
-              <a:t>12/7/17</a:t>
+              <a:t>12/15/17</a:t>
             </a:fld>
             <a:endParaRPr lang="en-US"/>
           </a:p>
@@ -4002,7 +4002,7 @@
           <a:p>
             <a:fld id="{39113FC0-C6F8-6E40-8D7A-F2A1A22961FE}" type="datetime1">
               <a:rPr lang="en-US" smtClean="0"/>
-              <a:t>12/7/17</a:t>
+              <a:t>12/15/17</a:t>
             </a:fld>
             <a:endParaRPr lang="en-US"/>
           </a:p>
@@ -4456,7 +4456,7 @@
           <a:p>
             <a:fld id="{37F32D73-5A99-464A-8594-B551FF72C9D9}" type="datetime1">
               <a:rPr lang="en-US" smtClean="0"/>
-              <a:t>12/7/17</a:t>
+              <a:t>12/15/17</a:t>
             </a:fld>
             <a:endParaRPr lang="en-US"/>
           </a:p>
@@ -4594,7 +4594,7 @@
           <a:p>
             <a:fld id="{E82BF7D7-27C3-CF45-B820-FC005A5F8688}" type="datetime1">
               <a:rPr lang="en-US" smtClean="0"/>
-              <a:t>12/7/17</a:t>
+              <a:t>12/15/17</a:t>
             </a:fld>
             <a:endParaRPr lang="en-US"/>
           </a:p>
@@ -4709,7 +4709,7 @@
           <a:p>
             <a:fld id="{9555053E-C274-C74C-A284-88F22C581203}" type="datetime1">
               <a:rPr lang="en-US" smtClean="0"/>
-              <a:t>12/7/17</a:t>
+              <a:t>12/15/17</a:t>
             </a:fld>
             <a:endParaRPr lang="en-US"/>
           </a:p>
@@ -4923,7 +4923,7 @@
           <a:p>
             <a:fld id="{7A689FF8-7D69-1D41-AF80-D980840BCB23}" type="datetime1">
               <a:rPr lang="en-US" smtClean="0"/>
-              <a:t>12/7/17</a:t>
+              <a:t>12/15/17</a:t>
             </a:fld>
             <a:endParaRPr lang="en-US"/>
           </a:p>
@@ -5266,7 +5266,7 @@
           <a:p>
             <a:fld id="{B2055EBF-49EC-E44B-96CA-4F8E3FBF2465}" type="datetime1">
               <a:rPr lang="en-US" smtClean="0"/>
-              <a:t>12/7/17</a:t>
+              <a:t>12/15/17</a:t>
             </a:fld>
             <a:endParaRPr lang="en-US"/>
           </a:p>
@@ -5629,7 +5629,7 @@
           <a:p>
             <a:fld id="{96D7D345-C39C-A44C-AF4E-9524445B1337}" type="datetime1">
               <a:rPr lang="en-US" smtClean="0"/>
-              <a:t>12/7/17</a:t>
+              <a:t>12/15/17</a:t>
             </a:fld>
             <a:endParaRPr lang="en-US"/>
           </a:p>
@@ -6222,7 +6222,7 @@
           <a:p>
             <a:fld id="{BD3E17D7-4415-0A45-8086-1E9B50478751}" type="datetime1">
               <a:rPr lang="en-US" smtClean="0"/>
-              <a:t>12/7/17</a:t>
+              <a:t>12/15/17</a:t>
             </a:fld>
             <a:endParaRPr lang="en-US" dirty="0"/>
           </a:p>
@@ -6404,7 +6404,7 @@
           <a:p>
             <a:fld id="{4676C52D-A00D-2248-AAC1-94BD55906AAC}" type="datetime1">
               <a:rPr lang="en-US" smtClean="0"/>
-              <a:t>12/7/17</a:t>
+              <a:t>12/15/17</a:t>
             </a:fld>
             <a:endParaRPr lang="en-US"/>
           </a:p>
@@ -6594,7 +6594,7 @@
           <a:p>
             <a:fld id="{446EC888-7CFD-C641-9F44-9678633359F5}" type="datetime1">
               <a:rPr lang="en-US" smtClean="0"/>
-              <a:t>12/7/17</a:t>
+              <a:t>12/15/17</a:t>
             </a:fld>
             <a:endParaRPr lang="en-US"/>
           </a:p>
@@ -6785,7 +6785,7 @@
           <a:p>
             <a:fld id="{9DCF056C-E28A-E84B-82B5-F09CA8CCF7AA}" type="datetime1">
               <a:rPr lang="en-US" smtClean="0"/>
-              <a:t>12/7/17</a:t>
+              <a:t>12/15/17</a:t>
             </a:fld>
             <a:endParaRPr lang="en-US" dirty="0"/>
           </a:p>
@@ -6986,7 +6986,7 @@
           <a:p>
             <a:fld id="{F20BFDB3-A603-BF47-BB0C-9DB4A86B14A1}" type="datetime1">
               <a:rPr lang="en-US" smtClean="0"/>
-              <a:t>12/7/17</a:t>
+              <a:t>12/15/17</a:t>
             </a:fld>
             <a:endParaRPr lang="en-US" dirty="0"/>
           </a:p>
@@ -7169,7 +7169,7 @@
           <a:p>
             <a:fld id="{C74A8494-43BC-5246-A5F8-7C026E3A2506}" type="datetime1">
               <a:rPr lang="en-US" smtClean="0"/>
-              <a:t>12/7/17</a:t>
+              <a:t>12/15/17</a:t>
             </a:fld>
             <a:endParaRPr lang="en-US" dirty="0"/>
           </a:p>
@@ -7360,7 +7360,7 @@
           <a:p>
             <a:fld id="{565D631E-63D9-2946-A4FB-64ADF73B9F46}" type="datetime1">
               <a:rPr lang="en-US" smtClean="0"/>
-              <a:t>12/7/17</a:t>
+              <a:t>12/15/17</a:t>
             </a:fld>
             <a:endParaRPr lang="en-US" dirty="0"/>
           </a:p>
@@ -7549,7 +7549,7 @@
           <a:p>
             <a:fld id="{D6A24DE9-2A38-9F4F-9441-F5E45DF3B582}" type="datetime1">
               <a:rPr lang="en-US" smtClean="0"/>
-              <a:t>12/7/17</a:t>
+              <a:t>12/15/17</a:t>
             </a:fld>
             <a:endParaRPr lang="en-US" dirty="0"/>
           </a:p>
@@ -7731,7 +7731,7 @@
           <a:p>
             <a:fld id="{14C7FEA5-DE78-1148-84A0-7BFCB44B4D67}" type="datetime1">
               <a:rPr lang="en-US" smtClean="0"/>
-              <a:t>12/7/17</a:t>
+              <a:t>12/15/17</a:t>
             </a:fld>
             <a:endParaRPr lang="en-US"/>
           </a:p>
@@ -8065,7 +8065,7 @@
           <a:p>
             <a:fld id="{8885B798-E31F-EF48-B899-212976AF87DE}" type="datetime1">
               <a:rPr lang="en-US" smtClean="0"/>
-              <a:t>12/7/17</a:t>
+              <a:t>12/15/17</a:t>
             </a:fld>
             <a:endParaRPr lang="en-US" dirty="0"/>
           </a:p>
@@ -8252,7 +8252,7 @@
           <a:p>
             <a:fld id="{BFB05F3F-E948-DD41-9031-1B2AF49AD76C}" type="datetime1">
               <a:rPr lang="en-US" smtClean="0"/>
-              <a:t>12/7/17</a:t>
+              <a:t>12/15/17</a:t>
             </a:fld>
             <a:endParaRPr lang="en-US"/>
           </a:p>
@@ -8472,7 +8472,7 @@
           <a:p>
             <a:fld id="{771A8861-859A-A949-A7D3-0A76732EE9EB}" type="datetime1">
               <a:rPr lang="en-US" smtClean="0"/>
-              <a:t>12/7/17</a:t>
+              <a:t>12/15/17</a:t>
             </a:fld>
             <a:endParaRPr lang="en-US" dirty="0"/>
           </a:p>
@@ -8691,7 +8691,7 @@
           <a:p>
             <a:fld id="{D5EAB504-1A42-5949-AE07-2AC2FB9C6C54}" type="datetime1">
               <a:rPr lang="en-US" smtClean="0"/>
-              <a:t>12/7/17</a:t>
+              <a:t>12/15/17</a:t>
             </a:fld>
             <a:endParaRPr lang="en-US" dirty="0"/>
           </a:p>
@@ -8928,7 +8928,7 @@
           <a:p>
             <a:fld id="{79168923-96D4-8249-9655-376DD4AC8146}" type="datetime1">
               <a:rPr lang="en-US" smtClean="0"/>
-              <a:t>12/7/17</a:t>
+              <a:t>12/15/17</a:t>
             </a:fld>
             <a:endParaRPr lang="en-US"/>
           </a:p>
@@ -9431,7 +9431,7 @@
           <a:p>
             <a:fld id="{F92F4056-9118-9A49-8EA1-59B389654B04}" type="datetime1">
               <a:rPr lang="en-US" smtClean="0"/>
-              <a:t>12/7/17</a:t>
+              <a:t>12/15/17</a:t>
             </a:fld>
             <a:endParaRPr lang="en-US"/>
           </a:p>
@@ -9659,7 +9659,7 @@
           <a:p>
             <a:fld id="{6A2AF87B-5DE4-7242-B926-81C627D286DE}" type="datetime1">
               <a:rPr lang="en-US" smtClean="0"/>
-              <a:t>12/7/17</a:t>
+              <a:t>12/15/17</a:t>
             </a:fld>
             <a:endParaRPr lang="en-US"/>
           </a:p>
@@ -9864,7 +9864,7 @@
           <a:p>
             <a:fld id="{C409689E-59C4-3149-BC30-04475534628F}" type="datetime1">
               <a:rPr lang="en-US" smtClean="0"/>
-              <a:t>12/7/17</a:t>
+              <a:t>12/15/17</a:t>
             </a:fld>
             <a:endParaRPr lang="en-US"/>
           </a:p>
@@ -10074,7 +10074,7 @@
           <a:p>
             <a:fld id="{A4F0CB77-59E8-AA4B-8AF0-F960A2371B83}" type="datetime1">
               <a:rPr lang="en-US" smtClean="0"/>
-              <a:t>12/7/17</a:t>
+              <a:t>12/15/17</a:t>
             </a:fld>
             <a:endParaRPr lang="en-US"/>
           </a:p>
@@ -10367,7 +10367,7 @@
           <a:p>
             <a:fld id="{2CB1BB01-A22C-0E44-AE14-9BA42F328388}" type="datetime1">
               <a:rPr lang="en-US" smtClean="0"/>
-              <a:t>12/7/17</a:t>
+              <a:t>12/15/17</a:t>
             </a:fld>
             <a:endParaRPr lang="en-US" dirty="0"/>
           </a:p>
@@ -10502,7 +10502,7 @@
           <a:p>
             <a:fld id="{EF2E92D6-81C2-2349-8DFB-1F1A7DD82F92}" type="datetime1">
               <a:rPr lang="en-US" smtClean="0"/>
-              <a:t>12/7/17</a:t>
+              <a:t>12/15/17</a:t>
             </a:fld>
             <a:endParaRPr lang="en-US"/>
           </a:p>
@@ -10705,7 +10705,7 @@
           <a:p>
             <a:fld id="{8C1A9D32-265E-194F-AF93-71B2043231E0}" type="datetime1">
               <a:rPr lang="en-US" smtClean="0"/>
-              <a:t>12/7/17</a:t>
+              <a:t>12/15/17</a:t>
             </a:fld>
             <a:endParaRPr lang="en-US"/>
           </a:p>
@@ -10931,7 +10931,7 @@
           <a:p>
             <a:fld id="{4ACF55D2-6E15-324D-A853-3288224DF348}" type="datetime1">
               <a:rPr lang="en-US" smtClean="0"/>
-              <a:t>12/7/17</a:t>
+              <a:t>12/15/17</a:t>
             </a:fld>
             <a:endParaRPr lang="en-US" dirty="0"/>
           </a:p>
@@ -11148,7 +11148,7 @@
           <a:p>
             <a:fld id="{2BF9B4AA-B499-8C4E-9B8E-811BDC42AB72}" type="datetime1">
               <a:rPr lang="en-US" smtClean="0"/>
-              <a:t>12/7/17</a:t>
+              <a:t>12/15/17</a:t>
             </a:fld>
             <a:endParaRPr lang="en-US"/>
           </a:p>
@@ -11373,7 +11373,7 @@
           <a:p>
             <a:fld id="{09667844-52C5-454C-91DA-DA641038CED4}" type="datetime1">
               <a:rPr lang="en-US" smtClean="0"/>
-              <a:t>12/7/17</a:t>
+              <a:t>12/15/17</a:t>
             </a:fld>
             <a:endParaRPr lang="en-US"/>
           </a:p>
@@ -11502,7 +11502,7 @@
           <a:p>
             <a:fld id="{D20DA3BF-08CB-8A4B-9523-EAB60681977A}" type="datetime1">
               <a:rPr lang="en-US" smtClean="0"/>
-              <a:t>12/7/17</a:t>
+              <a:t>12/15/17</a:t>
             </a:fld>
             <a:endParaRPr lang="en-US"/>
           </a:p>
@@ -13447,7 +13447,7 @@
           <a:p>
             <a:fld id="{A3C9C1BB-C1E4-004E-B76B-8C60A87CB160}" type="datetime1">
               <a:rPr lang="en-US" smtClean="0"/>
-              <a:t>12/7/17</a:t>
+              <a:t>12/15/17</a:t>
             </a:fld>
             <a:endParaRPr lang="en-US"/>
           </a:p>
@@ -15600,7 +15600,7 @@
                 <a:ea typeface="Courier New" charset="0"/>
                 <a:cs typeface="Courier New" charset="0"/>
               </a:rPr>
-              <a:t>test.sh</a:t>
+              <a:t>test.py</a:t>
             </a:r>
             <a:endParaRPr lang="en-US" dirty="0" smtClean="0">
               <a:latin typeface="Courier New" charset="0"/>
@@ -15627,7 +15627,7 @@
           <a:p>
             <a:fld id="{D7C17083-DB9E-DF40-9FF1-3C3BBD3126F3}" type="datetime1">
               <a:rPr lang="en-US" smtClean="0"/>
-              <a:t>12/7/17</a:t>
+              <a:t>12/15/17</a:t>
             </a:fld>
             <a:endParaRPr lang="en-US" dirty="0"/>
           </a:p>
@@ -16148,7 +16148,7 @@
           <a:p>
             <a:fld id="{F1062F58-FDE1-BA4D-BB8C-2264A72B5428}" type="datetime1">
               <a:rPr lang="en-US" smtClean="0"/>
-              <a:t>12/7/17</a:t>
+              <a:t>12/15/17</a:t>
             </a:fld>
             <a:endParaRPr lang="en-US" dirty="0"/>
           </a:p>
@@ -16441,7 +16441,7 @@
           <a:p>
             <a:fld id="{57D010C4-F61A-344B-ACB4-6FFCD098ACFF}" type="datetime1">
               <a:rPr lang="en-US" smtClean="0"/>
-              <a:t>12/7/17</a:t>
+              <a:t>12/15/17</a:t>
             </a:fld>
             <a:endParaRPr lang="en-US"/>
           </a:p>
@@ -16739,7 +16739,31 @@
                 <a:ea typeface="Courier" charset="0"/>
                 <a:cs typeface="Courier" charset="0"/>
               </a:rPr>
-              <a:t>     </a:t>
+              <a:t>     --</a:t>
+            </a:r>
+            <a:r>
+              <a:rPr lang="en-US" dirty="0" err="1" smtClean="0">
+                <a:latin typeface="Courier" charset="0"/>
+                <a:ea typeface="Courier" charset="0"/>
+                <a:cs typeface="Courier" charset="0"/>
+              </a:rPr>
+              <a:t>qos</a:t>
+            </a:r>
+            <a:r>
+              <a:rPr lang="en-US" dirty="0">
+                <a:latin typeface="Courier" charset="0"/>
+                <a:ea typeface="Courier" charset="0"/>
+                <a:cs typeface="Courier" charset="0"/>
+              </a:rPr>
+              <a:t>=</a:t>
+            </a:r>
+            <a:r>
+              <a:rPr lang="en-US" dirty="0" err="1" smtClean="0">
+                <a:latin typeface="Courier" charset="0"/>
+                <a:ea typeface="Courier" charset="0"/>
+                <a:cs typeface="Courier" charset="0"/>
+              </a:rPr>
+              <a:t>blanca</a:t>
             </a:r>
             <a:r>
               <a:rPr lang="en-US" dirty="0" smtClean="0">
@@ -16747,46 +16771,6 @@
                 <a:ea typeface="Courier" charset="0"/>
                 <a:cs typeface="Courier" charset="0"/>
               </a:rPr>
-              <a:t>--</a:t>
-            </a:r>
-            <a:r>
-              <a:rPr lang="en-US" dirty="0" err="1" smtClean="0">
-                <a:latin typeface="Courier" charset="0"/>
-                <a:ea typeface="Courier" charset="0"/>
-                <a:cs typeface="Courier" charset="0"/>
-              </a:rPr>
-              <a:t>q</a:t>
-            </a:r>
-            <a:r>
-              <a:rPr lang="en-US" dirty="0" err="1" smtClean="0">
-                <a:latin typeface="Courier" charset="0"/>
-                <a:ea typeface="Courier" charset="0"/>
-                <a:cs typeface="Courier" charset="0"/>
-              </a:rPr>
-              <a:t>os</a:t>
-            </a:r>
-            <a:r>
-              <a:rPr lang="en-US" dirty="0">
-                <a:latin typeface="Courier" charset="0"/>
-                <a:ea typeface="Courier" charset="0"/>
-                <a:cs typeface="Courier" charset="0"/>
-              </a:rPr>
-              <a:t>=</a:t>
-            </a:r>
-            <a:r>
-              <a:rPr lang="en-US" dirty="0" err="1" smtClean="0">
-                <a:latin typeface="Courier" charset="0"/>
-                <a:ea typeface="Courier" charset="0"/>
-                <a:cs typeface="Courier" charset="0"/>
-              </a:rPr>
-              <a:t>blanca</a:t>
-            </a:r>
-            <a:r>
-              <a:rPr lang="en-US" dirty="0" smtClean="0">
-                <a:latin typeface="Courier" charset="0"/>
-                <a:ea typeface="Courier" charset="0"/>
-                <a:cs typeface="Courier" charset="0"/>
-              </a:rPr>
               <a:t> </a:t>
             </a:r>
             <a:r>
@@ -16797,11 +16781,6 @@
               </a:rPr>
               <a:t>for low-priority access</a:t>
             </a:r>
-            <a:endParaRPr lang="en-US" dirty="0" smtClean="0">
-              <a:latin typeface="Helvetica Neue" charset="0"/>
-              <a:ea typeface="Helvetica Neue" charset="0"/>
-              <a:cs typeface="Helvetica Neue" charset="0"/>
-            </a:endParaRPr>
           </a:p>
           <a:p>
             <a:endParaRPr lang="en-US" dirty="0" smtClean="0"/>
@@ -16844,7 +16823,7 @@
           <a:p>
             <a:fld id="{36D94695-4FE4-B74D-9FEF-603C469ABA33}" type="datetime1">
               <a:rPr lang="en-US" smtClean="0"/>
-              <a:t>12/7/17</a:t>
+              <a:t>12/15/17</a:t>
             </a:fld>
             <a:endParaRPr lang="en-US"/>
           </a:p>
@@ -17097,7 +17076,7 @@
           <a:p>
             <a:fld id="{A2DD7857-83C0-944C-808D-7EBD666BA1C5}" type="datetime1">
               <a:rPr lang="en-US" smtClean="0"/>
-              <a:t>12/7/17</a:t>
+              <a:t>12/15/17</a:t>
             </a:fld>
             <a:endParaRPr lang="en-US"/>
           </a:p>
@@ -17232,7 +17211,7 @@
           <a:p>
             <a:fld id="{D0F1EC55-3BF6-B94A-A8A8-ECF9B2E6E6A5}" type="datetime1">
               <a:rPr lang="en-US" smtClean="0"/>
-              <a:t>12/7/17</a:t>
+              <a:t>12/15/17</a:t>
             </a:fld>
             <a:endParaRPr lang="en-US" dirty="0"/>
           </a:p>
@@ -17493,7 +17472,7 @@
           <a:p>
             <a:fld id="{50F15D87-D865-834D-8095-85B47E5D857D}" type="datetime1">
               <a:rPr lang="en-US" smtClean="0"/>
-              <a:t>12/7/17</a:t>
+              <a:t>12/15/17</a:t>
             </a:fld>
             <a:endParaRPr lang="en-US"/>
           </a:p>
@@ -17709,7 +17688,7 @@
           <a:p>
             <a:fld id="{157FD4B1-436B-5B42-B797-4F45D1B6B6A9}" type="datetime1">
               <a:rPr lang="en-US" smtClean="0"/>
-              <a:t>12/7/17</a:t>
+              <a:t>12/15/17</a:t>
             </a:fld>
             <a:endParaRPr lang="en-US" dirty="0"/>
           </a:p>
@@ -18201,7 +18180,7 @@
           <a:p>
             <a:fld id="{9650BA27-C1AA-FC4E-A90D-29775570A7B1}" type="datetime1">
               <a:rPr lang="en-US" smtClean="0"/>
-              <a:t>12/7/17</a:t>
+              <a:t>12/15/17</a:t>
             </a:fld>
             <a:endParaRPr lang="en-US"/>
           </a:p>
@@ -18516,7 +18495,7 @@
           <a:p>
             <a:fld id="{F595C32F-4FDD-1845-9DAD-BF783B30F4EA}" type="datetime1">
               <a:rPr lang="en-US" smtClean="0"/>
-              <a:t>12/7/17</a:t>
+              <a:t>12/15/17</a:t>
             </a:fld>
             <a:endParaRPr lang="en-US"/>
           </a:p>
@@ -18852,7 +18831,7 @@
           <a:p>
             <a:fld id="{7A593D67-D80B-D341-95C2-D8FD019BB686}" type="datetime1">
               <a:rPr lang="en-US" smtClean="0"/>
-              <a:t>12/7/17</a:t>
+              <a:t>12/15/17</a:t>
             </a:fld>
             <a:endParaRPr lang="en-US" dirty="0"/>
           </a:p>
@@ -19178,7 +19157,7 @@
           <a:p>
             <a:fld id="{26A447B6-DA76-2941-9271-7615FCF773C3}" type="datetime1">
               <a:rPr lang="en-US" smtClean="0"/>
-              <a:t>12/7/17</a:t>
+              <a:t>12/15/17</a:t>
             </a:fld>
             <a:endParaRPr lang="en-US"/>
           </a:p>
@@ -19514,7 +19493,7 @@
           <a:p>
             <a:fld id="{38B2C89D-A2C7-BC4F-80C2-CF46C745D9C4}" type="datetime1">
               <a:rPr lang="en-US" smtClean="0"/>
-              <a:t>12/7/17</a:t>
+              <a:t>12/15/17</a:t>
             </a:fld>
             <a:endParaRPr lang="en-US"/>
           </a:p>
@@ -20106,7 +20085,7 @@
           <a:p>
             <a:fld id="{EBDED0D2-C1DA-5148-BCD1-FD0E375E4368}" type="datetime1">
               <a:rPr lang="en-US" smtClean="0"/>
-              <a:t>12/7/17</a:t>
+              <a:t>12/15/17</a:t>
             </a:fld>
             <a:endParaRPr lang="en-US"/>
           </a:p>
@@ -20298,7 +20277,7 @@
           <a:p>
             <a:fld id="{58476822-42A8-164F-A773-7C6D2A6A81DB}" type="datetime1">
               <a:rPr lang="en-US" smtClean="0"/>
-              <a:t>12/7/17</a:t>
+              <a:t>12/15/17</a:t>
             </a:fld>
             <a:endParaRPr lang="en-US" dirty="0"/>
           </a:p>
@@ -20551,7 +20530,7 @@
           <a:p>
             <a:fld id="{743333A5-8F5B-BA46-B1A8-D091CAAF002B}" type="datetime1">
               <a:rPr lang="en-US" smtClean="0"/>
-              <a:t>12/7/17</a:t>
+              <a:t>12/15/17</a:t>
             </a:fld>
             <a:endParaRPr lang="en-US"/>
           </a:p>
@@ -21193,7 +21172,7 @@
           <a:p>
             <a:fld id="{AE89C334-26D2-F346-A763-FB59B0897930}" type="datetime1">
               <a:rPr lang="en-US" smtClean="0"/>
-              <a:t>12/7/17</a:t>
+              <a:t>12/15/17</a:t>
             </a:fld>
             <a:endParaRPr lang="en-US"/>
           </a:p>
@@ -21601,7 +21580,7 @@
           <a:p>
             <a:fld id="{0E391325-9FAD-3B48-ABBB-A2878079FE51}" type="datetime1">
               <a:rPr lang="en-US" smtClean="0"/>
-              <a:t>12/7/17</a:t>
+              <a:t>12/15/17</a:t>
             </a:fld>
             <a:endParaRPr lang="en-US"/>
           </a:p>
@@ -21836,7 +21815,7 @@
           <a:p>
             <a:fld id="{406683BE-7CE6-C246-A895-91EACBC36081}" type="datetime1">
               <a:rPr lang="en-US" smtClean="0"/>
-              <a:t>12/7/17</a:t>
+              <a:t>12/15/17</a:t>
             </a:fld>
             <a:endParaRPr lang="en-US" dirty="0"/>
           </a:p>
@@ -22345,7 +22324,7 @@
           <a:p>
             <a:fld id="{C4F2F9E0-2BB7-644A-A8C2-4F89A10BA621}" type="datetime1">
               <a:rPr lang="en-US" smtClean="0"/>
-              <a:t>12/7/17</a:t>
+              <a:t>12/15/17</a:t>
             </a:fld>
             <a:endParaRPr lang="en-US"/>
           </a:p>
@@ -22602,7 +22581,7 @@
           <a:p>
             <a:fld id="{9890B64F-BD66-014F-8385-76577B03EE8A}" type="datetime1">
               <a:rPr lang="en-US" smtClean="0"/>
-              <a:t>12/7/17</a:t>
+              <a:t>12/15/17</a:t>
             </a:fld>
             <a:endParaRPr lang="en-US"/>
           </a:p>
@@ -22785,7 +22764,7 @@
           <a:p>
             <a:fld id="{24EAC218-805B-5942-9D1C-1CAF707EFBDF}" type="datetime1">
               <a:rPr lang="en-US" smtClean="0"/>
-              <a:t>12/7/17</a:t>
+              <a:t>12/15/17</a:t>
             </a:fld>
             <a:endParaRPr lang="en-US" dirty="0"/>
           </a:p>
@@ -23101,7 +23080,7 @@
           <a:p>
             <a:fld id="{E12727D1-4C82-404C-B300-E3C9ED3E7415}" type="datetime1">
               <a:rPr lang="en-US" smtClean="0"/>
-              <a:t>12/7/17</a:t>
+              <a:t>12/15/17</a:t>
             </a:fld>
             <a:endParaRPr lang="en-US" dirty="0"/>
           </a:p>
@@ -23427,7 +23406,7 @@
           <a:p>
             <a:fld id="{F21DF42F-4BC7-1E4D-B4C7-33A7E30F56D4}" type="datetime1">
               <a:rPr lang="en-US" smtClean="0"/>
-              <a:t>12/7/17</a:t>
+              <a:t>12/15/17</a:t>
             </a:fld>
             <a:endParaRPr lang="en-US" dirty="0"/>
           </a:p>
@@ -23657,7 +23636,7 @@
           <a:p>
             <a:fld id="{F176B5BB-6C1E-4446-A4B5-BF7D661481E8}" type="datetime1">
               <a:rPr lang="en-US" smtClean="0"/>
-              <a:t>12/7/17</a:t>
+              <a:t>12/15/17</a:t>
             </a:fld>
             <a:endParaRPr lang="en-US" dirty="0"/>
           </a:p>
@@ -23859,7 +23838,7 @@
           <a:p>
             <a:fld id="{2C3A7136-6CD9-1F44-BF87-1F02B022DD38}" type="datetime1">
               <a:rPr lang="en-US" smtClean="0"/>
-              <a:t>12/7/17</a:t>
+              <a:t>12/15/17</a:t>
             </a:fld>
             <a:endParaRPr lang="en-US"/>
           </a:p>
@@ -24087,7 +24066,7 @@
           <a:p>
             <a:fld id="{DD60739B-9381-D348-A54C-084428A1CE83}" type="datetime1">
               <a:rPr lang="en-US" smtClean="0"/>
-              <a:t>12/7/17</a:t>
+              <a:t>12/15/17</a:t>
             </a:fld>
             <a:endParaRPr lang="en-US"/>
           </a:p>
@@ -24353,7 +24332,7 @@
           <a:p>
             <a:fld id="{E4C2F9E9-0335-9F43-85CD-6D5AFF0B589E}" type="datetime1">
               <a:rPr lang="en-US" smtClean="0"/>
-              <a:t>12/7/17</a:t>
+              <a:t>12/15/17</a:t>
             </a:fld>
             <a:endParaRPr lang="en-US"/>
           </a:p>
@@ -24552,7 +24531,7 @@
           <a:p>
             <a:fld id="{CE5BD4CA-09B4-E54C-901B-62D7687F59E7}" type="datetime1">
               <a:rPr lang="en-US" smtClean="0"/>
-              <a:t>12/7/17</a:t>
+              <a:t>12/15/17</a:t>
             </a:fld>
             <a:endParaRPr lang="en-US"/>
           </a:p>
